--- a/presentations/algorithm_overview.pptx
+++ b/presentations/algorithm_overview.pptx
@@ -4,11 +4,25 @@
   <p:sldMasterIdLst>
     <p:sldMasterId id="2147483648" r:id="rId1"/>
   </p:sldMasterIdLst>
+  <p:notesMasterIdLst>
+    <p:notesMasterId r:id="rId17"/>
+  </p:notesMasterIdLst>
   <p:sldIdLst>
-    <p:sldId id="257" r:id="rId2"/>
-    <p:sldId id="258" r:id="rId3"/>
-    <p:sldId id="259" r:id="rId4"/>
-    <p:sldId id="260" r:id="rId5"/>
+    <p:sldId id="261" r:id="rId2"/>
+    <p:sldId id="262" r:id="rId3"/>
+    <p:sldId id="257" r:id="rId4"/>
+    <p:sldId id="258" r:id="rId5"/>
+    <p:sldId id="267" r:id="rId6"/>
+    <p:sldId id="271" r:id="rId7"/>
+    <p:sldId id="272" r:id="rId8"/>
+    <p:sldId id="273" r:id="rId9"/>
+    <p:sldId id="274" r:id="rId10"/>
+    <p:sldId id="266" r:id="rId11"/>
+    <p:sldId id="275" r:id="rId12"/>
+    <p:sldId id="259" r:id="rId13"/>
+    <p:sldId id="264" r:id="rId14"/>
+    <p:sldId id="265" r:id="rId15"/>
+    <p:sldId id="269" r:id="rId16"/>
   </p:sldIdLst>
   <p:sldSz cx="12192000" cy="6858000"/>
   <p:notesSz cx="6858000" cy="9144000"/>
@@ -108,11 +122,494 @@
     </a:lvl9pPr>
   </p:defaultTextStyle>
   <p:extLst>
+    <p:ext uri="{521415D9-36F7-43E2-AB2F-B90AF26B5E84}">
+      <p14:sectionLst xmlns:p14="http://schemas.microsoft.com/office/powerpoint/2010/main">
+        <p14:section name="Default Section" id="{56324E76-9790-44FB-8590-54E393F0F988}">
+          <p14:sldIdLst>
+            <p14:sldId id="261"/>
+            <p14:sldId id="262"/>
+            <p14:sldId id="257"/>
+            <p14:sldId id="258"/>
+          </p14:sldIdLst>
+        </p14:section>
+        <p14:section name="Untitled Section" id="{F27EC834-F0C7-4559-B178-D85FCF03D032}">
+          <p14:sldIdLst>
+            <p14:sldId id="267"/>
+            <p14:sldId id="271"/>
+            <p14:sldId id="272"/>
+            <p14:sldId id="273"/>
+            <p14:sldId id="274"/>
+            <p14:sldId id="266"/>
+            <p14:sldId id="275"/>
+            <p14:sldId id="259"/>
+            <p14:sldId id="264"/>
+            <p14:sldId id="265"/>
+            <p14:sldId id="269"/>
+          </p14:sldIdLst>
+        </p14:section>
+      </p14:sectionLst>
+    </p:ext>
     <p:ext uri="{EFAFB233-063F-42B5-8137-9DF3F51BA10A}">
       <p15:sldGuideLst xmlns:p15="http://schemas.microsoft.com/office/powerpoint/2012/main"/>
     </p:ext>
   </p:extLst>
 </p:presentation>
+</file>
+
+<file path=ppt/notesMasters/notesMaster1.xml><?xml version="1.0" encoding="utf-8"?>
+<p:notesMaster xmlns:a="http://schemas.openxmlformats.org/drawingml/2006/main" xmlns:r="http://schemas.openxmlformats.org/officeDocument/2006/relationships" xmlns:p="http://schemas.openxmlformats.org/presentationml/2006/main">
+  <p:cSld>
+    <p:bg>
+      <p:bgRef idx="1001">
+        <a:schemeClr val="bg1"/>
+      </p:bgRef>
+    </p:bg>
+    <p:spTree>
+      <p:nvGrpSpPr>
+        <p:cNvPr id="1" name=""/>
+        <p:cNvGrpSpPr/>
+        <p:nvPr/>
+      </p:nvGrpSpPr>
+      <p:grpSpPr>
+        <a:xfrm>
+          <a:off x="0" y="0"/>
+          <a:ext cx="0" cy="0"/>
+          <a:chOff x="0" y="0"/>
+          <a:chExt cx="0" cy="0"/>
+        </a:xfrm>
+      </p:grpSpPr>
+      <p:sp>
+        <p:nvSpPr>
+          <p:cNvPr id="2" name="Header Placeholder 1"/>
+          <p:cNvSpPr>
+            <a:spLocks noGrp="1"/>
+          </p:cNvSpPr>
+          <p:nvPr>
+            <p:ph type="hdr" sz="quarter"/>
+          </p:nvPr>
+        </p:nvSpPr>
+        <p:spPr>
+          <a:xfrm>
+            <a:off x="0" y="0"/>
+            <a:ext cx="2971800" cy="458788"/>
+          </a:xfrm>
+          <a:prstGeom prst="rect">
+            <a:avLst/>
+          </a:prstGeom>
+        </p:spPr>
+        <p:txBody>
+          <a:bodyPr vert="horz" lIns="91440" tIns="45720" rIns="91440" bIns="45720" rtlCol="0"/>
+          <a:lstStyle>
+            <a:lvl1pPr algn="l">
+              <a:defRPr sz="1200"/>
+            </a:lvl1pPr>
+          </a:lstStyle>
+          <a:p>
+            <a:endParaRPr lang="en-US"/>
+          </a:p>
+        </p:txBody>
+      </p:sp>
+      <p:sp>
+        <p:nvSpPr>
+          <p:cNvPr id="3" name="Date Placeholder 2"/>
+          <p:cNvSpPr>
+            <a:spLocks noGrp="1"/>
+          </p:cNvSpPr>
+          <p:nvPr>
+            <p:ph type="dt" idx="1"/>
+          </p:nvPr>
+        </p:nvSpPr>
+        <p:spPr>
+          <a:xfrm>
+            <a:off x="3884613" y="0"/>
+            <a:ext cx="2971800" cy="458788"/>
+          </a:xfrm>
+          <a:prstGeom prst="rect">
+            <a:avLst/>
+          </a:prstGeom>
+        </p:spPr>
+        <p:txBody>
+          <a:bodyPr vert="horz" lIns="91440" tIns="45720" rIns="91440" bIns="45720" rtlCol="0"/>
+          <a:lstStyle>
+            <a:lvl1pPr algn="r">
+              <a:defRPr sz="1200"/>
+            </a:lvl1pPr>
+          </a:lstStyle>
+          <a:p>
+            <a:fld id="{04BDABAD-20ED-488D-B4FF-EA3611E5B067}" type="datetimeFigureOut">
+              <a:rPr lang="en-US" smtClean="0"/>
+              <a:t>6/13/2017</a:t>
+            </a:fld>
+            <a:endParaRPr lang="en-US"/>
+          </a:p>
+        </p:txBody>
+      </p:sp>
+      <p:sp>
+        <p:nvSpPr>
+          <p:cNvPr id="4" name="Slide Image Placeholder 3"/>
+          <p:cNvSpPr>
+            <a:spLocks noGrp="1" noRot="1" noChangeAspect="1"/>
+          </p:cNvSpPr>
+          <p:nvPr>
+            <p:ph type="sldImg" idx="2"/>
+          </p:nvPr>
+        </p:nvSpPr>
+        <p:spPr>
+          <a:xfrm>
+            <a:off x="685800" y="1143000"/>
+            <a:ext cx="5486400" cy="3086100"/>
+          </a:xfrm>
+          <a:prstGeom prst="rect">
+            <a:avLst/>
+          </a:prstGeom>
+          <a:noFill/>
+          <a:ln w="12700">
+            <a:solidFill>
+              <a:prstClr val="black"/>
+            </a:solidFill>
+          </a:ln>
+        </p:spPr>
+        <p:txBody>
+          <a:bodyPr vert="horz" lIns="91440" tIns="45720" rIns="91440" bIns="45720" rtlCol="0" anchor="ctr"/>
+          <a:lstStyle/>
+          <a:p>
+            <a:endParaRPr lang="en-US"/>
+          </a:p>
+        </p:txBody>
+      </p:sp>
+      <p:sp>
+        <p:nvSpPr>
+          <p:cNvPr id="5" name="Notes Placeholder 4"/>
+          <p:cNvSpPr>
+            <a:spLocks noGrp="1"/>
+          </p:cNvSpPr>
+          <p:nvPr>
+            <p:ph type="body" sz="quarter" idx="3"/>
+          </p:nvPr>
+        </p:nvSpPr>
+        <p:spPr>
+          <a:xfrm>
+            <a:off x="685800" y="4400550"/>
+            <a:ext cx="5486400" cy="3600450"/>
+          </a:xfrm>
+          <a:prstGeom prst="rect">
+            <a:avLst/>
+          </a:prstGeom>
+        </p:spPr>
+        <p:txBody>
+          <a:bodyPr vert="horz" lIns="91440" tIns="45720" rIns="91440" bIns="45720" rtlCol="0"/>
+          <a:lstStyle/>
+          <a:p>
+            <a:pPr lvl="0"/>
+            <a:r>
+              <a:rPr lang="en-US" smtClean="0"/>
+              <a:t>Click to edit Master text styles</a:t>
+            </a:r>
+          </a:p>
+          <a:p>
+            <a:pPr lvl="1"/>
+            <a:r>
+              <a:rPr lang="en-US" smtClean="0"/>
+              <a:t>Second level</a:t>
+            </a:r>
+          </a:p>
+          <a:p>
+            <a:pPr lvl="2"/>
+            <a:r>
+              <a:rPr lang="en-US" smtClean="0"/>
+              <a:t>Third level</a:t>
+            </a:r>
+          </a:p>
+          <a:p>
+            <a:pPr lvl="3"/>
+            <a:r>
+              <a:rPr lang="en-US" smtClean="0"/>
+              <a:t>Fourth level</a:t>
+            </a:r>
+          </a:p>
+          <a:p>
+            <a:pPr lvl="4"/>
+            <a:r>
+              <a:rPr lang="en-US" smtClean="0"/>
+              <a:t>Fifth level</a:t>
+            </a:r>
+            <a:endParaRPr lang="en-US"/>
+          </a:p>
+        </p:txBody>
+      </p:sp>
+      <p:sp>
+        <p:nvSpPr>
+          <p:cNvPr id="6" name="Footer Placeholder 5"/>
+          <p:cNvSpPr>
+            <a:spLocks noGrp="1"/>
+          </p:cNvSpPr>
+          <p:nvPr>
+            <p:ph type="ftr" sz="quarter" idx="4"/>
+          </p:nvPr>
+        </p:nvSpPr>
+        <p:spPr>
+          <a:xfrm>
+            <a:off x="0" y="8685213"/>
+            <a:ext cx="2971800" cy="458787"/>
+          </a:xfrm>
+          <a:prstGeom prst="rect">
+            <a:avLst/>
+          </a:prstGeom>
+        </p:spPr>
+        <p:txBody>
+          <a:bodyPr vert="horz" lIns="91440" tIns="45720" rIns="91440" bIns="45720" rtlCol="0" anchor="b"/>
+          <a:lstStyle>
+            <a:lvl1pPr algn="l">
+              <a:defRPr sz="1200"/>
+            </a:lvl1pPr>
+          </a:lstStyle>
+          <a:p>
+            <a:endParaRPr lang="en-US"/>
+          </a:p>
+        </p:txBody>
+      </p:sp>
+      <p:sp>
+        <p:nvSpPr>
+          <p:cNvPr id="7" name="Slide Number Placeholder 6"/>
+          <p:cNvSpPr>
+            <a:spLocks noGrp="1"/>
+          </p:cNvSpPr>
+          <p:nvPr>
+            <p:ph type="sldNum" sz="quarter" idx="5"/>
+          </p:nvPr>
+        </p:nvSpPr>
+        <p:spPr>
+          <a:xfrm>
+            <a:off x="3884613" y="8685213"/>
+            <a:ext cx="2971800" cy="458787"/>
+          </a:xfrm>
+          <a:prstGeom prst="rect">
+            <a:avLst/>
+          </a:prstGeom>
+        </p:spPr>
+        <p:txBody>
+          <a:bodyPr vert="horz" lIns="91440" tIns="45720" rIns="91440" bIns="45720" rtlCol="0" anchor="b"/>
+          <a:lstStyle>
+            <a:lvl1pPr algn="r">
+              <a:defRPr sz="1200"/>
+            </a:lvl1pPr>
+          </a:lstStyle>
+          <a:p>
+            <a:fld id="{23B2E55D-B988-4C5F-9B64-BD54DAF69BB3}" type="slidenum">
+              <a:rPr lang="en-US" smtClean="0"/>
+              <a:t>‹#›</a:t>
+            </a:fld>
+            <a:endParaRPr lang="en-US"/>
+          </a:p>
+        </p:txBody>
+      </p:sp>
+    </p:spTree>
+    <p:extLst>
+      <p:ext uri="{BB962C8B-B14F-4D97-AF65-F5344CB8AC3E}">
+        <p14:creationId xmlns:p14="http://schemas.microsoft.com/office/powerpoint/2010/main" val="2362844978"/>
+      </p:ext>
+    </p:extLst>
+  </p:cSld>
+  <p:clrMap bg1="lt1" tx1="dk1" bg2="lt2" tx2="dk2" accent1="accent1" accent2="accent2" accent3="accent3" accent4="accent4" accent5="accent5" accent6="accent6" hlink="hlink" folHlink="folHlink"/>
+  <p:notesStyle>
+    <a:lvl1pPr marL="0" algn="l" defTabSz="914400" rtl="0" eaLnBrk="1" latinLnBrk="0" hangingPunct="1">
+      <a:defRPr sz="1200" kern="1200">
+        <a:solidFill>
+          <a:schemeClr val="tx1"/>
+        </a:solidFill>
+        <a:latin typeface="+mn-lt"/>
+        <a:ea typeface="+mn-ea"/>
+        <a:cs typeface="+mn-cs"/>
+      </a:defRPr>
+    </a:lvl1pPr>
+    <a:lvl2pPr marL="457200" algn="l" defTabSz="914400" rtl="0" eaLnBrk="1" latinLnBrk="0" hangingPunct="1">
+      <a:defRPr sz="1200" kern="1200">
+        <a:solidFill>
+          <a:schemeClr val="tx1"/>
+        </a:solidFill>
+        <a:latin typeface="+mn-lt"/>
+        <a:ea typeface="+mn-ea"/>
+        <a:cs typeface="+mn-cs"/>
+      </a:defRPr>
+    </a:lvl2pPr>
+    <a:lvl3pPr marL="914400" algn="l" defTabSz="914400" rtl="0" eaLnBrk="1" latinLnBrk="0" hangingPunct="1">
+      <a:defRPr sz="1200" kern="1200">
+        <a:solidFill>
+          <a:schemeClr val="tx1"/>
+        </a:solidFill>
+        <a:latin typeface="+mn-lt"/>
+        <a:ea typeface="+mn-ea"/>
+        <a:cs typeface="+mn-cs"/>
+      </a:defRPr>
+    </a:lvl3pPr>
+    <a:lvl4pPr marL="1371600" algn="l" defTabSz="914400" rtl="0" eaLnBrk="1" latinLnBrk="0" hangingPunct="1">
+      <a:defRPr sz="1200" kern="1200">
+        <a:solidFill>
+          <a:schemeClr val="tx1"/>
+        </a:solidFill>
+        <a:latin typeface="+mn-lt"/>
+        <a:ea typeface="+mn-ea"/>
+        <a:cs typeface="+mn-cs"/>
+      </a:defRPr>
+    </a:lvl4pPr>
+    <a:lvl5pPr marL="1828800" algn="l" defTabSz="914400" rtl="0" eaLnBrk="1" latinLnBrk="0" hangingPunct="1">
+      <a:defRPr sz="1200" kern="1200">
+        <a:solidFill>
+          <a:schemeClr val="tx1"/>
+        </a:solidFill>
+        <a:latin typeface="+mn-lt"/>
+        <a:ea typeface="+mn-ea"/>
+        <a:cs typeface="+mn-cs"/>
+      </a:defRPr>
+    </a:lvl5pPr>
+    <a:lvl6pPr marL="2286000" algn="l" defTabSz="914400" rtl="0" eaLnBrk="1" latinLnBrk="0" hangingPunct="1">
+      <a:defRPr sz="1200" kern="1200">
+        <a:solidFill>
+          <a:schemeClr val="tx1"/>
+        </a:solidFill>
+        <a:latin typeface="+mn-lt"/>
+        <a:ea typeface="+mn-ea"/>
+        <a:cs typeface="+mn-cs"/>
+      </a:defRPr>
+    </a:lvl6pPr>
+    <a:lvl7pPr marL="2743200" algn="l" defTabSz="914400" rtl="0" eaLnBrk="1" latinLnBrk="0" hangingPunct="1">
+      <a:defRPr sz="1200" kern="1200">
+        <a:solidFill>
+          <a:schemeClr val="tx1"/>
+        </a:solidFill>
+        <a:latin typeface="+mn-lt"/>
+        <a:ea typeface="+mn-ea"/>
+        <a:cs typeface="+mn-cs"/>
+      </a:defRPr>
+    </a:lvl7pPr>
+    <a:lvl8pPr marL="3200400" algn="l" defTabSz="914400" rtl="0" eaLnBrk="1" latinLnBrk="0" hangingPunct="1">
+      <a:defRPr sz="1200" kern="1200">
+        <a:solidFill>
+          <a:schemeClr val="tx1"/>
+        </a:solidFill>
+        <a:latin typeface="+mn-lt"/>
+        <a:ea typeface="+mn-ea"/>
+        <a:cs typeface="+mn-cs"/>
+      </a:defRPr>
+    </a:lvl8pPr>
+    <a:lvl9pPr marL="3657600" algn="l" defTabSz="914400" rtl="0" eaLnBrk="1" latinLnBrk="0" hangingPunct="1">
+      <a:defRPr sz="1200" kern="1200">
+        <a:solidFill>
+          <a:schemeClr val="tx1"/>
+        </a:solidFill>
+        <a:latin typeface="+mn-lt"/>
+        <a:ea typeface="+mn-ea"/>
+        <a:cs typeface="+mn-cs"/>
+      </a:defRPr>
+    </a:lvl9pPr>
+  </p:notesStyle>
+</p:notesMaster>
+</file>
+
+<file path=ppt/notesSlides/notesSlide1.xml><?xml version="1.0" encoding="utf-8"?>
+<p:notes xmlns:a="http://schemas.openxmlformats.org/drawingml/2006/main" xmlns:r="http://schemas.openxmlformats.org/officeDocument/2006/relationships" xmlns:p="http://schemas.openxmlformats.org/presentationml/2006/main">
+  <p:cSld>
+    <p:spTree>
+      <p:nvGrpSpPr>
+        <p:cNvPr id="1" name=""/>
+        <p:cNvGrpSpPr/>
+        <p:nvPr/>
+      </p:nvGrpSpPr>
+      <p:grpSpPr>
+        <a:xfrm>
+          <a:off x="0" y="0"/>
+          <a:ext cx="0" cy="0"/>
+          <a:chOff x="0" y="0"/>
+          <a:chExt cx="0" cy="0"/>
+        </a:xfrm>
+      </p:grpSpPr>
+      <p:sp>
+        <p:nvSpPr>
+          <p:cNvPr id="2" name="Slide Image Placeholder 1"/>
+          <p:cNvSpPr>
+            <a:spLocks noGrp="1" noRot="1" noChangeAspect="1"/>
+          </p:cNvSpPr>
+          <p:nvPr>
+            <p:ph type="sldImg"/>
+          </p:nvPr>
+        </p:nvSpPr>
+        <p:spPr/>
+      </p:sp>
+      <p:sp>
+        <p:nvSpPr>
+          <p:cNvPr id="3" name="Notes Placeholder 2"/>
+          <p:cNvSpPr>
+            <a:spLocks noGrp="1"/>
+          </p:cNvSpPr>
+          <p:nvPr>
+            <p:ph type="body" idx="1"/>
+          </p:nvPr>
+        </p:nvSpPr>
+        <p:spPr/>
+        <p:txBody>
+          <a:bodyPr/>
+          <a:lstStyle/>
+          <a:p>
+            <a:r>
+              <a:rPr lang="en-US" dirty="0" smtClean="0"/>
+              <a:t>http://journals.plos.org/plosone/article/metrics?id=10.1371/journal.pone.0141287</a:t>
+            </a:r>
+          </a:p>
+          <a:p>
+            <a:r>
+              <a:rPr lang="en-US" dirty="0" smtClean="0"/>
+              <a:t>https://cs224d.stanford.edu/reports/LeeNguyen.pdf</a:t>
+            </a:r>
+          </a:p>
+          <a:p>
+            <a:r>
+              <a:rPr lang="en-US" dirty="0" smtClean="0"/>
+              <a:t>https://arxiv.org/abs/1608.05949</a:t>
+            </a:r>
+          </a:p>
+          <a:p>
+            <a:r>
+              <a:rPr lang="en-US" dirty="0" smtClean="0"/>
+              <a:t>https://arxiv.org/abs/1604.07176</a:t>
+            </a:r>
+            <a:endParaRPr lang="en-US" dirty="0"/>
+          </a:p>
+        </p:txBody>
+      </p:sp>
+      <p:sp>
+        <p:nvSpPr>
+          <p:cNvPr id="4" name="Slide Number Placeholder 3"/>
+          <p:cNvSpPr>
+            <a:spLocks noGrp="1"/>
+          </p:cNvSpPr>
+          <p:nvPr>
+            <p:ph type="sldNum" sz="quarter" idx="10"/>
+          </p:nvPr>
+        </p:nvSpPr>
+        <p:spPr/>
+        <p:txBody>
+          <a:bodyPr/>
+          <a:lstStyle/>
+          <a:p>
+            <a:fld id="{23B2E55D-B988-4C5F-9B64-BD54DAF69BB3}" type="slidenum">
+              <a:rPr lang="en-US" smtClean="0"/>
+              <a:t>15</a:t>
+            </a:fld>
+            <a:endParaRPr lang="en-US"/>
+          </a:p>
+        </p:txBody>
+      </p:sp>
+    </p:spTree>
+    <p:extLst>
+      <p:ext uri="{BB962C8B-B14F-4D97-AF65-F5344CB8AC3E}">
+        <p14:creationId xmlns:p14="http://schemas.microsoft.com/office/powerpoint/2010/main" val="2797763615"/>
+      </p:ext>
+    </p:extLst>
+  </p:cSld>
+  <p:clrMapOvr>
+    <a:masterClrMapping/>
+  </p:clrMapOvr>
+</p:notes>
 </file>
 
 <file path=ppt/slideLayouts/slideLayout1.xml><?xml version="1.0" encoding="utf-8"?>
@@ -246,7 +743,7 @@
           <a:p>
             <a:fld id="{C0A46B16-8F7A-4D6F-8C0F-6A16AA8AE1CA}" type="datetimeFigureOut">
               <a:rPr lang="en-US" smtClean="0"/>
-              <a:t>6/8/2017</a:t>
+              <a:t>6/13/2017</a:t>
             </a:fld>
             <a:endParaRPr lang="en-US"/>
           </a:p>
@@ -416,7 +913,7 @@
           <a:p>
             <a:fld id="{C0A46B16-8F7A-4D6F-8C0F-6A16AA8AE1CA}" type="datetimeFigureOut">
               <a:rPr lang="en-US" smtClean="0"/>
-              <a:t>6/8/2017</a:t>
+              <a:t>6/13/2017</a:t>
             </a:fld>
             <a:endParaRPr lang="en-US"/>
           </a:p>
@@ -596,7 +1093,7 @@
           <a:p>
             <a:fld id="{C0A46B16-8F7A-4D6F-8C0F-6A16AA8AE1CA}" type="datetimeFigureOut">
               <a:rPr lang="en-US" smtClean="0"/>
-              <a:t>6/8/2017</a:t>
+              <a:t>6/13/2017</a:t>
             </a:fld>
             <a:endParaRPr lang="en-US"/>
           </a:p>
@@ -766,7 +1263,7 @@
           <a:p>
             <a:fld id="{C0A46B16-8F7A-4D6F-8C0F-6A16AA8AE1CA}" type="datetimeFigureOut">
               <a:rPr lang="en-US" smtClean="0"/>
-              <a:t>6/8/2017</a:t>
+              <a:t>6/13/2017</a:t>
             </a:fld>
             <a:endParaRPr lang="en-US"/>
           </a:p>
@@ -1012,7 +1509,7 @@
           <a:p>
             <a:fld id="{C0A46B16-8F7A-4D6F-8C0F-6A16AA8AE1CA}" type="datetimeFigureOut">
               <a:rPr lang="en-US" smtClean="0"/>
-              <a:t>6/8/2017</a:t>
+              <a:t>6/13/2017</a:t>
             </a:fld>
             <a:endParaRPr lang="en-US"/>
           </a:p>
@@ -1244,7 +1741,7 @@
           <a:p>
             <a:fld id="{C0A46B16-8F7A-4D6F-8C0F-6A16AA8AE1CA}" type="datetimeFigureOut">
               <a:rPr lang="en-US" smtClean="0"/>
-              <a:t>6/8/2017</a:t>
+              <a:t>6/13/2017</a:t>
             </a:fld>
             <a:endParaRPr lang="en-US"/>
           </a:p>
@@ -1611,7 +2108,7 @@
           <a:p>
             <a:fld id="{C0A46B16-8F7A-4D6F-8C0F-6A16AA8AE1CA}" type="datetimeFigureOut">
               <a:rPr lang="en-US" smtClean="0"/>
-              <a:t>6/8/2017</a:t>
+              <a:t>6/13/2017</a:t>
             </a:fld>
             <a:endParaRPr lang="en-US"/>
           </a:p>
@@ -1729,7 +2226,7 @@
           <a:p>
             <a:fld id="{C0A46B16-8F7A-4D6F-8C0F-6A16AA8AE1CA}" type="datetimeFigureOut">
               <a:rPr lang="en-US" smtClean="0"/>
-              <a:t>6/8/2017</a:t>
+              <a:t>6/13/2017</a:t>
             </a:fld>
             <a:endParaRPr lang="en-US"/>
           </a:p>
@@ -1824,7 +2321,7 @@
           <a:p>
             <a:fld id="{C0A46B16-8F7A-4D6F-8C0F-6A16AA8AE1CA}" type="datetimeFigureOut">
               <a:rPr lang="en-US" smtClean="0"/>
-              <a:t>6/8/2017</a:t>
+              <a:t>6/13/2017</a:t>
             </a:fld>
             <a:endParaRPr lang="en-US"/>
           </a:p>
@@ -2101,7 +2598,7 @@
           <a:p>
             <a:fld id="{C0A46B16-8F7A-4D6F-8C0F-6A16AA8AE1CA}" type="datetimeFigureOut">
               <a:rPr lang="en-US" smtClean="0"/>
-              <a:t>6/8/2017</a:t>
+              <a:t>6/13/2017</a:t>
             </a:fld>
             <a:endParaRPr lang="en-US"/>
           </a:p>
@@ -2354,7 +2851,7 @@
           <a:p>
             <a:fld id="{C0A46B16-8F7A-4D6F-8C0F-6A16AA8AE1CA}" type="datetimeFigureOut">
               <a:rPr lang="en-US" smtClean="0"/>
-              <a:t>6/8/2017</a:t>
+              <a:t>6/13/2017</a:t>
             </a:fld>
             <a:endParaRPr lang="en-US"/>
           </a:p>
@@ -2567,7 +3064,7 @@
           <a:p>
             <a:fld id="{C0A46B16-8F7A-4D6F-8C0F-6A16AA8AE1CA}" type="datetimeFigureOut">
               <a:rPr lang="en-US" smtClean="0"/>
-              <a:t>6/8/2017</a:t>
+              <a:t>6/13/2017</a:t>
             </a:fld>
             <a:endParaRPr lang="en-US"/>
           </a:p>
@@ -2996,514 +3493,22 @@
           <a:p>
             <a:r>
               <a:rPr lang="en-US" sz="2000" b="1" dirty="0" smtClean="0"/>
-              <a:t>General Structure of Algorithm:</a:t>
+              <a:t>Overview:</a:t>
             </a:r>
             <a:endParaRPr lang="en-US" sz="2000" b="1" dirty="0"/>
           </a:p>
         </p:txBody>
       </p:sp>
-      <p:grpSp>
-        <p:nvGrpSpPr>
-          <p:cNvPr id="25" name="Group 24"/>
-          <p:cNvGrpSpPr/>
-          <p:nvPr/>
-        </p:nvGrpSpPr>
-        <p:grpSpPr>
-          <a:xfrm>
-            <a:off x="1184564" y="1055132"/>
-            <a:ext cx="9809018" cy="2236231"/>
-            <a:chOff x="1184564" y="1055132"/>
-            <a:chExt cx="9809018" cy="2236231"/>
-          </a:xfrm>
-        </p:grpSpPr>
-        <p:grpSp>
-          <p:nvGrpSpPr>
-            <p:cNvPr id="18" name="Group 17"/>
-            <p:cNvGrpSpPr/>
-            <p:nvPr/>
-          </p:nvGrpSpPr>
-          <p:grpSpPr>
-            <a:xfrm>
-              <a:off x="1184564" y="1825152"/>
-              <a:ext cx="8205354" cy="696191"/>
-              <a:chOff x="1184564" y="1710351"/>
-              <a:chExt cx="8205354" cy="696191"/>
-            </a:xfrm>
-          </p:grpSpPr>
-          <p:sp>
-            <p:nvSpPr>
-              <p:cNvPr id="5" name="TextBox 4"/>
-              <p:cNvSpPr txBox="1"/>
-              <p:nvPr/>
-            </p:nvSpPr>
-            <p:spPr>
-              <a:xfrm>
-                <a:off x="1184564" y="1735281"/>
-                <a:ext cx="1749582" cy="646331"/>
-              </a:xfrm>
-              <a:prstGeom prst="rect">
-                <a:avLst/>
-              </a:prstGeom>
-              <a:noFill/>
-            </p:spPr>
-            <p:txBody>
-              <a:bodyPr wrap="none" rtlCol="0">
-                <a:spAutoFit/>
-              </a:bodyPr>
-              <a:lstStyle/>
-              <a:p>
-                <a:r>
-                  <a:rPr lang="en-US" dirty="0" smtClean="0"/>
-                  <a:t>CDR3 Sequence:</a:t>
-                </a:r>
-              </a:p>
-              <a:p>
-                <a:r>
-                  <a:rPr lang="en-US" dirty="0" smtClean="0"/>
-                  <a:t>[“CAFMKRY…”]</a:t>
-                </a:r>
-                <a:endParaRPr lang="en-US" dirty="0"/>
-              </a:p>
-            </p:txBody>
-          </p:sp>
-          <p:sp>
-            <p:nvSpPr>
-              <p:cNvPr id="9" name="Rectangle 8"/>
-              <p:cNvSpPr/>
-              <p:nvPr/>
-            </p:nvSpPr>
-            <p:spPr>
-              <a:xfrm>
-                <a:off x="4863169" y="1710351"/>
-                <a:ext cx="1298863" cy="696191"/>
-              </a:xfrm>
-              <a:prstGeom prst="rect">
-                <a:avLst/>
-              </a:prstGeom>
-              <a:noFill/>
-              <a:ln>
-                <a:solidFill>
-                  <a:schemeClr val="tx1"/>
-                </a:solidFill>
-              </a:ln>
-            </p:spPr>
-            <p:style>
-              <a:lnRef idx="2">
-                <a:schemeClr val="accent1">
-                  <a:shade val="50000"/>
-                </a:schemeClr>
-              </a:lnRef>
-              <a:fillRef idx="1">
-                <a:schemeClr val="accent1"/>
-              </a:fillRef>
-              <a:effectRef idx="0">
-                <a:schemeClr val="accent1"/>
-              </a:effectRef>
-              <a:fontRef idx="minor">
-                <a:schemeClr val="lt1"/>
-              </a:fontRef>
-            </p:style>
-            <p:txBody>
-              <a:bodyPr rtlCol="0" anchor="ctr"/>
-              <a:lstStyle/>
-              <a:p>
-                <a:pPr algn="ctr"/>
-                <a:r>
-                  <a:rPr lang="en-US" dirty="0" smtClean="0">
-                    <a:solidFill>
-                      <a:schemeClr val="tx1"/>
-                    </a:solidFill>
-                  </a:rPr>
-                  <a:t>Feature Engineering</a:t>
-                </a:r>
-                <a:endParaRPr lang="en-US" dirty="0">
-                  <a:solidFill>
-                    <a:schemeClr val="tx1"/>
-                  </a:solidFill>
-                </a:endParaRPr>
-              </a:p>
-            </p:txBody>
-          </p:sp>
-          <p:sp>
-            <p:nvSpPr>
-              <p:cNvPr id="10" name="Rectangle 9"/>
-              <p:cNvSpPr/>
-              <p:nvPr/>
-            </p:nvSpPr>
-            <p:spPr>
-              <a:xfrm>
-                <a:off x="8091055" y="1710351"/>
-                <a:ext cx="1298863" cy="696191"/>
-              </a:xfrm>
-              <a:prstGeom prst="rect">
-                <a:avLst/>
-              </a:prstGeom>
-              <a:noFill/>
-              <a:ln>
-                <a:solidFill>
-                  <a:schemeClr val="tx1"/>
-                </a:solidFill>
-              </a:ln>
-            </p:spPr>
-            <p:style>
-              <a:lnRef idx="2">
-                <a:schemeClr val="accent1">
-                  <a:shade val="50000"/>
-                </a:schemeClr>
-              </a:lnRef>
-              <a:fillRef idx="1">
-                <a:schemeClr val="accent1"/>
-              </a:fillRef>
-              <a:effectRef idx="0">
-                <a:schemeClr val="accent1"/>
-              </a:effectRef>
-              <a:fontRef idx="minor">
-                <a:schemeClr val="lt1"/>
-              </a:fontRef>
-            </p:style>
-            <p:txBody>
-              <a:bodyPr rtlCol="0" anchor="ctr"/>
-              <a:lstStyle/>
-              <a:p>
-                <a:pPr algn="ctr"/>
-                <a:r>
-                  <a:rPr lang="en-US" dirty="0" smtClean="0">
-                    <a:solidFill>
-                      <a:schemeClr val="tx1"/>
-                    </a:solidFill>
-                  </a:rPr>
-                  <a:t>Classifier</a:t>
-                </a:r>
-                <a:endParaRPr lang="en-US" dirty="0">
-                  <a:solidFill>
-                    <a:schemeClr val="tx1"/>
-                  </a:solidFill>
-                </a:endParaRPr>
-              </a:p>
-            </p:txBody>
-          </p:sp>
-          <p:cxnSp>
-            <p:nvCxnSpPr>
-              <p:cNvPr id="12" name="Straight Arrow Connector 11"/>
-              <p:cNvCxnSpPr>
-                <a:stCxn id="5" idx="3"/>
-                <a:endCxn id="9" idx="1"/>
-              </p:cNvCxnSpPr>
-              <p:nvPr/>
-            </p:nvCxnSpPr>
-            <p:spPr>
-              <a:xfrm>
-                <a:off x="2934146" y="2058447"/>
-                <a:ext cx="1929023" cy="0"/>
-              </a:xfrm>
-              <a:prstGeom prst="straightConnector1">
-                <a:avLst/>
-              </a:prstGeom>
-              <a:ln>
-                <a:solidFill>
-                  <a:schemeClr val="tx1"/>
-                </a:solidFill>
-                <a:tailEnd type="triangle"/>
-              </a:ln>
-            </p:spPr>
-            <p:style>
-              <a:lnRef idx="1">
-                <a:schemeClr val="accent1"/>
-              </a:lnRef>
-              <a:fillRef idx="0">
-                <a:schemeClr val="accent1"/>
-              </a:fillRef>
-              <a:effectRef idx="0">
-                <a:schemeClr val="accent1"/>
-              </a:effectRef>
-              <a:fontRef idx="minor">
-                <a:schemeClr val="tx1"/>
-              </a:fontRef>
-            </p:style>
-          </p:cxnSp>
-          <p:cxnSp>
-            <p:nvCxnSpPr>
-              <p:cNvPr id="14" name="Straight Arrow Connector 13"/>
-              <p:cNvCxnSpPr>
-                <a:stCxn id="9" idx="3"/>
-                <a:endCxn id="10" idx="1"/>
-              </p:cNvCxnSpPr>
-              <p:nvPr/>
-            </p:nvCxnSpPr>
-            <p:spPr>
-              <a:xfrm>
-                <a:off x="6162032" y="2058447"/>
-                <a:ext cx="1929023" cy="0"/>
-              </a:xfrm>
-              <a:prstGeom prst="straightConnector1">
-                <a:avLst/>
-              </a:prstGeom>
-              <a:ln>
-                <a:solidFill>
-                  <a:schemeClr val="tx1"/>
-                </a:solidFill>
-                <a:tailEnd type="triangle"/>
-              </a:ln>
-            </p:spPr>
-            <p:style>
-              <a:lnRef idx="1">
-                <a:schemeClr val="accent1"/>
-              </a:lnRef>
-              <a:fillRef idx="0">
-                <a:schemeClr val="accent1"/>
-              </a:fillRef>
-              <a:effectRef idx="0">
-                <a:schemeClr val="accent1"/>
-              </a:effectRef>
-              <a:fontRef idx="minor">
-                <a:schemeClr val="tx1"/>
-              </a:fontRef>
-            </p:style>
-          </p:cxnSp>
-        </p:grpSp>
-        <p:grpSp>
-          <p:nvGrpSpPr>
-            <p:cNvPr id="24" name="Group 23"/>
-            <p:cNvGrpSpPr/>
-            <p:nvPr/>
-          </p:nvGrpSpPr>
-          <p:grpSpPr>
-            <a:xfrm>
-              <a:off x="9389918" y="1055132"/>
-              <a:ext cx="1603664" cy="2236231"/>
-              <a:chOff x="9389918" y="1055132"/>
-              <a:chExt cx="1603664" cy="2236231"/>
-            </a:xfrm>
-          </p:grpSpPr>
-          <p:sp>
-            <p:nvSpPr>
-              <p:cNvPr id="16" name="TextBox 15"/>
-              <p:cNvSpPr txBox="1"/>
-              <p:nvPr/>
-            </p:nvSpPr>
-            <p:spPr>
-              <a:xfrm>
-                <a:off x="9996054" y="1055132"/>
-                <a:ext cx="997528" cy="369332"/>
-              </a:xfrm>
-              <a:prstGeom prst="rect">
-                <a:avLst/>
-              </a:prstGeom>
-              <a:noFill/>
-            </p:spPr>
-            <p:txBody>
-              <a:bodyPr wrap="square" rtlCol="0">
-                <a:spAutoFit/>
-              </a:bodyPr>
-              <a:lstStyle/>
-              <a:p>
-                <a:r>
-                  <a:rPr lang="en-US" dirty="0" smtClean="0"/>
-                  <a:t>CD4</a:t>
-                </a:r>
-                <a:endParaRPr lang="en-US" dirty="0"/>
-              </a:p>
-            </p:txBody>
-          </p:sp>
-          <p:sp>
-            <p:nvSpPr>
-              <p:cNvPr id="17" name="TextBox 16"/>
-              <p:cNvSpPr txBox="1"/>
-              <p:nvPr/>
-            </p:nvSpPr>
-            <p:spPr>
-              <a:xfrm>
-                <a:off x="9996054" y="2922031"/>
-                <a:ext cx="997528" cy="369332"/>
-              </a:xfrm>
-              <a:prstGeom prst="rect">
-                <a:avLst/>
-              </a:prstGeom>
-              <a:noFill/>
-            </p:spPr>
-            <p:txBody>
-              <a:bodyPr wrap="square" rtlCol="0">
-                <a:spAutoFit/>
-              </a:bodyPr>
-              <a:lstStyle/>
-              <a:p>
-                <a:r>
-                  <a:rPr lang="en-US" dirty="0" smtClean="0"/>
-                  <a:t>CD8</a:t>
-                </a:r>
-                <a:endParaRPr lang="en-US" dirty="0"/>
-              </a:p>
-            </p:txBody>
-          </p:sp>
-          <p:grpSp>
-            <p:nvGrpSpPr>
-              <p:cNvPr id="23" name="Group 22"/>
-              <p:cNvGrpSpPr/>
-              <p:nvPr/>
-            </p:nvGrpSpPr>
-            <p:grpSpPr>
-              <a:xfrm>
-                <a:off x="9389918" y="1239798"/>
-                <a:ext cx="606136" cy="1866899"/>
-                <a:chOff x="9389918" y="1239798"/>
-                <a:chExt cx="606136" cy="1866899"/>
-              </a:xfrm>
-            </p:grpSpPr>
-            <p:cxnSp>
-              <p:nvCxnSpPr>
-                <p:cNvPr id="20" name="Straight Arrow Connector 19"/>
-                <p:cNvCxnSpPr>
-                  <a:stCxn id="10" idx="3"/>
-                  <a:endCxn id="16" idx="1"/>
-                </p:cNvCxnSpPr>
-                <p:nvPr/>
-              </p:nvCxnSpPr>
-              <p:spPr>
-                <a:xfrm flipV="1">
-                  <a:off x="9389918" y="1239798"/>
-                  <a:ext cx="606136" cy="933450"/>
-                </a:xfrm>
-                <a:prstGeom prst="straightConnector1">
-                  <a:avLst/>
-                </a:prstGeom>
-                <a:ln>
-                  <a:solidFill>
-                    <a:schemeClr val="tx1"/>
-                  </a:solidFill>
-                  <a:tailEnd type="triangle"/>
-                </a:ln>
-              </p:spPr>
-              <p:style>
-                <a:lnRef idx="1">
-                  <a:schemeClr val="accent1"/>
-                </a:lnRef>
-                <a:fillRef idx="0">
-                  <a:schemeClr val="accent1"/>
-                </a:fillRef>
-                <a:effectRef idx="0">
-                  <a:schemeClr val="accent1"/>
-                </a:effectRef>
-                <a:fontRef idx="minor">
-                  <a:schemeClr val="tx1"/>
-                </a:fontRef>
-              </p:style>
-            </p:cxnSp>
-            <p:cxnSp>
-              <p:nvCxnSpPr>
-                <p:cNvPr id="22" name="Straight Arrow Connector 21"/>
-                <p:cNvCxnSpPr>
-                  <a:stCxn id="10" idx="3"/>
-                  <a:endCxn id="17" idx="1"/>
-                </p:cNvCxnSpPr>
-                <p:nvPr/>
-              </p:nvCxnSpPr>
-              <p:spPr>
-                <a:xfrm>
-                  <a:off x="9389918" y="2173248"/>
-                  <a:ext cx="606136" cy="933449"/>
-                </a:xfrm>
-                <a:prstGeom prst="straightConnector1">
-                  <a:avLst/>
-                </a:prstGeom>
-                <a:ln>
-                  <a:solidFill>
-                    <a:schemeClr val="tx1"/>
-                  </a:solidFill>
-                  <a:tailEnd type="triangle"/>
-                </a:ln>
-              </p:spPr>
-              <p:style>
-                <a:lnRef idx="1">
-                  <a:schemeClr val="accent1"/>
-                </a:lnRef>
-                <a:fillRef idx="0">
-                  <a:schemeClr val="accent1"/>
-                </a:fillRef>
-                <a:effectRef idx="0">
-                  <a:schemeClr val="accent1"/>
-                </a:effectRef>
-                <a:fontRef idx="minor">
-                  <a:schemeClr val="tx1"/>
-                </a:fontRef>
-              </p:style>
-            </p:cxnSp>
-          </p:grpSp>
-        </p:grpSp>
-      </p:grpSp>
-      <p:sp>
-        <p:nvSpPr>
-          <p:cNvPr id="26" name="Rectangle 25"/>
-          <p:cNvSpPr/>
+      <p:sp>
+        <p:nvSpPr>
+          <p:cNvPr id="6" name="TextBox 5"/>
+          <p:cNvSpPr txBox="1"/>
           <p:nvPr/>
         </p:nvSpPr>
         <p:spPr>
           <a:xfrm>
-            <a:off x="7481455" y="685801"/>
-            <a:ext cx="3335481" cy="3106882"/>
-          </a:xfrm>
-          <a:prstGeom prst="rect">
-            <a:avLst/>
-          </a:prstGeom>
-          <a:noFill/>
-          <a:ln>
-            <a:solidFill>
-              <a:schemeClr val="bg1">
-                <a:lumMod val="50000"/>
-              </a:schemeClr>
-            </a:solidFill>
-            <a:prstDash val="dash"/>
-          </a:ln>
-        </p:spPr>
-        <p:style>
-          <a:lnRef idx="2">
-            <a:schemeClr val="accent1">
-              <a:shade val="50000"/>
-            </a:schemeClr>
-          </a:lnRef>
-          <a:fillRef idx="1">
-            <a:schemeClr val="accent1"/>
-          </a:fillRef>
-          <a:effectRef idx="0">
-            <a:schemeClr val="accent1"/>
-          </a:effectRef>
-          <a:fontRef idx="minor">
-            <a:schemeClr val="lt1"/>
-          </a:fontRef>
-        </p:style>
-        <p:txBody>
-          <a:bodyPr rtlCol="0" anchor="b"/>
-          <a:lstStyle/>
-          <a:p>
-            <a:r>
-              <a:rPr lang="en-US" dirty="0" smtClean="0">
-                <a:solidFill>
-                  <a:schemeClr val="bg1">
-                    <a:lumMod val="50000"/>
-                  </a:schemeClr>
-                </a:solidFill>
-              </a:rPr>
-              <a:t>Binary Classification</a:t>
-            </a:r>
-            <a:endParaRPr lang="en-US" dirty="0">
-              <a:solidFill>
-                <a:schemeClr val="bg1">
-                  <a:lumMod val="50000"/>
-                </a:schemeClr>
-              </a:solidFill>
-            </a:endParaRPr>
-          </a:p>
-        </p:txBody>
-      </p:sp>
-      <p:sp>
-        <p:nvSpPr>
-          <p:cNvPr id="27" name="TextBox 26"/>
-          <p:cNvSpPr txBox="1"/>
-          <p:nvPr/>
-        </p:nvSpPr>
-        <p:spPr>
-          <a:xfrm>
-            <a:off x="2934146" y="1857777"/>
-            <a:ext cx="1901536" cy="307777"/>
+            <a:off x="1101436" y="1210963"/>
+            <a:ext cx="10563342" cy="338554"/>
           </a:xfrm>
           <a:prstGeom prst="rect">
             <a:avLst/>
@@ -3517,59 +3522,540 @@
           <a:lstStyle/>
           <a:p>
             <a:r>
-              <a:rPr lang="en-US" sz="1400" dirty="0" smtClean="0">
-                <a:solidFill>
-                  <a:schemeClr val="bg1">
-                    <a:lumMod val="50000"/>
-                  </a:schemeClr>
-                </a:solidFill>
-              </a:rPr>
-              <a:t>String to </a:t>
-            </a:r>
-            <a:r>
-              <a:rPr lang="en-US" sz="1400" dirty="0">
-                <a:solidFill>
-                  <a:schemeClr val="bg1">
-                    <a:lumMod val="50000"/>
-                  </a:schemeClr>
-                </a:solidFill>
-              </a:rPr>
-              <a:t>N</a:t>
-            </a:r>
-            <a:r>
-              <a:rPr lang="en-US" sz="1400" dirty="0" smtClean="0">
-                <a:solidFill>
-                  <a:schemeClr val="bg1">
-                    <a:lumMod val="50000"/>
-                  </a:schemeClr>
-                </a:solidFill>
-              </a:rPr>
-              <a:t>umeric Data</a:t>
-            </a:r>
-            <a:endParaRPr lang="en-US" sz="1400" dirty="0">
-              <a:solidFill>
-                <a:schemeClr val="bg1">
-                  <a:lumMod val="50000"/>
-                </a:schemeClr>
-              </a:solidFill>
-            </a:endParaRPr>
-          </a:p>
-        </p:txBody>
-      </p:sp>
+              <a:rPr lang="en-US" sz="1600" i="1" u="sng" dirty="0" smtClean="0"/>
+              <a:t>Aim</a:t>
+            </a:r>
+            <a:r>
+              <a:rPr lang="en-US" sz="1600" dirty="0" smtClean="0"/>
+              <a:t>: Build an accurate binary classifier to distinguish if the origin of a CDR3 sequence is from a CD4 or CD8 cell </a:t>
+            </a:r>
+          </a:p>
+        </p:txBody>
+      </p:sp>
+      <mc:AlternateContent xmlns:mc="http://schemas.openxmlformats.org/markup-compatibility/2006" xmlns:a14="http://schemas.microsoft.com/office/drawing/2010/main">
+        <mc:Choice Requires="a14">
+          <p:sp>
+            <p:nvSpPr>
+              <p:cNvPr id="7" name="Rectangle 6"/>
+              <p:cNvSpPr/>
+              <p:nvPr/>
+            </p:nvSpPr>
+            <p:spPr>
+              <a:xfrm>
+                <a:off x="1101436" y="1674570"/>
+                <a:ext cx="10365634" cy="3298275"/>
+              </a:xfrm>
+              <a:prstGeom prst="rect">
+                <a:avLst/>
+              </a:prstGeom>
+            </p:spPr>
+            <p:txBody>
+              <a:bodyPr wrap="square">
+                <a:spAutoFit/>
+              </a:bodyPr>
+              <a:lstStyle/>
+              <a:p>
+                <a:pPr>
+                  <a:lnSpc>
+                    <a:spcPct val="107000"/>
+                  </a:lnSpc>
+                  <a:spcAft>
+                    <a:spcPts val="800"/>
+                  </a:spcAft>
+                </a:pPr>
+                <a:r>
+                  <a:rPr lang="en-US" sz="1600" b="1" dirty="0">
+                    <a:latin typeface="Calibri" panose="020F0502020204030204" pitchFamily="34" charset="0"/>
+                    <a:ea typeface="Calibri" panose="020F0502020204030204" pitchFamily="34" charset="0"/>
+                    <a:cs typeface="Times New Roman" panose="02020603050405020304" pitchFamily="18" charset="0"/>
+                  </a:rPr>
+                  <a:t>Coding Overview:</a:t>
+                </a:r>
+                <a:endParaRPr lang="en-US" sz="1600" dirty="0">
+                  <a:effectLst/>
+                  <a:latin typeface="Calibri" panose="020F0502020204030204" pitchFamily="34" charset="0"/>
+                  <a:ea typeface="Calibri" panose="020F0502020204030204" pitchFamily="34" charset="0"/>
+                  <a:cs typeface="Times New Roman" panose="02020603050405020304" pitchFamily="18" charset="0"/>
+                </a:endParaRPr>
+              </a:p>
+              <a:p>
+                <a:pPr marL="342900" marR="0" lvl="0" indent="-342900">
+                  <a:lnSpc>
+                    <a:spcPct val="107000"/>
+                  </a:lnSpc>
+                  <a:spcBef>
+                    <a:spcPts val="0"/>
+                  </a:spcBef>
+                  <a:spcAft>
+                    <a:spcPts val="0"/>
+                  </a:spcAft>
+                  <a:buFont typeface="Calibri" panose="020F0502020204030204" pitchFamily="34" charset="0"/>
+                  <a:buChar char="-"/>
+                </a:pPr>
+                <a:r>
+                  <a:rPr lang="en-US" sz="1600" dirty="0">
+                    <a:effectLst/>
+                    <a:latin typeface="Calibri" panose="020F0502020204030204" pitchFamily="34" charset="0"/>
+                    <a:ea typeface="Calibri" panose="020F0502020204030204" pitchFamily="34" charset="0"/>
+                    <a:cs typeface="Times New Roman" panose="02020603050405020304" pitchFamily="18" charset="0"/>
+                  </a:rPr>
+                  <a:t>All Code written in Python and being stored in a private repository on </a:t>
+                </a:r>
+                <a:r>
+                  <a:rPr lang="en-US" sz="1600" dirty="0" err="1">
+                    <a:effectLst/>
+                    <a:latin typeface="Calibri" panose="020F0502020204030204" pitchFamily="34" charset="0"/>
+                    <a:ea typeface="Calibri" panose="020F0502020204030204" pitchFamily="34" charset="0"/>
+                    <a:cs typeface="Times New Roman" panose="02020603050405020304" pitchFamily="18" charset="0"/>
+                  </a:rPr>
+                  <a:t>Github</a:t>
+                </a:r>
+                <a:endParaRPr lang="en-US" sz="1600" dirty="0">
+                  <a:effectLst/>
+                  <a:latin typeface="Calibri" panose="020F0502020204030204" pitchFamily="34" charset="0"/>
+                  <a:ea typeface="Calibri" panose="020F0502020204030204" pitchFamily="34" charset="0"/>
+                  <a:cs typeface="Times New Roman" panose="02020603050405020304" pitchFamily="18" charset="0"/>
+                </a:endParaRPr>
+              </a:p>
+              <a:p>
+                <a:pPr marL="342900" marR="0" lvl="0" indent="-342900">
+                  <a:lnSpc>
+                    <a:spcPct val="107000"/>
+                  </a:lnSpc>
+                  <a:spcBef>
+                    <a:spcPts val="0"/>
+                  </a:spcBef>
+                  <a:spcAft>
+                    <a:spcPts val="0"/>
+                  </a:spcAft>
+                  <a:buFont typeface="Calibri" panose="020F0502020204030204" pitchFamily="34" charset="0"/>
+                  <a:buChar char="-"/>
+                </a:pPr>
+                <a:r>
+                  <a:rPr lang="en-US" sz="1600" dirty="0">
+                    <a:effectLst/>
+                    <a:latin typeface="Calibri" panose="020F0502020204030204" pitchFamily="34" charset="0"/>
+                    <a:ea typeface="Calibri" panose="020F0502020204030204" pitchFamily="34" charset="0"/>
+                    <a:cs typeface="Times New Roman" panose="02020603050405020304" pitchFamily="18" charset="0"/>
+                  </a:rPr>
+                  <a:t>SVM and </a:t>
+                </a:r>
+                <a:r>
+                  <a:rPr lang="en-US" sz="1600" dirty="0" err="1">
+                    <a:effectLst/>
+                    <a:latin typeface="Calibri" panose="020F0502020204030204" pitchFamily="34" charset="0"/>
+                    <a:ea typeface="Calibri" panose="020F0502020204030204" pitchFamily="34" charset="0"/>
+                    <a:cs typeface="Times New Roman" panose="02020603050405020304" pitchFamily="18" charset="0"/>
+                  </a:rPr>
+                  <a:t>Kmeans</a:t>
+                </a:r>
+                <a:r>
+                  <a:rPr lang="en-US" sz="1600" dirty="0">
+                    <a:effectLst/>
+                    <a:latin typeface="Calibri" panose="020F0502020204030204" pitchFamily="34" charset="0"/>
+                    <a:ea typeface="Calibri" panose="020F0502020204030204" pitchFamily="34" charset="0"/>
+                    <a:cs typeface="Times New Roman" panose="02020603050405020304" pitchFamily="18" charset="0"/>
+                  </a:rPr>
+                  <a:t> are implemented using the </a:t>
+                </a:r>
+                <a:r>
+                  <a:rPr lang="en-US" sz="1600" dirty="0" err="1">
+                    <a:effectLst/>
+                    <a:latin typeface="Calibri" panose="020F0502020204030204" pitchFamily="34" charset="0"/>
+                    <a:ea typeface="Calibri" panose="020F0502020204030204" pitchFamily="34" charset="0"/>
+                    <a:cs typeface="Times New Roman" panose="02020603050405020304" pitchFamily="18" charset="0"/>
+                  </a:rPr>
+                  <a:t>Sci</a:t>
+                </a:r>
+                <a:r>
+                  <a:rPr lang="en-US" sz="1600" dirty="0">
+                    <a:effectLst/>
+                    <a:latin typeface="Calibri" panose="020F0502020204030204" pitchFamily="34" charset="0"/>
+                    <a:ea typeface="Calibri" panose="020F0502020204030204" pitchFamily="34" charset="0"/>
+                    <a:cs typeface="Times New Roman" panose="02020603050405020304" pitchFamily="18" charset="0"/>
+                  </a:rPr>
+                  <a:t>-Kit Learn library</a:t>
+                </a:r>
+              </a:p>
+              <a:p>
+                <a:pPr marL="342900" marR="0" lvl="0" indent="-342900">
+                  <a:lnSpc>
+                    <a:spcPct val="107000"/>
+                  </a:lnSpc>
+                  <a:spcBef>
+                    <a:spcPts val="0"/>
+                  </a:spcBef>
+                  <a:spcAft>
+                    <a:spcPts val="0"/>
+                  </a:spcAft>
+                  <a:buFont typeface="Calibri" panose="020F0502020204030204" pitchFamily="34" charset="0"/>
+                  <a:buChar char="-"/>
+                </a:pPr>
+                <a:r>
+                  <a:rPr lang="en-US" sz="1600" dirty="0">
+                    <a:effectLst/>
+                    <a:latin typeface="Calibri" panose="020F0502020204030204" pitchFamily="34" charset="0"/>
+                    <a:ea typeface="Calibri" panose="020F0502020204030204" pitchFamily="34" charset="0"/>
+                    <a:cs typeface="Times New Roman" panose="02020603050405020304" pitchFamily="18" charset="0"/>
+                  </a:rPr>
+                  <a:t>All neural networks are implemented using </a:t>
+                </a:r>
+                <a:r>
+                  <a:rPr lang="en-US" sz="1600" dirty="0" err="1">
+                    <a:effectLst/>
+                    <a:latin typeface="Calibri" panose="020F0502020204030204" pitchFamily="34" charset="0"/>
+                    <a:ea typeface="Calibri" panose="020F0502020204030204" pitchFamily="34" charset="0"/>
+                    <a:cs typeface="Times New Roman" panose="02020603050405020304" pitchFamily="18" charset="0"/>
+                  </a:rPr>
+                  <a:t>Tensorflow</a:t>
+                </a:r>
+                <a:r>
+                  <a:rPr lang="en-US" sz="1600" dirty="0">
+                    <a:effectLst/>
+                    <a:latin typeface="Calibri" panose="020F0502020204030204" pitchFamily="34" charset="0"/>
+                    <a:ea typeface="Calibri" panose="020F0502020204030204" pitchFamily="34" charset="0"/>
+                    <a:cs typeface="Times New Roman" panose="02020603050405020304" pitchFamily="18" charset="0"/>
+                  </a:rPr>
+                  <a:t> library</a:t>
+                </a:r>
+              </a:p>
+              <a:p>
+                <a:pPr marL="342900" marR="0" lvl="0" indent="-342900">
+                  <a:lnSpc>
+                    <a:spcPct val="107000"/>
+                  </a:lnSpc>
+                  <a:spcBef>
+                    <a:spcPts val="0"/>
+                  </a:spcBef>
+                  <a:spcAft>
+                    <a:spcPts val="800"/>
+                  </a:spcAft>
+                  <a:buFont typeface="Calibri" panose="020F0502020204030204" pitchFamily="34" charset="0"/>
+                  <a:buChar char="-"/>
+                </a:pPr>
+                <a:r>
+                  <a:rPr lang="en-US" sz="1600" dirty="0" err="1">
+                    <a:effectLst/>
+                    <a:latin typeface="Calibri" panose="020F0502020204030204" pitchFamily="34" charset="0"/>
+                    <a:ea typeface="Calibri" panose="020F0502020204030204" pitchFamily="34" charset="0"/>
+                    <a:cs typeface="Times New Roman" panose="02020603050405020304" pitchFamily="18" charset="0"/>
+                  </a:rPr>
+                  <a:t>Variational</a:t>
+                </a:r>
+                <a:r>
+                  <a:rPr lang="en-US" sz="1600" dirty="0">
+                    <a:effectLst/>
+                    <a:latin typeface="Calibri" panose="020F0502020204030204" pitchFamily="34" charset="0"/>
+                    <a:ea typeface="Calibri" panose="020F0502020204030204" pitchFamily="34" charset="0"/>
+                    <a:cs typeface="Times New Roman" panose="02020603050405020304" pitchFamily="18" charset="0"/>
+                  </a:rPr>
+                  <a:t> </a:t>
+                </a:r>
+                <a:r>
+                  <a:rPr lang="en-US" sz="1600" dirty="0" err="1">
+                    <a:effectLst/>
+                    <a:latin typeface="Calibri" panose="020F0502020204030204" pitchFamily="34" charset="0"/>
+                    <a:ea typeface="Calibri" panose="020F0502020204030204" pitchFamily="34" charset="0"/>
+                    <a:cs typeface="Times New Roman" panose="02020603050405020304" pitchFamily="18" charset="0"/>
+                  </a:rPr>
+                  <a:t>AutoEncoder</a:t>
+                </a:r>
+                <a:r>
+                  <a:rPr lang="en-US" sz="1600" dirty="0">
+                    <a:effectLst/>
+                    <a:latin typeface="Calibri" panose="020F0502020204030204" pitchFamily="34" charset="0"/>
+                    <a:ea typeface="Calibri" panose="020F0502020204030204" pitchFamily="34" charset="0"/>
+                    <a:cs typeface="Times New Roman" panose="02020603050405020304" pitchFamily="18" charset="0"/>
+                  </a:rPr>
+                  <a:t> performed using Edward library with </a:t>
+                </a:r>
+                <a:r>
+                  <a:rPr lang="en-US" sz="1600" dirty="0" err="1">
+                    <a:effectLst/>
+                    <a:latin typeface="Calibri" panose="020F0502020204030204" pitchFamily="34" charset="0"/>
+                    <a:ea typeface="Calibri" panose="020F0502020204030204" pitchFamily="34" charset="0"/>
+                    <a:cs typeface="Times New Roman" panose="02020603050405020304" pitchFamily="18" charset="0"/>
+                  </a:rPr>
+                  <a:t>Tensorflow</a:t>
+                </a:r>
+                <a:endParaRPr lang="en-US" sz="1600" dirty="0">
+                  <a:effectLst/>
+                  <a:latin typeface="Calibri" panose="020F0502020204030204" pitchFamily="34" charset="0"/>
+                  <a:ea typeface="Calibri" panose="020F0502020204030204" pitchFamily="34" charset="0"/>
+                  <a:cs typeface="Times New Roman" panose="02020603050405020304" pitchFamily="18" charset="0"/>
+                </a:endParaRPr>
+              </a:p>
+              <a:p>
+                <a:pPr>
+                  <a:lnSpc>
+                    <a:spcPct val="107000"/>
+                  </a:lnSpc>
+                  <a:spcAft>
+                    <a:spcPts val="800"/>
+                  </a:spcAft>
+                </a:pPr>
+                <a:r>
+                  <a:rPr lang="en-US" sz="1600" b="1" dirty="0">
+                    <a:effectLst/>
+                    <a:latin typeface="Calibri" panose="020F0502020204030204" pitchFamily="34" charset="0"/>
+                    <a:ea typeface="Calibri" panose="020F0502020204030204" pitchFamily="34" charset="0"/>
+                    <a:cs typeface="Times New Roman" panose="02020603050405020304" pitchFamily="18" charset="0"/>
+                  </a:rPr>
+                  <a:t>Classification Overview:</a:t>
+                </a:r>
+                <a:endParaRPr lang="en-US" sz="1600" dirty="0">
+                  <a:effectLst/>
+                  <a:latin typeface="Calibri" panose="020F0502020204030204" pitchFamily="34" charset="0"/>
+                  <a:ea typeface="Calibri" panose="020F0502020204030204" pitchFamily="34" charset="0"/>
+                  <a:cs typeface="Times New Roman" panose="02020603050405020304" pitchFamily="18" charset="0"/>
+                </a:endParaRPr>
+              </a:p>
+              <a:p>
+                <a:pPr marL="342900" marR="0" lvl="0" indent="-342900">
+                  <a:lnSpc>
+                    <a:spcPct val="107000"/>
+                  </a:lnSpc>
+                  <a:spcBef>
+                    <a:spcPts val="0"/>
+                  </a:spcBef>
+                  <a:spcAft>
+                    <a:spcPts val="0"/>
+                  </a:spcAft>
+                  <a:buFont typeface="Calibri" panose="020F0502020204030204" pitchFamily="34" charset="0"/>
+                  <a:buChar char="-"/>
+                </a:pPr>
+                <a:r>
+                  <a:rPr lang="en-US" sz="1600" dirty="0">
+                    <a:effectLst/>
+                    <a:latin typeface="Calibri" panose="020F0502020204030204" pitchFamily="34" charset="0"/>
+                    <a:ea typeface="Calibri" panose="020F0502020204030204" pitchFamily="34" charset="0"/>
+                    <a:cs typeface="Times New Roman" panose="02020603050405020304" pitchFamily="18" charset="0"/>
+                  </a:rPr>
+                  <a:t>When not specified explicitly assume:</a:t>
+                </a:r>
+              </a:p>
+              <a:p>
+                <a:pPr marL="742950" marR="0" lvl="1" indent="-285750">
+                  <a:lnSpc>
+                    <a:spcPct val="107000"/>
+                  </a:lnSpc>
+                  <a:spcBef>
+                    <a:spcPts val="0"/>
+                  </a:spcBef>
+                  <a:spcAft>
+                    <a:spcPts val="0"/>
+                  </a:spcAft>
+                  <a:buFont typeface="Courier New" panose="02070309020205020404" pitchFamily="49" charset="0"/>
+                  <a:buChar char="o"/>
+                </a:pPr>
+                <a:r>
+                  <a:rPr lang="en-US" sz="1600" dirty="0">
+                    <a:effectLst/>
+                    <a:latin typeface="Calibri" panose="020F0502020204030204" pitchFamily="34" charset="0"/>
+                    <a:ea typeface="Calibri" panose="020F0502020204030204" pitchFamily="34" charset="0"/>
+                    <a:cs typeface="Times New Roman" panose="02020603050405020304" pitchFamily="18" charset="0"/>
+                  </a:rPr>
+                  <a:t>Train-test split of 80%/20% respectively</a:t>
+                </a:r>
+              </a:p>
+              <a:p>
+                <a:pPr marL="742950" marR="0" lvl="1" indent="-285750">
+                  <a:lnSpc>
+                    <a:spcPct val="107000"/>
+                  </a:lnSpc>
+                  <a:spcBef>
+                    <a:spcPts val="0"/>
+                  </a:spcBef>
+                  <a:spcAft>
+                    <a:spcPts val="0"/>
+                  </a:spcAft>
+                  <a:buFont typeface="Courier New" panose="02070309020205020404" pitchFamily="49" charset="0"/>
+                  <a:buChar char="o"/>
+                </a:pPr>
+                <a:r>
+                  <a:rPr lang="en-US" sz="1600" dirty="0">
+                    <a:effectLst/>
+                    <a:latin typeface="Calibri" panose="020F0502020204030204" pitchFamily="34" charset="0"/>
+                    <a:ea typeface="Calibri" panose="020F0502020204030204" pitchFamily="34" charset="0"/>
+                    <a:cs typeface="Times New Roman" panose="02020603050405020304" pitchFamily="18" charset="0"/>
+                  </a:rPr>
+                  <a:t>Cross Validation with </a:t>
+                </a:r>
+                <a14:m>
+                  <m:oMath xmlns:m="http://schemas.openxmlformats.org/officeDocument/2006/math">
+                    <m:r>
+                      <a:rPr lang="en-US" sz="1600" i="1">
+                        <a:effectLst/>
+                        <a:latin typeface="Cambria Math" panose="02040503050406030204" pitchFamily="18" charset="0"/>
+                        <a:ea typeface="Calibri" panose="020F0502020204030204" pitchFamily="34" charset="0"/>
+                        <a:cs typeface="Times New Roman" panose="02020603050405020304" pitchFamily="18" charset="0"/>
+                      </a:rPr>
+                      <m:t>𝑘</m:t>
+                    </m:r>
+                    <m:r>
+                      <a:rPr lang="en-US" sz="1600" i="1">
+                        <a:effectLst/>
+                        <a:latin typeface="Cambria Math" panose="02040503050406030204" pitchFamily="18" charset="0"/>
+                        <a:ea typeface="Calibri" panose="020F0502020204030204" pitchFamily="34" charset="0"/>
+                        <a:cs typeface="Times New Roman" panose="02020603050405020304" pitchFamily="18" charset="0"/>
+                      </a:rPr>
+                      <m:t>=5</m:t>
+                    </m:r>
+                  </m:oMath>
+                </a14:m>
+                <a:r>
+                  <a:rPr lang="en-US" sz="1600" dirty="0">
+                    <a:effectLst/>
+                    <a:latin typeface="Calibri" panose="020F0502020204030204" pitchFamily="34" charset="0"/>
+                    <a:ea typeface="Times New Roman" panose="02020603050405020304" pitchFamily="18" charset="0"/>
+                    <a:cs typeface="Times New Roman" panose="02020603050405020304" pitchFamily="18" charset="0"/>
+                  </a:rPr>
+                  <a:t> folds across training set</a:t>
+                </a:r>
+                <a:endParaRPr lang="en-US" sz="1600" dirty="0">
+                  <a:effectLst/>
+                  <a:latin typeface="Calibri" panose="020F0502020204030204" pitchFamily="34" charset="0"/>
+                  <a:ea typeface="Calibri" panose="020F0502020204030204" pitchFamily="34" charset="0"/>
+                  <a:cs typeface="Times New Roman" panose="02020603050405020304" pitchFamily="18" charset="0"/>
+                </a:endParaRPr>
+              </a:p>
+              <a:p>
+                <a:pPr marL="342900" marR="0" lvl="0" indent="-342900">
+                  <a:lnSpc>
+                    <a:spcPct val="107000"/>
+                  </a:lnSpc>
+                  <a:spcBef>
+                    <a:spcPts val="0"/>
+                  </a:spcBef>
+                  <a:spcAft>
+                    <a:spcPts val="800"/>
+                  </a:spcAft>
+                  <a:buFont typeface="Calibri" panose="020F0502020204030204" pitchFamily="34" charset="0"/>
+                  <a:buChar char="-"/>
+                </a:pPr>
+                <a:r>
+                  <a:rPr lang="en-US" sz="1600" dirty="0">
+                    <a:effectLst/>
+                    <a:latin typeface="Calibri" panose="020F0502020204030204" pitchFamily="34" charset="0"/>
+                    <a:ea typeface="Calibri" panose="020F0502020204030204" pitchFamily="34" charset="0"/>
+                    <a:cs typeface="Times New Roman" panose="02020603050405020304" pitchFamily="18" charset="0"/>
+                  </a:rPr>
+                  <a:t>I generally stuck to using the </a:t>
+                </a:r>
+                <a14:m>
+                  <m:oMath xmlns:m="http://schemas.openxmlformats.org/officeDocument/2006/math">
+                    <m:r>
+                      <a:rPr lang="en-US" sz="1600" i="1">
+                        <a:effectLst/>
+                        <a:latin typeface="Cambria Math" panose="02040503050406030204" pitchFamily="18" charset="0"/>
+                        <a:ea typeface="Calibri" panose="020F0502020204030204" pitchFamily="34" charset="0"/>
+                        <a:cs typeface="Times New Roman" panose="02020603050405020304" pitchFamily="18" charset="0"/>
+                      </a:rPr>
+                      <m:t>𝛽</m:t>
+                    </m:r>
+                  </m:oMath>
+                </a14:m>
+                <a:r>
+                  <a:rPr lang="en-US" sz="1600" dirty="0">
+                    <a:effectLst/>
+                    <a:latin typeface="Calibri" panose="020F0502020204030204" pitchFamily="34" charset="0"/>
+                    <a:ea typeface="Calibri" panose="020F0502020204030204" pitchFamily="34" charset="0"/>
+                    <a:cs typeface="Times New Roman" panose="02020603050405020304" pitchFamily="18" charset="0"/>
+                  </a:rPr>
+                  <a:t> sequences, as is tradition, however I checked that the </a:t>
+                </a:r>
+                <a14:m>
+                  <m:oMath xmlns:m="http://schemas.openxmlformats.org/officeDocument/2006/math">
+                    <m:r>
+                      <a:rPr lang="en-US" sz="1600" i="1">
+                        <a:effectLst/>
+                        <a:latin typeface="Cambria Math" panose="02040503050406030204" pitchFamily="18" charset="0"/>
+                        <a:ea typeface="Calibri" panose="020F0502020204030204" pitchFamily="34" charset="0"/>
+                        <a:cs typeface="Times New Roman" panose="02020603050405020304" pitchFamily="18" charset="0"/>
+                      </a:rPr>
+                      <m:t>𝛼</m:t>
+                    </m:r>
+                  </m:oMath>
+                </a14:m>
+                <a:r>
+                  <a:rPr lang="en-US" sz="1600" dirty="0">
+                    <a:effectLst/>
+                    <a:latin typeface="Calibri" panose="020F0502020204030204" pitchFamily="34" charset="0"/>
+                    <a:ea typeface="Times New Roman" panose="02020603050405020304" pitchFamily="18" charset="0"/>
+                    <a:cs typeface="Times New Roman" panose="02020603050405020304" pitchFamily="18" charset="0"/>
+                  </a:rPr>
+                  <a:t> were behaving similarly in all classification runs.</a:t>
+                </a:r>
+                <a:endParaRPr lang="en-US" sz="1600" dirty="0">
+                  <a:effectLst/>
+                  <a:latin typeface="Calibri" panose="020F0502020204030204" pitchFamily="34" charset="0"/>
+                  <a:ea typeface="Calibri" panose="020F0502020204030204" pitchFamily="34" charset="0"/>
+                  <a:cs typeface="Times New Roman" panose="02020603050405020304" pitchFamily="18" charset="0"/>
+                </a:endParaRPr>
+              </a:p>
+            </p:txBody>
+          </p:sp>
+        </mc:Choice>
+        <mc:Fallback xmlns="">
+          <p:sp>
+            <p:nvSpPr>
+              <p:cNvPr id="7" name="Rectangle 6"/>
+              <p:cNvSpPr>
+                <a:spLocks noRot="1" noChangeAspect="1" noMove="1" noResize="1" noEditPoints="1" noAdjustHandles="1" noChangeArrowheads="1" noChangeShapeType="1" noTextEdit="1"/>
+              </p:cNvSpPr>
+              <p:nvPr/>
+            </p:nvSpPr>
+            <p:spPr>
+              <a:xfrm>
+                <a:off x="1101436" y="1674570"/>
+                <a:ext cx="10365634" cy="3298275"/>
+              </a:xfrm>
+              <a:prstGeom prst="rect">
+                <a:avLst/>
+              </a:prstGeom>
+              <a:blipFill rotWithShape="0">
+                <a:blip r:embed="rId2"/>
+                <a:stretch>
+                  <a:fillRect l="-353" t="-370" b="-1109"/>
+                </a:stretch>
+              </a:blipFill>
+            </p:spPr>
+            <p:txBody>
+              <a:bodyPr/>
+              <a:lstStyle/>
+              <a:p>
+                <a:r>
+                  <a:rPr lang="en-US">
+                    <a:noFill/>
+                  </a:rPr>
+                  <a:t> </a:t>
+                </a:r>
+              </a:p>
+            </p:txBody>
+          </p:sp>
+        </mc:Fallback>
+      </mc:AlternateContent>
     </p:spTree>
     <p:extLst>
       <p:ext uri="{BB962C8B-B14F-4D97-AF65-F5344CB8AC3E}">
-        <p14:creationId xmlns:p14="http://schemas.microsoft.com/office/powerpoint/2010/main" val="798076892"/>
+        <p14:creationId xmlns:p14="http://schemas.microsoft.com/office/powerpoint/2010/main" val="1607833794"/>
       </p:ext>
     </p:extLst>
   </p:cSld>
   <p:clrMapOvr>
     <a:masterClrMapping/>
   </p:clrMapOvr>
+  <p:timing>
+    <p:tnLst>
+      <p:par>
+        <p:cTn id="1" dur="indefinite" restart="never" nodeType="tmRoot"/>
+      </p:par>
+    </p:tnLst>
+  </p:timing>
 </p:sld>
 </file>
 
-<file path=ppt/slides/slide2.xml><?xml version="1.0" encoding="utf-8"?>
+<file path=ppt/slides/slide10.xml><?xml version="1.0" encoding="utf-8"?>
 <p:sld xmlns:a="http://schemas.openxmlformats.org/drawingml/2006/main" xmlns:r="http://schemas.openxmlformats.org/officeDocument/2006/relationships" xmlns:p="http://schemas.openxmlformats.org/presentationml/2006/main">
   <p:cSld>
     <p:spTree>
@@ -3588,14 +4074,14 @@
       </p:grpSpPr>
       <p:sp>
         <p:nvSpPr>
-          <p:cNvPr id="4" name="TextBox 3"/>
+          <p:cNvPr id="6" name="TextBox 5"/>
           <p:cNvSpPr txBox="1"/>
           <p:nvPr/>
         </p:nvSpPr>
         <p:spPr>
           <a:xfrm>
-            <a:off x="1101436" y="685800"/>
-            <a:ext cx="2400300" cy="400110"/>
+            <a:off x="1101435" y="685800"/>
+            <a:ext cx="3124575" cy="707886"/>
           </a:xfrm>
           <a:prstGeom prst="rect">
             <a:avLst/>
@@ -3610,7 +4096,7 @@
           <a:p>
             <a:r>
               <a:rPr lang="en-US" sz="2000" b="1" dirty="0" smtClean="0"/>
-              <a:t>Feature Engineering:</a:t>
+              <a:t>Feature Engineering: Thomas et al. 2014 Method</a:t>
             </a:r>
             <a:endParaRPr lang="en-US" sz="2000" b="1" dirty="0"/>
           </a:p>
@@ -3618,14 +4104,14 @@
       </p:sp>
       <p:sp>
         <p:nvSpPr>
-          <p:cNvPr id="5" name="TextBox 4"/>
+          <p:cNvPr id="2" name="TextBox 1"/>
           <p:cNvSpPr txBox="1"/>
           <p:nvPr/>
         </p:nvSpPr>
         <p:spPr>
           <a:xfrm>
-            <a:off x="1101436" y="1413164"/>
-            <a:ext cx="3075710" cy="923330"/>
+            <a:off x="997527" y="4696275"/>
+            <a:ext cx="8221362" cy="2062103"/>
           </a:xfrm>
           <a:prstGeom prst="rect">
             <a:avLst/>
@@ -3643,12 +4129,8 @@
               <a:buChar char="-"/>
             </a:pPr>
             <a:r>
-              <a:rPr lang="en-US" dirty="0" err="1" smtClean="0"/>
-              <a:t>Atchley</a:t>
-            </a:r>
-            <a:r>
-              <a:rPr lang="en-US" dirty="0" smtClean="0"/>
-              <a:t> Vectors (AV)</a:t>
+              <a:rPr lang="en-US" sz="1600" dirty="0" smtClean="0"/>
+              <a:t>Both p=3 and p=2 where tested</a:t>
             </a:r>
           </a:p>
           <a:p>
@@ -3657,8 +4139,24 @@
               <a:buChar char="-"/>
             </a:pPr>
             <a:r>
-              <a:rPr lang="en-US" dirty="0" smtClean="0"/>
-              <a:t>p-Tuple Frequency</a:t>
+              <a:rPr lang="en-US" sz="1600" dirty="0" smtClean="0"/>
+              <a:t>Using triplets as an example, all possible triplet </a:t>
+            </a:r>
+            <a:r>
+              <a:rPr lang="en-US" sz="1600" dirty="0" err="1" smtClean="0"/>
+              <a:t>Atchley</a:t>
+            </a:r>
+            <a:r>
+              <a:rPr lang="en-US" sz="1600" dirty="0" smtClean="0"/>
+              <a:t> vectors are clustered into k clusters. </a:t>
+            </a:r>
+            <a:r>
+              <a:rPr lang="en-US" sz="1600" dirty="0"/>
+              <a:t>E</a:t>
+            </a:r>
+            <a:r>
+              <a:rPr lang="en-US" sz="1600" dirty="0" smtClean="0"/>
+              <a:t>very sequence is broken down into triplets and then each triplet is mapped to a cluster. The number of triplets mapped into each cluster is represented in a k-dimensional vector.</a:t>
             </a:r>
           </a:p>
           <a:p>
@@ -3667,31 +4165,186 @@
               <a:buChar char="-"/>
             </a:pPr>
             <a:r>
-              <a:rPr lang="en-US" dirty="0" smtClean="0"/>
-              <a:t>p-Tuple with </a:t>
-            </a:r>
-            <a:r>
-              <a:rPr lang="en-US" dirty="0" err="1" smtClean="0"/>
-              <a:t>kmeans</a:t>
-            </a:r>
-            <a:endParaRPr lang="en-US" dirty="0" smtClean="0"/>
+              <a:rPr lang="en-US" sz="1600" dirty="0" smtClean="0"/>
+              <a:t>This process is performed for all sequences</a:t>
+            </a:r>
+          </a:p>
+          <a:p>
+            <a:pPr marL="285750" indent="-285750">
+              <a:buFontTx/>
+              <a:buChar char="-"/>
+            </a:pPr>
+            <a:r>
+              <a:rPr lang="en-US" sz="1600" dirty="0" smtClean="0"/>
+              <a:t>I used k=100 and k=1000 with close to the same results</a:t>
+            </a:r>
+          </a:p>
+          <a:p>
+            <a:pPr marL="285750" indent="-285750">
+              <a:buFontTx/>
+              <a:buChar char="-"/>
+            </a:pPr>
+            <a:endParaRPr lang="en-US" sz="1600" dirty="0" smtClean="0"/>
+          </a:p>
+          <a:p>
+            <a:pPr marL="285750" indent="-285750">
+              <a:buFontTx/>
+              <a:buChar char="-"/>
+            </a:pPr>
+            <a:endParaRPr lang="en-US" sz="1600" dirty="0"/>
+          </a:p>
+        </p:txBody>
+      </p:sp>
+      <p:pic>
+        <p:nvPicPr>
+          <p:cNvPr id="1026" name="Picture 2" descr=" The computational pipeline for classifying TcR repertoires. A schematic of the computational pipeline is shown on the left, and a specific example for two arbitrary TcR β sequences is shown on the right (with p = 3). CDR3 sequences are preprocessed and represented as a series of p-tuples (contiguous sequences of amino acids of length p). The p-tuples are then converted into numeric vectors of length 5 p by representing each amino acid by its five Atchley factors. The codebook is then generated—a sample of these vectors pooled from all experimental groups is clustered to build a codebook of k code words via k-means clustering. A new sample of q p-tuples from each mouse is then selected and mapped to the nearest code word. The number of p-tuples within each code word for that mouse is counted. The sequence data from each mouse are therefore represented by a feature vector of length k, containing the frequency of each code word within the sample. These k length vectors are then analysed by hierarchical clustering or SVM "/>
+          <p:cNvPicPr>
+            <a:picLocks noChangeAspect="1" noChangeArrowheads="1"/>
+          </p:cNvPicPr>
+          <p:nvPr/>
+        </p:nvPicPr>
+        <p:blipFill>
+          <a:blip r:embed="rId2">
+            <a:extLst>
+              <a:ext uri="{28A0092B-C50C-407E-A947-70E740481C1C}">
+                <a14:useLocalDpi xmlns:a14="http://schemas.microsoft.com/office/drawing/2010/main" val="0"/>
+              </a:ext>
+            </a:extLst>
+          </a:blip>
+          <a:srcRect/>
+          <a:stretch>
+            <a:fillRect/>
+          </a:stretch>
+        </p:blipFill>
+        <p:spPr bwMode="auto">
+          <a:xfrm>
+            <a:off x="997527" y="1393686"/>
+            <a:ext cx="4191000" cy="3190876"/>
+          </a:xfrm>
+          <a:prstGeom prst="rect">
+            <a:avLst/>
+          </a:prstGeom>
+          <a:noFill/>
+          <a:extLst>
+            <a:ext uri="{909E8E84-426E-40DD-AFC4-6F175D3DCCD1}">
+              <a14:hiddenFill xmlns:a14="http://schemas.microsoft.com/office/drawing/2010/main">
+                <a:solidFill>
+                  <a:srgbClr val="FFFFFF"/>
+                </a:solidFill>
+              </a14:hiddenFill>
+            </a:ext>
+          </a:extLst>
+        </p:spPr>
+      </p:pic>
+      <p:sp>
+        <p:nvSpPr>
+          <p:cNvPr id="18" name="Rectangle 17"/>
+          <p:cNvSpPr/>
+          <p:nvPr/>
+        </p:nvSpPr>
+        <p:spPr>
+          <a:xfrm>
+            <a:off x="997527" y="3270422"/>
+            <a:ext cx="4076981" cy="963827"/>
+          </a:xfrm>
+          <a:prstGeom prst="rect">
+            <a:avLst/>
+          </a:prstGeom>
+        </p:spPr>
+        <p:style>
+          <a:lnRef idx="2">
+            <a:schemeClr val="accent3">
+              <a:shade val="50000"/>
+            </a:schemeClr>
+          </a:lnRef>
+          <a:fillRef idx="1">
+            <a:schemeClr val="accent3"/>
+          </a:fillRef>
+          <a:effectRef idx="0">
+            <a:schemeClr val="accent3"/>
+          </a:effectRef>
+          <a:fontRef idx="minor">
+            <a:schemeClr val="lt1"/>
+          </a:fontRef>
+        </p:style>
+        <p:txBody>
+          <a:bodyPr rtlCol="0" anchor="ctr"/>
+          <a:lstStyle/>
+          <a:p>
+            <a:pPr algn="ctr"/>
+            <a:r>
+              <a:rPr lang="en-US" sz="1400" dirty="0" smtClean="0"/>
+              <a:t>These steps not needed</a:t>
+            </a:r>
+            <a:endParaRPr lang="en-US" dirty="0"/>
+          </a:p>
+        </p:txBody>
+      </p:sp>
+      <p:sp>
+        <p:nvSpPr>
+          <p:cNvPr id="20" name="Rectangle 19"/>
+          <p:cNvSpPr/>
+          <p:nvPr/>
+        </p:nvSpPr>
+        <p:spPr>
+          <a:xfrm>
+            <a:off x="1157136" y="1385447"/>
+            <a:ext cx="1989718" cy="179741"/>
+          </a:xfrm>
+          <a:prstGeom prst="rect">
+            <a:avLst/>
+          </a:prstGeom>
+        </p:spPr>
+        <p:style>
+          <a:lnRef idx="2">
+            <a:schemeClr val="accent3">
+              <a:shade val="50000"/>
+            </a:schemeClr>
+          </a:lnRef>
+          <a:fillRef idx="1">
+            <a:schemeClr val="accent3"/>
+          </a:fillRef>
+          <a:effectRef idx="0">
+            <a:schemeClr val="accent3"/>
+          </a:effectRef>
+          <a:fontRef idx="minor">
+            <a:schemeClr val="lt1"/>
+          </a:fontRef>
+        </p:style>
+        <p:txBody>
+          <a:bodyPr rtlCol="0" anchor="ctr"/>
+          <a:lstStyle/>
+          <a:p>
+            <a:pPr algn="ctr"/>
+            <a:r>
+              <a:rPr lang="en-US" sz="1100" dirty="0" smtClean="0"/>
+              <a:t>dataset</a:t>
+            </a:r>
+            <a:endParaRPr lang="en-US" dirty="0"/>
           </a:p>
         </p:txBody>
       </p:sp>
     </p:spTree>
     <p:extLst>
       <p:ext uri="{BB962C8B-B14F-4D97-AF65-F5344CB8AC3E}">
-        <p14:creationId xmlns:p14="http://schemas.microsoft.com/office/powerpoint/2010/main" val="3475872758"/>
+        <p14:creationId xmlns:p14="http://schemas.microsoft.com/office/powerpoint/2010/main" val="676617738"/>
       </p:ext>
     </p:extLst>
   </p:cSld>
   <p:clrMapOvr>
     <a:masterClrMapping/>
   </p:clrMapOvr>
+  <p:timing>
+    <p:tnLst>
+      <p:par>
+        <p:cTn id="1" dur="indefinite" restart="never" nodeType="tmRoot"/>
+      </p:par>
+    </p:tnLst>
+  </p:timing>
 </p:sld>
 </file>
 
-<file path=ppt/slides/slide3.xml><?xml version="1.0" encoding="utf-8"?>
+<file path=ppt/slides/slide11.xml><?xml version="1.0" encoding="utf-8"?>
 <p:sld xmlns:a="http://schemas.openxmlformats.org/drawingml/2006/main" xmlns:r="http://schemas.openxmlformats.org/officeDocument/2006/relationships" xmlns:p="http://schemas.openxmlformats.org/presentationml/2006/main">
   <p:cSld>
     <p:spTree>
@@ -3710,6 +4363,427 @@
       </p:grpSpPr>
       <p:sp>
         <p:nvSpPr>
+          <p:cNvPr id="6" name="TextBox 5"/>
+          <p:cNvSpPr txBox="1"/>
+          <p:nvPr/>
+        </p:nvSpPr>
+        <p:spPr>
+          <a:xfrm>
+            <a:off x="1101435" y="685800"/>
+            <a:ext cx="4253159" cy="400110"/>
+          </a:xfrm>
+          <a:prstGeom prst="rect">
+            <a:avLst/>
+          </a:prstGeom>
+          <a:noFill/>
+        </p:spPr>
+        <p:txBody>
+          <a:bodyPr wrap="square" rtlCol="0">
+            <a:spAutoFit/>
+          </a:bodyPr>
+          <a:lstStyle/>
+          <a:p>
+            <a:r>
+              <a:rPr lang="en-US" sz="2000" b="1" dirty="0"/>
+              <a:t>Thomas et al. 2014 </a:t>
+            </a:r>
+            <a:r>
+              <a:rPr lang="en-US" sz="2000" b="1" dirty="0" smtClean="0"/>
+              <a:t>SVM Classification</a:t>
+            </a:r>
+            <a:endParaRPr lang="en-US" sz="2000" b="1" dirty="0"/>
+          </a:p>
+        </p:txBody>
+      </p:sp>
+      <p:sp>
+        <p:nvSpPr>
+          <p:cNvPr id="2" name="TextBox 1"/>
+          <p:cNvSpPr txBox="1"/>
+          <p:nvPr/>
+        </p:nvSpPr>
+        <p:spPr>
+          <a:xfrm>
+            <a:off x="1101435" y="1085910"/>
+            <a:ext cx="8221362" cy="2554545"/>
+          </a:xfrm>
+          <a:prstGeom prst="rect">
+            <a:avLst/>
+          </a:prstGeom>
+          <a:noFill/>
+        </p:spPr>
+        <p:txBody>
+          <a:bodyPr wrap="square" rtlCol="0">
+            <a:spAutoFit/>
+          </a:bodyPr>
+          <a:lstStyle/>
+          <a:p>
+            <a:pPr marL="285750" indent="-285750">
+              <a:buFontTx/>
+              <a:buChar char="-"/>
+            </a:pPr>
+            <a:r>
+              <a:rPr lang="en-US" sz="1600" dirty="0" smtClean="0"/>
+              <a:t>Results given are over </a:t>
+            </a:r>
+          </a:p>
+          <a:p>
+            <a:pPr marL="285750" indent="-285750">
+              <a:buFontTx/>
+              <a:buChar char="-"/>
+            </a:pPr>
+            <a:r>
+              <a:rPr lang="en-US" sz="1600" dirty="0" smtClean="0"/>
+              <a:t>Tried the three different kernels mentioned previously and optimized with grid search or line search depending. The following are the search parameters where gamma is the width of the RBF: </a:t>
+            </a:r>
+          </a:p>
+          <a:p>
+            <a:pPr marL="742950" lvl="1" indent="-285750">
+              <a:buFontTx/>
+              <a:buChar char="-"/>
+            </a:pPr>
+            <a:r>
+              <a:rPr lang="en-US" sz="1600" dirty="0" smtClean="0"/>
+              <a:t>C: </a:t>
+            </a:r>
+            <a:r>
+              <a:rPr lang="en-US" sz="1600" dirty="0"/>
+              <a:t>[</a:t>
+            </a:r>
+            <a:r>
+              <a:rPr lang="en-US" sz="1600" dirty="0" smtClean="0"/>
+              <a:t>0.1, 1, 10, 100, 1000] </a:t>
+            </a:r>
+            <a:endParaRPr lang="en-US" sz="1600" dirty="0" smtClean="0"/>
+          </a:p>
+          <a:p>
+            <a:pPr marL="742950" lvl="1" indent="-285750">
+              <a:buFontTx/>
+              <a:buChar char="-"/>
+            </a:pPr>
+            <a:r>
+              <a:rPr lang="en-US" sz="1600" dirty="0" smtClean="0"/>
+              <a:t>gamma:[</a:t>
+            </a:r>
+            <a:r>
+              <a:rPr lang="en-US" sz="1600" dirty="0" smtClean="0"/>
+              <a:t>1e-4, 1e-3, 1e-2, 1e-1, 1e0, 1e1, 1e2]</a:t>
+            </a:r>
+          </a:p>
+          <a:p>
+            <a:pPr marL="742950" lvl="1" indent="-285750">
+              <a:buFontTx/>
+              <a:buChar char="-"/>
+            </a:pPr>
+            <a:r>
+              <a:rPr lang="en-US" sz="1600" dirty="0" smtClean="0"/>
+              <a:t>n clusters: 100</a:t>
+            </a:r>
+          </a:p>
+          <a:p>
+            <a:pPr marL="742950" lvl="1" indent="-285750">
+              <a:buFontTx/>
+              <a:buChar char="-"/>
+            </a:pPr>
+            <a:r>
+              <a:rPr lang="en-US" sz="1600" dirty="0" smtClean="0"/>
+              <a:t>K samples: 10,000</a:t>
+            </a:r>
+            <a:endParaRPr lang="en-US" sz="1600" dirty="0" smtClean="0"/>
+          </a:p>
+          <a:p>
+            <a:pPr marL="285750" indent="-285750">
+              <a:buFontTx/>
+              <a:buChar char="-"/>
+            </a:pPr>
+            <a:r>
+              <a:rPr lang="en-US" sz="1600" dirty="0" smtClean="0"/>
+              <a:t>Depending on results these were </a:t>
+            </a:r>
+            <a:r>
+              <a:rPr lang="en-US" sz="1600" dirty="0" smtClean="0"/>
+              <a:t>altered</a:t>
+            </a:r>
+          </a:p>
+          <a:p>
+            <a:pPr marL="285750" indent="-285750">
+              <a:buFontTx/>
+              <a:buChar char="-"/>
+            </a:pPr>
+            <a:r>
+              <a:rPr lang="en-US" sz="1600" dirty="0" smtClean="0"/>
+              <a:t>Need to re-run as page I wrote </a:t>
+            </a:r>
+            <a:r>
+              <a:rPr lang="en-US" sz="1600" dirty="0" err="1" smtClean="0"/>
+              <a:t>params</a:t>
+            </a:r>
+            <a:r>
+              <a:rPr lang="en-US" sz="1600" dirty="0" smtClean="0"/>
+              <a:t> on is missing</a:t>
+            </a:r>
+            <a:endParaRPr lang="en-US" sz="1600" dirty="0" smtClean="0"/>
+          </a:p>
+        </p:txBody>
+      </p:sp>
+      <p:graphicFrame>
+        <p:nvGraphicFramePr>
+          <p:cNvPr id="14" name="Table 13"/>
+          <p:cNvGraphicFramePr>
+            <a:graphicFrameLocks noGrp="1"/>
+          </p:cNvGraphicFramePr>
+          <p:nvPr>
+            <p:extLst>
+              <p:ext uri="{D42A27DB-BD31-4B8C-83A1-F6EECF244321}">
+                <p14:modId xmlns:p14="http://schemas.microsoft.com/office/powerpoint/2010/main" val="713384748"/>
+              </p:ext>
+            </p:extLst>
+          </p:nvPr>
+        </p:nvGraphicFramePr>
+        <p:xfrm>
+          <a:off x="1175574" y="4343413"/>
+          <a:ext cx="10497441" cy="1501799"/>
+        </p:xfrm>
+        <a:graphic>
+          <a:graphicData uri="http://schemas.openxmlformats.org/drawingml/2006/table">
+            <a:tbl>
+              <a:tblPr firstRow="1" bandRow="1">
+                <a:tableStyleId>{073A0DAA-6AF3-43AB-8588-CEC1D06C72B9}</a:tableStyleId>
+              </a:tblPr>
+              <a:tblGrid>
+                <a:gridCol w="1600651"/>
+                <a:gridCol w="1441627"/>
+                <a:gridCol w="3266072"/>
+                <a:gridCol w="4189091"/>
+              </a:tblGrid>
+              <a:tr h="695687">
+                <a:tc>
+                  <a:txBody>
+                    <a:bodyPr/>
+                    <a:lstStyle/>
+                    <a:p>
+                      <a:r>
+                        <a:rPr lang="en-US" dirty="0" smtClean="0"/>
+                        <a:t>p Value</a:t>
+                      </a:r>
+                      <a:endParaRPr lang="en-US" dirty="0"/>
+                    </a:p>
+                  </a:txBody>
+                  <a:tcPr/>
+                </a:tc>
+                <a:tc>
+                  <a:txBody>
+                    <a:bodyPr/>
+                    <a:lstStyle/>
+                    <a:p>
+                      <a:r>
+                        <a:rPr lang="en-US" dirty="0" smtClean="0"/>
+                        <a:t>Kernel</a:t>
+                      </a:r>
+                      <a:endParaRPr lang="en-US" dirty="0"/>
+                    </a:p>
+                  </a:txBody>
+                  <a:tcPr/>
+                </a:tc>
+                <a:tc>
+                  <a:txBody>
+                    <a:bodyPr/>
+                    <a:lstStyle/>
+                    <a:p>
+                      <a:r>
+                        <a:rPr lang="en-US" dirty="0" smtClean="0"/>
+                        <a:t>Best Parameters</a:t>
+                      </a:r>
+                      <a:endParaRPr lang="en-US" dirty="0"/>
+                    </a:p>
+                  </a:txBody>
+                  <a:tcPr/>
+                </a:tc>
+                <a:tc>
+                  <a:txBody>
+                    <a:bodyPr/>
+                    <a:lstStyle/>
+                    <a:p>
+                      <a:r>
+                        <a:rPr lang="en-US" dirty="0" smtClean="0"/>
+                        <a:t>Test Accuracy</a:t>
+                      </a:r>
+                      <a:endParaRPr lang="en-US" dirty="0"/>
+                    </a:p>
+                  </a:txBody>
+                  <a:tcPr/>
+                </a:tc>
+              </a:tr>
+              <a:tr h="403056">
+                <a:tc>
+                  <a:txBody>
+                    <a:bodyPr/>
+                    <a:lstStyle/>
+                    <a:p>
+                      <a:r>
+                        <a:rPr lang="en-US" dirty="0" smtClean="0"/>
+                        <a:t>2</a:t>
+                      </a:r>
+                      <a:endParaRPr lang="en-US" dirty="0"/>
+                    </a:p>
+                  </a:txBody>
+                  <a:tcPr/>
+                </a:tc>
+                <a:tc>
+                  <a:txBody>
+                    <a:bodyPr/>
+                    <a:lstStyle/>
+                    <a:p>
+                      <a:r>
+                        <a:rPr lang="en-US" dirty="0" smtClean="0"/>
+                        <a:t> RBF</a:t>
+                      </a:r>
+                      <a:r>
+                        <a:rPr lang="en-US" baseline="0" dirty="0" smtClean="0"/>
+                        <a:t> </a:t>
+                      </a:r>
+                      <a:endParaRPr lang="en-US" dirty="0"/>
+                    </a:p>
+                  </a:txBody>
+                  <a:tcPr/>
+                </a:tc>
+                <a:tc>
+                  <a:txBody>
+                    <a:bodyPr/>
+                    <a:lstStyle/>
+                    <a:p>
+                      <a:r>
+                        <a:rPr lang="en-US" dirty="0" smtClean="0"/>
+                        <a:t>C</a:t>
+                      </a:r>
+                      <a:r>
+                        <a:rPr lang="en-US" baseline="0" dirty="0" smtClean="0"/>
+                        <a:t> = 10, gamma = 1</a:t>
+                      </a:r>
+                      <a:endParaRPr lang="en-US" dirty="0"/>
+                    </a:p>
+                  </a:txBody>
+                  <a:tcPr/>
+                </a:tc>
+                <a:tc>
+                  <a:txBody>
+                    <a:bodyPr/>
+                    <a:lstStyle/>
+                    <a:p>
+                      <a:r>
+                        <a:rPr lang="en-US" dirty="0" smtClean="0"/>
+                        <a:t>58.2%</a:t>
+                      </a:r>
+                      <a:endParaRPr lang="en-US" dirty="0"/>
+                    </a:p>
+                  </a:txBody>
+                  <a:tcPr/>
+                </a:tc>
+              </a:tr>
+              <a:tr h="403056">
+                <a:tc>
+                  <a:txBody>
+                    <a:bodyPr/>
+                    <a:lstStyle/>
+                    <a:p>
+                      <a:r>
+                        <a:rPr lang="en-US" dirty="0" smtClean="0"/>
+                        <a:t>3</a:t>
+                      </a:r>
+                      <a:endParaRPr lang="en-US" dirty="0"/>
+                    </a:p>
+                  </a:txBody>
+                  <a:tcPr/>
+                </a:tc>
+                <a:tc>
+                  <a:txBody>
+                    <a:bodyPr/>
+                    <a:lstStyle/>
+                    <a:p>
+                      <a:r>
+                        <a:rPr lang="en-US" dirty="0" smtClean="0"/>
+                        <a:t> RBF</a:t>
+                      </a:r>
+                      <a:r>
+                        <a:rPr lang="en-US" baseline="0" dirty="0" smtClean="0"/>
+                        <a:t> </a:t>
+                      </a:r>
+                      <a:endParaRPr lang="en-US" dirty="0"/>
+                    </a:p>
+                  </a:txBody>
+                  <a:tcPr/>
+                </a:tc>
+                <a:tc>
+                  <a:txBody>
+                    <a:bodyPr/>
+                    <a:lstStyle/>
+                    <a:p>
+                      <a:r>
+                        <a:rPr lang="en-US" dirty="0" smtClean="0"/>
+                        <a:t>-</a:t>
+                      </a:r>
+                      <a:endParaRPr lang="en-US" dirty="0"/>
+                    </a:p>
+                  </a:txBody>
+                  <a:tcPr/>
+                </a:tc>
+                <a:tc>
+                  <a:txBody>
+                    <a:bodyPr/>
+                    <a:lstStyle/>
+                    <a:p>
+                      <a:r>
+                        <a:rPr lang="en-US" dirty="0" smtClean="0"/>
+                        <a:t>59.9%</a:t>
+                      </a:r>
+                      <a:endParaRPr lang="en-US" dirty="0"/>
+                    </a:p>
+                  </a:txBody>
+                  <a:tcPr/>
+                </a:tc>
+              </a:tr>
+            </a:tbl>
+          </a:graphicData>
+        </a:graphic>
+      </p:graphicFrame>
+    </p:spTree>
+    <p:extLst>
+      <p:ext uri="{BB962C8B-B14F-4D97-AF65-F5344CB8AC3E}">
+        <p14:creationId xmlns:p14="http://schemas.microsoft.com/office/powerpoint/2010/main" val="2766078807"/>
+      </p:ext>
+    </p:extLst>
+  </p:cSld>
+  <p:clrMapOvr>
+    <a:masterClrMapping/>
+  </p:clrMapOvr>
+  <p:timing>
+    <p:tnLst>
+      <p:par>
+        <p:cTn id="1" dur="indefinite" restart="never" nodeType="tmRoot"/>
+      </p:par>
+    </p:tnLst>
+  </p:timing>
+</p:sld>
+</file>
+
+<file path=ppt/slides/slide12.xml><?xml version="1.0" encoding="utf-8"?>
+<p:sld xmlns:a="http://schemas.openxmlformats.org/drawingml/2006/main" xmlns:r="http://schemas.openxmlformats.org/officeDocument/2006/relationships" xmlns:p="http://schemas.openxmlformats.org/presentationml/2006/main">
+  <p:cSld>
+    <p:spTree>
+      <p:nvGrpSpPr>
+        <p:cNvPr id="1" name=""/>
+        <p:cNvGrpSpPr/>
+        <p:nvPr/>
+      </p:nvGrpSpPr>
+      <p:grpSpPr>
+        <a:xfrm>
+          <a:off x="0" y="0"/>
+          <a:ext cx="0" cy="0"/>
+          <a:chOff x="0" y="0"/>
+          <a:chExt cx="0" cy="0"/>
+        </a:xfrm>
+      </p:grpSpPr>
+      <p:sp>
+        <p:nvSpPr>
           <p:cNvPr id="4" name="TextBox 3"/>
           <p:cNvSpPr txBox="1"/>
           <p:nvPr/>
@@ -3768,7 +4842,7 @@
           <a:p>
             <a:r>
               <a:rPr lang="en-US" sz="2000" b="1" dirty="0" smtClean="0"/>
-              <a:t>Feature Engineering: p-Tuple Frequency</a:t>
+              <a:t>Feature Engineering: p-Tuple Frequency </a:t>
             </a:r>
             <a:endParaRPr lang="en-US" sz="2000" b="1" dirty="0"/>
           </a:p>
@@ -3899,8 +4973,8 @@
         </p:nvSpPr>
         <p:spPr>
           <a:xfrm>
-            <a:off x="4221924" y="2745794"/>
-            <a:ext cx="1128083" cy="369332"/>
+            <a:off x="4059229" y="2743646"/>
+            <a:ext cx="1462184" cy="369332"/>
           </a:xfrm>
           <a:prstGeom prst="rect">
             <a:avLst/>
@@ -3921,7 +4995,7 @@
                   </a:schemeClr>
                 </a:solidFill>
               </a:rPr>
-              <a:t>[1 x (N-2)]</a:t>
+              <a:t>[1 x (N-2) x p]</a:t>
             </a:r>
             <a:endParaRPr lang="en-US" dirty="0">
               <a:solidFill>
@@ -4038,7 +5112,27 @@
                   </a:schemeClr>
                 </a:solidFill>
               </a:rPr>
-              <a:t>[1 x 8000]</a:t>
+              <a:t>[1 x 20</a:t>
+            </a:r>
+            <a:r>
+              <a:rPr lang="en-US" baseline="30000" dirty="0" smtClean="0">
+                <a:solidFill>
+                  <a:schemeClr val="bg1">
+                    <a:lumMod val="50000"/>
+                  </a:schemeClr>
+                </a:solidFill>
+              </a:rPr>
+              <a:t>p</a:t>
+            </a:r>
+            <a:r>
+              <a:rPr lang="en-US" dirty="0" smtClean="0">
+                <a:solidFill>
+                  <a:schemeClr val="bg1">
+                    <a:lumMod val="50000"/>
+                  </a:schemeClr>
+                </a:solidFill>
+              </a:rPr>
+              <a:t>]</a:t>
             </a:r>
             <a:endParaRPr lang="en-US" dirty="0">
               <a:solidFill>
@@ -4113,6 +5207,73 @@
           </a:p>
         </p:txBody>
       </p:sp>
+      <p:sp>
+        <p:nvSpPr>
+          <p:cNvPr id="2" name="TextBox 1"/>
+          <p:cNvSpPr txBox="1"/>
+          <p:nvPr/>
+        </p:nvSpPr>
+        <p:spPr>
+          <a:xfrm>
+            <a:off x="1101436" y="3757161"/>
+            <a:ext cx="8221362" cy="2308324"/>
+          </a:xfrm>
+          <a:prstGeom prst="rect">
+            <a:avLst/>
+          </a:prstGeom>
+          <a:noFill/>
+        </p:spPr>
+        <p:txBody>
+          <a:bodyPr wrap="square" rtlCol="0">
+            <a:spAutoFit/>
+          </a:bodyPr>
+          <a:lstStyle/>
+          <a:p>
+            <a:pPr marL="285750" indent="-285750">
+              <a:buFontTx/>
+              <a:buChar char="-"/>
+            </a:pPr>
+            <a:r>
+              <a:rPr lang="en-US" sz="1600" dirty="0" smtClean="0"/>
+              <a:t>Both p=3 and p=2 where tested, thus each point/sequence had 400 dimensions or 8000 dimensions respectively</a:t>
+            </a:r>
+          </a:p>
+          <a:p>
+            <a:pPr marL="285750" indent="-285750">
+              <a:buFontTx/>
+              <a:buChar char="-"/>
+            </a:pPr>
+            <a:r>
+              <a:rPr lang="en-US" sz="1600" dirty="0" smtClean="0"/>
+              <a:t>These were not binary features, that is to say it was a frequency count of a p-Tuple being present in a sequence, but in practice counts above one are rare and the vectors are quite sparse.</a:t>
+            </a:r>
+          </a:p>
+          <a:p>
+            <a:pPr marL="285750" indent="-285750">
+              <a:buFontTx/>
+              <a:buChar char="-"/>
+            </a:pPr>
+            <a:r>
+              <a:rPr lang="en-US" sz="1600" dirty="0" smtClean="0"/>
+              <a:t>Note that this is length invariant as a method so it doesn’t require separation of sequences by length</a:t>
+            </a:r>
+          </a:p>
+          <a:p>
+            <a:pPr marL="285750" indent="-285750">
+              <a:buFontTx/>
+              <a:buChar char="-"/>
+            </a:pPr>
+            <a:endParaRPr lang="en-US" sz="1600" dirty="0" smtClean="0"/>
+          </a:p>
+          <a:p>
+            <a:pPr marL="285750" indent="-285750">
+              <a:buFontTx/>
+              <a:buChar char="-"/>
+            </a:pPr>
+            <a:endParaRPr lang="en-US" sz="1600" dirty="0"/>
+          </a:p>
+        </p:txBody>
+      </p:sp>
     </p:spTree>
     <p:extLst>
       <p:ext uri="{BB962C8B-B14F-4D97-AF65-F5344CB8AC3E}">
@@ -4123,10 +5284,17 @@
   <p:clrMapOvr>
     <a:masterClrMapping/>
   </p:clrMapOvr>
+  <p:timing>
+    <p:tnLst>
+      <p:par>
+        <p:cTn id="1" dur="indefinite" restart="never" nodeType="tmRoot"/>
+      </p:par>
+    </p:tnLst>
+  </p:timing>
 </p:sld>
 </file>
 
-<file path=ppt/slides/slide4.xml><?xml version="1.0" encoding="utf-8"?>
+<file path=ppt/slides/slide13.xml><?xml version="1.0" encoding="utf-8"?>
 <p:sld xmlns:a="http://schemas.openxmlformats.org/drawingml/2006/main" xmlns:r="http://schemas.openxmlformats.org/officeDocument/2006/relationships" xmlns:p="http://schemas.openxmlformats.org/presentationml/2006/main">
   <p:cSld>
     <p:spTree>
@@ -4145,14 +5313,14 @@
       </p:grpSpPr>
       <p:sp>
         <p:nvSpPr>
-          <p:cNvPr id="4" name="TextBox 3"/>
+          <p:cNvPr id="6" name="TextBox 5"/>
           <p:cNvSpPr txBox="1"/>
           <p:nvPr/>
         </p:nvSpPr>
         <p:spPr>
           <a:xfrm>
-            <a:off x="1101436" y="685800"/>
-            <a:ext cx="2400300" cy="400110"/>
+            <a:off x="1101435" y="685800"/>
+            <a:ext cx="4253159" cy="400110"/>
           </a:xfrm>
           <a:prstGeom prst="rect">
             <a:avLst/>
@@ -4167,29 +5335,129 @@
           <a:p>
             <a:r>
               <a:rPr lang="en-US" sz="2000" b="1" dirty="0" smtClean="0"/>
-              <a:t>Results: </a:t>
+              <a:t>p-Tuple Frequency SVM Classification</a:t>
             </a:r>
             <a:endParaRPr lang="en-US" sz="2000" b="1" dirty="0"/>
+          </a:p>
+        </p:txBody>
+      </p:sp>
+      <p:sp>
+        <p:nvSpPr>
+          <p:cNvPr id="2" name="TextBox 1"/>
+          <p:cNvSpPr txBox="1"/>
+          <p:nvPr/>
+        </p:nvSpPr>
+        <p:spPr>
+          <a:xfrm>
+            <a:off x="1101435" y="1085910"/>
+            <a:ext cx="8221362" cy="2062103"/>
+          </a:xfrm>
+          <a:prstGeom prst="rect">
+            <a:avLst/>
+          </a:prstGeom>
+          <a:noFill/>
+        </p:spPr>
+        <p:txBody>
+          <a:bodyPr wrap="square" rtlCol="0">
+            <a:spAutoFit/>
+          </a:bodyPr>
+          <a:lstStyle/>
+          <a:p>
+            <a:pPr marL="285750" indent="-285750">
+              <a:buFontTx/>
+              <a:buChar char="-"/>
+            </a:pPr>
+            <a:r>
+              <a:rPr lang="en-US" sz="1600" dirty="0" smtClean="0"/>
+              <a:t>Results given are over </a:t>
+            </a:r>
+          </a:p>
+          <a:p>
+            <a:pPr marL="285750" indent="-285750">
+              <a:buFontTx/>
+              <a:buChar char="-"/>
+            </a:pPr>
+            <a:r>
+              <a:rPr lang="en-US" sz="1600" dirty="0" smtClean="0"/>
+              <a:t>Tried the three different kernels mentioned previously and optimized with grid search or line search depending. The following are the search parameters where gamma is the width of the RBF: </a:t>
+            </a:r>
+          </a:p>
+          <a:p>
+            <a:pPr marL="742950" lvl="1" indent="-285750">
+              <a:buFontTx/>
+              <a:buChar char="-"/>
+            </a:pPr>
+            <a:r>
+              <a:rPr lang="en-US" sz="1600" dirty="0" smtClean="0"/>
+              <a:t>C: </a:t>
+            </a:r>
+            <a:r>
+              <a:rPr lang="en-US" sz="1600" dirty="0"/>
+              <a:t>[0.1,1,10,100</a:t>
+            </a:r>
+            <a:r>
+              <a:rPr lang="en-US" sz="1600" dirty="0" smtClean="0"/>
+              <a:t>] </a:t>
+            </a:r>
+          </a:p>
+          <a:p>
+            <a:pPr marL="742950" lvl="1" indent="-285750">
+              <a:buFontTx/>
+              <a:buChar char="-"/>
+            </a:pPr>
+            <a:r>
+              <a:rPr lang="en-US" sz="1600" dirty="0" smtClean="0"/>
+              <a:t>gamma:[</a:t>
+            </a:r>
+            <a:r>
+              <a:rPr lang="en-US" sz="1600" dirty="0"/>
+              <a:t>1e-4,1e-3,1e-2</a:t>
+            </a:r>
+            <a:r>
+              <a:rPr lang="en-US" sz="1600" dirty="0" smtClean="0"/>
+              <a:t>]</a:t>
+            </a:r>
+          </a:p>
+          <a:p>
+            <a:pPr marL="285750" indent="-285750">
+              <a:buFontTx/>
+              <a:buChar char="-"/>
+            </a:pPr>
+            <a:r>
+              <a:rPr lang="en-US" sz="1600" dirty="0" smtClean="0"/>
+              <a:t>Depending on results these were </a:t>
+            </a:r>
+            <a:r>
+              <a:rPr lang="en-US" sz="1600" dirty="0" smtClean="0"/>
+              <a:t>altered</a:t>
+            </a:r>
+          </a:p>
+          <a:p>
+            <a:pPr marL="285750" indent="-285750">
+              <a:buFontTx/>
+              <a:buChar char="-"/>
+            </a:pPr>
+            <a:endParaRPr lang="en-US" sz="1600" dirty="0" smtClean="0"/>
           </a:p>
         </p:txBody>
       </p:sp>
       <p:graphicFrame>
         <p:nvGraphicFramePr>
-          <p:cNvPr id="7" name="Table 6"/>
+          <p:cNvPr id="14" name="Table 13"/>
           <p:cNvGraphicFramePr>
             <a:graphicFrameLocks noGrp="1"/>
           </p:cNvGraphicFramePr>
           <p:nvPr>
             <p:extLst>
               <p:ext uri="{D42A27DB-BD31-4B8C-83A1-F6EECF244321}">
-                <p14:modId xmlns:p14="http://schemas.microsoft.com/office/powerpoint/2010/main" val="3180212888"/>
+                <p14:modId xmlns:p14="http://schemas.microsoft.com/office/powerpoint/2010/main" val="1171258598"/>
               </p:ext>
             </p:extLst>
           </p:nvPr>
         </p:nvGraphicFramePr>
         <p:xfrm>
-          <a:off x="1101436" y="1085910"/>
-          <a:ext cx="9809020" cy="4726247"/>
+          <a:off x="1101435" y="3148013"/>
+          <a:ext cx="10497441" cy="3114023"/>
         </p:xfrm>
         <a:graphic>
           <a:graphicData uri="http://schemas.openxmlformats.org/drawingml/2006/table">
@@ -4198,10 +5466,10 @@
                 <a:tableStyleId>{073A0DAA-6AF3-43AB-8588-CEC1D06C72B9}</a:tableStyleId>
               </a:tblPr>
               <a:tblGrid>
-                <a:gridCol w="3075709"/>
-                <a:gridCol w="2369128"/>
-                <a:gridCol w="1911928"/>
-                <a:gridCol w="2452255"/>
+                <a:gridCol w="1600651"/>
+                <a:gridCol w="1441627"/>
+                <a:gridCol w="3266072"/>
+                <a:gridCol w="4189091"/>
               </a:tblGrid>
               <a:tr h="695687">
                 <a:tc>
@@ -4211,11 +5479,7 @@
                     <a:p>
                       <a:r>
                         <a:rPr lang="en-US" dirty="0" smtClean="0"/>
-                        <a:t>Feature</a:t>
-                      </a:r>
-                      <a:r>
-                        <a:rPr lang="en-US" baseline="0" dirty="0" smtClean="0"/>
-                        <a:t> Engineering </a:t>
+                        <a:t>p Value</a:t>
                       </a:r>
                       <a:endParaRPr lang="en-US" dirty="0"/>
                     </a:p>
@@ -4229,11 +5493,7 @@
                     <a:p>
                       <a:r>
                         <a:rPr lang="en-US" dirty="0" smtClean="0"/>
-                        <a:t>Dimensionality</a:t>
-                      </a:r>
-                      <a:r>
-                        <a:rPr lang="en-US" baseline="0" dirty="0" smtClean="0"/>
-                        <a:t> Reduction</a:t>
+                        <a:t>Kernel</a:t>
                       </a:r>
                       <a:endParaRPr lang="en-US" dirty="0"/>
                     </a:p>
@@ -4247,7 +5507,7 @@
                     <a:p>
                       <a:r>
                         <a:rPr lang="en-US" dirty="0" smtClean="0"/>
-                        <a:t>Classifier</a:t>
+                        <a:t>Best Parameters</a:t>
                       </a:r>
                       <a:endParaRPr lang="en-US" dirty="0"/>
                     </a:p>
@@ -4277,11 +5537,7 @@
                     <a:p>
                       <a:r>
                         <a:rPr lang="en-US" dirty="0" smtClean="0"/>
-                        <a:t>p=2</a:t>
-                      </a:r>
-                      <a:r>
-                        <a:rPr lang="en-US" baseline="0" dirty="0" smtClean="0"/>
-                        <a:t> Tuple Frequency</a:t>
+                        <a:t>2</a:t>
                       </a:r>
                       <a:endParaRPr lang="en-US" dirty="0"/>
                     </a:p>
@@ -4295,404 +5551,8 @@
                     <a:p>
                       <a:r>
                         <a:rPr lang="en-US" baseline="0" dirty="0" smtClean="0"/>
-                        <a:t> - </a:t>
-                      </a:r>
-                      <a:endParaRPr lang="en-US" dirty="0"/>
-                    </a:p>
-                  </a:txBody>
-                  <a:tcPr/>
-                </a:tc>
-                <a:tc>
-                  <a:txBody>
-                    <a:bodyPr/>
-                    <a:lstStyle/>
-                    <a:p>
-                      <a:r>
-                        <a:rPr lang="en-US" dirty="0" smtClean="0"/>
-                        <a:t>SVM </a:t>
-                      </a:r>
-                      <a:endParaRPr lang="en-US" dirty="0"/>
-                    </a:p>
-                  </a:txBody>
-                  <a:tcPr/>
-                </a:tc>
-                <a:tc>
-                  <a:txBody>
-                    <a:bodyPr/>
-                    <a:lstStyle/>
-                    <a:p>
-                      <a:r>
-                        <a:rPr lang="en-US" dirty="0" smtClean="0"/>
-                        <a:t>63.0%</a:t>
-                      </a:r>
-                      <a:endParaRPr lang="en-US" dirty="0"/>
-                    </a:p>
-                  </a:txBody>
-                  <a:tcPr/>
-                </a:tc>
-              </a:tr>
-              <a:tr h="403056">
-                <a:tc>
-                  <a:txBody>
-                    <a:bodyPr/>
-                    <a:lstStyle/>
-                    <a:p>
-                      <a:r>
-                        <a:rPr lang="en-US" dirty="0" smtClean="0"/>
-                        <a:t>p=2</a:t>
-                      </a:r>
-                      <a:r>
-                        <a:rPr lang="en-US" baseline="0" dirty="0" smtClean="0"/>
-                        <a:t> Tuple Frequency</a:t>
-                      </a:r>
-                      <a:endParaRPr lang="en-US" dirty="0"/>
-                    </a:p>
-                  </a:txBody>
-                  <a:tcPr/>
-                </a:tc>
-                <a:tc>
-                  <a:txBody>
-                    <a:bodyPr/>
-                    <a:lstStyle/>
-                    <a:p>
-                      <a:r>
-                        <a:rPr lang="en-US" baseline="0" dirty="0" smtClean="0"/>
-                        <a:t> - </a:t>
-                      </a:r>
-                      <a:endParaRPr lang="en-US" dirty="0"/>
-                    </a:p>
-                  </a:txBody>
-                  <a:tcPr/>
-                </a:tc>
-                <a:tc>
-                  <a:txBody>
-                    <a:bodyPr/>
-                    <a:lstStyle/>
-                    <a:p>
-                      <a:r>
-                        <a:rPr lang="en-US" dirty="0" smtClean="0"/>
-                        <a:t>Deep NN</a:t>
-                      </a:r>
-                      <a:endParaRPr lang="en-US" dirty="0"/>
-                    </a:p>
-                  </a:txBody>
-                  <a:tcPr/>
-                </a:tc>
-                <a:tc>
-                  <a:txBody>
-                    <a:bodyPr/>
-                    <a:lstStyle/>
-                    <a:p>
-                      <a:r>
-                        <a:rPr lang="en-US" dirty="0" smtClean="0"/>
-                        <a:t>62.9%</a:t>
-                      </a:r>
-                      <a:endParaRPr lang="en-US" dirty="0"/>
-                    </a:p>
-                  </a:txBody>
-                  <a:tcPr/>
-                </a:tc>
-              </a:tr>
-              <a:tr h="403056">
-                <a:tc>
-                  <a:txBody>
-                    <a:bodyPr/>
-                    <a:lstStyle/>
-                    <a:p>
-                      <a:r>
-                        <a:rPr lang="en-US" dirty="0" smtClean="0"/>
-                        <a:t>p=2</a:t>
-                      </a:r>
-                      <a:r>
-                        <a:rPr lang="en-US" baseline="0" dirty="0" smtClean="0"/>
-                        <a:t> </a:t>
-                      </a:r>
-                      <a:r>
-                        <a:rPr lang="en-US" baseline="0" dirty="0" smtClean="0"/>
-                        <a:t>Tuple Frequency</a:t>
-                      </a:r>
-                      <a:endParaRPr lang="en-US" dirty="0"/>
-                    </a:p>
-                  </a:txBody>
-                  <a:tcPr/>
-                </a:tc>
-                <a:tc>
-                  <a:txBody>
-                    <a:bodyPr/>
-                    <a:lstStyle/>
-                    <a:p>
-                      <a:r>
-                        <a:rPr lang="en-US" baseline="0" dirty="0" smtClean="0"/>
-                        <a:t>4 layer </a:t>
-                      </a:r>
-                      <a:r>
-                        <a:rPr lang="en-US" baseline="0" dirty="0" err="1" smtClean="0"/>
-                        <a:t>Autoencoder</a:t>
-                      </a:r>
-                      <a:endParaRPr lang="en-US" dirty="0"/>
-                    </a:p>
-                  </a:txBody>
-                  <a:tcPr/>
-                </a:tc>
-                <a:tc>
-                  <a:txBody>
-                    <a:bodyPr/>
-                    <a:lstStyle/>
-                    <a:p>
-                      <a:r>
-                        <a:rPr lang="en-US" dirty="0" smtClean="0"/>
-                        <a:t>SVM </a:t>
-                      </a:r>
-                      <a:r>
-                        <a:rPr lang="en-US" dirty="0" smtClean="0"/>
-                        <a:t>NN</a:t>
-                      </a:r>
-                      <a:endParaRPr lang="en-US" dirty="0"/>
-                    </a:p>
-                  </a:txBody>
-                  <a:tcPr/>
-                </a:tc>
-                <a:tc>
-                  <a:txBody>
-                    <a:bodyPr/>
-                    <a:lstStyle/>
-                    <a:p>
-                      <a:r>
-                        <a:rPr lang="en-US" dirty="0" smtClean="0"/>
-                        <a:t>56.8%</a:t>
-                      </a:r>
-                      <a:endParaRPr lang="en-US" dirty="0"/>
-                    </a:p>
-                  </a:txBody>
-                  <a:tcPr/>
-                </a:tc>
-              </a:tr>
-              <a:tr h="403056">
-                <a:tc>
-                  <a:txBody>
-                    <a:bodyPr/>
-                    <a:lstStyle/>
-                    <a:p>
-                      <a:r>
-                        <a:rPr lang="en-US" dirty="0" smtClean="0"/>
-                        <a:t>p=3</a:t>
-                      </a:r>
-                      <a:r>
-                        <a:rPr lang="en-US" baseline="0" dirty="0" smtClean="0"/>
-                        <a:t> </a:t>
-                      </a:r>
-                      <a:r>
-                        <a:rPr lang="en-US" baseline="0" dirty="0" smtClean="0"/>
-                        <a:t>Tuple Frequency</a:t>
-                      </a:r>
-                      <a:endParaRPr lang="en-US" dirty="0"/>
-                    </a:p>
-                  </a:txBody>
-                  <a:tcPr/>
-                </a:tc>
-                <a:tc>
-                  <a:txBody>
-                    <a:bodyPr/>
-                    <a:lstStyle/>
-                    <a:p>
-                      <a:r>
-                        <a:rPr lang="en-US" baseline="0" dirty="0" smtClean="0"/>
-                        <a:t> - </a:t>
-                      </a:r>
-                      <a:endParaRPr lang="en-US" dirty="0"/>
-                    </a:p>
-                  </a:txBody>
-                  <a:tcPr/>
-                </a:tc>
-                <a:tc>
-                  <a:txBody>
-                    <a:bodyPr/>
-                    <a:lstStyle/>
-                    <a:p>
-                      <a:r>
-                        <a:rPr lang="en-US" dirty="0" smtClean="0"/>
-                        <a:t>SVM </a:t>
-                      </a:r>
-                      <a:endParaRPr lang="en-US" dirty="0"/>
-                    </a:p>
-                  </a:txBody>
-                  <a:tcPr/>
-                </a:tc>
-                <a:tc>
-                  <a:txBody>
-                    <a:bodyPr/>
-                    <a:lstStyle/>
-                    <a:p>
-                      <a:endParaRPr lang="en-US" dirty="0"/>
-                    </a:p>
-                  </a:txBody>
-                  <a:tcPr/>
-                </a:tc>
-              </a:tr>
-              <a:tr h="403056">
-                <a:tc>
-                  <a:txBody>
-                    <a:bodyPr/>
-                    <a:lstStyle/>
-                    <a:p>
-                      <a:r>
-                        <a:rPr lang="en-US" dirty="0" smtClean="0"/>
-                        <a:t>p=3</a:t>
-                      </a:r>
-                      <a:r>
-                        <a:rPr lang="en-US" baseline="0" dirty="0" smtClean="0"/>
-                        <a:t> </a:t>
-                      </a:r>
-                      <a:r>
-                        <a:rPr lang="en-US" baseline="0" dirty="0" smtClean="0"/>
-                        <a:t>Tuple Frequency</a:t>
-                      </a:r>
-                      <a:endParaRPr lang="en-US" dirty="0"/>
-                    </a:p>
-                  </a:txBody>
-                  <a:tcPr/>
-                </a:tc>
-                <a:tc>
-                  <a:txBody>
-                    <a:bodyPr/>
-                    <a:lstStyle/>
-                    <a:p>
-                      <a:r>
-                        <a:rPr lang="en-US" baseline="0" dirty="0" smtClean="0"/>
-                        <a:t> - </a:t>
-                      </a:r>
-                      <a:endParaRPr lang="en-US" dirty="0"/>
-                    </a:p>
-                  </a:txBody>
-                  <a:tcPr/>
-                </a:tc>
-                <a:tc>
-                  <a:txBody>
-                    <a:bodyPr/>
-                    <a:lstStyle/>
-                    <a:p>
-                      <a:r>
-                        <a:rPr lang="en-US" dirty="0" smtClean="0"/>
-                        <a:t>Deep NN</a:t>
-                      </a:r>
-                      <a:endParaRPr lang="en-US" dirty="0"/>
-                    </a:p>
-                  </a:txBody>
-                  <a:tcPr/>
-                </a:tc>
-                <a:tc>
-                  <a:txBody>
-                    <a:bodyPr/>
-                    <a:lstStyle/>
-                    <a:p>
-                      <a:r>
-                        <a:rPr lang="en-US" dirty="0" smtClean="0"/>
-                        <a:t>62.9%</a:t>
-                      </a:r>
-                      <a:endParaRPr lang="en-US" dirty="0"/>
-                    </a:p>
-                  </a:txBody>
-                  <a:tcPr/>
-                </a:tc>
-              </a:tr>
-              <a:tr h="403056">
-                <a:tc>
-                  <a:txBody>
-                    <a:bodyPr/>
-                    <a:lstStyle/>
-                    <a:p>
-                      <a:r>
-                        <a:rPr lang="en-US" dirty="0" smtClean="0"/>
-                        <a:t>p=3</a:t>
-                      </a:r>
-                      <a:r>
-                        <a:rPr lang="en-US" baseline="0" dirty="0" smtClean="0"/>
-                        <a:t> Tuple Frequency</a:t>
-                      </a:r>
-                      <a:endParaRPr lang="en-US" dirty="0"/>
-                    </a:p>
-                  </a:txBody>
-                  <a:tcPr/>
-                </a:tc>
-                <a:tc>
-                  <a:txBody>
-                    <a:bodyPr/>
-                    <a:lstStyle/>
-                    <a:p>
-                      <a:r>
-                        <a:rPr lang="en-US" baseline="0" dirty="0" smtClean="0"/>
-                        <a:t>4 layer </a:t>
-                      </a:r>
-                      <a:r>
-                        <a:rPr lang="en-US" baseline="0" dirty="0" err="1" smtClean="0"/>
-                        <a:t>Autoencoder</a:t>
-                      </a:r>
-                      <a:endParaRPr lang="en-US" dirty="0"/>
-                    </a:p>
-                  </a:txBody>
-                  <a:tcPr/>
-                </a:tc>
-                <a:tc>
-                  <a:txBody>
-                    <a:bodyPr/>
-                    <a:lstStyle/>
-                    <a:p>
-                      <a:r>
-                        <a:rPr lang="en-US" dirty="0" smtClean="0"/>
-                        <a:t>Deep NN</a:t>
-                      </a:r>
-                      <a:endParaRPr lang="en-US" dirty="0"/>
-                    </a:p>
-                  </a:txBody>
-                  <a:tcPr/>
-                </a:tc>
-                <a:tc>
-                  <a:txBody>
-                    <a:bodyPr/>
-                    <a:lstStyle/>
-                    <a:p>
-                      <a:r>
-                        <a:rPr lang="en-US" dirty="0" smtClean="0"/>
-                        <a:t>62.9%</a:t>
-                      </a:r>
-                      <a:endParaRPr lang="en-US" dirty="0"/>
-                    </a:p>
-                  </a:txBody>
-                  <a:tcPr/>
-                </a:tc>
-              </a:tr>
-              <a:tr h="403056">
-                <a:tc>
-                  <a:txBody>
-                    <a:bodyPr/>
-                    <a:lstStyle/>
-                    <a:p>
-                      <a:r>
-                        <a:rPr lang="en-US" dirty="0" err="1" smtClean="0"/>
-                        <a:t>Atchley</a:t>
-                      </a:r>
-                      <a:r>
-                        <a:rPr lang="en-US" dirty="0" smtClean="0"/>
-                        <a:t> </a:t>
-                      </a:r>
-                      <a:r>
-                        <a:rPr lang="en-US" dirty="0" err="1" smtClean="0"/>
-                        <a:t>Vecs</a:t>
-                      </a:r>
-                      <a:r>
-                        <a:rPr lang="en-US" baseline="0" dirty="0" smtClean="0"/>
-                        <a:t> (NIH)</a:t>
-                      </a:r>
-                      <a:endParaRPr lang="en-US" dirty="0"/>
-                    </a:p>
-                  </a:txBody>
-                  <a:tcPr/>
-                </a:tc>
-                <a:tc>
-                  <a:txBody>
-                    <a:bodyPr/>
-                    <a:lstStyle/>
-                    <a:p>
+                        <a:t> Linear</a:t>
+                      </a:r>
                       <a:endParaRPr lang="en-US" dirty="0"/>
                     </a:p>
                   </a:txBody>
@@ -4722,8 +5582,13 @@
                       </a:pPr>
                       <a:r>
                         <a:rPr lang="en-US" dirty="0" smtClean="0"/>
-                        <a:t>Deep NN</a:t>
-                      </a:r>
+                        <a:t>C</a:t>
+                      </a:r>
+                      <a:r>
+                        <a:rPr lang="en-US" baseline="0" dirty="0" smtClean="0"/>
+                        <a:t> = 1, gamma = 1</a:t>
+                      </a:r>
+                      <a:endParaRPr lang="en-US" dirty="0" smtClean="0"/>
                     </a:p>
                   </a:txBody>
                   <a:tcPr/>
@@ -4733,6 +5598,10 @@
                     <a:bodyPr/>
                     <a:lstStyle/>
                     <a:p>
+                      <a:r>
+                        <a:rPr lang="en-US" dirty="0" smtClean="0"/>
+                        <a:t>61.0%</a:t>
+                      </a:r>
                       <a:endParaRPr lang="en-US" dirty="0"/>
                     </a:p>
                   </a:txBody>
@@ -4745,40 +5614,11 @@
                     <a:bodyPr/>
                     <a:lstStyle/>
                     <a:p>
-                      <a:pPr marL="0" marR="0" lvl="0" indent="0" algn="l" defTabSz="914400" rtl="0" eaLnBrk="1" fontAlgn="auto" latinLnBrk="0" hangingPunct="1">
-                        <a:lnSpc>
-                          <a:spcPct val="100000"/>
-                        </a:lnSpc>
-                        <a:spcBef>
-                          <a:spcPts val="0"/>
-                        </a:spcBef>
-                        <a:spcAft>
-                          <a:spcPts val="0"/>
-                        </a:spcAft>
-                        <a:buClrTx/>
-                        <a:buSzTx/>
-                        <a:buFontTx/>
-                        <a:buNone/>
-                        <a:tabLst/>
-                        <a:defRPr/>
-                      </a:pPr>
-                      <a:r>
-                        <a:rPr lang="en-US" dirty="0" err="1" smtClean="0"/>
-                        <a:t>Atchley</a:t>
-                      </a:r>
                       <a:r>
                         <a:rPr lang="en-US" dirty="0" smtClean="0"/>
-                        <a:t> </a:t>
-                      </a:r>
-                      <a:r>
-                        <a:rPr lang="en-US" dirty="0" err="1" smtClean="0"/>
-                        <a:t>Vecs</a:t>
-                      </a:r>
-                      <a:r>
-                        <a:rPr lang="en-US" baseline="0" dirty="0" smtClean="0"/>
-                        <a:t> (Thomas et. al.)</a:t>
-                      </a:r>
-                      <a:endParaRPr lang="en-US" dirty="0" smtClean="0"/>
+                        <a:t>2</a:t>
+                      </a:r>
+                      <a:endParaRPr lang="en-US" dirty="0"/>
                     </a:p>
                   </a:txBody>
                   <a:tcPr/>
@@ -4789,8 +5629,74 @@
                     <a:lstStyle/>
                     <a:p>
                       <a:r>
+                        <a:rPr lang="en-US" baseline="0" dirty="0" smtClean="0"/>
+                        <a:t> Poly, n=3</a:t>
+                      </a:r>
+                      <a:endParaRPr lang="en-US" dirty="0"/>
+                    </a:p>
+                  </a:txBody>
+                  <a:tcPr/>
+                </a:tc>
+                <a:tc>
+                  <a:txBody>
+                    <a:bodyPr/>
+                    <a:lstStyle/>
+                    <a:p>
+                      <a:r>
                         <a:rPr lang="en-US" dirty="0" smtClean="0"/>
-                        <a:t>K-means</a:t>
+                        <a:t>C</a:t>
+                      </a:r>
+                      <a:r>
+                        <a:rPr lang="en-US" baseline="0" dirty="0" smtClean="0"/>
+                        <a:t> = 100, gamma = 0.01</a:t>
+                      </a:r>
+                      <a:endParaRPr lang="en-US" dirty="0"/>
+                    </a:p>
+                  </a:txBody>
+                  <a:tcPr/>
+                </a:tc>
+                <a:tc>
+                  <a:txBody>
+                    <a:bodyPr/>
+                    <a:lstStyle/>
+                    <a:p>
+                      <a:r>
+                        <a:rPr lang="en-US" dirty="0" smtClean="0"/>
+                        <a:t>60.8%</a:t>
+                      </a:r>
+                      <a:endParaRPr lang="en-US" dirty="0"/>
+                    </a:p>
+                  </a:txBody>
+                  <a:tcPr/>
+                </a:tc>
+              </a:tr>
+              <a:tr h="403056">
+                <a:tc>
+                  <a:txBody>
+                    <a:bodyPr/>
+                    <a:lstStyle/>
+                    <a:p>
+                      <a:r>
+                        <a:rPr lang="en-US" dirty="0" smtClean="0"/>
+                        <a:t>2</a:t>
+                      </a:r>
+                      <a:endParaRPr lang="en-US" dirty="0"/>
+                    </a:p>
+                  </a:txBody>
+                  <a:tcPr/>
+                </a:tc>
+                <a:tc>
+                  <a:txBody>
+                    <a:bodyPr/>
+                    <a:lstStyle/>
+                    <a:p>
+                      <a:r>
+                        <a:rPr lang="en-US" dirty="0" smtClean="0"/>
+                        <a:t> RBF</a:t>
+                      </a:r>
+                      <a:r>
+                        <a:rPr lang="en-US" baseline="0" dirty="0" smtClean="0"/>
+                        <a:t> </a:t>
                       </a:r>
                       <a:endParaRPr lang="en-US" dirty="0"/>
                     </a:p>
@@ -4821,8 +5727,13 @@
                       </a:pPr>
                       <a:r>
                         <a:rPr lang="en-US" dirty="0" smtClean="0"/>
-                        <a:t>Deep NN</a:t>
-                      </a:r>
+                        <a:t>C</a:t>
+                      </a:r>
+                      <a:r>
+                        <a:rPr lang="en-US" baseline="0" dirty="0" smtClean="0"/>
+                        <a:t> = 10, gamma = 0.01</a:t>
+                      </a:r>
+                      <a:endParaRPr lang="en-US" dirty="0" smtClean="0"/>
                     </a:p>
                   </a:txBody>
                   <a:tcPr/>
@@ -4832,6 +5743,10 @@
                     <a:bodyPr/>
                     <a:lstStyle/>
                     <a:p>
+                      <a:r>
+                        <a:rPr lang="en-US" dirty="0" smtClean="0"/>
+                        <a:t>62.0%</a:t>
+                      </a:r>
                       <a:endParaRPr lang="en-US" dirty="0"/>
                     </a:p>
                   </a:txBody>
@@ -4845,20 +5760,8 @@
                     <a:lstStyle/>
                     <a:p>
                       <a:r>
-                        <a:rPr lang="en-US" dirty="0" err="1" smtClean="0"/>
-                        <a:t>Atchley</a:t>
-                      </a:r>
-                      <a:r>
                         <a:rPr lang="en-US" dirty="0" smtClean="0"/>
-                        <a:t> </a:t>
-                      </a:r>
-                      <a:r>
-                        <a:rPr lang="en-US" dirty="0" err="1" smtClean="0"/>
-                        <a:t>Vecs</a:t>
-                      </a:r>
-                      <a:r>
-                        <a:rPr lang="en-US" baseline="0" dirty="0" smtClean="0"/>
-                        <a:t> (NIH)</a:t>
+                        <a:t>3</a:t>
                       </a:r>
                       <a:endParaRPr lang="en-US" dirty="0"/>
                     </a:p>
@@ -4870,6 +5773,4750 @@
                     <a:bodyPr/>
                     <a:lstStyle/>
                     <a:p>
+                      <a:r>
+                        <a:rPr lang="en-US" baseline="0" dirty="0" smtClean="0"/>
+                        <a:t> Linear</a:t>
+                      </a:r>
+                      <a:endParaRPr lang="en-US" dirty="0"/>
+                    </a:p>
+                  </a:txBody>
+                  <a:tcPr/>
+                </a:tc>
+                <a:tc>
+                  <a:txBody>
+                    <a:bodyPr/>
+                    <a:lstStyle/>
+                    <a:p>
+                      <a:r>
+                        <a:rPr lang="en-US" dirty="0" smtClean="0"/>
+                        <a:t>C</a:t>
+                      </a:r>
+                      <a:r>
+                        <a:rPr lang="en-US" baseline="0" dirty="0" smtClean="0"/>
+                        <a:t> = 1, gamma = 0.01</a:t>
+                      </a:r>
+                      <a:endParaRPr lang="en-US" dirty="0"/>
+                    </a:p>
+                  </a:txBody>
+                  <a:tcPr/>
+                </a:tc>
+                <a:tc>
+                  <a:txBody>
+                    <a:bodyPr/>
+                    <a:lstStyle/>
+                    <a:p>
+                      <a:r>
+                        <a:rPr lang="en-US" dirty="0" smtClean="0"/>
+                        <a:t>60.1%</a:t>
+                      </a:r>
+                      <a:endParaRPr lang="en-US" dirty="0"/>
+                    </a:p>
+                  </a:txBody>
+                  <a:tcPr/>
+                </a:tc>
+              </a:tr>
+              <a:tr h="403056">
+                <a:tc>
+                  <a:txBody>
+                    <a:bodyPr/>
+                    <a:lstStyle/>
+                    <a:p>
+                      <a:r>
+                        <a:rPr lang="en-US" dirty="0" smtClean="0"/>
+                        <a:t>3</a:t>
+                      </a:r>
+                      <a:endParaRPr lang="en-US" dirty="0"/>
+                    </a:p>
+                  </a:txBody>
+                  <a:tcPr/>
+                </a:tc>
+                <a:tc>
+                  <a:txBody>
+                    <a:bodyPr/>
+                    <a:lstStyle/>
+                    <a:p>
+                      <a:r>
+                        <a:rPr lang="en-US" baseline="0" dirty="0" smtClean="0"/>
+                        <a:t> Poly, n=3</a:t>
+                      </a:r>
+                      <a:endParaRPr lang="en-US" dirty="0"/>
+                    </a:p>
+                  </a:txBody>
+                  <a:tcPr/>
+                </a:tc>
+                <a:tc>
+                  <a:txBody>
+                    <a:bodyPr/>
+                    <a:lstStyle/>
+                    <a:p>
+                      <a:r>
+                        <a:rPr lang="en-US" dirty="0" smtClean="0"/>
+                        <a:t>C</a:t>
+                      </a:r>
+                      <a:r>
+                        <a:rPr lang="en-US" baseline="0" dirty="0" smtClean="0"/>
+                        <a:t> = 1, gamma = 1</a:t>
+                      </a:r>
+                      <a:endParaRPr lang="en-US" dirty="0"/>
+                    </a:p>
+                  </a:txBody>
+                  <a:tcPr/>
+                </a:tc>
+                <a:tc>
+                  <a:txBody>
+                    <a:bodyPr/>
+                    <a:lstStyle/>
+                    <a:p>
+                      <a:r>
+                        <a:rPr lang="en-US" dirty="0" smtClean="0"/>
+                        <a:t>61.0%</a:t>
+                      </a:r>
+                      <a:endParaRPr lang="en-US" dirty="0"/>
+                    </a:p>
+                  </a:txBody>
+                  <a:tcPr/>
+                </a:tc>
+              </a:tr>
+              <a:tr h="403056">
+                <a:tc>
+                  <a:txBody>
+                    <a:bodyPr/>
+                    <a:lstStyle/>
+                    <a:p>
+                      <a:r>
+                        <a:rPr lang="en-US" dirty="0" smtClean="0"/>
+                        <a:t>3</a:t>
+                      </a:r>
+                      <a:endParaRPr lang="en-US" dirty="0"/>
+                    </a:p>
+                  </a:txBody>
+                  <a:tcPr/>
+                </a:tc>
+                <a:tc>
+                  <a:txBody>
+                    <a:bodyPr/>
+                    <a:lstStyle/>
+                    <a:p>
+                      <a:r>
+                        <a:rPr lang="en-US" dirty="0" smtClean="0"/>
+                        <a:t> RBF</a:t>
+                      </a:r>
+                      <a:r>
+                        <a:rPr lang="en-US" baseline="0" dirty="0" smtClean="0"/>
+                        <a:t> </a:t>
+                      </a:r>
+                      <a:endParaRPr lang="en-US" dirty="0"/>
+                    </a:p>
+                  </a:txBody>
+                  <a:tcPr/>
+                </a:tc>
+                <a:tc>
+                  <a:txBody>
+                    <a:bodyPr/>
+                    <a:lstStyle/>
+                    <a:p>
+                      <a:r>
+                        <a:rPr lang="en-US" dirty="0" smtClean="0"/>
+                        <a:t>C</a:t>
+                      </a:r>
+                      <a:r>
+                        <a:rPr lang="en-US" baseline="0" dirty="0" smtClean="0"/>
+                        <a:t> = 10, gamma = 0.01</a:t>
+                      </a:r>
+                      <a:endParaRPr lang="en-US" dirty="0"/>
+                    </a:p>
+                  </a:txBody>
+                  <a:tcPr/>
+                </a:tc>
+                <a:tc>
+                  <a:txBody>
+                    <a:bodyPr/>
+                    <a:lstStyle/>
+                    <a:p>
+                      <a:r>
+                        <a:rPr lang="en-US" dirty="0" smtClean="0"/>
+                        <a:t>62.2%</a:t>
+                      </a:r>
+                      <a:endParaRPr lang="en-US" dirty="0"/>
+                    </a:p>
+                  </a:txBody>
+                  <a:tcPr/>
+                </a:tc>
+              </a:tr>
+            </a:tbl>
+          </a:graphicData>
+        </a:graphic>
+      </p:graphicFrame>
+    </p:spTree>
+    <p:extLst>
+      <p:ext uri="{BB962C8B-B14F-4D97-AF65-F5344CB8AC3E}">
+        <p14:creationId xmlns:p14="http://schemas.microsoft.com/office/powerpoint/2010/main" val="1419087914"/>
+      </p:ext>
+    </p:extLst>
+  </p:cSld>
+  <p:clrMapOvr>
+    <a:masterClrMapping/>
+  </p:clrMapOvr>
+  <p:timing>
+    <p:tnLst>
+      <p:par>
+        <p:cTn id="1" dur="indefinite" restart="never" nodeType="tmRoot"/>
+      </p:par>
+    </p:tnLst>
+  </p:timing>
+</p:sld>
+</file>
+
+<file path=ppt/slides/slide14.xml><?xml version="1.0" encoding="utf-8"?>
+<p:sld xmlns:a="http://schemas.openxmlformats.org/drawingml/2006/main" xmlns:r="http://schemas.openxmlformats.org/officeDocument/2006/relationships" xmlns:p="http://schemas.openxmlformats.org/presentationml/2006/main">
+  <p:cSld>
+    <p:spTree>
+      <p:nvGrpSpPr>
+        <p:cNvPr id="1" name=""/>
+        <p:cNvGrpSpPr/>
+        <p:nvPr/>
+      </p:nvGrpSpPr>
+      <p:grpSpPr>
+        <a:xfrm>
+          <a:off x="0" y="0"/>
+          <a:ext cx="0" cy="0"/>
+          <a:chOff x="0" y="0"/>
+          <a:chExt cx="0" cy="0"/>
+        </a:xfrm>
+      </p:grpSpPr>
+      <p:sp>
+        <p:nvSpPr>
+          <p:cNvPr id="4" name="TextBox 3"/>
+          <p:cNvSpPr txBox="1"/>
+          <p:nvPr/>
+        </p:nvSpPr>
+        <p:spPr>
+          <a:xfrm>
+            <a:off x="1101436" y="2099464"/>
+            <a:ext cx="1696298" cy="1477328"/>
+          </a:xfrm>
+          <a:prstGeom prst="rect">
+            <a:avLst/>
+          </a:prstGeom>
+          <a:noFill/>
+        </p:spPr>
+        <p:txBody>
+          <a:bodyPr wrap="none" rtlCol="0">
+            <a:spAutoFit/>
+          </a:bodyPr>
+          <a:lstStyle/>
+          <a:p>
+            <a:r>
+              <a:rPr lang="en-US" dirty="0" smtClean="0"/>
+              <a:t>CDR Sequences:</a:t>
+            </a:r>
+          </a:p>
+          <a:p>
+            <a:r>
+              <a:rPr lang="en-US" dirty="0" smtClean="0"/>
+              <a:t>[“CAFMKRY…”]</a:t>
+            </a:r>
+          </a:p>
+          <a:p>
+            <a:r>
+              <a:rPr lang="en-US" dirty="0" smtClean="0"/>
+              <a:t>[“VASNS…”]</a:t>
+            </a:r>
+            <a:endParaRPr lang="en-US" dirty="0"/>
+          </a:p>
+          <a:p>
+            <a:r>
+              <a:rPr lang="en-US" dirty="0" smtClean="0"/>
+              <a:t>[“VSAKL…”]</a:t>
+            </a:r>
+            <a:endParaRPr lang="en-US" dirty="0"/>
+          </a:p>
+          <a:p>
+            <a:endParaRPr lang="en-US" dirty="0"/>
+          </a:p>
+        </p:txBody>
+      </p:sp>
+      <p:sp>
+        <p:nvSpPr>
+          <p:cNvPr id="6" name="TextBox 5"/>
+          <p:cNvSpPr txBox="1"/>
+          <p:nvPr/>
+        </p:nvSpPr>
+        <p:spPr>
+          <a:xfrm>
+            <a:off x="1101435" y="685800"/>
+            <a:ext cx="4236683" cy="1015663"/>
+          </a:xfrm>
+          <a:prstGeom prst="rect">
+            <a:avLst/>
+          </a:prstGeom>
+          <a:noFill/>
+        </p:spPr>
+        <p:txBody>
+          <a:bodyPr wrap="square" rtlCol="0">
+            <a:spAutoFit/>
+          </a:bodyPr>
+          <a:lstStyle/>
+          <a:p>
+            <a:r>
+              <a:rPr lang="en-US" sz="2000" b="1" dirty="0"/>
+              <a:t>Feature Engineering: </a:t>
+            </a:r>
+            <a:endParaRPr lang="en-US" sz="2000" b="1" dirty="0" smtClean="0"/>
+          </a:p>
+          <a:p>
+            <a:r>
+              <a:rPr lang="en-US" sz="2000" b="1" dirty="0" smtClean="0"/>
+              <a:t>p-Tuple </a:t>
+            </a:r>
+            <a:r>
+              <a:rPr lang="en-US" sz="2000" b="1" dirty="0"/>
+              <a:t>Frequency with CDR1/2</a:t>
+            </a:r>
+          </a:p>
+          <a:p>
+            <a:endParaRPr lang="en-US" sz="2000" b="1" dirty="0"/>
+          </a:p>
+        </p:txBody>
+      </p:sp>
+      <p:sp>
+        <p:nvSpPr>
+          <p:cNvPr id="7" name="TextBox 6"/>
+          <p:cNvSpPr txBox="1"/>
+          <p:nvPr/>
+        </p:nvSpPr>
+        <p:spPr>
+          <a:xfrm>
+            <a:off x="3501736" y="2099463"/>
+            <a:ext cx="2568460" cy="1477328"/>
+          </a:xfrm>
+          <a:prstGeom prst="rect">
+            <a:avLst/>
+          </a:prstGeom>
+          <a:noFill/>
+        </p:spPr>
+        <p:txBody>
+          <a:bodyPr wrap="none" rtlCol="0">
+            <a:spAutoFit/>
+          </a:bodyPr>
+          <a:lstStyle/>
+          <a:p>
+            <a:r>
+              <a:rPr lang="en-US" dirty="0" smtClean="0"/>
+              <a:t>CDR3 Sequence p-Tuples:</a:t>
+            </a:r>
+          </a:p>
+          <a:p>
+            <a:r>
+              <a:rPr lang="en-US" dirty="0" smtClean="0"/>
+              <a:t>[“CAF”, “AFM”, “FMK”, …]</a:t>
+            </a:r>
+          </a:p>
+          <a:p>
+            <a:r>
+              <a:rPr lang="en-US" dirty="0" smtClean="0"/>
+              <a:t>[“VAS”, “ASN”, “SNS”, </a:t>
+            </a:r>
+            <a:r>
+              <a:rPr lang="en-US" dirty="0"/>
+              <a:t>…]</a:t>
+            </a:r>
+          </a:p>
+          <a:p>
+            <a:r>
+              <a:rPr lang="en-US" dirty="0" smtClean="0"/>
+              <a:t>[“VSA”, “SAK”, “AKL”, </a:t>
+            </a:r>
+            <a:r>
+              <a:rPr lang="en-US" dirty="0"/>
+              <a:t>…]</a:t>
+            </a:r>
+          </a:p>
+          <a:p>
+            <a:endParaRPr lang="en-US" dirty="0"/>
+          </a:p>
+        </p:txBody>
+      </p:sp>
+      <p:cxnSp>
+        <p:nvCxnSpPr>
+          <p:cNvPr id="9" name="Straight Arrow Connector 8"/>
+          <p:cNvCxnSpPr>
+            <a:stCxn id="4" idx="3"/>
+            <a:endCxn id="7" idx="1"/>
+          </p:cNvCxnSpPr>
+          <p:nvPr/>
+        </p:nvCxnSpPr>
+        <p:spPr>
+          <a:xfrm flipV="1">
+            <a:off x="2797734" y="2838127"/>
+            <a:ext cx="704002" cy="1"/>
+          </a:xfrm>
+          <a:prstGeom prst="straightConnector1">
+            <a:avLst/>
+          </a:prstGeom>
+          <a:ln>
+            <a:solidFill>
+              <a:schemeClr val="tx1"/>
+            </a:solidFill>
+            <a:tailEnd type="triangle"/>
+          </a:ln>
+        </p:spPr>
+        <p:style>
+          <a:lnRef idx="1">
+            <a:schemeClr val="accent1"/>
+          </a:lnRef>
+          <a:fillRef idx="0">
+            <a:schemeClr val="accent1"/>
+          </a:fillRef>
+          <a:effectRef idx="0">
+            <a:schemeClr val="accent1"/>
+          </a:effectRef>
+          <a:fontRef idx="minor">
+            <a:schemeClr val="tx1"/>
+          </a:fontRef>
+        </p:style>
+      </p:cxnSp>
+      <p:sp>
+        <p:nvSpPr>
+          <p:cNvPr id="11" name="TextBox 10"/>
+          <p:cNvSpPr txBox="1"/>
+          <p:nvPr/>
+        </p:nvSpPr>
+        <p:spPr>
+          <a:xfrm>
+            <a:off x="1332715" y="3573554"/>
+            <a:ext cx="1122116" cy="369332"/>
+          </a:xfrm>
+          <a:prstGeom prst="rect">
+            <a:avLst/>
+          </a:prstGeom>
+          <a:noFill/>
+        </p:spPr>
+        <p:txBody>
+          <a:bodyPr wrap="square" rtlCol="0">
+            <a:spAutoFit/>
+          </a:bodyPr>
+          <a:lstStyle/>
+          <a:p>
+            <a:r>
+              <a:rPr lang="en-US" dirty="0" smtClean="0">
+                <a:solidFill>
+                  <a:schemeClr val="bg1">
+                    <a:lumMod val="50000"/>
+                  </a:schemeClr>
+                </a:solidFill>
+              </a:rPr>
+              <a:t>3 x [1 x N]</a:t>
+            </a:r>
+            <a:endParaRPr lang="en-US" dirty="0">
+              <a:solidFill>
+                <a:schemeClr val="bg1">
+                  <a:lumMod val="50000"/>
+                </a:schemeClr>
+              </a:solidFill>
+            </a:endParaRPr>
+          </a:p>
+        </p:txBody>
+      </p:sp>
+      <p:sp>
+        <p:nvSpPr>
+          <p:cNvPr id="12" name="TextBox 11"/>
+          <p:cNvSpPr txBox="1"/>
+          <p:nvPr/>
+        </p:nvSpPr>
+        <p:spPr>
+          <a:xfrm>
+            <a:off x="3875085" y="3573554"/>
+            <a:ext cx="1710168" cy="369332"/>
+          </a:xfrm>
+          <a:prstGeom prst="rect">
+            <a:avLst/>
+          </a:prstGeom>
+          <a:noFill/>
+        </p:spPr>
+        <p:txBody>
+          <a:bodyPr wrap="square" rtlCol="0">
+            <a:spAutoFit/>
+          </a:bodyPr>
+          <a:lstStyle/>
+          <a:p>
+            <a:r>
+              <a:rPr lang="en-US" dirty="0">
+                <a:solidFill>
+                  <a:schemeClr val="bg1">
+                    <a:lumMod val="50000"/>
+                  </a:schemeClr>
+                </a:solidFill>
+              </a:rPr>
+              <a:t>3 x[1 </a:t>
+            </a:r>
+            <a:r>
+              <a:rPr lang="en-US" dirty="0" smtClean="0">
+                <a:solidFill>
+                  <a:schemeClr val="bg1">
+                    <a:lumMod val="50000"/>
+                  </a:schemeClr>
+                </a:solidFill>
+              </a:rPr>
+              <a:t>x (N-2) x p]</a:t>
+            </a:r>
+            <a:endParaRPr lang="en-US" dirty="0">
+              <a:solidFill>
+                <a:schemeClr val="bg1">
+                  <a:lumMod val="50000"/>
+                </a:schemeClr>
+              </a:solidFill>
+            </a:endParaRPr>
+          </a:p>
+        </p:txBody>
+      </p:sp>
+      <p:sp>
+        <p:nvSpPr>
+          <p:cNvPr id="13" name="TextBox 12"/>
+          <p:cNvSpPr txBox="1"/>
+          <p:nvPr/>
+        </p:nvSpPr>
+        <p:spPr>
+          <a:xfrm>
+            <a:off x="6720913" y="2099462"/>
+            <a:ext cx="2073324" cy="1477328"/>
+          </a:xfrm>
+          <a:prstGeom prst="rect">
+            <a:avLst/>
+          </a:prstGeom>
+          <a:noFill/>
+        </p:spPr>
+        <p:txBody>
+          <a:bodyPr wrap="none" rtlCol="0">
+            <a:spAutoFit/>
+          </a:bodyPr>
+          <a:lstStyle/>
+          <a:p>
+            <a:r>
+              <a:rPr lang="en-US" dirty="0" smtClean="0"/>
+              <a:t>p-Tuples Frequency:</a:t>
+            </a:r>
+          </a:p>
+          <a:p>
+            <a:r>
+              <a:rPr lang="en-US" dirty="0" smtClean="0"/>
+              <a:t>[0,1,0,0,0,0,0,0, …]</a:t>
+            </a:r>
+          </a:p>
+          <a:p>
+            <a:r>
+              <a:rPr lang="en-US" dirty="0"/>
+              <a:t>[0,1,0,0,0,0,0,0, </a:t>
+            </a:r>
+            <a:r>
+              <a:rPr lang="en-US" dirty="0" smtClean="0"/>
+              <a:t>…]</a:t>
+            </a:r>
+          </a:p>
+          <a:p>
+            <a:r>
+              <a:rPr lang="en-US" dirty="0"/>
+              <a:t>[0,1,0,0,0,0,0,0, …]</a:t>
+            </a:r>
+          </a:p>
+          <a:p>
+            <a:endParaRPr lang="en-US" dirty="0"/>
+          </a:p>
+        </p:txBody>
+      </p:sp>
+      <p:cxnSp>
+        <p:nvCxnSpPr>
+          <p:cNvPr id="15" name="Straight Arrow Connector 14"/>
+          <p:cNvCxnSpPr>
+            <a:stCxn id="7" idx="3"/>
+            <a:endCxn id="13" idx="1"/>
+          </p:cNvCxnSpPr>
+          <p:nvPr/>
+        </p:nvCxnSpPr>
+        <p:spPr>
+          <a:xfrm flipV="1">
+            <a:off x="6070196" y="2838126"/>
+            <a:ext cx="650717" cy="1"/>
+          </a:xfrm>
+          <a:prstGeom prst="straightConnector1">
+            <a:avLst/>
+          </a:prstGeom>
+          <a:ln>
+            <a:solidFill>
+              <a:schemeClr val="tx1"/>
+            </a:solidFill>
+            <a:tailEnd type="triangle"/>
+          </a:ln>
+        </p:spPr>
+        <p:style>
+          <a:lnRef idx="1">
+            <a:schemeClr val="accent1"/>
+          </a:lnRef>
+          <a:fillRef idx="0">
+            <a:schemeClr val="accent1"/>
+          </a:fillRef>
+          <a:effectRef idx="0">
+            <a:schemeClr val="accent1"/>
+          </a:effectRef>
+          <a:fontRef idx="minor">
+            <a:schemeClr val="tx1"/>
+          </a:fontRef>
+        </p:style>
+      </p:cxnSp>
+      <p:sp>
+        <p:nvSpPr>
+          <p:cNvPr id="16" name="TextBox 15"/>
+          <p:cNvSpPr txBox="1"/>
+          <p:nvPr/>
+        </p:nvSpPr>
+        <p:spPr>
+          <a:xfrm>
+            <a:off x="7128331" y="3611094"/>
+            <a:ext cx="1258488" cy="369332"/>
+          </a:xfrm>
+          <a:prstGeom prst="rect">
+            <a:avLst/>
+          </a:prstGeom>
+          <a:noFill/>
+        </p:spPr>
+        <p:txBody>
+          <a:bodyPr wrap="square" rtlCol="0">
+            <a:spAutoFit/>
+          </a:bodyPr>
+          <a:lstStyle/>
+          <a:p>
+            <a:r>
+              <a:rPr lang="en-US" dirty="0">
+                <a:solidFill>
+                  <a:schemeClr val="bg1">
+                    <a:lumMod val="50000"/>
+                  </a:schemeClr>
+                </a:solidFill>
+              </a:rPr>
+              <a:t>3 x[1 </a:t>
+            </a:r>
+            <a:r>
+              <a:rPr lang="en-US" dirty="0" smtClean="0">
+                <a:solidFill>
+                  <a:schemeClr val="bg1">
+                    <a:lumMod val="50000"/>
+                  </a:schemeClr>
+                </a:solidFill>
+              </a:rPr>
+              <a:t>x 20</a:t>
+            </a:r>
+            <a:r>
+              <a:rPr lang="en-US" baseline="30000" dirty="0" smtClean="0">
+                <a:solidFill>
+                  <a:schemeClr val="bg1">
+                    <a:lumMod val="50000"/>
+                  </a:schemeClr>
+                </a:solidFill>
+              </a:rPr>
+              <a:t>p</a:t>
+            </a:r>
+            <a:r>
+              <a:rPr lang="en-US" dirty="0" smtClean="0">
+                <a:solidFill>
+                  <a:schemeClr val="bg1">
+                    <a:lumMod val="50000"/>
+                  </a:schemeClr>
+                </a:solidFill>
+              </a:rPr>
+              <a:t>]</a:t>
+            </a:r>
+            <a:endParaRPr lang="en-US" dirty="0">
+              <a:solidFill>
+                <a:schemeClr val="bg1">
+                  <a:lumMod val="50000"/>
+                </a:schemeClr>
+              </a:solidFill>
+            </a:endParaRPr>
+          </a:p>
+        </p:txBody>
+      </p:sp>
+      <p:sp>
+        <p:nvSpPr>
+          <p:cNvPr id="17" name="Rectangle 16"/>
+          <p:cNvSpPr/>
+          <p:nvPr/>
+        </p:nvSpPr>
+        <p:spPr>
+          <a:xfrm>
+            <a:off x="997527" y="1745672"/>
+            <a:ext cx="10560159" cy="2702759"/>
+          </a:xfrm>
+          <a:prstGeom prst="rect">
+            <a:avLst/>
+          </a:prstGeom>
+          <a:noFill/>
+          <a:ln>
+            <a:solidFill>
+              <a:schemeClr val="accent1">
+                <a:lumMod val="50000"/>
+              </a:schemeClr>
+            </a:solidFill>
+          </a:ln>
+        </p:spPr>
+        <p:style>
+          <a:lnRef idx="2">
+            <a:schemeClr val="accent1">
+              <a:shade val="50000"/>
+            </a:schemeClr>
+          </a:lnRef>
+          <a:fillRef idx="1">
+            <a:schemeClr val="accent1"/>
+          </a:fillRef>
+          <a:effectRef idx="0">
+            <a:schemeClr val="accent1"/>
+          </a:effectRef>
+          <a:fontRef idx="minor">
+            <a:schemeClr val="lt1"/>
+          </a:fontRef>
+        </p:style>
+        <p:txBody>
+          <a:bodyPr rtlCol="0" anchor="b"/>
+          <a:lstStyle/>
+          <a:p>
+            <a:r>
+              <a:rPr lang="en-US" dirty="0" smtClean="0">
+                <a:solidFill>
+                  <a:schemeClr val="accent5">
+                    <a:lumMod val="50000"/>
+                  </a:schemeClr>
+                </a:solidFill>
+              </a:rPr>
+              <a:t>CDR1 and CDR2 Included Method</a:t>
+            </a:r>
+            <a:endParaRPr lang="en-US" dirty="0">
+              <a:solidFill>
+                <a:schemeClr val="accent5">
+                  <a:lumMod val="50000"/>
+                </a:schemeClr>
+              </a:solidFill>
+            </a:endParaRPr>
+          </a:p>
+        </p:txBody>
+      </p:sp>
+      <p:sp>
+        <p:nvSpPr>
+          <p:cNvPr id="2" name="TextBox 1"/>
+          <p:cNvSpPr txBox="1"/>
+          <p:nvPr/>
+        </p:nvSpPr>
+        <p:spPr>
+          <a:xfrm>
+            <a:off x="1101436" y="4549676"/>
+            <a:ext cx="8221362" cy="1077218"/>
+          </a:xfrm>
+          <a:prstGeom prst="rect">
+            <a:avLst/>
+          </a:prstGeom>
+          <a:noFill/>
+        </p:spPr>
+        <p:txBody>
+          <a:bodyPr wrap="square" rtlCol="0">
+            <a:spAutoFit/>
+          </a:bodyPr>
+          <a:lstStyle/>
+          <a:p>
+            <a:pPr marL="285750" indent="-285750">
+              <a:buFontTx/>
+              <a:buChar char="-"/>
+            </a:pPr>
+            <a:r>
+              <a:rPr lang="en-US" sz="1600" dirty="0" smtClean="0"/>
+              <a:t>Both p=3 and p=2 where tested, thus each point/sequence had 400 dimensions or 8000 dimensions respectively</a:t>
+            </a:r>
+          </a:p>
+          <a:p>
+            <a:pPr marL="285750" indent="-285750">
+              <a:buFontTx/>
+              <a:buChar char="-"/>
+            </a:pPr>
+            <a:r>
+              <a:rPr lang="en-US" sz="1600" dirty="0" smtClean="0"/>
+              <a:t>The last step flattens/concatenates the three CDRs together</a:t>
+            </a:r>
+          </a:p>
+          <a:p>
+            <a:pPr marL="285750" indent="-285750">
+              <a:buFontTx/>
+              <a:buChar char="-"/>
+            </a:pPr>
+            <a:endParaRPr lang="en-US" sz="1600" dirty="0"/>
+          </a:p>
+        </p:txBody>
+      </p:sp>
+      <p:sp>
+        <p:nvSpPr>
+          <p:cNvPr id="18" name="TextBox 17"/>
+          <p:cNvSpPr txBox="1"/>
+          <p:nvPr/>
+        </p:nvSpPr>
+        <p:spPr>
+          <a:xfrm>
+            <a:off x="9139299" y="2376461"/>
+            <a:ext cx="2073324" cy="923330"/>
+          </a:xfrm>
+          <a:prstGeom prst="rect">
+            <a:avLst/>
+          </a:prstGeom>
+          <a:noFill/>
+        </p:spPr>
+        <p:txBody>
+          <a:bodyPr wrap="none" rtlCol="0">
+            <a:spAutoFit/>
+          </a:bodyPr>
+          <a:lstStyle/>
+          <a:p>
+            <a:r>
+              <a:rPr lang="en-US" dirty="0" smtClean="0"/>
+              <a:t>p-Tuples Frequency:</a:t>
+            </a:r>
+          </a:p>
+          <a:p>
+            <a:r>
+              <a:rPr lang="en-US" dirty="0" smtClean="0"/>
+              <a:t>[0,1,0,0,0,0,0,0, …]</a:t>
+            </a:r>
+          </a:p>
+          <a:p>
+            <a:endParaRPr lang="en-US" dirty="0"/>
+          </a:p>
+        </p:txBody>
+      </p:sp>
+      <p:cxnSp>
+        <p:nvCxnSpPr>
+          <p:cNvPr id="5" name="Straight Arrow Connector 4"/>
+          <p:cNvCxnSpPr>
+            <a:stCxn id="13" idx="3"/>
+            <a:endCxn id="18" idx="1"/>
+          </p:cNvCxnSpPr>
+          <p:nvPr/>
+        </p:nvCxnSpPr>
+        <p:spPr>
+          <a:xfrm>
+            <a:off x="8794237" y="2838126"/>
+            <a:ext cx="345062" cy="0"/>
+          </a:xfrm>
+          <a:prstGeom prst="straightConnector1">
+            <a:avLst/>
+          </a:prstGeom>
+          <a:ln>
+            <a:solidFill>
+              <a:schemeClr val="tx1"/>
+            </a:solidFill>
+            <a:tailEnd type="triangle"/>
+          </a:ln>
+        </p:spPr>
+        <p:style>
+          <a:lnRef idx="1">
+            <a:schemeClr val="accent1"/>
+          </a:lnRef>
+          <a:fillRef idx="0">
+            <a:schemeClr val="accent1"/>
+          </a:fillRef>
+          <a:effectRef idx="0">
+            <a:schemeClr val="accent1"/>
+          </a:effectRef>
+          <a:fontRef idx="minor">
+            <a:schemeClr val="tx1"/>
+          </a:fontRef>
+        </p:style>
+      </p:cxnSp>
+      <p:sp>
+        <p:nvSpPr>
+          <p:cNvPr id="19" name="TextBox 18"/>
+          <p:cNvSpPr txBox="1"/>
+          <p:nvPr/>
+        </p:nvSpPr>
+        <p:spPr>
+          <a:xfrm>
+            <a:off x="9471157" y="3611094"/>
+            <a:ext cx="1409607" cy="369332"/>
+          </a:xfrm>
+          <a:prstGeom prst="rect">
+            <a:avLst/>
+          </a:prstGeom>
+          <a:noFill/>
+        </p:spPr>
+        <p:txBody>
+          <a:bodyPr wrap="square" rtlCol="0">
+            <a:spAutoFit/>
+          </a:bodyPr>
+          <a:lstStyle/>
+          <a:p>
+            <a:r>
+              <a:rPr lang="en-US" dirty="0" smtClean="0">
+                <a:solidFill>
+                  <a:schemeClr val="bg1">
+                    <a:lumMod val="50000"/>
+                  </a:schemeClr>
+                </a:solidFill>
+              </a:rPr>
+              <a:t>[</a:t>
+            </a:r>
+            <a:r>
+              <a:rPr lang="en-US" dirty="0">
+                <a:solidFill>
+                  <a:schemeClr val="bg1">
+                    <a:lumMod val="50000"/>
+                  </a:schemeClr>
+                </a:solidFill>
+              </a:rPr>
+              <a:t>1 </a:t>
+            </a:r>
+            <a:r>
+              <a:rPr lang="en-US" dirty="0" smtClean="0">
+                <a:solidFill>
+                  <a:schemeClr val="bg1">
+                    <a:lumMod val="50000"/>
+                  </a:schemeClr>
+                </a:solidFill>
+              </a:rPr>
+              <a:t>x (20</a:t>
+            </a:r>
+            <a:r>
+              <a:rPr lang="en-US" baseline="30000" dirty="0" smtClean="0">
+                <a:solidFill>
+                  <a:schemeClr val="bg1">
+                    <a:lumMod val="50000"/>
+                  </a:schemeClr>
+                </a:solidFill>
+              </a:rPr>
+              <a:t>p </a:t>
+            </a:r>
+            <a:r>
+              <a:rPr lang="en-US" dirty="0" smtClean="0">
+                <a:solidFill>
+                  <a:schemeClr val="bg1">
+                    <a:lumMod val="50000"/>
+                  </a:schemeClr>
+                </a:solidFill>
+              </a:rPr>
+              <a:t>x 3)]</a:t>
+            </a:r>
+            <a:endParaRPr lang="en-US" dirty="0">
+              <a:solidFill>
+                <a:schemeClr val="bg1">
+                  <a:lumMod val="50000"/>
+                </a:schemeClr>
+              </a:solidFill>
+            </a:endParaRPr>
+          </a:p>
+        </p:txBody>
+      </p:sp>
+    </p:spTree>
+    <p:extLst>
+      <p:ext uri="{BB962C8B-B14F-4D97-AF65-F5344CB8AC3E}">
+        <p14:creationId xmlns:p14="http://schemas.microsoft.com/office/powerpoint/2010/main" val="1890619722"/>
+      </p:ext>
+    </p:extLst>
+  </p:cSld>
+  <p:clrMapOvr>
+    <a:masterClrMapping/>
+  </p:clrMapOvr>
+  <p:timing>
+    <p:tnLst>
+      <p:par>
+        <p:cTn id="1" dur="indefinite" restart="never" nodeType="tmRoot"/>
+      </p:par>
+    </p:tnLst>
+  </p:timing>
+</p:sld>
+</file>
+
+<file path=ppt/slides/slide15.xml><?xml version="1.0" encoding="utf-8"?>
+<p:sld xmlns:a="http://schemas.openxmlformats.org/drawingml/2006/main" xmlns:r="http://schemas.openxmlformats.org/officeDocument/2006/relationships" xmlns:p="http://schemas.openxmlformats.org/presentationml/2006/main">
+  <p:cSld>
+    <p:spTree>
+      <p:nvGrpSpPr>
+        <p:cNvPr id="1" name=""/>
+        <p:cNvGrpSpPr/>
+        <p:nvPr/>
+      </p:nvGrpSpPr>
+      <p:grpSpPr>
+        <a:xfrm>
+          <a:off x="0" y="0"/>
+          <a:ext cx="0" cy="0"/>
+          <a:chOff x="0" y="0"/>
+          <a:chExt cx="0" cy="0"/>
+        </a:xfrm>
+      </p:grpSpPr>
+      <p:sp>
+        <p:nvSpPr>
+          <p:cNvPr id="6" name="TextBox 5"/>
+          <p:cNvSpPr txBox="1"/>
+          <p:nvPr/>
+        </p:nvSpPr>
+        <p:spPr>
+          <a:xfrm>
+            <a:off x="1101435" y="685800"/>
+            <a:ext cx="2957793" cy="707886"/>
+          </a:xfrm>
+          <a:prstGeom prst="rect">
+            <a:avLst/>
+          </a:prstGeom>
+          <a:noFill/>
+        </p:spPr>
+        <p:txBody>
+          <a:bodyPr wrap="square" rtlCol="0">
+            <a:spAutoFit/>
+          </a:bodyPr>
+          <a:lstStyle/>
+          <a:p>
+            <a:r>
+              <a:rPr lang="en-US" sz="2000" b="1" dirty="0" smtClean="0"/>
+              <a:t>Feature Engineering: </a:t>
+            </a:r>
+          </a:p>
+          <a:p>
+            <a:r>
+              <a:rPr lang="en-US" sz="2000" b="1" dirty="0" err="1" smtClean="0"/>
+              <a:t>ProtVec</a:t>
+            </a:r>
+            <a:r>
+              <a:rPr lang="en-US" sz="2000" b="1" dirty="0" smtClean="0"/>
+              <a:t> </a:t>
+            </a:r>
+            <a:r>
+              <a:rPr lang="en-US" sz="2000" b="1" dirty="0" smtClean="0"/>
+              <a:t>Method</a:t>
+            </a:r>
+            <a:endParaRPr lang="en-US" sz="2000" b="1" dirty="0"/>
+          </a:p>
+        </p:txBody>
+      </p:sp>
+      <p:sp>
+        <p:nvSpPr>
+          <p:cNvPr id="2" name="TextBox 1"/>
+          <p:cNvSpPr txBox="1"/>
+          <p:nvPr/>
+        </p:nvSpPr>
+        <p:spPr>
+          <a:xfrm>
+            <a:off x="1101435" y="1475280"/>
+            <a:ext cx="8221362" cy="1077218"/>
+          </a:xfrm>
+          <a:prstGeom prst="rect">
+            <a:avLst/>
+          </a:prstGeom>
+          <a:noFill/>
+        </p:spPr>
+        <p:txBody>
+          <a:bodyPr wrap="square" rtlCol="0">
+            <a:spAutoFit/>
+          </a:bodyPr>
+          <a:lstStyle/>
+          <a:p>
+            <a:pPr marL="285750" indent="-285750">
+              <a:buFontTx/>
+              <a:buChar char="-"/>
+            </a:pPr>
+            <a:r>
+              <a:rPr lang="en-US" sz="1600" dirty="0" smtClean="0"/>
+              <a:t>This method is based on </a:t>
+            </a:r>
+            <a:r>
+              <a:rPr lang="en-US" sz="1600" dirty="0" err="1" smtClean="0"/>
+              <a:t>BioVec</a:t>
+            </a:r>
+            <a:r>
+              <a:rPr lang="en-US" sz="1600" dirty="0" smtClean="0"/>
+              <a:t> from </a:t>
+            </a:r>
+            <a:r>
+              <a:rPr lang="en-US" sz="1600" dirty="0" err="1" smtClean="0"/>
+              <a:t>Asgari</a:t>
+            </a:r>
+            <a:r>
+              <a:rPr lang="en-US" sz="1600" dirty="0" smtClean="0"/>
+              <a:t> &amp; </a:t>
+            </a:r>
+            <a:r>
+              <a:rPr lang="en-US" sz="1600" dirty="0" err="1" smtClean="0"/>
+              <a:t>Mofrad</a:t>
+            </a:r>
+            <a:r>
+              <a:rPr lang="en-US" sz="1600" dirty="0" smtClean="0"/>
+              <a:t> (2015). </a:t>
+            </a:r>
+            <a:endParaRPr lang="en-US" sz="1600" dirty="0" smtClean="0"/>
+          </a:p>
+          <a:p>
+            <a:pPr marL="285750" indent="-285750">
+              <a:buFontTx/>
+              <a:buChar char="-"/>
+            </a:pPr>
+            <a:r>
+              <a:rPr lang="en-US" sz="1600" dirty="0" smtClean="0"/>
+              <a:t>This is still a work in progress</a:t>
+            </a:r>
+          </a:p>
+          <a:p>
+            <a:pPr marL="285750" indent="-285750">
+              <a:buFontTx/>
+              <a:buChar char="-"/>
+            </a:pPr>
+            <a:endParaRPr lang="en-US" sz="1600" dirty="0" smtClean="0"/>
+          </a:p>
+          <a:p>
+            <a:pPr marL="285750" indent="-285750">
+              <a:buFontTx/>
+              <a:buChar char="-"/>
+            </a:pPr>
+            <a:endParaRPr lang="en-US" sz="1600" dirty="0"/>
+          </a:p>
+        </p:txBody>
+      </p:sp>
+    </p:spTree>
+    <p:extLst>
+      <p:ext uri="{BB962C8B-B14F-4D97-AF65-F5344CB8AC3E}">
+        <p14:creationId xmlns:p14="http://schemas.microsoft.com/office/powerpoint/2010/main" val="2655661071"/>
+      </p:ext>
+    </p:extLst>
+  </p:cSld>
+  <p:clrMapOvr>
+    <a:masterClrMapping/>
+  </p:clrMapOvr>
+  <p:timing>
+    <p:tnLst>
+      <p:par>
+        <p:cTn id="1" dur="indefinite" restart="never" nodeType="tmRoot"/>
+      </p:par>
+    </p:tnLst>
+  </p:timing>
+</p:sld>
+</file>
+
+<file path=ppt/slides/slide2.xml><?xml version="1.0" encoding="utf-8"?>
+<p:sld xmlns:a="http://schemas.openxmlformats.org/drawingml/2006/main" xmlns:r="http://schemas.openxmlformats.org/officeDocument/2006/relationships" xmlns:p="http://schemas.openxmlformats.org/presentationml/2006/main">
+  <p:cSld>
+    <p:spTree>
+      <p:nvGrpSpPr>
+        <p:cNvPr id="1" name=""/>
+        <p:cNvGrpSpPr/>
+        <p:nvPr/>
+      </p:nvGrpSpPr>
+      <p:grpSpPr>
+        <a:xfrm>
+          <a:off x="0" y="0"/>
+          <a:ext cx="0" cy="0"/>
+          <a:chOff x="0" y="0"/>
+          <a:chExt cx="0" cy="0"/>
+        </a:xfrm>
+      </p:grpSpPr>
+      <p:sp>
+        <p:nvSpPr>
+          <p:cNvPr id="4" name="TextBox 3"/>
+          <p:cNvSpPr txBox="1"/>
+          <p:nvPr/>
+        </p:nvSpPr>
+        <p:spPr>
+          <a:xfrm>
+            <a:off x="1101436" y="685800"/>
+            <a:ext cx="3543300" cy="400110"/>
+          </a:xfrm>
+          <a:prstGeom prst="rect">
+            <a:avLst/>
+          </a:prstGeom>
+          <a:noFill/>
+        </p:spPr>
+        <p:txBody>
+          <a:bodyPr wrap="square" rtlCol="0">
+            <a:spAutoFit/>
+          </a:bodyPr>
+          <a:lstStyle/>
+          <a:p>
+            <a:r>
+              <a:rPr lang="en-US" sz="2000" b="1" dirty="0" smtClean="0"/>
+              <a:t>Dataset Overview:</a:t>
+            </a:r>
+            <a:endParaRPr lang="en-US" sz="2000" b="1" dirty="0"/>
+          </a:p>
+        </p:txBody>
+      </p:sp>
+      <mc:AlternateContent xmlns:mc="http://schemas.openxmlformats.org/markup-compatibility/2006" xmlns:a14="http://schemas.microsoft.com/office/drawing/2010/main">
+        <mc:Choice Requires="a14">
+          <p:sp>
+            <p:nvSpPr>
+              <p:cNvPr id="7" name="Rectangle 6"/>
+              <p:cNvSpPr/>
+              <p:nvPr/>
+            </p:nvSpPr>
+            <p:spPr>
+              <a:xfrm>
+                <a:off x="1101436" y="1085910"/>
+                <a:ext cx="5884250" cy="4555093"/>
+              </a:xfrm>
+              <a:prstGeom prst="rect">
+                <a:avLst/>
+              </a:prstGeom>
+            </p:spPr>
+            <p:txBody>
+              <a:bodyPr wrap="square">
+                <a:spAutoFit/>
+              </a:bodyPr>
+              <a:lstStyle/>
+              <a:p>
+                <a:pPr lvl="0"/>
+                <a14:m>
+                  <m:oMath xmlns:m="http://schemas.openxmlformats.org/officeDocument/2006/math">
+                    <m:r>
+                      <a:rPr lang="en-US" sz="1600" i="1">
+                        <a:latin typeface="Cambria Math" panose="02040503050406030204" pitchFamily="18" charset="0"/>
+                      </a:rPr>
+                      <m:t>𝛼</m:t>
+                    </m:r>
+                  </m:oMath>
+                </a14:m>
+                <a:r>
+                  <a:rPr lang="en-US" sz="1600" dirty="0"/>
+                  <a:t> Sequences</a:t>
+                </a:r>
+              </a:p>
+              <a:p>
+                <a:pPr marL="742950" lvl="1" indent="-285750">
+                  <a:buFont typeface="Arial" panose="020B0604020202020204" pitchFamily="34" charset="0"/>
+                  <a:buChar char="•"/>
+                </a:pPr>
+                <a:r>
+                  <a:rPr lang="en-US" sz="1600" i="1" dirty="0"/>
+                  <a:t>CD4</a:t>
+                </a:r>
+                <a:r>
+                  <a:rPr lang="en-US" sz="1600" dirty="0"/>
+                  <a:t> training points </a:t>
+                </a:r>
+                <a14:m>
+                  <m:oMath xmlns:m="http://schemas.openxmlformats.org/officeDocument/2006/math">
+                    <m:r>
+                      <a:rPr lang="en-US" sz="1600" i="1">
+                        <a:latin typeface="Cambria Math" panose="02040503050406030204" pitchFamily="18" charset="0"/>
+                      </a:rPr>
+                      <m:t>=33342</m:t>
+                    </m:r>
+                  </m:oMath>
+                </a14:m>
+                <a:r>
+                  <a:rPr lang="en-US" sz="1600" dirty="0"/>
+                  <a:t>, with a </a:t>
+                </a:r>
+                <a14:m>
+                  <m:oMath xmlns:m="http://schemas.openxmlformats.org/officeDocument/2006/math">
+                    <m:r>
+                      <a:rPr lang="en-US" sz="1600" i="1">
+                        <a:latin typeface="Cambria Math" panose="02040503050406030204" pitchFamily="18" charset="0"/>
+                      </a:rPr>
+                      <m:t>𝑦</m:t>
+                    </m:r>
+                  </m:oMath>
+                </a14:m>
+                <a:r>
+                  <a:rPr lang="en-US" sz="1600" dirty="0"/>
+                  <a:t> label of </a:t>
+                </a:r>
+                <a14:m>
+                  <m:oMath xmlns:m="http://schemas.openxmlformats.org/officeDocument/2006/math">
+                    <m:r>
+                      <a:rPr lang="en-US" sz="1600" i="1">
+                        <a:latin typeface="Cambria Math" panose="02040503050406030204" pitchFamily="18" charset="0"/>
+                      </a:rPr>
+                      <m:t>0</m:t>
+                    </m:r>
+                  </m:oMath>
+                </a14:m>
+                <a:endParaRPr lang="en-US" sz="1600" dirty="0"/>
+              </a:p>
+              <a:p>
+                <a:pPr marL="742950" lvl="1" indent="-285750">
+                  <a:buFont typeface="Arial" panose="020B0604020202020204" pitchFamily="34" charset="0"/>
+                  <a:buChar char="•"/>
+                </a:pPr>
+                <a:r>
+                  <a:rPr lang="en-US" sz="1600" i="1" dirty="0"/>
+                  <a:t>CD8</a:t>
+                </a:r>
+                <a:r>
+                  <a:rPr lang="en-US" sz="1600" dirty="0"/>
+                  <a:t> training points </a:t>
+                </a:r>
+                <a14:m>
+                  <m:oMath xmlns:m="http://schemas.openxmlformats.org/officeDocument/2006/math">
+                    <m:r>
+                      <a:rPr lang="en-US" sz="1600" i="1">
+                        <a:latin typeface="Cambria Math" panose="02040503050406030204" pitchFamily="18" charset="0"/>
+                      </a:rPr>
+                      <m:t>=41377</m:t>
+                    </m:r>
+                  </m:oMath>
+                </a14:m>
+                <a:r>
+                  <a:rPr lang="en-US" sz="1600" dirty="0"/>
+                  <a:t>, with a </a:t>
+                </a:r>
+                <a14:m>
+                  <m:oMath xmlns:m="http://schemas.openxmlformats.org/officeDocument/2006/math">
+                    <m:r>
+                      <a:rPr lang="en-US" sz="1600" i="1">
+                        <a:latin typeface="Cambria Math" panose="02040503050406030204" pitchFamily="18" charset="0"/>
+                      </a:rPr>
+                      <m:t>𝑦</m:t>
+                    </m:r>
+                  </m:oMath>
+                </a14:m>
+                <a:r>
+                  <a:rPr lang="en-US" sz="1600" dirty="0"/>
+                  <a:t> label of </a:t>
+                </a:r>
+                <a14:m>
+                  <m:oMath xmlns:m="http://schemas.openxmlformats.org/officeDocument/2006/math">
+                    <m:r>
+                      <a:rPr lang="en-US" sz="1600" i="1">
+                        <a:latin typeface="Cambria Math" panose="02040503050406030204" pitchFamily="18" charset="0"/>
+                      </a:rPr>
+                      <m:t>1</m:t>
+                    </m:r>
+                  </m:oMath>
+                </a14:m>
+                <a:endParaRPr lang="en-US" sz="1600" dirty="0"/>
+              </a:p>
+              <a:p>
+                <a:pPr marL="742950" lvl="1" indent="-285750">
+                  <a:buFont typeface="Arial" panose="020B0604020202020204" pitchFamily="34" charset="0"/>
+                  <a:buChar char="•"/>
+                </a:pPr>
+                <a:r>
+                  <a:rPr lang="en-US" sz="1600" dirty="0"/>
+                  <a:t>Total Training Points </a:t>
+                </a:r>
+                <a14:m>
+                  <m:oMath xmlns:m="http://schemas.openxmlformats.org/officeDocument/2006/math">
+                    <m:r>
+                      <a:rPr lang="en-US" sz="1600" i="1">
+                        <a:latin typeface="Cambria Math" panose="02040503050406030204" pitchFamily="18" charset="0"/>
+                      </a:rPr>
+                      <m:t>=74719</m:t>
+                    </m:r>
+                  </m:oMath>
+                </a14:m>
+                <a:endParaRPr lang="en-US" sz="1600" dirty="0"/>
+              </a:p>
+              <a:p>
+                <a:pPr marL="742950" lvl="1" indent="-285750">
+                  <a:buFont typeface="Arial" panose="020B0604020202020204" pitchFamily="34" charset="0"/>
+                  <a:buChar char="•"/>
+                </a:pPr>
+                <a:r>
+                  <a:rPr lang="en-US" sz="1600" i="1" dirty="0"/>
+                  <a:t>CD4</a:t>
+                </a:r>
+                <a:r>
+                  <a:rPr lang="en-US" sz="1600" dirty="0"/>
+                  <a:t> to </a:t>
+                </a:r>
+                <a:r>
+                  <a:rPr lang="en-US" sz="1600" i="1" dirty="0"/>
+                  <a:t>CD8</a:t>
+                </a:r>
+                <a:r>
+                  <a:rPr lang="en-US" sz="1600" dirty="0"/>
+                  <a:t> Ratio is </a:t>
+                </a:r>
+                <a14:m>
+                  <m:oMath xmlns:m="http://schemas.openxmlformats.org/officeDocument/2006/math">
+                    <m:r>
+                      <a:rPr lang="en-US" sz="1600" i="1">
+                        <a:latin typeface="Cambria Math" panose="02040503050406030204" pitchFamily="18" charset="0"/>
+                      </a:rPr>
+                      <m:t>0.45 :0.55</m:t>
+                    </m:r>
+                  </m:oMath>
+                </a14:m>
+                <a:endParaRPr lang="en-US" sz="1600" dirty="0"/>
+              </a:p>
+              <a:p>
+                <a:pPr lvl="0"/>
+                <a14:m>
+                  <m:oMath xmlns:m="http://schemas.openxmlformats.org/officeDocument/2006/math">
+                    <m:r>
+                      <a:rPr lang="en-US" sz="1600" i="1">
+                        <a:latin typeface="Cambria Math" panose="02040503050406030204" pitchFamily="18" charset="0"/>
+                      </a:rPr>
+                      <m:t>𝛽</m:t>
+                    </m:r>
+                  </m:oMath>
+                </a14:m>
+                <a:r>
+                  <a:rPr lang="en-US" sz="1600" dirty="0"/>
+                  <a:t> Sequences</a:t>
+                </a:r>
+              </a:p>
+              <a:p>
+                <a:pPr marL="742950" lvl="1" indent="-285750">
+                  <a:buFont typeface="Arial" panose="020B0604020202020204" pitchFamily="34" charset="0"/>
+                  <a:buChar char="•"/>
+                </a:pPr>
+                <a:r>
+                  <a:rPr lang="en-US" sz="1600" i="1" dirty="0"/>
+                  <a:t>CD4</a:t>
+                </a:r>
+                <a:r>
+                  <a:rPr lang="en-US" sz="1600" dirty="0"/>
+                  <a:t> training points </a:t>
+                </a:r>
+                <a14:m>
+                  <m:oMath xmlns:m="http://schemas.openxmlformats.org/officeDocument/2006/math">
+                    <m:r>
+                      <a:rPr lang="en-US" sz="1600" i="1">
+                        <a:latin typeface="Cambria Math" panose="02040503050406030204" pitchFamily="18" charset="0"/>
+                      </a:rPr>
+                      <m:t>=64264</m:t>
+                    </m:r>
+                  </m:oMath>
+                </a14:m>
+                <a:r>
+                  <a:rPr lang="en-US" sz="1600" dirty="0"/>
+                  <a:t>, with a </a:t>
+                </a:r>
+                <a14:m>
+                  <m:oMath xmlns:m="http://schemas.openxmlformats.org/officeDocument/2006/math">
+                    <m:r>
+                      <a:rPr lang="en-US" sz="1600" i="1">
+                        <a:latin typeface="Cambria Math" panose="02040503050406030204" pitchFamily="18" charset="0"/>
+                      </a:rPr>
+                      <m:t>𝑦</m:t>
+                    </m:r>
+                  </m:oMath>
+                </a14:m>
+                <a:r>
+                  <a:rPr lang="en-US" sz="1600" dirty="0"/>
+                  <a:t> label of </a:t>
+                </a:r>
+                <a14:m>
+                  <m:oMath xmlns:m="http://schemas.openxmlformats.org/officeDocument/2006/math">
+                    <m:r>
+                      <a:rPr lang="en-US" sz="1600" i="1">
+                        <a:latin typeface="Cambria Math" panose="02040503050406030204" pitchFamily="18" charset="0"/>
+                      </a:rPr>
+                      <m:t>0</m:t>
+                    </m:r>
+                  </m:oMath>
+                </a14:m>
+                <a:endParaRPr lang="en-US" sz="1600" dirty="0"/>
+              </a:p>
+              <a:p>
+                <a:pPr marL="742950" lvl="1" indent="-285750">
+                  <a:buFont typeface="Arial" panose="020B0604020202020204" pitchFamily="34" charset="0"/>
+                  <a:buChar char="•"/>
+                </a:pPr>
+                <a:r>
+                  <a:rPr lang="en-US" sz="1600" i="1" dirty="0"/>
+                  <a:t>CD8</a:t>
+                </a:r>
+                <a:r>
+                  <a:rPr lang="en-US" sz="1600" dirty="0"/>
+                  <a:t> training points </a:t>
+                </a:r>
+                <a14:m>
+                  <m:oMath xmlns:m="http://schemas.openxmlformats.org/officeDocument/2006/math">
+                    <m:r>
+                      <a:rPr lang="en-US" sz="1600" i="1">
+                        <a:latin typeface="Cambria Math" panose="02040503050406030204" pitchFamily="18" charset="0"/>
+                      </a:rPr>
+                      <m:t>=81693</m:t>
+                    </m:r>
+                  </m:oMath>
+                </a14:m>
+                <a:r>
+                  <a:rPr lang="en-US" sz="1600" dirty="0"/>
+                  <a:t>, with a </a:t>
+                </a:r>
+                <a14:m>
+                  <m:oMath xmlns:m="http://schemas.openxmlformats.org/officeDocument/2006/math">
+                    <m:r>
+                      <a:rPr lang="en-US" sz="1600" i="1">
+                        <a:latin typeface="Cambria Math" panose="02040503050406030204" pitchFamily="18" charset="0"/>
+                      </a:rPr>
+                      <m:t>𝑦</m:t>
+                    </m:r>
+                  </m:oMath>
+                </a14:m>
+                <a:r>
+                  <a:rPr lang="en-US" sz="1600" dirty="0"/>
+                  <a:t> label of </a:t>
+                </a:r>
+                <a14:m>
+                  <m:oMath xmlns:m="http://schemas.openxmlformats.org/officeDocument/2006/math">
+                    <m:r>
+                      <a:rPr lang="en-US" sz="1600" i="1">
+                        <a:latin typeface="Cambria Math" panose="02040503050406030204" pitchFamily="18" charset="0"/>
+                      </a:rPr>
+                      <m:t>1</m:t>
+                    </m:r>
+                  </m:oMath>
+                </a14:m>
+                <a:endParaRPr lang="en-US" sz="1600" dirty="0"/>
+              </a:p>
+              <a:p>
+                <a:pPr marL="742950" lvl="1" indent="-285750">
+                  <a:buFont typeface="Arial" panose="020B0604020202020204" pitchFamily="34" charset="0"/>
+                  <a:buChar char="•"/>
+                </a:pPr>
+                <a:r>
+                  <a:rPr lang="en-US" sz="1600" dirty="0"/>
+                  <a:t>Total Training Points </a:t>
+                </a:r>
+                <a14:m>
+                  <m:oMath xmlns:m="http://schemas.openxmlformats.org/officeDocument/2006/math">
+                    <m:r>
+                      <a:rPr lang="en-US" sz="1600" i="1">
+                        <a:latin typeface="Cambria Math" panose="02040503050406030204" pitchFamily="18" charset="0"/>
+                      </a:rPr>
+                      <m:t>=145957</m:t>
+                    </m:r>
+                  </m:oMath>
+                </a14:m>
+                <a:endParaRPr lang="en-US" sz="1600" dirty="0"/>
+              </a:p>
+              <a:p>
+                <a:pPr marL="742950" lvl="1" indent="-285750">
+                  <a:buFont typeface="Arial" panose="020B0604020202020204" pitchFamily="34" charset="0"/>
+                  <a:buChar char="•"/>
+                </a:pPr>
+                <a:r>
+                  <a:rPr lang="en-US" sz="1600" i="1" dirty="0"/>
+                  <a:t>CD4</a:t>
+                </a:r>
+                <a:r>
+                  <a:rPr lang="en-US" sz="1600" dirty="0"/>
+                  <a:t> to </a:t>
+                </a:r>
+                <a:r>
+                  <a:rPr lang="en-US" sz="1600" i="1" dirty="0"/>
+                  <a:t>CD8</a:t>
+                </a:r>
+                <a:r>
+                  <a:rPr lang="en-US" sz="1600" dirty="0"/>
+                  <a:t> Ratio is </a:t>
+                </a:r>
+                <a14:m>
+                  <m:oMath xmlns:m="http://schemas.openxmlformats.org/officeDocument/2006/math">
+                    <m:r>
+                      <a:rPr lang="en-US" sz="1600" i="1">
+                        <a:latin typeface="Cambria Math" panose="02040503050406030204" pitchFamily="18" charset="0"/>
+                      </a:rPr>
+                      <m:t>0.44 :0.56</m:t>
+                    </m:r>
+                  </m:oMath>
+                </a14:m>
+                <a:endParaRPr lang="en-US" sz="1600" dirty="0"/>
+              </a:p>
+              <a:p>
+                <a:pPr marL="285750" lvl="0" indent="-285750">
+                  <a:buFont typeface="Arial" panose="020B0604020202020204" pitchFamily="34" charset="0"/>
+                  <a:buChar char="•"/>
+                </a:pPr>
+                <a:r>
+                  <a:rPr lang="en-US" sz="1600" dirty="0"/>
+                  <a:t>Given how close the ratios are I did not do any class weighting but that is easy to integrate in the </a:t>
+                </a:r>
+                <a:r>
+                  <a:rPr lang="en-US" sz="1600" dirty="0" smtClean="0"/>
+                  <a:t>future</a:t>
+                </a:r>
+              </a:p>
+              <a:p>
+                <a:pPr marL="285750" lvl="0" indent="-285750">
+                  <a:buFont typeface="Arial" panose="020B0604020202020204" pitchFamily="34" charset="0"/>
+                  <a:buChar char="•"/>
+                </a:pPr>
+                <a:r>
+                  <a:rPr lang="en-US" sz="1600" dirty="0" smtClean="0"/>
+                  <a:t>Before all runs I shuffled the dataset before splitting into train, validation, and test. </a:t>
+                </a:r>
+              </a:p>
+              <a:p>
+                <a:pPr marL="285750" lvl="0" indent="-285750">
+                  <a:buFont typeface="Arial" panose="020B0604020202020204" pitchFamily="34" charset="0"/>
+                  <a:buChar char="•"/>
+                </a:pPr>
+                <a:r>
+                  <a:rPr lang="en-US" sz="1600" dirty="0" smtClean="0"/>
+                  <a:t>This data is sourced from one patient</a:t>
+                </a:r>
+              </a:p>
+              <a:p>
+                <a:pPr marL="285750" lvl="0" indent="-285750">
+                  <a:buFont typeface="Arial" panose="020B0604020202020204" pitchFamily="34" charset="0"/>
+                  <a:buChar char="•"/>
+                </a:pPr>
+                <a:r>
+                  <a:rPr lang="en-US" sz="1600" dirty="0" smtClean="0"/>
+                  <a:t>I did not consider the count of the CDR3 as given in the .cdr3 file and treated each sequence as unique</a:t>
+                </a:r>
+                <a:endParaRPr lang="en-US" sz="1600" dirty="0"/>
+              </a:p>
+              <a:p>
+                <a:pPr marL="285750" lvl="0" indent="-285750">
+                  <a:buFont typeface="Arial" panose="020B0604020202020204" pitchFamily="34" charset="0"/>
+                  <a:buChar char="•"/>
+                </a:pPr>
+                <a:endParaRPr lang="en-US" dirty="0"/>
+              </a:p>
+            </p:txBody>
+          </p:sp>
+        </mc:Choice>
+        <mc:Fallback xmlns="">
+          <p:sp>
+            <p:nvSpPr>
+              <p:cNvPr id="7" name="Rectangle 6"/>
+              <p:cNvSpPr>
+                <a:spLocks noRot="1" noChangeAspect="1" noMove="1" noResize="1" noEditPoints="1" noAdjustHandles="1" noChangeArrowheads="1" noChangeShapeType="1" noTextEdit="1"/>
+              </p:cNvSpPr>
+              <p:nvPr/>
+            </p:nvSpPr>
+            <p:spPr>
+              <a:xfrm>
+                <a:off x="1101436" y="1085910"/>
+                <a:ext cx="5884250" cy="4555093"/>
+              </a:xfrm>
+              <a:prstGeom prst="rect">
+                <a:avLst/>
+              </a:prstGeom>
+              <a:blipFill rotWithShape="0">
+                <a:blip r:embed="rId2"/>
+                <a:stretch>
+                  <a:fillRect l="-415" t="-402"/>
+                </a:stretch>
+              </a:blipFill>
+            </p:spPr>
+            <p:txBody>
+              <a:bodyPr/>
+              <a:lstStyle/>
+              <a:p>
+                <a:r>
+                  <a:rPr lang="en-US">
+                    <a:noFill/>
+                  </a:rPr>
+                  <a:t> </a:t>
+                </a:r>
+              </a:p>
+            </p:txBody>
+          </p:sp>
+        </mc:Fallback>
+      </mc:AlternateContent>
+      <p:pic>
+        <p:nvPicPr>
+          <p:cNvPr id="5" name="Picture 4"/>
+          <p:cNvPicPr/>
+          <p:nvPr/>
+        </p:nvPicPr>
+        <p:blipFill>
+          <a:blip r:embed="rId3"/>
+          <a:stretch>
+            <a:fillRect/>
+          </a:stretch>
+        </p:blipFill>
+        <p:spPr>
+          <a:xfrm>
+            <a:off x="7414054" y="685800"/>
+            <a:ext cx="4072709" cy="2899082"/>
+          </a:xfrm>
+          <a:prstGeom prst="rect">
+            <a:avLst/>
+          </a:prstGeom>
+        </p:spPr>
+      </p:pic>
+      <mc:AlternateContent xmlns:mc="http://schemas.openxmlformats.org/markup-compatibility/2006" xmlns:a14="http://schemas.microsoft.com/office/drawing/2010/main">
+        <mc:Choice Requires="a14">
+          <p:sp>
+            <p:nvSpPr>
+              <p:cNvPr id="2" name="Rectangle 1"/>
+              <p:cNvSpPr/>
+              <p:nvPr/>
+            </p:nvSpPr>
+            <p:spPr>
+              <a:xfrm>
+                <a:off x="7414053" y="3584882"/>
+                <a:ext cx="4072709" cy="523220"/>
+              </a:xfrm>
+              <a:prstGeom prst="rect">
+                <a:avLst/>
+              </a:prstGeom>
+            </p:spPr>
+            <p:txBody>
+              <a:bodyPr wrap="square">
+                <a:spAutoFit/>
+              </a:bodyPr>
+              <a:lstStyle/>
+              <a:p>
+                <a:pPr algn="ctr"/>
+                <a:r>
+                  <a:rPr lang="en-US" sz="1400" dirty="0"/>
+                  <a:t>Distribution of the length of sequences for</a:t>
+                </a:r>
+                <a14:m>
+                  <m:oMath xmlns:m="http://schemas.openxmlformats.org/officeDocument/2006/math">
+                    <m:r>
+                      <a:rPr lang="en-US" sz="1400" i="1">
+                        <a:latin typeface="Cambria Math" panose="02040503050406030204" pitchFamily="18" charset="0"/>
+                      </a:rPr>
+                      <m:t> </m:t>
+                    </m:r>
+                    <m:r>
+                      <a:rPr lang="en-US" sz="1400" i="1">
+                        <a:latin typeface="Cambria Math" panose="02040503050406030204" pitchFamily="18" charset="0"/>
+                      </a:rPr>
+                      <m:t>𝛽</m:t>
+                    </m:r>
+                  </m:oMath>
+                </a14:m>
+                <a:r>
+                  <a:rPr lang="en-US" sz="1400" dirty="0"/>
+                  <a:t> sequences</a:t>
+                </a:r>
+              </a:p>
+            </p:txBody>
+          </p:sp>
+        </mc:Choice>
+        <mc:Fallback xmlns="">
+          <p:sp>
+            <p:nvSpPr>
+              <p:cNvPr id="2" name="Rectangle 1"/>
+              <p:cNvSpPr>
+                <a:spLocks noRot="1" noChangeAspect="1" noMove="1" noResize="1" noEditPoints="1" noAdjustHandles="1" noChangeArrowheads="1" noChangeShapeType="1" noTextEdit="1"/>
+              </p:cNvSpPr>
+              <p:nvPr/>
+            </p:nvSpPr>
+            <p:spPr>
+              <a:xfrm>
+                <a:off x="7414053" y="3584882"/>
+                <a:ext cx="4072709" cy="523220"/>
+              </a:xfrm>
+              <a:prstGeom prst="rect">
+                <a:avLst/>
+              </a:prstGeom>
+              <a:blipFill rotWithShape="0">
+                <a:blip r:embed="rId4"/>
+                <a:stretch>
+                  <a:fillRect t="-2326" b="-11628"/>
+                </a:stretch>
+              </a:blipFill>
+            </p:spPr>
+            <p:txBody>
+              <a:bodyPr/>
+              <a:lstStyle/>
+              <a:p>
+                <a:r>
+                  <a:rPr lang="en-US">
+                    <a:noFill/>
+                  </a:rPr>
+                  <a:t> </a:t>
+                </a:r>
+              </a:p>
+            </p:txBody>
+          </p:sp>
+        </mc:Fallback>
+      </mc:AlternateContent>
+    </p:spTree>
+    <p:extLst>
+      <p:ext uri="{BB962C8B-B14F-4D97-AF65-F5344CB8AC3E}">
+        <p14:creationId xmlns:p14="http://schemas.microsoft.com/office/powerpoint/2010/main" val="1527054925"/>
+      </p:ext>
+    </p:extLst>
+  </p:cSld>
+  <p:clrMapOvr>
+    <a:masterClrMapping/>
+  </p:clrMapOvr>
+  <p:timing>
+    <p:tnLst>
+      <p:par>
+        <p:cTn id="1" dur="indefinite" restart="never" nodeType="tmRoot"/>
+      </p:par>
+    </p:tnLst>
+  </p:timing>
+</p:sld>
+</file>
+
+<file path=ppt/slides/slide3.xml><?xml version="1.0" encoding="utf-8"?>
+<p:sld xmlns:a="http://schemas.openxmlformats.org/drawingml/2006/main" xmlns:r="http://schemas.openxmlformats.org/officeDocument/2006/relationships" xmlns:p="http://schemas.openxmlformats.org/presentationml/2006/main">
+  <p:cSld>
+    <p:spTree>
+      <p:nvGrpSpPr>
+        <p:cNvPr id="1" name=""/>
+        <p:cNvGrpSpPr/>
+        <p:nvPr/>
+      </p:nvGrpSpPr>
+      <p:grpSpPr>
+        <a:xfrm>
+          <a:off x="0" y="0"/>
+          <a:ext cx="0" cy="0"/>
+          <a:chOff x="0" y="0"/>
+          <a:chExt cx="0" cy="0"/>
+        </a:xfrm>
+      </p:grpSpPr>
+      <p:sp>
+        <p:nvSpPr>
+          <p:cNvPr id="4" name="TextBox 3"/>
+          <p:cNvSpPr txBox="1"/>
+          <p:nvPr/>
+        </p:nvSpPr>
+        <p:spPr>
+          <a:xfrm>
+            <a:off x="1101436" y="685800"/>
+            <a:ext cx="3543300" cy="400110"/>
+          </a:xfrm>
+          <a:prstGeom prst="rect">
+            <a:avLst/>
+          </a:prstGeom>
+          <a:noFill/>
+        </p:spPr>
+        <p:txBody>
+          <a:bodyPr wrap="square" rtlCol="0">
+            <a:spAutoFit/>
+          </a:bodyPr>
+          <a:lstStyle/>
+          <a:p>
+            <a:r>
+              <a:rPr lang="en-US" sz="2000" b="1" dirty="0" smtClean="0"/>
+              <a:t>General Structure of Algorithm:</a:t>
+            </a:r>
+            <a:endParaRPr lang="en-US" sz="2000" b="1" dirty="0"/>
+          </a:p>
+        </p:txBody>
+      </p:sp>
+      <p:grpSp>
+        <p:nvGrpSpPr>
+          <p:cNvPr id="2" name="Group 1"/>
+          <p:cNvGrpSpPr/>
+          <p:nvPr/>
+        </p:nvGrpSpPr>
+        <p:grpSpPr>
+          <a:xfrm>
+            <a:off x="1101436" y="1929714"/>
+            <a:ext cx="9809018" cy="3106882"/>
+            <a:chOff x="1184564" y="685801"/>
+            <a:chExt cx="9809018" cy="3106882"/>
+          </a:xfrm>
+        </p:grpSpPr>
+        <p:grpSp>
+          <p:nvGrpSpPr>
+            <p:cNvPr id="25" name="Group 24"/>
+            <p:cNvGrpSpPr/>
+            <p:nvPr/>
+          </p:nvGrpSpPr>
+          <p:grpSpPr>
+            <a:xfrm>
+              <a:off x="1184564" y="1055132"/>
+              <a:ext cx="9809018" cy="2236231"/>
+              <a:chOff x="1184564" y="1055132"/>
+              <a:chExt cx="9809018" cy="2236231"/>
+            </a:xfrm>
+          </p:grpSpPr>
+          <p:grpSp>
+            <p:nvGrpSpPr>
+              <p:cNvPr id="18" name="Group 17"/>
+              <p:cNvGrpSpPr/>
+              <p:nvPr/>
+            </p:nvGrpSpPr>
+            <p:grpSpPr>
+              <a:xfrm>
+                <a:off x="1184564" y="1825152"/>
+                <a:ext cx="8205354" cy="696191"/>
+                <a:chOff x="1184564" y="1710351"/>
+                <a:chExt cx="8205354" cy="696191"/>
+              </a:xfrm>
+            </p:grpSpPr>
+            <p:sp>
+              <p:nvSpPr>
+                <p:cNvPr id="5" name="TextBox 4"/>
+                <p:cNvSpPr txBox="1"/>
+                <p:nvPr/>
+              </p:nvSpPr>
+              <p:spPr>
+                <a:xfrm>
+                  <a:off x="1184564" y="1735281"/>
+                  <a:ext cx="1749582" cy="646331"/>
+                </a:xfrm>
+                <a:prstGeom prst="rect">
+                  <a:avLst/>
+                </a:prstGeom>
+                <a:noFill/>
+              </p:spPr>
+              <p:txBody>
+                <a:bodyPr wrap="none" rtlCol="0">
+                  <a:spAutoFit/>
+                </a:bodyPr>
+                <a:lstStyle/>
+                <a:p>
+                  <a:r>
+                    <a:rPr lang="en-US" dirty="0" smtClean="0"/>
+                    <a:t>CDR3 Sequence:</a:t>
+                  </a:r>
+                </a:p>
+                <a:p>
+                  <a:r>
+                    <a:rPr lang="en-US" dirty="0" smtClean="0"/>
+                    <a:t>[“CAFMKRY…”]</a:t>
+                  </a:r>
+                  <a:endParaRPr lang="en-US" dirty="0"/>
+                </a:p>
+              </p:txBody>
+            </p:sp>
+            <p:sp>
+              <p:nvSpPr>
+                <p:cNvPr id="9" name="Rectangle 8"/>
+                <p:cNvSpPr/>
+                <p:nvPr/>
+              </p:nvSpPr>
+              <p:spPr>
+                <a:xfrm>
+                  <a:off x="4863169" y="1710351"/>
+                  <a:ext cx="1298863" cy="696191"/>
+                </a:xfrm>
+                <a:prstGeom prst="rect">
+                  <a:avLst/>
+                </a:prstGeom>
+                <a:noFill/>
+                <a:ln>
+                  <a:solidFill>
+                    <a:schemeClr val="tx1"/>
+                  </a:solidFill>
+                </a:ln>
+              </p:spPr>
+              <p:style>
+                <a:lnRef idx="2">
+                  <a:schemeClr val="accent1">
+                    <a:shade val="50000"/>
+                  </a:schemeClr>
+                </a:lnRef>
+                <a:fillRef idx="1">
+                  <a:schemeClr val="accent1"/>
+                </a:fillRef>
+                <a:effectRef idx="0">
+                  <a:schemeClr val="accent1"/>
+                </a:effectRef>
+                <a:fontRef idx="minor">
+                  <a:schemeClr val="lt1"/>
+                </a:fontRef>
+              </p:style>
+              <p:txBody>
+                <a:bodyPr rtlCol="0" anchor="ctr"/>
+                <a:lstStyle/>
+                <a:p>
+                  <a:pPr algn="ctr"/>
+                  <a:r>
+                    <a:rPr lang="en-US" dirty="0" smtClean="0">
+                      <a:solidFill>
+                        <a:schemeClr val="tx1"/>
+                      </a:solidFill>
+                    </a:rPr>
+                    <a:t>Feature Engineering</a:t>
+                  </a:r>
+                  <a:endParaRPr lang="en-US" dirty="0">
+                    <a:solidFill>
+                      <a:schemeClr val="tx1"/>
+                    </a:solidFill>
+                  </a:endParaRPr>
+                </a:p>
+              </p:txBody>
+            </p:sp>
+            <p:sp>
+              <p:nvSpPr>
+                <p:cNvPr id="10" name="Rectangle 9"/>
+                <p:cNvSpPr/>
+                <p:nvPr/>
+              </p:nvSpPr>
+              <p:spPr>
+                <a:xfrm>
+                  <a:off x="8091055" y="1710351"/>
+                  <a:ext cx="1298863" cy="696191"/>
+                </a:xfrm>
+                <a:prstGeom prst="rect">
+                  <a:avLst/>
+                </a:prstGeom>
+                <a:noFill/>
+                <a:ln>
+                  <a:solidFill>
+                    <a:schemeClr val="tx1"/>
+                  </a:solidFill>
+                </a:ln>
+              </p:spPr>
+              <p:style>
+                <a:lnRef idx="2">
+                  <a:schemeClr val="accent1">
+                    <a:shade val="50000"/>
+                  </a:schemeClr>
+                </a:lnRef>
+                <a:fillRef idx="1">
+                  <a:schemeClr val="accent1"/>
+                </a:fillRef>
+                <a:effectRef idx="0">
+                  <a:schemeClr val="accent1"/>
+                </a:effectRef>
+                <a:fontRef idx="minor">
+                  <a:schemeClr val="lt1"/>
+                </a:fontRef>
+              </p:style>
+              <p:txBody>
+                <a:bodyPr rtlCol="0" anchor="ctr"/>
+                <a:lstStyle/>
+                <a:p>
+                  <a:pPr algn="ctr"/>
+                  <a:r>
+                    <a:rPr lang="en-US" dirty="0" smtClean="0">
+                      <a:solidFill>
+                        <a:schemeClr val="tx1"/>
+                      </a:solidFill>
+                    </a:rPr>
+                    <a:t>Classifier</a:t>
+                  </a:r>
+                  <a:endParaRPr lang="en-US" dirty="0">
+                    <a:solidFill>
+                      <a:schemeClr val="tx1"/>
+                    </a:solidFill>
+                  </a:endParaRPr>
+                </a:p>
+              </p:txBody>
+            </p:sp>
+            <p:cxnSp>
+              <p:nvCxnSpPr>
+                <p:cNvPr id="12" name="Straight Arrow Connector 11"/>
+                <p:cNvCxnSpPr>
+                  <a:stCxn id="5" idx="3"/>
+                  <a:endCxn id="9" idx="1"/>
+                </p:cNvCxnSpPr>
+                <p:nvPr/>
+              </p:nvCxnSpPr>
+              <p:spPr>
+                <a:xfrm>
+                  <a:off x="2934146" y="2058447"/>
+                  <a:ext cx="1929023" cy="0"/>
+                </a:xfrm>
+                <a:prstGeom prst="straightConnector1">
+                  <a:avLst/>
+                </a:prstGeom>
+                <a:ln>
+                  <a:solidFill>
+                    <a:schemeClr val="tx1"/>
+                  </a:solidFill>
+                  <a:tailEnd type="triangle"/>
+                </a:ln>
+              </p:spPr>
+              <p:style>
+                <a:lnRef idx="1">
+                  <a:schemeClr val="accent1"/>
+                </a:lnRef>
+                <a:fillRef idx="0">
+                  <a:schemeClr val="accent1"/>
+                </a:fillRef>
+                <a:effectRef idx="0">
+                  <a:schemeClr val="accent1"/>
+                </a:effectRef>
+                <a:fontRef idx="minor">
+                  <a:schemeClr val="tx1"/>
+                </a:fontRef>
+              </p:style>
+            </p:cxnSp>
+            <p:cxnSp>
+              <p:nvCxnSpPr>
+                <p:cNvPr id="14" name="Straight Arrow Connector 13"/>
+                <p:cNvCxnSpPr>
+                  <a:stCxn id="9" idx="3"/>
+                  <a:endCxn id="10" idx="1"/>
+                </p:cNvCxnSpPr>
+                <p:nvPr/>
+              </p:nvCxnSpPr>
+              <p:spPr>
+                <a:xfrm>
+                  <a:off x="6162032" y="2058447"/>
+                  <a:ext cx="1929023" cy="0"/>
+                </a:xfrm>
+                <a:prstGeom prst="straightConnector1">
+                  <a:avLst/>
+                </a:prstGeom>
+                <a:ln>
+                  <a:solidFill>
+                    <a:schemeClr val="tx1"/>
+                  </a:solidFill>
+                  <a:tailEnd type="triangle"/>
+                </a:ln>
+              </p:spPr>
+              <p:style>
+                <a:lnRef idx="1">
+                  <a:schemeClr val="accent1"/>
+                </a:lnRef>
+                <a:fillRef idx="0">
+                  <a:schemeClr val="accent1"/>
+                </a:fillRef>
+                <a:effectRef idx="0">
+                  <a:schemeClr val="accent1"/>
+                </a:effectRef>
+                <a:fontRef idx="minor">
+                  <a:schemeClr val="tx1"/>
+                </a:fontRef>
+              </p:style>
+            </p:cxnSp>
+          </p:grpSp>
+          <p:grpSp>
+            <p:nvGrpSpPr>
+              <p:cNvPr id="24" name="Group 23"/>
+              <p:cNvGrpSpPr/>
+              <p:nvPr/>
+            </p:nvGrpSpPr>
+            <p:grpSpPr>
+              <a:xfrm>
+                <a:off x="9389918" y="1055132"/>
+                <a:ext cx="1603664" cy="2236231"/>
+                <a:chOff x="9389918" y="1055132"/>
+                <a:chExt cx="1603664" cy="2236231"/>
+              </a:xfrm>
+            </p:grpSpPr>
+            <p:sp>
+              <p:nvSpPr>
+                <p:cNvPr id="16" name="TextBox 15"/>
+                <p:cNvSpPr txBox="1"/>
+                <p:nvPr/>
+              </p:nvSpPr>
+              <p:spPr>
+                <a:xfrm>
+                  <a:off x="9996054" y="1055132"/>
+                  <a:ext cx="997528" cy="369332"/>
+                </a:xfrm>
+                <a:prstGeom prst="rect">
+                  <a:avLst/>
+                </a:prstGeom>
+                <a:noFill/>
+              </p:spPr>
+              <p:txBody>
+                <a:bodyPr wrap="square" rtlCol="0">
+                  <a:spAutoFit/>
+                </a:bodyPr>
+                <a:lstStyle/>
+                <a:p>
+                  <a:r>
+                    <a:rPr lang="en-US" dirty="0" smtClean="0"/>
+                    <a:t>CD4</a:t>
+                  </a:r>
+                  <a:endParaRPr lang="en-US" dirty="0"/>
+                </a:p>
+              </p:txBody>
+            </p:sp>
+            <p:sp>
+              <p:nvSpPr>
+                <p:cNvPr id="17" name="TextBox 16"/>
+                <p:cNvSpPr txBox="1"/>
+                <p:nvPr/>
+              </p:nvSpPr>
+              <p:spPr>
+                <a:xfrm>
+                  <a:off x="9996054" y="2922031"/>
+                  <a:ext cx="997528" cy="369332"/>
+                </a:xfrm>
+                <a:prstGeom prst="rect">
+                  <a:avLst/>
+                </a:prstGeom>
+                <a:noFill/>
+              </p:spPr>
+              <p:txBody>
+                <a:bodyPr wrap="square" rtlCol="0">
+                  <a:spAutoFit/>
+                </a:bodyPr>
+                <a:lstStyle/>
+                <a:p>
+                  <a:r>
+                    <a:rPr lang="en-US" dirty="0" smtClean="0"/>
+                    <a:t>CD8</a:t>
+                  </a:r>
+                  <a:endParaRPr lang="en-US" dirty="0"/>
+                </a:p>
+              </p:txBody>
+            </p:sp>
+            <p:grpSp>
+              <p:nvGrpSpPr>
+                <p:cNvPr id="23" name="Group 22"/>
+                <p:cNvGrpSpPr/>
+                <p:nvPr/>
+              </p:nvGrpSpPr>
+              <p:grpSpPr>
+                <a:xfrm>
+                  <a:off x="9389918" y="1239798"/>
+                  <a:ext cx="606136" cy="1866899"/>
+                  <a:chOff x="9389918" y="1239798"/>
+                  <a:chExt cx="606136" cy="1866899"/>
+                </a:xfrm>
+              </p:grpSpPr>
+              <p:cxnSp>
+                <p:nvCxnSpPr>
+                  <p:cNvPr id="20" name="Straight Arrow Connector 19"/>
+                  <p:cNvCxnSpPr>
+                    <a:stCxn id="10" idx="3"/>
+                    <a:endCxn id="16" idx="1"/>
+                  </p:cNvCxnSpPr>
+                  <p:nvPr/>
+                </p:nvCxnSpPr>
+                <p:spPr>
+                  <a:xfrm flipV="1">
+                    <a:off x="9389918" y="1239798"/>
+                    <a:ext cx="606136" cy="933450"/>
+                  </a:xfrm>
+                  <a:prstGeom prst="straightConnector1">
+                    <a:avLst/>
+                  </a:prstGeom>
+                  <a:ln>
+                    <a:solidFill>
+                      <a:schemeClr val="tx1"/>
+                    </a:solidFill>
+                    <a:tailEnd type="triangle"/>
+                  </a:ln>
+                </p:spPr>
+                <p:style>
+                  <a:lnRef idx="1">
+                    <a:schemeClr val="accent1"/>
+                  </a:lnRef>
+                  <a:fillRef idx="0">
+                    <a:schemeClr val="accent1"/>
+                  </a:fillRef>
+                  <a:effectRef idx="0">
+                    <a:schemeClr val="accent1"/>
+                  </a:effectRef>
+                  <a:fontRef idx="minor">
+                    <a:schemeClr val="tx1"/>
+                  </a:fontRef>
+                </p:style>
+              </p:cxnSp>
+              <p:cxnSp>
+                <p:nvCxnSpPr>
+                  <p:cNvPr id="22" name="Straight Arrow Connector 21"/>
+                  <p:cNvCxnSpPr>
+                    <a:stCxn id="10" idx="3"/>
+                    <a:endCxn id="17" idx="1"/>
+                  </p:cNvCxnSpPr>
+                  <p:nvPr/>
+                </p:nvCxnSpPr>
+                <p:spPr>
+                  <a:xfrm>
+                    <a:off x="9389918" y="2173248"/>
+                    <a:ext cx="606136" cy="933449"/>
+                  </a:xfrm>
+                  <a:prstGeom prst="straightConnector1">
+                    <a:avLst/>
+                  </a:prstGeom>
+                  <a:ln>
+                    <a:solidFill>
+                      <a:schemeClr val="tx1"/>
+                    </a:solidFill>
+                    <a:tailEnd type="triangle"/>
+                  </a:ln>
+                </p:spPr>
+                <p:style>
+                  <a:lnRef idx="1">
+                    <a:schemeClr val="accent1"/>
+                  </a:lnRef>
+                  <a:fillRef idx="0">
+                    <a:schemeClr val="accent1"/>
+                  </a:fillRef>
+                  <a:effectRef idx="0">
+                    <a:schemeClr val="accent1"/>
+                  </a:effectRef>
+                  <a:fontRef idx="minor">
+                    <a:schemeClr val="tx1"/>
+                  </a:fontRef>
+                </p:style>
+              </p:cxnSp>
+            </p:grpSp>
+          </p:grpSp>
+        </p:grpSp>
+        <p:sp>
+          <p:nvSpPr>
+            <p:cNvPr id="26" name="Rectangle 25"/>
+            <p:cNvSpPr/>
+            <p:nvPr/>
+          </p:nvSpPr>
+          <p:spPr>
+            <a:xfrm>
+              <a:off x="7481455" y="685801"/>
+              <a:ext cx="3335481" cy="3106882"/>
+            </a:xfrm>
+            <a:prstGeom prst="rect">
+              <a:avLst/>
+            </a:prstGeom>
+            <a:noFill/>
+            <a:ln>
+              <a:solidFill>
+                <a:schemeClr val="bg1">
+                  <a:lumMod val="50000"/>
+                </a:schemeClr>
+              </a:solidFill>
+              <a:prstDash val="dash"/>
+            </a:ln>
+          </p:spPr>
+          <p:style>
+            <a:lnRef idx="2">
+              <a:schemeClr val="accent1">
+                <a:shade val="50000"/>
+              </a:schemeClr>
+            </a:lnRef>
+            <a:fillRef idx="1">
+              <a:schemeClr val="accent1"/>
+            </a:fillRef>
+            <a:effectRef idx="0">
+              <a:schemeClr val="accent1"/>
+            </a:effectRef>
+            <a:fontRef idx="minor">
+              <a:schemeClr val="lt1"/>
+            </a:fontRef>
+          </p:style>
+          <p:txBody>
+            <a:bodyPr rtlCol="0" anchor="b"/>
+            <a:lstStyle/>
+            <a:p>
+              <a:r>
+                <a:rPr lang="en-US" dirty="0" smtClean="0">
+                  <a:solidFill>
+                    <a:schemeClr val="bg1">
+                      <a:lumMod val="50000"/>
+                    </a:schemeClr>
+                  </a:solidFill>
+                </a:rPr>
+                <a:t>Binary Classification</a:t>
+              </a:r>
+              <a:endParaRPr lang="en-US" dirty="0">
+                <a:solidFill>
+                  <a:schemeClr val="bg1">
+                    <a:lumMod val="50000"/>
+                  </a:schemeClr>
+                </a:solidFill>
+              </a:endParaRPr>
+            </a:p>
+          </p:txBody>
+        </p:sp>
+        <p:sp>
+          <p:nvSpPr>
+            <p:cNvPr id="27" name="TextBox 26"/>
+            <p:cNvSpPr txBox="1"/>
+            <p:nvPr/>
+          </p:nvSpPr>
+          <p:spPr>
+            <a:xfrm>
+              <a:off x="4561832" y="1370601"/>
+              <a:ext cx="1901536" cy="307777"/>
+            </a:xfrm>
+            <a:prstGeom prst="rect">
+              <a:avLst/>
+            </a:prstGeom>
+            <a:noFill/>
+          </p:spPr>
+          <p:txBody>
+            <a:bodyPr wrap="square" rtlCol="0">
+              <a:spAutoFit/>
+            </a:bodyPr>
+            <a:lstStyle/>
+            <a:p>
+              <a:r>
+                <a:rPr lang="en-US" sz="1400" dirty="0" smtClean="0">
+                  <a:solidFill>
+                    <a:schemeClr val="bg1">
+                      <a:lumMod val="50000"/>
+                    </a:schemeClr>
+                  </a:solidFill>
+                </a:rPr>
+                <a:t>String to </a:t>
+              </a:r>
+              <a:r>
+                <a:rPr lang="en-US" sz="1400" dirty="0">
+                  <a:solidFill>
+                    <a:schemeClr val="bg1">
+                      <a:lumMod val="50000"/>
+                    </a:schemeClr>
+                  </a:solidFill>
+                </a:rPr>
+                <a:t>N</a:t>
+              </a:r>
+              <a:r>
+                <a:rPr lang="en-US" sz="1400" dirty="0" smtClean="0">
+                  <a:solidFill>
+                    <a:schemeClr val="bg1">
+                      <a:lumMod val="50000"/>
+                    </a:schemeClr>
+                  </a:solidFill>
+                </a:rPr>
+                <a:t>umeric Data</a:t>
+              </a:r>
+              <a:endParaRPr lang="en-US" sz="1400" dirty="0">
+                <a:solidFill>
+                  <a:schemeClr val="bg1">
+                    <a:lumMod val="50000"/>
+                  </a:schemeClr>
+                </a:solidFill>
+              </a:endParaRPr>
+            </a:p>
+          </p:txBody>
+        </p:sp>
+      </p:grpSp>
+      <p:sp>
+        <p:nvSpPr>
+          <p:cNvPr id="19" name="Rectangle 18"/>
+          <p:cNvSpPr/>
+          <p:nvPr/>
+        </p:nvSpPr>
+        <p:spPr>
+          <a:xfrm>
+            <a:off x="426251" y="1929714"/>
+            <a:ext cx="3335481" cy="3106882"/>
+          </a:xfrm>
+          <a:prstGeom prst="rect">
+            <a:avLst/>
+          </a:prstGeom>
+          <a:noFill/>
+          <a:ln>
+            <a:solidFill>
+              <a:schemeClr val="accent1">
+                <a:lumMod val="60000"/>
+                <a:lumOff val="40000"/>
+              </a:schemeClr>
+            </a:solidFill>
+            <a:prstDash val="dash"/>
+          </a:ln>
+        </p:spPr>
+        <p:style>
+          <a:lnRef idx="2">
+            <a:schemeClr val="accent1">
+              <a:shade val="50000"/>
+            </a:schemeClr>
+          </a:lnRef>
+          <a:fillRef idx="1">
+            <a:schemeClr val="accent1"/>
+          </a:fillRef>
+          <a:effectRef idx="0">
+            <a:schemeClr val="accent1"/>
+          </a:effectRef>
+          <a:fontRef idx="minor">
+            <a:schemeClr val="lt1"/>
+          </a:fontRef>
+        </p:style>
+        <p:txBody>
+          <a:bodyPr rtlCol="0" anchor="b"/>
+          <a:lstStyle/>
+          <a:p>
+            <a:r>
+              <a:rPr lang="en-US" dirty="0" smtClean="0">
+                <a:solidFill>
+                  <a:schemeClr val="accent1">
+                    <a:lumMod val="60000"/>
+                    <a:lumOff val="40000"/>
+                  </a:schemeClr>
+                </a:solidFill>
+              </a:rPr>
+              <a:t>Input</a:t>
+            </a:r>
+            <a:endParaRPr lang="en-US" dirty="0">
+              <a:solidFill>
+                <a:schemeClr val="accent1">
+                  <a:lumMod val="60000"/>
+                  <a:lumOff val="40000"/>
+                </a:schemeClr>
+              </a:solidFill>
+            </a:endParaRPr>
+          </a:p>
+        </p:txBody>
+      </p:sp>
+      <p:sp>
+        <p:nvSpPr>
+          <p:cNvPr id="34" name="TextBox 33"/>
+          <p:cNvSpPr txBox="1"/>
+          <p:nvPr/>
+        </p:nvSpPr>
+        <p:spPr>
+          <a:xfrm>
+            <a:off x="4509998" y="4673776"/>
+            <a:ext cx="1838948" cy="461665"/>
+          </a:xfrm>
+          <a:prstGeom prst="rect">
+            <a:avLst/>
+          </a:prstGeom>
+          <a:noFill/>
+          <a:ln>
+            <a:solidFill>
+              <a:schemeClr val="bg2">
+                <a:lumMod val="90000"/>
+              </a:schemeClr>
+            </a:solidFill>
+          </a:ln>
+        </p:spPr>
+        <p:txBody>
+          <a:bodyPr wrap="square" rtlCol="0">
+            <a:spAutoFit/>
+          </a:bodyPr>
+          <a:lstStyle/>
+          <a:p>
+            <a:r>
+              <a:rPr lang="en-US" sz="1200" dirty="0" smtClean="0"/>
+              <a:t>Optional: </a:t>
+            </a:r>
+          </a:p>
+          <a:p>
+            <a:r>
+              <a:rPr lang="en-US" sz="1200" dirty="0" smtClean="0"/>
+              <a:t>Dimensionality Reduction</a:t>
+            </a:r>
+            <a:endParaRPr lang="en-US" sz="1200" dirty="0"/>
+          </a:p>
+        </p:txBody>
+      </p:sp>
+      <p:cxnSp>
+        <p:nvCxnSpPr>
+          <p:cNvPr id="36" name="Straight Arrow Connector 35"/>
+          <p:cNvCxnSpPr>
+            <a:stCxn id="34" idx="0"/>
+          </p:cNvCxnSpPr>
+          <p:nvPr/>
+        </p:nvCxnSpPr>
+        <p:spPr>
+          <a:xfrm flipV="1">
+            <a:off x="5429472" y="3417161"/>
+            <a:ext cx="1177338" cy="1256615"/>
+          </a:xfrm>
+          <a:prstGeom prst="straightConnector1">
+            <a:avLst/>
+          </a:prstGeom>
+          <a:ln>
+            <a:tailEnd type="triangle"/>
+          </a:ln>
+        </p:spPr>
+        <p:style>
+          <a:lnRef idx="1">
+            <a:schemeClr val="accent3"/>
+          </a:lnRef>
+          <a:fillRef idx="0">
+            <a:schemeClr val="accent3"/>
+          </a:fillRef>
+          <a:effectRef idx="0">
+            <a:schemeClr val="accent3"/>
+          </a:effectRef>
+          <a:fontRef idx="minor">
+            <a:schemeClr val="tx1"/>
+          </a:fontRef>
+        </p:style>
+      </p:cxnSp>
+    </p:spTree>
+    <p:extLst>
+      <p:ext uri="{BB962C8B-B14F-4D97-AF65-F5344CB8AC3E}">
+        <p14:creationId xmlns:p14="http://schemas.microsoft.com/office/powerpoint/2010/main" val="798076892"/>
+      </p:ext>
+    </p:extLst>
+  </p:cSld>
+  <p:clrMapOvr>
+    <a:masterClrMapping/>
+  </p:clrMapOvr>
+  <p:timing>
+    <p:tnLst>
+      <p:par>
+        <p:cTn id="1" dur="indefinite" restart="never" nodeType="tmRoot"/>
+      </p:par>
+    </p:tnLst>
+  </p:timing>
+</p:sld>
+</file>
+
+<file path=ppt/slides/slide4.xml><?xml version="1.0" encoding="utf-8"?>
+<p:sld xmlns:a="http://schemas.openxmlformats.org/drawingml/2006/main" xmlns:r="http://schemas.openxmlformats.org/officeDocument/2006/relationships" xmlns:p="http://schemas.openxmlformats.org/presentationml/2006/main">
+  <p:cSld>
+    <p:spTree>
+      <p:nvGrpSpPr>
+        <p:cNvPr id="1" name=""/>
+        <p:cNvGrpSpPr/>
+        <p:nvPr/>
+      </p:nvGrpSpPr>
+      <p:grpSpPr>
+        <a:xfrm>
+          <a:off x="0" y="0"/>
+          <a:ext cx="0" cy="0"/>
+          <a:chOff x="0" y="0"/>
+          <a:chExt cx="0" cy="0"/>
+        </a:xfrm>
+      </p:grpSpPr>
+      <p:sp>
+        <p:nvSpPr>
+          <p:cNvPr id="4" name="TextBox 3"/>
+          <p:cNvSpPr txBox="1"/>
+          <p:nvPr/>
+        </p:nvSpPr>
+        <p:spPr>
+          <a:xfrm>
+            <a:off x="1101435" y="685800"/>
+            <a:ext cx="3396423" cy="400110"/>
+          </a:xfrm>
+          <a:prstGeom prst="rect">
+            <a:avLst/>
+          </a:prstGeom>
+          <a:noFill/>
+        </p:spPr>
+        <p:txBody>
+          <a:bodyPr wrap="square" rtlCol="0">
+            <a:spAutoFit/>
+          </a:bodyPr>
+          <a:lstStyle/>
+          <a:p>
+            <a:r>
+              <a:rPr lang="en-US" sz="2000" b="1" dirty="0" smtClean="0"/>
+              <a:t>Feature Engineering Methods:</a:t>
+            </a:r>
+            <a:endParaRPr lang="en-US" sz="2000" b="1" dirty="0"/>
+          </a:p>
+        </p:txBody>
+      </p:sp>
+      <p:sp>
+        <p:nvSpPr>
+          <p:cNvPr id="5" name="TextBox 4"/>
+          <p:cNvSpPr txBox="1"/>
+          <p:nvPr/>
+        </p:nvSpPr>
+        <p:spPr>
+          <a:xfrm>
+            <a:off x="1101434" y="1085910"/>
+            <a:ext cx="4104879" cy="1477328"/>
+          </a:xfrm>
+          <a:prstGeom prst="rect">
+            <a:avLst/>
+          </a:prstGeom>
+          <a:noFill/>
+        </p:spPr>
+        <p:txBody>
+          <a:bodyPr wrap="square" rtlCol="0">
+            <a:spAutoFit/>
+          </a:bodyPr>
+          <a:lstStyle/>
+          <a:p>
+            <a:pPr marL="285750" indent="-285750">
+              <a:buFontTx/>
+              <a:buChar char="-"/>
+            </a:pPr>
+            <a:r>
+              <a:rPr lang="en-US" dirty="0"/>
+              <a:t>p-Tuple </a:t>
+            </a:r>
+            <a:r>
+              <a:rPr lang="en-US" dirty="0" smtClean="0"/>
+              <a:t>Frequency</a:t>
+            </a:r>
+          </a:p>
+          <a:p>
+            <a:pPr marL="285750" indent="-285750">
+              <a:buFontTx/>
+              <a:buChar char="-"/>
+            </a:pPr>
+            <a:r>
+              <a:rPr lang="en-US" dirty="0"/>
+              <a:t>p-Tuple </a:t>
+            </a:r>
+            <a:r>
+              <a:rPr lang="en-US" dirty="0" smtClean="0"/>
+              <a:t>Frequency with CDR1/2</a:t>
+            </a:r>
+          </a:p>
+          <a:p>
+            <a:pPr marL="285750" indent="-285750">
+              <a:buFontTx/>
+              <a:buChar char="-"/>
+            </a:pPr>
+            <a:r>
+              <a:rPr lang="en-US" dirty="0" smtClean="0"/>
+              <a:t>Thomas et al. 2014</a:t>
+            </a:r>
+          </a:p>
+          <a:p>
+            <a:pPr marL="285750" indent="-285750">
+              <a:buFontTx/>
+              <a:buChar char="-"/>
+            </a:pPr>
+            <a:r>
+              <a:rPr lang="en-US" dirty="0" smtClean="0"/>
+              <a:t>Li et al. 2015</a:t>
+            </a:r>
+          </a:p>
+          <a:p>
+            <a:pPr marL="285750" indent="-285750">
+              <a:buFontTx/>
+              <a:buChar char="-"/>
+            </a:pPr>
+            <a:r>
+              <a:rPr lang="en-US" dirty="0" smtClean="0"/>
+              <a:t>Aa2Vec</a:t>
+            </a:r>
+          </a:p>
+        </p:txBody>
+      </p:sp>
+      <p:sp>
+        <p:nvSpPr>
+          <p:cNvPr id="6" name="TextBox 5"/>
+          <p:cNvSpPr txBox="1"/>
+          <p:nvPr/>
+        </p:nvSpPr>
+        <p:spPr>
+          <a:xfrm>
+            <a:off x="1101435" y="2686349"/>
+            <a:ext cx="3396423" cy="400110"/>
+          </a:xfrm>
+          <a:prstGeom prst="rect">
+            <a:avLst/>
+          </a:prstGeom>
+          <a:noFill/>
+        </p:spPr>
+        <p:txBody>
+          <a:bodyPr wrap="square" rtlCol="0">
+            <a:spAutoFit/>
+          </a:bodyPr>
+          <a:lstStyle/>
+          <a:p>
+            <a:r>
+              <a:rPr lang="en-US" sz="2000" b="1" dirty="0" smtClean="0"/>
+              <a:t>Classification Methods:</a:t>
+            </a:r>
+            <a:endParaRPr lang="en-US" sz="2000" b="1" dirty="0"/>
+          </a:p>
+        </p:txBody>
+      </p:sp>
+      <p:sp>
+        <p:nvSpPr>
+          <p:cNvPr id="7" name="TextBox 6"/>
+          <p:cNvSpPr txBox="1"/>
+          <p:nvPr/>
+        </p:nvSpPr>
+        <p:spPr>
+          <a:xfrm>
+            <a:off x="1101434" y="3086459"/>
+            <a:ext cx="7943711" cy="2031325"/>
+          </a:xfrm>
+          <a:prstGeom prst="rect">
+            <a:avLst/>
+          </a:prstGeom>
+          <a:noFill/>
+        </p:spPr>
+        <p:txBody>
+          <a:bodyPr wrap="square" rtlCol="0">
+            <a:spAutoFit/>
+          </a:bodyPr>
+          <a:lstStyle/>
+          <a:p>
+            <a:pPr marL="285750" indent="-285750">
+              <a:buFontTx/>
+              <a:buChar char="-"/>
+            </a:pPr>
+            <a:r>
+              <a:rPr lang="en-US" dirty="0" smtClean="0"/>
+              <a:t>SVM</a:t>
+            </a:r>
+          </a:p>
+          <a:p>
+            <a:pPr marL="742950" lvl="1" indent="-285750">
+              <a:buFontTx/>
+              <a:buChar char="-"/>
+            </a:pPr>
+            <a:r>
+              <a:rPr lang="en-US" dirty="0" smtClean="0"/>
+              <a:t>Linear Kernel</a:t>
+            </a:r>
+          </a:p>
+          <a:p>
+            <a:pPr marL="742950" lvl="1" indent="-285750">
+              <a:buFontTx/>
+              <a:buChar char="-"/>
+            </a:pPr>
+            <a:r>
+              <a:rPr lang="en-US" dirty="0" smtClean="0"/>
+              <a:t>Polynomial Kernel</a:t>
+            </a:r>
+          </a:p>
+          <a:p>
+            <a:pPr marL="742950" lvl="1" indent="-285750">
+              <a:buFontTx/>
+              <a:buChar char="-"/>
+            </a:pPr>
+            <a:r>
+              <a:rPr lang="en-US" dirty="0" smtClean="0"/>
+              <a:t>RBF</a:t>
+            </a:r>
+          </a:p>
+          <a:p>
+            <a:pPr marL="285750" indent="-285750">
+              <a:buFontTx/>
+              <a:buChar char="-"/>
+            </a:pPr>
+            <a:r>
+              <a:rPr lang="en-US" dirty="0" smtClean="0"/>
+              <a:t>Deep Feed Forward Neural Network</a:t>
+            </a:r>
+          </a:p>
+          <a:p>
+            <a:pPr marL="285750" indent="-285750">
+              <a:buFontTx/>
+              <a:buChar char="-"/>
+            </a:pPr>
+            <a:r>
+              <a:rPr lang="en-US" dirty="0" smtClean="0"/>
+              <a:t>Recurrent Neural Network (only used with Unsupervised feature extraction)</a:t>
+            </a:r>
+          </a:p>
+          <a:p>
+            <a:pPr marL="285750" indent="-285750">
+              <a:buFontTx/>
+              <a:buChar char="-"/>
+            </a:pPr>
+            <a:endParaRPr lang="en-US" dirty="0" smtClean="0"/>
+          </a:p>
+        </p:txBody>
+      </p:sp>
+      <p:sp>
+        <p:nvSpPr>
+          <p:cNvPr id="8" name="TextBox 7"/>
+          <p:cNvSpPr txBox="1"/>
+          <p:nvPr/>
+        </p:nvSpPr>
+        <p:spPr>
+          <a:xfrm>
+            <a:off x="6583716" y="685800"/>
+            <a:ext cx="3396423" cy="400110"/>
+          </a:xfrm>
+          <a:prstGeom prst="rect">
+            <a:avLst/>
+          </a:prstGeom>
+          <a:noFill/>
+        </p:spPr>
+        <p:txBody>
+          <a:bodyPr wrap="square" rtlCol="0">
+            <a:spAutoFit/>
+          </a:bodyPr>
+          <a:lstStyle/>
+          <a:p>
+            <a:r>
+              <a:rPr lang="en-US" sz="2000" b="1" dirty="0" smtClean="0"/>
+              <a:t>Dim. Reduction Methods:</a:t>
+            </a:r>
+            <a:endParaRPr lang="en-US" sz="2000" b="1" dirty="0"/>
+          </a:p>
+        </p:txBody>
+      </p:sp>
+      <p:sp>
+        <p:nvSpPr>
+          <p:cNvPr id="9" name="TextBox 8"/>
+          <p:cNvSpPr txBox="1"/>
+          <p:nvPr/>
+        </p:nvSpPr>
+        <p:spPr>
+          <a:xfrm>
+            <a:off x="6583716" y="1085909"/>
+            <a:ext cx="3075710" cy="369332"/>
+          </a:xfrm>
+          <a:prstGeom prst="rect">
+            <a:avLst/>
+          </a:prstGeom>
+          <a:noFill/>
+        </p:spPr>
+        <p:txBody>
+          <a:bodyPr wrap="square" rtlCol="0">
+            <a:spAutoFit/>
+          </a:bodyPr>
+          <a:lstStyle/>
+          <a:p>
+            <a:pPr marL="285750" indent="-285750">
+              <a:buFontTx/>
+              <a:buChar char="-"/>
+            </a:pPr>
+            <a:r>
+              <a:rPr lang="en-US" dirty="0" smtClean="0"/>
+              <a:t>Deep </a:t>
+            </a:r>
+            <a:r>
+              <a:rPr lang="en-US" dirty="0" err="1" smtClean="0"/>
+              <a:t>Autoencoder</a:t>
+            </a:r>
+            <a:endParaRPr lang="en-US" dirty="0" smtClean="0"/>
+          </a:p>
+        </p:txBody>
+      </p:sp>
+    </p:spTree>
+    <p:extLst>
+      <p:ext uri="{BB962C8B-B14F-4D97-AF65-F5344CB8AC3E}">
+        <p14:creationId xmlns:p14="http://schemas.microsoft.com/office/powerpoint/2010/main" val="3475872758"/>
+      </p:ext>
+    </p:extLst>
+  </p:cSld>
+  <p:clrMapOvr>
+    <a:masterClrMapping/>
+  </p:clrMapOvr>
+  <p:timing>
+    <p:tnLst>
+      <p:par>
+        <p:cTn id="1" dur="indefinite" restart="never" nodeType="tmRoot"/>
+      </p:par>
+    </p:tnLst>
+  </p:timing>
+</p:sld>
+</file>
+
+<file path=ppt/slides/slide5.xml><?xml version="1.0" encoding="utf-8"?>
+<p:sld xmlns:a="http://schemas.openxmlformats.org/drawingml/2006/main" xmlns:r="http://schemas.openxmlformats.org/officeDocument/2006/relationships" xmlns:p="http://schemas.openxmlformats.org/presentationml/2006/main">
+  <p:cSld>
+    <p:spTree>
+      <p:nvGrpSpPr>
+        <p:cNvPr id="1" name=""/>
+        <p:cNvGrpSpPr/>
+        <p:nvPr/>
+      </p:nvGrpSpPr>
+      <p:grpSpPr>
+        <a:xfrm>
+          <a:off x="0" y="0"/>
+          <a:ext cx="0" cy="0"/>
+          <a:chOff x="0" y="0"/>
+          <a:chExt cx="0" cy="0"/>
+        </a:xfrm>
+      </p:grpSpPr>
+      <p:sp>
+        <p:nvSpPr>
+          <p:cNvPr id="4" name="TextBox 3"/>
+          <p:cNvSpPr txBox="1"/>
+          <p:nvPr/>
+        </p:nvSpPr>
+        <p:spPr>
+          <a:xfrm>
+            <a:off x="1101436" y="2099464"/>
+            <a:ext cx="1749582" cy="646331"/>
+          </a:xfrm>
+          <a:prstGeom prst="rect">
+            <a:avLst/>
+          </a:prstGeom>
+          <a:noFill/>
+        </p:spPr>
+        <p:txBody>
+          <a:bodyPr wrap="none" rtlCol="0">
+            <a:spAutoFit/>
+          </a:bodyPr>
+          <a:lstStyle/>
+          <a:p>
+            <a:r>
+              <a:rPr lang="en-US" dirty="0" smtClean="0"/>
+              <a:t>CDR3 Sequence:</a:t>
+            </a:r>
+          </a:p>
+          <a:p>
+            <a:r>
+              <a:rPr lang="en-US" dirty="0" smtClean="0"/>
+              <a:t>[“CAFMKRY…”]</a:t>
+            </a:r>
+            <a:endParaRPr lang="en-US" dirty="0"/>
+          </a:p>
+        </p:txBody>
+      </p:sp>
+      <p:sp>
+        <p:nvSpPr>
+          <p:cNvPr id="6" name="TextBox 5"/>
+          <p:cNvSpPr txBox="1"/>
+          <p:nvPr/>
+        </p:nvSpPr>
+        <p:spPr>
+          <a:xfrm>
+            <a:off x="1101435" y="685800"/>
+            <a:ext cx="2957793" cy="707886"/>
+          </a:xfrm>
+          <a:prstGeom prst="rect">
+            <a:avLst/>
+          </a:prstGeom>
+          <a:noFill/>
+        </p:spPr>
+        <p:txBody>
+          <a:bodyPr wrap="square" rtlCol="0">
+            <a:spAutoFit/>
+          </a:bodyPr>
+          <a:lstStyle/>
+          <a:p>
+            <a:r>
+              <a:rPr lang="en-US" sz="2000" b="1" dirty="0" smtClean="0"/>
+              <a:t>Feature Engineering: </a:t>
+            </a:r>
+          </a:p>
+          <a:p>
+            <a:r>
+              <a:rPr lang="en-US" sz="2000" b="1" dirty="0" smtClean="0"/>
+              <a:t>Li et al. 2015 Method</a:t>
+            </a:r>
+            <a:endParaRPr lang="en-US" sz="2000" b="1" dirty="0"/>
+          </a:p>
+        </p:txBody>
+      </p:sp>
+      <p:sp>
+        <p:nvSpPr>
+          <p:cNvPr id="7" name="TextBox 6"/>
+          <p:cNvSpPr txBox="1"/>
+          <p:nvPr/>
+        </p:nvSpPr>
+        <p:spPr>
+          <a:xfrm>
+            <a:off x="3501736" y="2099463"/>
+            <a:ext cx="1979773" cy="646331"/>
+          </a:xfrm>
+          <a:prstGeom prst="rect">
+            <a:avLst/>
+          </a:prstGeom>
+          <a:noFill/>
+        </p:spPr>
+        <p:txBody>
+          <a:bodyPr wrap="none" rtlCol="0">
+            <a:spAutoFit/>
+          </a:bodyPr>
+          <a:lstStyle/>
+          <a:p>
+            <a:r>
+              <a:rPr lang="en-US" dirty="0" smtClean="0"/>
+              <a:t>CDR3 of Length 14:</a:t>
+            </a:r>
+          </a:p>
+          <a:p>
+            <a:r>
+              <a:rPr lang="en-US" dirty="0"/>
+              <a:t>[“CAFMKRY…”]</a:t>
+            </a:r>
+          </a:p>
+        </p:txBody>
+      </p:sp>
+      <p:cxnSp>
+        <p:nvCxnSpPr>
+          <p:cNvPr id="9" name="Straight Arrow Connector 8"/>
+          <p:cNvCxnSpPr>
+            <a:stCxn id="4" idx="3"/>
+            <a:endCxn id="7" idx="1"/>
+          </p:cNvCxnSpPr>
+          <p:nvPr/>
+        </p:nvCxnSpPr>
+        <p:spPr>
+          <a:xfrm flipV="1">
+            <a:off x="2851018" y="2422629"/>
+            <a:ext cx="650718" cy="1"/>
+          </a:xfrm>
+          <a:prstGeom prst="straightConnector1">
+            <a:avLst/>
+          </a:prstGeom>
+          <a:ln>
+            <a:solidFill>
+              <a:schemeClr val="tx1"/>
+            </a:solidFill>
+            <a:tailEnd type="triangle"/>
+          </a:ln>
+        </p:spPr>
+        <p:style>
+          <a:lnRef idx="1">
+            <a:schemeClr val="accent1"/>
+          </a:lnRef>
+          <a:fillRef idx="0">
+            <a:schemeClr val="accent1"/>
+          </a:fillRef>
+          <a:effectRef idx="0">
+            <a:schemeClr val="accent1"/>
+          </a:effectRef>
+          <a:fontRef idx="minor">
+            <a:schemeClr val="tx1"/>
+          </a:fontRef>
+        </p:style>
+      </p:cxnSp>
+      <p:sp>
+        <p:nvSpPr>
+          <p:cNvPr id="11" name="TextBox 10"/>
+          <p:cNvSpPr txBox="1"/>
+          <p:nvPr/>
+        </p:nvSpPr>
+        <p:spPr>
+          <a:xfrm>
+            <a:off x="1508634" y="2745794"/>
+            <a:ext cx="792952" cy="369332"/>
+          </a:xfrm>
+          <a:prstGeom prst="rect">
+            <a:avLst/>
+          </a:prstGeom>
+          <a:noFill/>
+        </p:spPr>
+        <p:txBody>
+          <a:bodyPr wrap="square" rtlCol="0">
+            <a:spAutoFit/>
+          </a:bodyPr>
+          <a:lstStyle/>
+          <a:p>
+            <a:r>
+              <a:rPr lang="en-US" dirty="0" smtClean="0">
+                <a:solidFill>
+                  <a:schemeClr val="bg1">
+                    <a:lumMod val="50000"/>
+                  </a:schemeClr>
+                </a:solidFill>
+              </a:rPr>
+              <a:t>[1 x N]</a:t>
+            </a:r>
+            <a:endParaRPr lang="en-US" dirty="0">
+              <a:solidFill>
+                <a:schemeClr val="bg1">
+                  <a:lumMod val="50000"/>
+                </a:schemeClr>
+              </a:solidFill>
+            </a:endParaRPr>
+          </a:p>
+        </p:txBody>
+      </p:sp>
+      <p:sp>
+        <p:nvSpPr>
+          <p:cNvPr id="12" name="TextBox 11"/>
+          <p:cNvSpPr txBox="1"/>
+          <p:nvPr/>
+        </p:nvSpPr>
+        <p:spPr>
+          <a:xfrm>
+            <a:off x="4059229" y="2743646"/>
+            <a:ext cx="1462184" cy="369332"/>
+          </a:xfrm>
+          <a:prstGeom prst="rect">
+            <a:avLst/>
+          </a:prstGeom>
+          <a:noFill/>
+        </p:spPr>
+        <p:txBody>
+          <a:bodyPr wrap="square" rtlCol="0">
+            <a:spAutoFit/>
+          </a:bodyPr>
+          <a:lstStyle/>
+          <a:p>
+            <a:r>
+              <a:rPr lang="en-US" dirty="0" smtClean="0">
+                <a:solidFill>
+                  <a:schemeClr val="bg1">
+                    <a:lumMod val="50000"/>
+                  </a:schemeClr>
+                </a:solidFill>
+              </a:rPr>
+              <a:t>[1 x 14]</a:t>
+            </a:r>
+            <a:endParaRPr lang="en-US" dirty="0">
+              <a:solidFill>
+                <a:schemeClr val="bg1">
+                  <a:lumMod val="50000"/>
+                </a:schemeClr>
+              </a:solidFill>
+            </a:endParaRPr>
+          </a:p>
+        </p:txBody>
+      </p:sp>
+      <p:sp>
+        <p:nvSpPr>
+          <p:cNvPr id="13" name="TextBox 12"/>
+          <p:cNvSpPr txBox="1"/>
+          <p:nvPr/>
+        </p:nvSpPr>
+        <p:spPr>
+          <a:xfrm>
+            <a:off x="6720913" y="2099462"/>
+            <a:ext cx="2329484" cy="646331"/>
+          </a:xfrm>
+          <a:prstGeom prst="rect">
+            <a:avLst/>
+          </a:prstGeom>
+          <a:noFill/>
+        </p:spPr>
+        <p:txBody>
+          <a:bodyPr wrap="none" rtlCol="0">
+            <a:spAutoFit/>
+          </a:bodyPr>
+          <a:lstStyle/>
+          <a:p>
+            <a:r>
+              <a:rPr lang="en-US" dirty="0" err="1" smtClean="0"/>
+              <a:t>Atchley</a:t>
+            </a:r>
+            <a:r>
+              <a:rPr lang="en-US" dirty="0" smtClean="0"/>
+              <a:t> Vectors:</a:t>
+            </a:r>
+          </a:p>
+          <a:p>
+            <a:r>
+              <a:rPr lang="en-US" dirty="0" smtClean="0"/>
+              <a:t>[1.4,-1.3,0.2,2.0,-1.8…]</a:t>
+            </a:r>
+            <a:endParaRPr lang="en-US" dirty="0"/>
+          </a:p>
+        </p:txBody>
+      </p:sp>
+      <p:cxnSp>
+        <p:nvCxnSpPr>
+          <p:cNvPr id="15" name="Straight Arrow Connector 14"/>
+          <p:cNvCxnSpPr>
+            <a:stCxn id="7" idx="3"/>
+            <a:endCxn id="13" idx="1"/>
+          </p:cNvCxnSpPr>
+          <p:nvPr/>
+        </p:nvCxnSpPr>
+        <p:spPr>
+          <a:xfrm flipV="1">
+            <a:off x="5481509" y="2422628"/>
+            <a:ext cx="1239404" cy="1"/>
+          </a:xfrm>
+          <a:prstGeom prst="straightConnector1">
+            <a:avLst/>
+          </a:prstGeom>
+          <a:ln>
+            <a:solidFill>
+              <a:schemeClr val="tx1"/>
+            </a:solidFill>
+            <a:tailEnd type="triangle"/>
+          </a:ln>
+        </p:spPr>
+        <p:style>
+          <a:lnRef idx="1">
+            <a:schemeClr val="accent1"/>
+          </a:lnRef>
+          <a:fillRef idx="0">
+            <a:schemeClr val="accent1"/>
+          </a:fillRef>
+          <a:effectRef idx="0">
+            <a:schemeClr val="accent1"/>
+          </a:effectRef>
+          <a:fontRef idx="minor">
+            <a:schemeClr val="tx1"/>
+          </a:fontRef>
+        </p:style>
+      </p:cxnSp>
+      <p:sp>
+        <p:nvSpPr>
+          <p:cNvPr id="16" name="TextBox 15"/>
+          <p:cNvSpPr txBox="1"/>
+          <p:nvPr/>
+        </p:nvSpPr>
+        <p:spPr>
+          <a:xfrm>
+            <a:off x="7193533" y="2743646"/>
+            <a:ext cx="1128083" cy="369332"/>
+          </a:xfrm>
+          <a:prstGeom prst="rect">
+            <a:avLst/>
+          </a:prstGeom>
+          <a:noFill/>
+        </p:spPr>
+        <p:txBody>
+          <a:bodyPr wrap="square" rtlCol="0">
+            <a:spAutoFit/>
+          </a:bodyPr>
+          <a:lstStyle/>
+          <a:p>
+            <a:r>
+              <a:rPr lang="en-US" dirty="0" smtClean="0">
+                <a:solidFill>
+                  <a:schemeClr val="bg1">
+                    <a:lumMod val="50000"/>
+                  </a:schemeClr>
+                </a:solidFill>
+              </a:rPr>
+              <a:t>[1 x 70]</a:t>
+            </a:r>
+            <a:endParaRPr lang="en-US" dirty="0">
+              <a:solidFill>
+                <a:schemeClr val="bg1">
+                  <a:lumMod val="50000"/>
+                </a:schemeClr>
+              </a:solidFill>
+            </a:endParaRPr>
+          </a:p>
+        </p:txBody>
+      </p:sp>
+      <p:sp>
+        <p:nvSpPr>
+          <p:cNvPr id="17" name="Rectangle 16"/>
+          <p:cNvSpPr/>
+          <p:nvPr/>
+        </p:nvSpPr>
+        <p:spPr>
+          <a:xfrm>
+            <a:off x="997527" y="1745673"/>
+            <a:ext cx="8603673" cy="1735282"/>
+          </a:xfrm>
+          <a:prstGeom prst="rect">
+            <a:avLst/>
+          </a:prstGeom>
+          <a:noFill/>
+          <a:ln>
+            <a:solidFill>
+              <a:schemeClr val="accent1">
+                <a:lumMod val="50000"/>
+              </a:schemeClr>
+            </a:solidFill>
+          </a:ln>
+        </p:spPr>
+        <p:style>
+          <a:lnRef idx="2">
+            <a:schemeClr val="accent1">
+              <a:shade val="50000"/>
+            </a:schemeClr>
+          </a:lnRef>
+          <a:fillRef idx="1">
+            <a:schemeClr val="accent1"/>
+          </a:fillRef>
+          <a:effectRef idx="0">
+            <a:schemeClr val="accent1"/>
+          </a:effectRef>
+          <a:fontRef idx="minor">
+            <a:schemeClr val="lt1"/>
+          </a:fontRef>
+        </p:style>
+        <p:txBody>
+          <a:bodyPr rtlCol="0" anchor="b"/>
+          <a:lstStyle/>
+          <a:p>
+            <a:r>
+              <a:rPr lang="en-US" dirty="0" smtClean="0">
+                <a:solidFill>
+                  <a:schemeClr val="accent5">
+                    <a:lumMod val="50000"/>
+                  </a:schemeClr>
+                </a:solidFill>
+              </a:rPr>
+              <a:t>Li Method, using length 14 as example</a:t>
+            </a:r>
+            <a:endParaRPr lang="en-US" dirty="0">
+              <a:solidFill>
+                <a:schemeClr val="accent5">
+                  <a:lumMod val="50000"/>
+                </a:schemeClr>
+              </a:solidFill>
+            </a:endParaRPr>
+          </a:p>
+        </p:txBody>
+      </p:sp>
+      <p:sp>
+        <p:nvSpPr>
+          <p:cNvPr id="2" name="TextBox 1"/>
+          <p:cNvSpPr txBox="1"/>
+          <p:nvPr/>
+        </p:nvSpPr>
+        <p:spPr>
+          <a:xfrm>
+            <a:off x="1101436" y="3757161"/>
+            <a:ext cx="8221362" cy="1569660"/>
+          </a:xfrm>
+          <a:prstGeom prst="rect">
+            <a:avLst/>
+          </a:prstGeom>
+          <a:noFill/>
+        </p:spPr>
+        <p:txBody>
+          <a:bodyPr wrap="square" rtlCol="0">
+            <a:spAutoFit/>
+          </a:bodyPr>
+          <a:lstStyle/>
+          <a:p>
+            <a:pPr marL="285750" indent="-285750">
+              <a:buFontTx/>
+              <a:buChar char="-"/>
+            </a:pPr>
+            <a:r>
+              <a:rPr lang="en-US" sz="1600" dirty="0" smtClean="0"/>
+              <a:t>This method is essentially binning sequences by length for ease</a:t>
+            </a:r>
+          </a:p>
+          <a:p>
+            <a:pPr marL="285750" indent="-285750">
+              <a:buFontTx/>
+              <a:buChar char="-"/>
+            </a:pPr>
+            <a:r>
+              <a:rPr lang="en-US" sz="1600" dirty="0" smtClean="0"/>
+              <a:t>Then replacing each amino acid with its corresponding 5-dim </a:t>
+            </a:r>
+            <a:r>
+              <a:rPr lang="en-US" sz="1600" dirty="0" err="1" smtClean="0"/>
+              <a:t>Atchley</a:t>
+            </a:r>
+            <a:r>
+              <a:rPr lang="en-US" sz="1600" dirty="0" smtClean="0"/>
+              <a:t> Vector and flattening it to length by five dimensions</a:t>
+            </a:r>
+          </a:p>
+          <a:p>
+            <a:pPr marL="285750" indent="-285750">
+              <a:buFontTx/>
+              <a:buChar char="-"/>
+            </a:pPr>
+            <a:endParaRPr lang="en-US" sz="1600" dirty="0" smtClean="0"/>
+          </a:p>
+          <a:p>
+            <a:pPr marL="285750" indent="-285750">
+              <a:buFontTx/>
+              <a:buChar char="-"/>
+            </a:pPr>
+            <a:endParaRPr lang="en-US" sz="1600" dirty="0" smtClean="0"/>
+          </a:p>
+          <a:p>
+            <a:pPr marL="285750" indent="-285750">
+              <a:buFontTx/>
+              <a:buChar char="-"/>
+            </a:pPr>
+            <a:endParaRPr lang="en-US" sz="1600" dirty="0"/>
+          </a:p>
+        </p:txBody>
+      </p:sp>
+    </p:spTree>
+    <p:extLst>
+      <p:ext uri="{BB962C8B-B14F-4D97-AF65-F5344CB8AC3E}">
+        <p14:creationId xmlns:p14="http://schemas.microsoft.com/office/powerpoint/2010/main" val="384095646"/>
+      </p:ext>
+    </p:extLst>
+  </p:cSld>
+  <p:clrMapOvr>
+    <a:masterClrMapping/>
+  </p:clrMapOvr>
+  <p:timing>
+    <p:tnLst>
+      <p:par>
+        <p:cTn id="1" dur="indefinite" restart="never" nodeType="tmRoot"/>
+      </p:par>
+    </p:tnLst>
+  </p:timing>
+</p:sld>
+</file>
+
+<file path=ppt/slides/slide6.xml><?xml version="1.0" encoding="utf-8"?>
+<p:sld xmlns:a="http://schemas.openxmlformats.org/drawingml/2006/main" xmlns:r="http://schemas.openxmlformats.org/officeDocument/2006/relationships" xmlns:p="http://schemas.openxmlformats.org/presentationml/2006/main">
+  <p:cSld>
+    <p:spTree>
+      <p:nvGrpSpPr>
+        <p:cNvPr id="1" name=""/>
+        <p:cNvGrpSpPr/>
+        <p:nvPr/>
+      </p:nvGrpSpPr>
+      <p:grpSpPr>
+        <a:xfrm>
+          <a:off x="0" y="0"/>
+          <a:ext cx="0" cy="0"/>
+          <a:chOff x="0" y="0"/>
+          <a:chExt cx="0" cy="0"/>
+        </a:xfrm>
+      </p:grpSpPr>
+      <p:sp>
+        <p:nvSpPr>
+          <p:cNvPr id="6" name="TextBox 5"/>
+          <p:cNvSpPr txBox="1"/>
+          <p:nvPr/>
+        </p:nvSpPr>
+        <p:spPr>
+          <a:xfrm>
+            <a:off x="1101435" y="685800"/>
+            <a:ext cx="4253159" cy="400110"/>
+          </a:xfrm>
+          <a:prstGeom prst="rect">
+            <a:avLst/>
+          </a:prstGeom>
+          <a:noFill/>
+        </p:spPr>
+        <p:txBody>
+          <a:bodyPr wrap="square" rtlCol="0">
+            <a:spAutoFit/>
+          </a:bodyPr>
+          <a:lstStyle/>
+          <a:p>
+            <a:r>
+              <a:rPr lang="en-US" sz="2000" b="1" dirty="0" smtClean="0"/>
+              <a:t>Li et al. SVM Classification</a:t>
+            </a:r>
+            <a:endParaRPr lang="en-US" sz="2000" b="1" dirty="0"/>
+          </a:p>
+        </p:txBody>
+      </p:sp>
+      <p:sp>
+        <p:nvSpPr>
+          <p:cNvPr id="2" name="TextBox 1"/>
+          <p:cNvSpPr txBox="1"/>
+          <p:nvPr/>
+        </p:nvSpPr>
+        <p:spPr>
+          <a:xfrm>
+            <a:off x="1101435" y="1085910"/>
+            <a:ext cx="8221362" cy="1815882"/>
+          </a:xfrm>
+          <a:prstGeom prst="rect">
+            <a:avLst/>
+          </a:prstGeom>
+          <a:noFill/>
+        </p:spPr>
+        <p:txBody>
+          <a:bodyPr wrap="square" rtlCol="0">
+            <a:spAutoFit/>
+          </a:bodyPr>
+          <a:lstStyle/>
+          <a:p>
+            <a:pPr marL="285750" indent="-285750">
+              <a:buFontTx/>
+              <a:buChar char="-"/>
+            </a:pPr>
+            <a:r>
+              <a:rPr lang="en-US" sz="1600" dirty="0" smtClean="0"/>
+              <a:t>Tried the three different kernels mentioned previously and optimized with grid search or line search depending. The following are the search parameters where gamma is the width of the RBF: </a:t>
+            </a:r>
+          </a:p>
+          <a:p>
+            <a:pPr marL="742950" lvl="1" indent="-285750">
+              <a:buFontTx/>
+              <a:buChar char="-"/>
+            </a:pPr>
+            <a:r>
+              <a:rPr lang="en-US" sz="1600" dirty="0" smtClean="0"/>
+              <a:t>C: [0.01, 0.1, 1, 10, 100] </a:t>
+            </a:r>
+          </a:p>
+          <a:p>
+            <a:pPr marL="742950" lvl="1" indent="-285750">
+              <a:buFontTx/>
+              <a:buChar char="-"/>
+            </a:pPr>
+            <a:r>
+              <a:rPr lang="en-US" sz="1600" dirty="0" smtClean="0"/>
+              <a:t>gamma:[1e-5, 1e-4, 1e-3, 1e-2,</a:t>
+            </a:r>
+            <a:r>
+              <a:rPr lang="en-US" sz="1600" dirty="0"/>
+              <a:t> </a:t>
+            </a:r>
+            <a:r>
+              <a:rPr lang="en-US" sz="1600" dirty="0" smtClean="0"/>
+              <a:t>1e-1]</a:t>
+            </a:r>
+          </a:p>
+          <a:p>
+            <a:pPr marL="285750" indent="-285750">
+              <a:buFontTx/>
+              <a:buChar char="-"/>
+            </a:pPr>
+            <a:r>
+              <a:rPr lang="en-US" sz="1600" dirty="0" smtClean="0"/>
+              <a:t>Depending on results these were altered</a:t>
+            </a:r>
+          </a:p>
+          <a:p>
+            <a:pPr marL="285750" indent="-285750">
+              <a:buFontTx/>
+              <a:buChar char="-"/>
+            </a:pPr>
+            <a:r>
+              <a:rPr lang="en-US" sz="1600" dirty="0" smtClean="0"/>
+              <a:t>Length 14 Sequences are almost 1:1 in terms of class ratios</a:t>
+            </a:r>
+          </a:p>
+        </p:txBody>
+      </p:sp>
+      <p:graphicFrame>
+        <p:nvGraphicFramePr>
+          <p:cNvPr id="14" name="Table 13"/>
+          <p:cNvGraphicFramePr>
+            <a:graphicFrameLocks noGrp="1"/>
+          </p:cNvGraphicFramePr>
+          <p:nvPr>
+            <p:extLst>
+              <p:ext uri="{D42A27DB-BD31-4B8C-83A1-F6EECF244321}">
+                <p14:modId xmlns:p14="http://schemas.microsoft.com/office/powerpoint/2010/main" val="1669364939"/>
+              </p:ext>
+            </p:extLst>
+          </p:nvPr>
+        </p:nvGraphicFramePr>
+        <p:xfrm>
+          <a:off x="1101434" y="2901792"/>
+          <a:ext cx="10756979" cy="2307911"/>
+        </p:xfrm>
+        <a:graphic>
+          <a:graphicData uri="http://schemas.openxmlformats.org/drawingml/2006/table">
+            <a:tbl>
+              <a:tblPr firstRow="1" bandRow="1">
+                <a:tableStyleId>{073A0DAA-6AF3-43AB-8588-CEC1D06C72B9}</a:tableStyleId>
+              </a:tblPr>
+              <a:tblGrid>
+                <a:gridCol w="1600651"/>
+                <a:gridCol w="1701165"/>
+                <a:gridCol w="3266072"/>
+                <a:gridCol w="4189091"/>
+              </a:tblGrid>
+              <a:tr h="695687">
+                <a:tc>
+                  <a:txBody>
+                    <a:bodyPr/>
+                    <a:lstStyle/>
+                    <a:p>
+                      <a:r>
+                        <a:rPr lang="en-US" dirty="0" smtClean="0"/>
+                        <a:t>Seq. Length</a:t>
+                      </a:r>
+                      <a:endParaRPr lang="en-US" dirty="0"/>
+                    </a:p>
+                  </a:txBody>
+                  <a:tcPr/>
+                </a:tc>
+                <a:tc>
+                  <a:txBody>
+                    <a:bodyPr/>
+                    <a:lstStyle/>
+                    <a:p>
+                      <a:r>
+                        <a:rPr lang="en-US" dirty="0" smtClean="0"/>
+                        <a:t>Method/Kernel</a:t>
+                      </a:r>
+                      <a:endParaRPr lang="en-US" dirty="0"/>
+                    </a:p>
+                  </a:txBody>
+                  <a:tcPr/>
+                </a:tc>
+                <a:tc>
+                  <a:txBody>
+                    <a:bodyPr/>
+                    <a:lstStyle/>
+                    <a:p>
+                      <a:r>
+                        <a:rPr lang="en-US" dirty="0" smtClean="0"/>
+                        <a:t>Best Parameters</a:t>
+                      </a:r>
+                      <a:endParaRPr lang="en-US" dirty="0"/>
+                    </a:p>
+                  </a:txBody>
+                  <a:tcPr/>
+                </a:tc>
+                <a:tc>
+                  <a:txBody>
+                    <a:bodyPr/>
+                    <a:lstStyle/>
+                    <a:p>
+                      <a:r>
+                        <a:rPr lang="en-US" dirty="0" smtClean="0"/>
+                        <a:t>Test Accuracy</a:t>
+                      </a:r>
+                      <a:endParaRPr lang="en-US" dirty="0"/>
+                    </a:p>
+                  </a:txBody>
+                  <a:tcPr/>
+                </a:tc>
+              </a:tr>
+              <a:tr h="403056">
+                <a:tc>
+                  <a:txBody>
+                    <a:bodyPr/>
+                    <a:lstStyle/>
+                    <a:p>
+                      <a:r>
+                        <a:rPr lang="en-US" dirty="0" smtClean="0"/>
+                        <a:t>14</a:t>
+                      </a:r>
+                      <a:endParaRPr lang="en-US" dirty="0"/>
+                    </a:p>
+                  </a:txBody>
+                  <a:tcPr/>
+                </a:tc>
+                <a:tc>
+                  <a:txBody>
+                    <a:bodyPr/>
+                    <a:lstStyle/>
+                    <a:p>
+                      <a:r>
+                        <a:rPr lang="en-US" baseline="0" dirty="0" smtClean="0"/>
+                        <a:t> Linear</a:t>
+                      </a:r>
+                      <a:endParaRPr lang="en-US" dirty="0"/>
+                    </a:p>
+                  </a:txBody>
+                  <a:tcPr/>
+                </a:tc>
+                <a:tc>
+                  <a:txBody>
+                    <a:bodyPr/>
+                    <a:lstStyle/>
+                    <a:p>
+                      <a:r>
+                        <a:rPr lang="en-US" dirty="0" smtClean="0"/>
+                        <a:t>C=10</a:t>
+                      </a:r>
+                      <a:endParaRPr lang="en-US" dirty="0"/>
+                    </a:p>
+                  </a:txBody>
+                  <a:tcPr/>
+                </a:tc>
+                <a:tc>
+                  <a:txBody>
+                    <a:bodyPr/>
+                    <a:lstStyle/>
+                    <a:p>
+                      <a:r>
+                        <a:rPr lang="en-US" dirty="0" smtClean="0"/>
+                        <a:t>59.6%</a:t>
+                      </a:r>
+                      <a:endParaRPr lang="en-US" dirty="0"/>
+                    </a:p>
+                  </a:txBody>
+                  <a:tcPr/>
+                </a:tc>
+              </a:tr>
+              <a:tr h="403056">
+                <a:tc>
+                  <a:txBody>
+                    <a:bodyPr/>
+                    <a:lstStyle/>
+                    <a:p>
+                      <a:r>
+                        <a:rPr lang="en-US" dirty="0" smtClean="0"/>
+                        <a:t>14</a:t>
+                      </a:r>
+                      <a:endParaRPr lang="en-US" dirty="0"/>
+                    </a:p>
+                  </a:txBody>
+                  <a:tcPr/>
+                </a:tc>
+                <a:tc>
+                  <a:txBody>
+                    <a:bodyPr/>
+                    <a:lstStyle/>
+                    <a:p>
+                      <a:r>
+                        <a:rPr lang="en-US" baseline="0" dirty="0" smtClean="0"/>
+                        <a:t> Poly, n=3</a:t>
+                      </a:r>
+                      <a:endParaRPr lang="en-US" dirty="0"/>
+                    </a:p>
+                  </a:txBody>
+                  <a:tcPr/>
+                </a:tc>
+                <a:tc>
+                  <a:txBody>
+                    <a:bodyPr/>
+                    <a:lstStyle/>
+                    <a:p>
+                      <a:r>
+                        <a:rPr lang="en-US" dirty="0" smtClean="0"/>
+                        <a:t>C=1,</a:t>
+                      </a:r>
+                      <a:r>
+                        <a:rPr lang="en-US" baseline="0" dirty="0" smtClean="0"/>
+                        <a:t> gamma=0.05</a:t>
+                      </a:r>
+                      <a:endParaRPr lang="en-US" dirty="0"/>
+                    </a:p>
+                  </a:txBody>
+                  <a:tcPr/>
+                </a:tc>
+                <a:tc>
+                  <a:txBody>
+                    <a:bodyPr/>
+                    <a:lstStyle/>
+                    <a:p>
+                      <a:r>
+                        <a:rPr lang="en-US" dirty="0" smtClean="0"/>
+                        <a:t>58.8%</a:t>
+                      </a:r>
+                      <a:endParaRPr lang="en-US" dirty="0"/>
+                    </a:p>
+                  </a:txBody>
+                  <a:tcPr/>
+                </a:tc>
+              </a:tr>
+              <a:tr h="403056">
+                <a:tc>
+                  <a:txBody>
+                    <a:bodyPr/>
+                    <a:lstStyle/>
+                    <a:p>
+                      <a:r>
+                        <a:rPr lang="en-US" dirty="0" smtClean="0"/>
+                        <a:t>14</a:t>
+                      </a:r>
+                      <a:endParaRPr lang="en-US" dirty="0"/>
+                    </a:p>
+                  </a:txBody>
+                  <a:tcPr/>
+                </a:tc>
+                <a:tc>
+                  <a:txBody>
+                    <a:bodyPr/>
+                    <a:lstStyle/>
+                    <a:p>
+                      <a:r>
+                        <a:rPr lang="en-US" dirty="0" smtClean="0"/>
+                        <a:t> RBF</a:t>
+                      </a:r>
+                      <a:r>
+                        <a:rPr lang="en-US" baseline="0" dirty="0" smtClean="0"/>
+                        <a:t> </a:t>
+                      </a:r>
+                      <a:endParaRPr lang="en-US" dirty="0"/>
+                    </a:p>
+                  </a:txBody>
+                  <a:tcPr/>
+                </a:tc>
+                <a:tc>
+                  <a:txBody>
+                    <a:bodyPr/>
+                    <a:lstStyle/>
+                    <a:p>
+                      <a:r>
+                        <a:rPr lang="en-US" dirty="0" smtClean="0"/>
+                        <a:t>C=10, gamma =0.001</a:t>
+                      </a:r>
+                      <a:endParaRPr lang="en-US" dirty="0"/>
+                    </a:p>
+                  </a:txBody>
+                  <a:tcPr/>
+                </a:tc>
+                <a:tc>
+                  <a:txBody>
+                    <a:bodyPr/>
+                    <a:lstStyle/>
+                    <a:p>
+                      <a:r>
+                        <a:rPr lang="en-US" dirty="0" smtClean="0"/>
+                        <a:t>60.5%</a:t>
+                      </a:r>
+                      <a:endParaRPr lang="en-US" dirty="0"/>
+                    </a:p>
+                  </a:txBody>
+                  <a:tcPr/>
+                </a:tc>
+              </a:tr>
+              <a:tr h="403056">
+                <a:tc>
+                  <a:txBody>
+                    <a:bodyPr/>
+                    <a:lstStyle/>
+                    <a:p>
+                      <a:r>
+                        <a:rPr lang="en-US" dirty="0" smtClean="0"/>
+                        <a:t>14</a:t>
+                      </a:r>
+                      <a:endParaRPr lang="en-US" dirty="0"/>
+                    </a:p>
+                  </a:txBody>
+                  <a:tcPr/>
+                </a:tc>
+                <a:tc>
+                  <a:txBody>
+                    <a:bodyPr/>
+                    <a:lstStyle/>
+                    <a:p>
+                      <a:r>
+                        <a:rPr lang="en-US" baseline="0" dirty="0" smtClean="0"/>
+                        <a:t> Deep NN</a:t>
+                      </a:r>
+                      <a:endParaRPr lang="en-US" dirty="0"/>
+                    </a:p>
+                  </a:txBody>
+                  <a:tcPr/>
+                </a:tc>
+                <a:tc>
+                  <a:txBody>
+                    <a:bodyPr/>
+                    <a:lstStyle/>
+                    <a:p>
+                      <a:r>
+                        <a:rPr lang="en-US" dirty="0" smtClean="0"/>
+                        <a:t>Batch=64, Learning Rate=0.001</a:t>
+                      </a:r>
+                      <a:endParaRPr lang="en-US" dirty="0"/>
+                    </a:p>
+                  </a:txBody>
+                  <a:tcPr/>
+                </a:tc>
+                <a:tc>
+                  <a:txBody>
+                    <a:bodyPr/>
+                    <a:lstStyle/>
+                    <a:p>
+                      <a:r>
+                        <a:rPr lang="en-US" dirty="0" smtClean="0"/>
+                        <a:t>63.2%</a:t>
+                      </a:r>
+                      <a:endParaRPr lang="en-US" dirty="0"/>
+                    </a:p>
+                  </a:txBody>
+                  <a:tcPr/>
+                </a:tc>
+              </a:tr>
+            </a:tbl>
+          </a:graphicData>
+        </a:graphic>
+      </p:graphicFrame>
+    </p:spTree>
+    <p:extLst>
+      <p:ext uri="{BB962C8B-B14F-4D97-AF65-F5344CB8AC3E}">
+        <p14:creationId xmlns:p14="http://schemas.microsoft.com/office/powerpoint/2010/main" val="2944068411"/>
+      </p:ext>
+    </p:extLst>
+  </p:cSld>
+  <p:clrMapOvr>
+    <a:masterClrMapping/>
+  </p:clrMapOvr>
+  <p:timing>
+    <p:tnLst>
+      <p:par>
+        <p:cTn id="1" dur="indefinite" restart="never" nodeType="tmRoot"/>
+      </p:par>
+    </p:tnLst>
+  </p:timing>
+</p:sld>
+</file>
+
+<file path=ppt/slides/slide7.xml><?xml version="1.0" encoding="utf-8"?>
+<p:sld xmlns:a="http://schemas.openxmlformats.org/drawingml/2006/main" xmlns:r="http://schemas.openxmlformats.org/officeDocument/2006/relationships" xmlns:p="http://schemas.openxmlformats.org/presentationml/2006/main">
+  <p:cSld>
+    <p:spTree>
+      <p:nvGrpSpPr>
+        <p:cNvPr id="1" name=""/>
+        <p:cNvGrpSpPr/>
+        <p:nvPr/>
+      </p:nvGrpSpPr>
+      <p:grpSpPr>
+        <a:xfrm>
+          <a:off x="0" y="0"/>
+          <a:ext cx="0" cy="0"/>
+          <a:chOff x="0" y="0"/>
+          <a:chExt cx="0" cy="0"/>
+        </a:xfrm>
+      </p:grpSpPr>
+      <p:sp>
+        <p:nvSpPr>
+          <p:cNvPr id="6" name="TextBox 5"/>
+          <p:cNvSpPr txBox="1"/>
+          <p:nvPr/>
+        </p:nvSpPr>
+        <p:spPr>
+          <a:xfrm>
+            <a:off x="1101435" y="685800"/>
+            <a:ext cx="4253159" cy="400110"/>
+          </a:xfrm>
+          <a:prstGeom prst="rect">
+            <a:avLst/>
+          </a:prstGeom>
+          <a:noFill/>
+        </p:spPr>
+        <p:txBody>
+          <a:bodyPr wrap="square" rtlCol="0">
+            <a:spAutoFit/>
+          </a:bodyPr>
+          <a:lstStyle/>
+          <a:p>
+            <a:r>
+              <a:rPr lang="en-US" sz="2000" b="1" dirty="0" smtClean="0"/>
+              <a:t>Li et al. NN Classification</a:t>
+            </a:r>
+            <a:endParaRPr lang="en-US" sz="2000" b="1" dirty="0"/>
+          </a:p>
+        </p:txBody>
+      </p:sp>
+      <p:sp>
+        <p:nvSpPr>
+          <p:cNvPr id="2" name="TextBox 1"/>
+          <p:cNvSpPr txBox="1"/>
+          <p:nvPr/>
+        </p:nvSpPr>
+        <p:spPr>
+          <a:xfrm>
+            <a:off x="1101435" y="1085910"/>
+            <a:ext cx="8221362" cy="1815882"/>
+          </a:xfrm>
+          <a:prstGeom prst="rect">
+            <a:avLst/>
+          </a:prstGeom>
+          <a:noFill/>
+        </p:spPr>
+        <p:txBody>
+          <a:bodyPr wrap="square" rtlCol="0">
+            <a:spAutoFit/>
+          </a:bodyPr>
+          <a:lstStyle/>
+          <a:p>
+            <a:pPr marL="285750" indent="-285750">
+              <a:buFontTx/>
+              <a:buChar char="-"/>
+            </a:pPr>
+            <a:r>
+              <a:rPr lang="en-US" sz="1600" dirty="0" smtClean="0"/>
+              <a:t>Four layers of sizes 48, 24, 12, 6 and finally one output node</a:t>
+            </a:r>
+          </a:p>
+          <a:p>
+            <a:pPr marL="742950" lvl="1" indent="-285750">
+              <a:buFontTx/>
+              <a:buChar char="-"/>
+            </a:pPr>
+            <a:r>
+              <a:rPr lang="en-US" sz="1600" dirty="0" smtClean="0"/>
+              <a:t>Weights are Xavier initialized and </a:t>
+            </a:r>
+            <a:r>
+              <a:rPr lang="en-US" sz="1600" dirty="0" err="1" smtClean="0"/>
+              <a:t>Bias’</a:t>
+            </a:r>
+            <a:r>
+              <a:rPr lang="en-US" sz="1600" dirty="0" smtClean="0"/>
+              <a:t> are zero initialized</a:t>
+            </a:r>
+          </a:p>
+          <a:p>
+            <a:pPr marL="285750" indent="-285750">
+              <a:buFontTx/>
+              <a:buChar char="-"/>
+            </a:pPr>
+            <a:r>
+              <a:rPr lang="en-US" sz="1600" dirty="0" smtClean="0"/>
+              <a:t>Each layer has an ELU non-linearity and the output node is a sigmoid</a:t>
+            </a:r>
+          </a:p>
+          <a:p>
+            <a:pPr marL="285750" indent="-285750">
+              <a:buFontTx/>
+              <a:buChar char="-"/>
+            </a:pPr>
+            <a:r>
+              <a:rPr lang="en-US" sz="1600" dirty="0" smtClean="0"/>
+              <a:t>Uses an Adam Optimizer with Cross Entropy loss</a:t>
+            </a:r>
+          </a:p>
+          <a:p>
+            <a:pPr marL="742950" lvl="1" indent="-285750">
+              <a:buFontTx/>
+              <a:buChar char="-"/>
+            </a:pPr>
+            <a:r>
+              <a:rPr lang="en-US" sz="1600" dirty="0" smtClean="0"/>
+              <a:t>Gradient clipping to norm of 5 and an exponential decay of learning rate of 0.99 every epoch</a:t>
+            </a:r>
+          </a:p>
+          <a:p>
+            <a:pPr marL="285750" indent="-285750">
+              <a:buFontTx/>
+              <a:buChar char="-"/>
+            </a:pPr>
+            <a:r>
+              <a:rPr lang="en-US" sz="1600" dirty="0" smtClean="0"/>
+              <a:t>Early stopping was performed based on manual heuristics</a:t>
+            </a:r>
+          </a:p>
+        </p:txBody>
+      </p:sp>
+      <p:graphicFrame>
+        <p:nvGraphicFramePr>
+          <p:cNvPr id="14" name="Table 13"/>
+          <p:cNvGraphicFramePr>
+            <a:graphicFrameLocks noGrp="1"/>
+          </p:cNvGraphicFramePr>
+          <p:nvPr>
+            <p:extLst>
+              <p:ext uri="{D42A27DB-BD31-4B8C-83A1-F6EECF244321}">
+                <p14:modId xmlns:p14="http://schemas.microsoft.com/office/powerpoint/2010/main" val="1637079608"/>
+              </p:ext>
+            </p:extLst>
+          </p:nvPr>
+        </p:nvGraphicFramePr>
+        <p:xfrm>
+          <a:off x="1101435" y="3025360"/>
+          <a:ext cx="10756979" cy="2710967"/>
+        </p:xfrm>
+        <a:graphic>
+          <a:graphicData uri="http://schemas.openxmlformats.org/drawingml/2006/table">
+            <a:tbl>
+              <a:tblPr firstRow="1" bandRow="1">
+                <a:tableStyleId>{073A0DAA-6AF3-43AB-8588-CEC1D06C72B9}</a:tableStyleId>
+              </a:tblPr>
+              <a:tblGrid>
+                <a:gridCol w="1600651"/>
+                <a:gridCol w="1701165"/>
+                <a:gridCol w="3266072"/>
+                <a:gridCol w="4189091"/>
+              </a:tblGrid>
+              <a:tr h="695687">
+                <a:tc>
+                  <a:txBody>
+                    <a:bodyPr/>
+                    <a:lstStyle/>
+                    <a:p>
+                      <a:r>
+                        <a:rPr lang="en-US" dirty="0" smtClean="0"/>
+                        <a:t>Seq. Length</a:t>
+                      </a:r>
+                      <a:endParaRPr lang="en-US" dirty="0"/>
+                    </a:p>
+                  </a:txBody>
+                  <a:tcPr/>
+                </a:tc>
+                <a:tc>
+                  <a:txBody>
+                    <a:bodyPr/>
+                    <a:lstStyle/>
+                    <a:p>
+                      <a:r>
+                        <a:rPr lang="en-US" dirty="0" smtClean="0"/>
+                        <a:t>Method/Kernel</a:t>
+                      </a:r>
+                      <a:endParaRPr lang="en-US" dirty="0"/>
+                    </a:p>
+                  </a:txBody>
+                  <a:tcPr/>
+                </a:tc>
+                <a:tc>
+                  <a:txBody>
+                    <a:bodyPr/>
+                    <a:lstStyle/>
+                    <a:p>
+                      <a:r>
+                        <a:rPr lang="en-US" dirty="0" smtClean="0"/>
+                        <a:t>Best Parameters</a:t>
+                      </a:r>
+                      <a:endParaRPr lang="en-US" dirty="0"/>
+                    </a:p>
+                  </a:txBody>
+                  <a:tcPr/>
+                </a:tc>
+                <a:tc>
+                  <a:txBody>
+                    <a:bodyPr/>
+                    <a:lstStyle/>
+                    <a:p>
+                      <a:r>
+                        <a:rPr lang="en-US" dirty="0" smtClean="0"/>
+                        <a:t>Test Accuracy</a:t>
+                      </a:r>
+                      <a:endParaRPr lang="en-US" dirty="0"/>
+                    </a:p>
+                  </a:txBody>
+                  <a:tcPr/>
+                </a:tc>
+              </a:tr>
+              <a:tr h="403056">
+                <a:tc>
+                  <a:txBody>
+                    <a:bodyPr/>
+                    <a:lstStyle/>
+                    <a:p>
+                      <a:r>
+                        <a:rPr lang="en-US" dirty="0" smtClean="0"/>
+                        <a:t>10</a:t>
+                      </a:r>
+                      <a:endParaRPr lang="en-US" dirty="0"/>
+                    </a:p>
+                  </a:txBody>
+                  <a:tcPr/>
+                </a:tc>
+                <a:tc>
+                  <a:txBody>
+                    <a:bodyPr/>
+                    <a:lstStyle/>
+                    <a:p>
+                      <a:r>
+                        <a:rPr lang="en-US" baseline="0" dirty="0" smtClean="0"/>
+                        <a:t> Deep NN</a:t>
+                      </a:r>
+                      <a:endParaRPr lang="en-US" dirty="0"/>
+                    </a:p>
+                  </a:txBody>
+                  <a:tcPr/>
+                </a:tc>
+                <a:tc>
+                  <a:txBody>
+                    <a:bodyPr/>
+                    <a:lstStyle/>
+                    <a:p>
+                      <a:r>
+                        <a:rPr lang="en-US" dirty="0" smtClean="0"/>
+                        <a:t>Batch=64, Learning Rate=0.01</a:t>
+                      </a:r>
+                      <a:endParaRPr lang="en-US" dirty="0"/>
+                    </a:p>
+                  </a:txBody>
+                  <a:tcPr/>
+                </a:tc>
+                <a:tc>
+                  <a:txBody>
+                    <a:bodyPr/>
+                    <a:lstStyle/>
+                    <a:p>
+                      <a:r>
+                        <a:rPr lang="en-US" dirty="0" smtClean="0"/>
+                        <a:t>69.6%</a:t>
+                      </a:r>
+                      <a:endParaRPr lang="en-US" dirty="0"/>
+                    </a:p>
+                  </a:txBody>
+                  <a:tcPr/>
+                </a:tc>
+              </a:tr>
+              <a:tr h="403056">
+                <a:tc>
+                  <a:txBody>
+                    <a:bodyPr/>
+                    <a:lstStyle/>
+                    <a:p>
+                      <a:r>
+                        <a:rPr lang="en-US" dirty="0" smtClean="0"/>
+                        <a:t>11</a:t>
+                      </a:r>
+                      <a:endParaRPr lang="en-US" dirty="0"/>
+                    </a:p>
+                  </a:txBody>
+                  <a:tcPr/>
+                </a:tc>
+                <a:tc>
+                  <a:txBody>
+                    <a:bodyPr/>
+                    <a:lstStyle/>
+                    <a:p>
+                      <a:r>
+                        <a:rPr lang="en-US" baseline="0" dirty="0" smtClean="0"/>
+                        <a:t> Deep NN</a:t>
+                      </a:r>
+                      <a:endParaRPr lang="en-US" dirty="0"/>
+                    </a:p>
+                  </a:txBody>
+                  <a:tcPr/>
+                </a:tc>
+                <a:tc>
+                  <a:txBody>
+                    <a:bodyPr/>
+                    <a:lstStyle/>
+                    <a:p>
+                      <a:r>
+                        <a:rPr lang="en-US" dirty="0" smtClean="0"/>
+                        <a:t>Batch=64, Learning Rate=0.01</a:t>
+                      </a:r>
+                      <a:endParaRPr lang="en-US" dirty="0"/>
+                    </a:p>
+                  </a:txBody>
+                  <a:tcPr/>
+                </a:tc>
+                <a:tc>
+                  <a:txBody>
+                    <a:bodyPr/>
+                    <a:lstStyle/>
+                    <a:p>
+                      <a:r>
+                        <a:rPr lang="en-US" dirty="0" smtClean="0"/>
+                        <a:t>68.9%</a:t>
+                      </a:r>
+                      <a:endParaRPr lang="en-US" dirty="0"/>
+                    </a:p>
+                  </a:txBody>
+                  <a:tcPr/>
+                </a:tc>
+              </a:tr>
+              <a:tr h="403056">
+                <a:tc>
+                  <a:txBody>
+                    <a:bodyPr/>
+                    <a:lstStyle/>
+                    <a:p>
+                      <a:r>
+                        <a:rPr lang="en-US" dirty="0" smtClean="0"/>
+                        <a:t>12</a:t>
+                      </a:r>
+                      <a:endParaRPr lang="en-US" dirty="0"/>
+                    </a:p>
+                  </a:txBody>
+                  <a:tcPr/>
+                </a:tc>
+                <a:tc>
+                  <a:txBody>
+                    <a:bodyPr/>
+                    <a:lstStyle/>
+                    <a:p>
+                      <a:r>
+                        <a:rPr lang="en-US" baseline="0" dirty="0" smtClean="0"/>
+                        <a:t> Deep NN</a:t>
+                      </a:r>
+                      <a:endParaRPr lang="en-US" dirty="0"/>
+                    </a:p>
+                  </a:txBody>
+                  <a:tcPr/>
+                </a:tc>
+                <a:tc>
+                  <a:txBody>
+                    <a:bodyPr/>
+                    <a:lstStyle/>
+                    <a:p>
+                      <a:r>
+                        <a:rPr lang="en-US" dirty="0" smtClean="0"/>
+                        <a:t>Batch=64, Learning Rate=0.01</a:t>
+                      </a:r>
+                      <a:endParaRPr lang="en-US" dirty="0"/>
+                    </a:p>
+                  </a:txBody>
+                  <a:tcPr/>
+                </a:tc>
+                <a:tc>
+                  <a:txBody>
+                    <a:bodyPr/>
+                    <a:lstStyle/>
+                    <a:p>
+                      <a:r>
+                        <a:rPr lang="en-US" dirty="0" smtClean="0"/>
+                        <a:t>62.8%</a:t>
+                      </a:r>
+                      <a:endParaRPr lang="en-US" dirty="0"/>
+                    </a:p>
+                  </a:txBody>
+                  <a:tcPr/>
+                </a:tc>
+              </a:tr>
+              <a:tr h="403056">
+                <a:tc>
+                  <a:txBody>
+                    <a:bodyPr/>
+                    <a:lstStyle/>
+                    <a:p>
+                      <a:r>
+                        <a:rPr lang="en-US" dirty="0" smtClean="0"/>
+                        <a:t>13</a:t>
+                      </a:r>
+                      <a:endParaRPr lang="en-US" dirty="0"/>
+                    </a:p>
+                  </a:txBody>
+                  <a:tcPr/>
+                </a:tc>
+                <a:tc>
+                  <a:txBody>
+                    <a:bodyPr/>
+                    <a:lstStyle/>
+                    <a:p>
+                      <a:r>
+                        <a:rPr lang="en-US" baseline="0" dirty="0" smtClean="0"/>
+                        <a:t> Deep NN</a:t>
+                      </a:r>
+                      <a:endParaRPr lang="en-US" dirty="0"/>
+                    </a:p>
+                  </a:txBody>
+                  <a:tcPr/>
+                </a:tc>
+                <a:tc>
+                  <a:txBody>
+                    <a:bodyPr/>
+                    <a:lstStyle/>
+                    <a:p>
+                      <a:r>
+                        <a:rPr lang="en-US" dirty="0" smtClean="0"/>
+                        <a:t>Batch=64, Learning Rate=0.01</a:t>
+                      </a:r>
+                      <a:endParaRPr lang="en-US" dirty="0"/>
+                    </a:p>
+                  </a:txBody>
+                  <a:tcPr/>
+                </a:tc>
+                <a:tc>
+                  <a:txBody>
+                    <a:bodyPr/>
+                    <a:lstStyle/>
+                    <a:p>
+                      <a:r>
+                        <a:rPr lang="en-US" dirty="0" smtClean="0"/>
+                        <a:t>62.1%</a:t>
+                      </a:r>
+                      <a:endParaRPr lang="en-US" dirty="0"/>
+                    </a:p>
+                  </a:txBody>
+                  <a:tcPr/>
+                </a:tc>
+              </a:tr>
+              <a:tr h="403056">
+                <a:tc>
+                  <a:txBody>
+                    <a:bodyPr/>
+                    <a:lstStyle/>
+                    <a:p>
+                      <a:r>
+                        <a:rPr lang="en-US" dirty="0" smtClean="0"/>
+                        <a:t>14</a:t>
+                      </a:r>
+                      <a:endParaRPr lang="en-US" dirty="0"/>
+                    </a:p>
+                  </a:txBody>
+                  <a:tcPr/>
+                </a:tc>
+                <a:tc>
+                  <a:txBody>
+                    <a:bodyPr/>
+                    <a:lstStyle/>
+                    <a:p>
+                      <a:r>
+                        <a:rPr lang="en-US" baseline="0" dirty="0" smtClean="0"/>
+                        <a:t> Deep NN</a:t>
+                      </a:r>
+                      <a:endParaRPr lang="en-US" dirty="0"/>
+                    </a:p>
+                  </a:txBody>
+                  <a:tcPr/>
+                </a:tc>
+                <a:tc>
+                  <a:txBody>
+                    <a:bodyPr/>
+                    <a:lstStyle/>
+                    <a:p>
+                      <a:r>
+                        <a:rPr lang="en-US" dirty="0" smtClean="0"/>
+                        <a:t>Batch=64, Learning Rate=0.01</a:t>
+                      </a:r>
+                      <a:endParaRPr lang="en-US" dirty="0"/>
+                    </a:p>
+                  </a:txBody>
+                  <a:tcPr/>
+                </a:tc>
+                <a:tc>
+                  <a:txBody>
+                    <a:bodyPr/>
+                    <a:lstStyle/>
+                    <a:p>
+                      <a:r>
+                        <a:rPr lang="en-US" dirty="0" smtClean="0"/>
+                        <a:t>63.2%</a:t>
+                      </a:r>
+                      <a:endParaRPr lang="en-US" dirty="0"/>
+                    </a:p>
+                  </a:txBody>
+                  <a:tcPr/>
+                </a:tc>
+              </a:tr>
+            </a:tbl>
+          </a:graphicData>
+        </a:graphic>
+      </p:graphicFrame>
+    </p:spTree>
+    <p:extLst>
+      <p:ext uri="{BB962C8B-B14F-4D97-AF65-F5344CB8AC3E}">
+        <p14:creationId xmlns:p14="http://schemas.microsoft.com/office/powerpoint/2010/main" val="430664500"/>
+      </p:ext>
+    </p:extLst>
+  </p:cSld>
+  <p:clrMapOvr>
+    <a:masterClrMapping/>
+  </p:clrMapOvr>
+  <p:timing>
+    <p:tnLst>
+      <p:par>
+        <p:cTn id="1" dur="indefinite" restart="never" nodeType="tmRoot"/>
+      </p:par>
+    </p:tnLst>
+  </p:timing>
+</p:sld>
+</file>
+
+<file path=ppt/slides/slide8.xml><?xml version="1.0" encoding="utf-8"?>
+<p:sld xmlns:a="http://schemas.openxmlformats.org/drawingml/2006/main" xmlns:r="http://schemas.openxmlformats.org/officeDocument/2006/relationships" xmlns:p="http://schemas.openxmlformats.org/presentationml/2006/main">
+  <p:cSld>
+    <p:spTree>
+      <p:nvGrpSpPr>
+        <p:cNvPr id="1" name=""/>
+        <p:cNvGrpSpPr/>
+        <p:nvPr/>
+      </p:nvGrpSpPr>
+      <p:grpSpPr>
+        <a:xfrm>
+          <a:off x="0" y="0"/>
+          <a:ext cx="0" cy="0"/>
+          <a:chOff x="0" y="0"/>
+          <a:chExt cx="0" cy="0"/>
+        </a:xfrm>
+      </p:grpSpPr>
+      <p:sp>
+        <p:nvSpPr>
+          <p:cNvPr id="6" name="TextBox 5"/>
+          <p:cNvSpPr txBox="1"/>
+          <p:nvPr/>
+        </p:nvSpPr>
+        <p:spPr>
+          <a:xfrm>
+            <a:off x="1101435" y="685800"/>
+            <a:ext cx="4961614" cy="400110"/>
+          </a:xfrm>
+          <a:prstGeom prst="rect">
+            <a:avLst/>
+          </a:prstGeom>
+          <a:noFill/>
+        </p:spPr>
+        <p:txBody>
+          <a:bodyPr wrap="square" rtlCol="0">
+            <a:spAutoFit/>
+          </a:bodyPr>
+          <a:lstStyle/>
+          <a:p>
+            <a:r>
+              <a:rPr lang="en-US" sz="2000" b="1" dirty="0" smtClean="0"/>
+              <a:t>Li et al</a:t>
+            </a:r>
+            <a:r>
+              <a:rPr lang="en-US" sz="2000" b="1" dirty="0" smtClean="0"/>
+              <a:t>. + </a:t>
+            </a:r>
+            <a:r>
+              <a:rPr lang="en-US" sz="2000" b="1" dirty="0" err="1" smtClean="0"/>
+              <a:t>AutoEncoder</a:t>
+            </a:r>
+            <a:r>
+              <a:rPr lang="en-US" sz="2000" b="1" dirty="0" smtClean="0"/>
+              <a:t>-SVM Classification</a:t>
+            </a:r>
+            <a:endParaRPr lang="en-US" sz="2000" b="1" dirty="0"/>
+          </a:p>
+        </p:txBody>
+      </p:sp>
+      <p:sp>
+        <p:nvSpPr>
+          <p:cNvPr id="2" name="TextBox 1"/>
+          <p:cNvSpPr txBox="1"/>
+          <p:nvPr/>
+        </p:nvSpPr>
+        <p:spPr>
+          <a:xfrm>
+            <a:off x="1101434" y="1085910"/>
+            <a:ext cx="9270003" cy="2062103"/>
+          </a:xfrm>
+          <a:prstGeom prst="rect">
+            <a:avLst/>
+          </a:prstGeom>
+          <a:noFill/>
+        </p:spPr>
+        <p:txBody>
+          <a:bodyPr wrap="square" rtlCol="0">
+            <a:spAutoFit/>
+          </a:bodyPr>
+          <a:lstStyle/>
+          <a:p>
+            <a:pPr marL="285750" indent="-285750">
+              <a:buFontTx/>
+              <a:buChar char="-"/>
+            </a:pPr>
+            <a:r>
+              <a:rPr lang="en-US" sz="1600" dirty="0" err="1" smtClean="0"/>
+              <a:t>AutoEncoder</a:t>
+            </a:r>
+            <a:r>
+              <a:rPr lang="en-US" sz="1600" dirty="0" smtClean="0"/>
+              <a:t> used a layers of sizes 64, 32, 16, 32, 64, </a:t>
+            </a:r>
+            <a:r>
+              <a:rPr lang="en-US" sz="1600" dirty="0" err="1" smtClean="0"/>
+              <a:t>input_size</a:t>
+            </a:r>
+            <a:r>
+              <a:rPr lang="en-US" sz="1600" dirty="0" smtClean="0"/>
+              <a:t>  </a:t>
+            </a:r>
+          </a:p>
+          <a:p>
+            <a:pPr marL="742950" lvl="1" indent="-285750">
+              <a:buFontTx/>
+              <a:buChar char="-"/>
+            </a:pPr>
+            <a:r>
+              <a:rPr lang="en-US" sz="1600" dirty="0" smtClean="0"/>
+              <a:t>The layer of size 16 is the bottleneck that will produce the final layer of the encoder</a:t>
+            </a:r>
+          </a:p>
+          <a:p>
+            <a:pPr marL="285750" indent="-285750">
+              <a:buFontTx/>
+              <a:buChar char="-"/>
+            </a:pPr>
+            <a:r>
+              <a:rPr lang="en-US" sz="1600" dirty="0" smtClean="0"/>
+              <a:t>All layers except the last with sigmoid non-</a:t>
+            </a:r>
+            <a:r>
+              <a:rPr lang="en-US" sz="1600" dirty="0" err="1" smtClean="0"/>
+              <a:t>linearities</a:t>
+            </a:r>
+            <a:endParaRPr lang="en-US" sz="1600" dirty="0" smtClean="0"/>
+          </a:p>
+          <a:p>
+            <a:pPr marL="285750" indent="-285750">
+              <a:buFontTx/>
+              <a:buChar char="-"/>
+            </a:pPr>
+            <a:r>
+              <a:rPr lang="en-US" sz="1600" dirty="0"/>
+              <a:t>After training the </a:t>
+            </a:r>
+            <a:r>
+              <a:rPr lang="en-US" sz="1600" dirty="0" err="1" smtClean="0"/>
+              <a:t>AutoEncoder</a:t>
+            </a:r>
+            <a:r>
+              <a:rPr lang="en-US" sz="1600" dirty="0" smtClean="0"/>
+              <a:t> </a:t>
+            </a:r>
+            <a:r>
+              <a:rPr lang="en-US" sz="1600" dirty="0" smtClean="0"/>
+              <a:t>with an Adam optimizer around squared loss it is run through an SVM</a:t>
+            </a:r>
+          </a:p>
+          <a:p>
+            <a:pPr marL="285750" indent="-285750">
+              <a:buFontTx/>
+              <a:buChar char="-"/>
+            </a:pPr>
+            <a:r>
+              <a:rPr lang="en-US" sz="1600" dirty="0" smtClean="0"/>
+              <a:t>After 500 epochs it can generally reduce squared error to 0.109 and the decoded outputs look very similar to the inputs suggesting that the </a:t>
+            </a:r>
+            <a:r>
+              <a:rPr lang="en-US" sz="1600" dirty="0" err="1" smtClean="0"/>
+              <a:t>AutoEncoder</a:t>
+            </a:r>
+            <a:r>
+              <a:rPr lang="en-US" sz="1600" dirty="0" smtClean="0"/>
+              <a:t> compression is effective.</a:t>
+            </a:r>
+          </a:p>
+          <a:p>
+            <a:pPr marL="285750" indent="-285750">
+              <a:buFontTx/>
+              <a:buChar char="-"/>
+            </a:pPr>
+            <a:r>
+              <a:rPr lang="en-US" sz="1600" dirty="0" smtClean="0"/>
+              <a:t>AE used batch of 128 and a learning rate of 0.001. The SVM used a C value of  and gamma value of </a:t>
+            </a:r>
+            <a:endParaRPr lang="en-US" sz="1600" dirty="0" smtClean="0"/>
+          </a:p>
+          <a:p>
+            <a:pPr marL="285750" indent="-285750">
+              <a:buFontTx/>
+              <a:buChar char="-"/>
+            </a:pPr>
+            <a:r>
+              <a:rPr lang="en-US" sz="1600" dirty="0" smtClean="0"/>
+              <a:t>Input size is Seq. Length times five so it is interesting how compressible this is. </a:t>
+            </a:r>
+            <a:endParaRPr lang="en-US" sz="1600" dirty="0" smtClean="0"/>
+          </a:p>
+        </p:txBody>
+      </p:sp>
+      <p:graphicFrame>
+        <p:nvGraphicFramePr>
+          <p:cNvPr id="14" name="Table 13"/>
+          <p:cNvGraphicFramePr>
+            <a:graphicFrameLocks noGrp="1"/>
+          </p:cNvGraphicFramePr>
+          <p:nvPr>
+            <p:extLst>
+              <p:ext uri="{D42A27DB-BD31-4B8C-83A1-F6EECF244321}">
+                <p14:modId xmlns:p14="http://schemas.microsoft.com/office/powerpoint/2010/main" val="1271300999"/>
+              </p:ext>
+            </p:extLst>
+          </p:nvPr>
+        </p:nvGraphicFramePr>
+        <p:xfrm>
+          <a:off x="1101434" y="3301902"/>
+          <a:ext cx="10183698" cy="2710967"/>
+        </p:xfrm>
+        <a:graphic>
+          <a:graphicData uri="http://schemas.openxmlformats.org/drawingml/2006/table">
+            <a:tbl>
+              <a:tblPr firstRow="1" bandRow="1">
+                <a:tableStyleId>{073A0DAA-6AF3-43AB-8588-CEC1D06C72B9}</a:tableStyleId>
+              </a:tblPr>
+              <a:tblGrid>
+                <a:gridCol w="1650083"/>
+                <a:gridCol w="1753702"/>
+                <a:gridCol w="2461451"/>
+                <a:gridCol w="4318462"/>
+              </a:tblGrid>
+              <a:tr h="695687">
+                <a:tc>
+                  <a:txBody>
+                    <a:bodyPr/>
+                    <a:lstStyle/>
+                    <a:p>
+                      <a:r>
+                        <a:rPr lang="en-US" dirty="0" smtClean="0"/>
+                        <a:t>Seq. Length</a:t>
+                      </a:r>
+                      <a:endParaRPr lang="en-US" dirty="0"/>
+                    </a:p>
+                  </a:txBody>
+                  <a:tcPr/>
+                </a:tc>
+                <a:tc>
+                  <a:txBody>
+                    <a:bodyPr/>
+                    <a:lstStyle/>
+                    <a:p>
+                      <a:r>
+                        <a:rPr lang="en-US" dirty="0" smtClean="0"/>
+                        <a:t>Method/Kernel</a:t>
+                      </a:r>
+                      <a:endParaRPr lang="en-US" dirty="0"/>
+                    </a:p>
+                  </a:txBody>
+                  <a:tcPr/>
+                </a:tc>
+                <a:tc>
+                  <a:txBody>
+                    <a:bodyPr/>
+                    <a:lstStyle/>
+                    <a:p>
+                      <a:r>
+                        <a:rPr lang="en-US" dirty="0" smtClean="0"/>
+                        <a:t>Parameters</a:t>
+                      </a:r>
+                      <a:endParaRPr lang="en-US" dirty="0"/>
+                    </a:p>
+                  </a:txBody>
+                  <a:tcPr/>
+                </a:tc>
+                <a:tc>
+                  <a:txBody>
+                    <a:bodyPr/>
+                    <a:lstStyle/>
+                    <a:p>
+                      <a:r>
+                        <a:rPr lang="en-US" dirty="0" smtClean="0"/>
+                        <a:t>Test Accuracy</a:t>
+                      </a:r>
+                      <a:endParaRPr lang="en-US" dirty="0"/>
+                    </a:p>
+                  </a:txBody>
+                  <a:tcPr/>
+                </a:tc>
+              </a:tr>
+              <a:tr h="403056">
+                <a:tc>
+                  <a:txBody>
+                    <a:bodyPr/>
+                    <a:lstStyle/>
+                    <a:p>
+                      <a:r>
+                        <a:rPr lang="en-US" dirty="0" smtClean="0"/>
+                        <a:t>10</a:t>
+                      </a:r>
+                      <a:endParaRPr lang="en-US" dirty="0"/>
+                    </a:p>
+                  </a:txBody>
+                  <a:tcPr/>
+                </a:tc>
+                <a:tc>
+                  <a:txBody>
+                    <a:bodyPr/>
+                    <a:lstStyle/>
+                    <a:p>
+                      <a:r>
+                        <a:rPr lang="en-US" baseline="0" dirty="0" smtClean="0"/>
+                        <a:t>AE-SVM (RBF)</a:t>
+                      </a:r>
+                      <a:endParaRPr lang="en-US" dirty="0"/>
+                    </a:p>
+                  </a:txBody>
+                  <a:tcPr/>
+                </a:tc>
+                <a:tc>
+                  <a:txBody>
+                    <a:bodyPr/>
+                    <a:lstStyle/>
+                    <a:p>
+                      <a:r>
+                        <a:rPr lang="en-US" dirty="0" smtClean="0"/>
+                        <a:t>C = 100, gamma = 100</a:t>
+                      </a:r>
                       <a:endParaRPr lang="en-US" dirty="0"/>
                     </a:p>
                   </a:txBody>
@@ -4899,9 +10546,24 @@
                       </a:pPr>
                       <a:r>
                         <a:rPr lang="en-US" dirty="0" smtClean="0"/>
-                        <a:t>SVM</a:t>
-                      </a:r>
-                      <a:endParaRPr lang="en-US" dirty="0" smtClean="0"/>
+                        <a:t>63.0%</a:t>
+                      </a:r>
+                    </a:p>
+                  </a:txBody>
+                  <a:tcPr/>
+                </a:tc>
+              </a:tr>
+              <a:tr h="403056">
+                <a:tc>
+                  <a:txBody>
+                    <a:bodyPr/>
+                    <a:lstStyle/>
+                    <a:p>
+                      <a:r>
+                        <a:rPr lang="en-US" dirty="0" smtClean="0"/>
+                        <a:t>11</a:t>
+                      </a:r>
+                      <a:endParaRPr lang="en-US" dirty="0"/>
                     </a:p>
                   </a:txBody>
                   <a:tcPr/>
@@ -4911,6 +10573,38 @@
                     <a:bodyPr/>
                     <a:lstStyle/>
                     <a:p>
+                      <a:r>
+                        <a:rPr lang="en-US" baseline="0" dirty="0" smtClean="0"/>
+                        <a:t>AE-SVM (RBF)</a:t>
+                      </a:r>
+                      <a:endParaRPr lang="en-US" dirty="0"/>
+                    </a:p>
+                  </a:txBody>
+                  <a:tcPr/>
+                </a:tc>
+                <a:tc>
+                  <a:txBody>
+                    <a:bodyPr/>
+                    <a:lstStyle/>
+                    <a:p>
+                      <a:r>
+                        <a:rPr lang="en-US" dirty="0" smtClean="0"/>
+                        <a:t>C = 10, gamma = 100</a:t>
+                      </a:r>
+                      <a:endParaRPr lang="en-US" dirty="0"/>
+                    </a:p>
+                  </a:txBody>
+                  <a:tcPr/>
+                </a:tc>
+                <a:tc>
+                  <a:txBody>
+                    <a:bodyPr/>
+                    <a:lstStyle/>
+                    <a:p>
+                      <a:r>
+                        <a:rPr lang="en-US" dirty="0" smtClean="0"/>
+                        <a:t>63.8%</a:t>
+                      </a:r>
                       <a:endParaRPr lang="en-US" dirty="0"/>
                     </a:p>
                   </a:txBody>
@@ -4923,40 +10617,11 @@
                     <a:bodyPr/>
                     <a:lstStyle/>
                     <a:p>
-                      <a:pPr marL="0" marR="0" lvl="0" indent="0" algn="l" defTabSz="914400" rtl="0" eaLnBrk="1" fontAlgn="auto" latinLnBrk="0" hangingPunct="1">
-                        <a:lnSpc>
-                          <a:spcPct val="100000"/>
-                        </a:lnSpc>
-                        <a:spcBef>
-                          <a:spcPts val="0"/>
-                        </a:spcBef>
-                        <a:spcAft>
-                          <a:spcPts val="0"/>
-                        </a:spcAft>
-                        <a:buClrTx/>
-                        <a:buSzTx/>
-                        <a:buFontTx/>
-                        <a:buNone/>
-                        <a:tabLst/>
-                        <a:defRPr/>
-                      </a:pPr>
-                      <a:r>
-                        <a:rPr lang="en-US" dirty="0" err="1" smtClean="0"/>
-                        <a:t>Atchley</a:t>
-                      </a:r>
                       <a:r>
                         <a:rPr lang="en-US" dirty="0" smtClean="0"/>
-                        <a:t> </a:t>
-                      </a:r>
-                      <a:r>
-                        <a:rPr lang="en-US" dirty="0" err="1" smtClean="0"/>
-                        <a:t>Vecs</a:t>
-                      </a:r>
-                      <a:r>
-                        <a:rPr lang="en-US" baseline="0" dirty="0" smtClean="0"/>
-                        <a:t> (Thomas et. al.)</a:t>
-                      </a:r>
-                      <a:endParaRPr lang="en-US" dirty="0" smtClean="0"/>
+                        <a:t>12</a:t>
+                      </a:r>
+                      <a:endParaRPr lang="en-US" dirty="0"/>
                     </a:p>
                   </a:txBody>
                   <a:tcPr/>
@@ -4967,8 +10632,8 @@
                     <a:lstStyle/>
                     <a:p>
                       <a:r>
-                        <a:rPr lang="en-US" dirty="0" smtClean="0"/>
-                        <a:t>K-means</a:t>
+                        <a:rPr lang="en-US" baseline="0" smtClean="0"/>
+                        <a:t>AE-SVM (RBF)</a:t>
                       </a:r>
                       <a:endParaRPr lang="en-US" dirty="0"/>
                     </a:p>
@@ -4999,7 +10664,15 @@
                       </a:pPr>
                       <a:r>
                         <a:rPr lang="en-US" dirty="0" smtClean="0"/>
-                        <a:t>SVM</a:t>
+                        <a:t>C</a:t>
+                      </a:r>
+                      <a:r>
+                        <a:rPr lang="en-US" baseline="0" dirty="0" smtClean="0"/>
+                        <a:t> = 1000, gamma = </a:t>
+                      </a:r>
+                      <a:r>
+                        <a:rPr lang="en-US" baseline="0" dirty="0" smtClean="0"/>
+                        <a:t>1</a:t>
                       </a:r>
                       <a:endParaRPr lang="en-US" dirty="0" smtClean="0"/>
                     </a:p>
@@ -5011,6 +10684,176 @@
                     <a:bodyPr/>
                     <a:lstStyle/>
                     <a:p>
+                      <a:r>
+                        <a:rPr lang="en-US" dirty="0" smtClean="0"/>
+                        <a:t>58.2%</a:t>
+                      </a:r>
+                      <a:endParaRPr lang="en-US" dirty="0"/>
+                    </a:p>
+                  </a:txBody>
+                  <a:tcPr/>
+                </a:tc>
+              </a:tr>
+              <a:tr h="403056">
+                <a:tc>
+                  <a:txBody>
+                    <a:bodyPr/>
+                    <a:lstStyle/>
+                    <a:p>
+                      <a:r>
+                        <a:rPr lang="en-US" dirty="0" smtClean="0"/>
+                        <a:t>13</a:t>
+                      </a:r>
+                      <a:endParaRPr lang="en-US" dirty="0"/>
+                    </a:p>
+                  </a:txBody>
+                  <a:tcPr/>
+                </a:tc>
+                <a:tc>
+                  <a:txBody>
+                    <a:bodyPr/>
+                    <a:lstStyle/>
+                    <a:p>
+                      <a:r>
+                        <a:rPr lang="en-US" baseline="0" smtClean="0"/>
+                        <a:t>AE-SVM (RBF)</a:t>
+                      </a:r>
+                      <a:endParaRPr lang="en-US" dirty="0"/>
+                    </a:p>
+                  </a:txBody>
+                  <a:tcPr/>
+                </a:tc>
+                <a:tc>
+                  <a:txBody>
+                    <a:bodyPr/>
+                    <a:lstStyle/>
+                    <a:p>
+                      <a:pPr marL="0" marR="0" lvl="0" indent="0" algn="l" defTabSz="914400" rtl="0" eaLnBrk="1" fontAlgn="auto" latinLnBrk="0" hangingPunct="1">
+                        <a:lnSpc>
+                          <a:spcPct val="100000"/>
+                        </a:lnSpc>
+                        <a:spcBef>
+                          <a:spcPts val="0"/>
+                        </a:spcBef>
+                        <a:spcAft>
+                          <a:spcPts val="0"/>
+                        </a:spcAft>
+                        <a:buClrTx/>
+                        <a:buSzTx/>
+                        <a:buFontTx/>
+                        <a:buNone/>
+                        <a:tabLst/>
+                        <a:defRPr/>
+                      </a:pPr>
+                      <a:r>
+                        <a:rPr lang="en-US" dirty="0" smtClean="0"/>
+                        <a:t>C</a:t>
+                      </a:r>
+                      <a:r>
+                        <a:rPr lang="en-US" baseline="0" dirty="0" smtClean="0"/>
+                        <a:t> = 1000, gamma = 0.01</a:t>
+                      </a:r>
+                      <a:endParaRPr lang="en-US" dirty="0" smtClean="0"/>
+                    </a:p>
+                  </a:txBody>
+                  <a:tcPr/>
+                </a:tc>
+                <a:tc>
+                  <a:txBody>
+                    <a:bodyPr/>
+                    <a:lstStyle/>
+                    <a:p>
+                      <a:r>
+                        <a:rPr lang="en-US" dirty="0" smtClean="0"/>
+                        <a:t>58.1%</a:t>
+                      </a:r>
+                      <a:endParaRPr lang="en-US" dirty="0"/>
+                    </a:p>
+                  </a:txBody>
+                  <a:tcPr/>
+                </a:tc>
+              </a:tr>
+              <a:tr h="403056">
+                <a:tc>
+                  <a:txBody>
+                    <a:bodyPr/>
+                    <a:lstStyle/>
+                    <a:p>
+                      <a:r>
+                        <a:rPr lang="en-US" dirty="0" smtClean="0"/>
+                        <a:t>14</a:t>
+                      </a:r>
+                      <a:endParaRPr lang="en-US" dirty="0"/>
+                    </a:p>
+                  </a:txBody>
+                  <a:tcPr/>
+                </a:tc>
+                <a:tc>
+                  <a:txBody>
+                    <a:bodyPr/>
+                    <a:lstStyle/>
+                    <a:p>
+                      <a:r>
+                        <a:rPr lang="en-US" baseline="0" dirty="0" smtClean="0"/>
+                        <a:t>AE-SVM (RBF)</a:t>
+                      </a:r>
+                      <a:endParaRPr lang="en-US" dirty="0"/>
+                    </a:p>
+                  </a:txBody>
+                  <a:tcPr/>
+                </a:tc>
+                <a:tc>
+                  <a:txBody>
+                    <a:bodyPr/>
+                    <a:lstStyle/>
+                    <a:p>
+                      <a:pPr marL="0" marR="0" lvl="0" indent="0" algn="l" defTabSz="914400" rtl="0" eaLnBrk="1" fontAlgn="auto" latinLnBrk="0" hangingPunct="1">
+                        <a:lnSpc>
+                          <a:spcPct val="100000"/>
+                        </a:lnSpc>
+                        <a:spcBef>
+                          <a:spcPts val="0"/>
+                        </a:spcBef>
+                        <a:spcAft>
+                          <a:spcPts val="0"/>
+                        </a:spcAft>
+                        <a:buClrTx/>
+                        <a:buSzTx/>
+                        <a:buFontTx/>
+                        <a:buNone/>
+                        <a:tabLst/>
+                        <a:defRPr/>
+                      </a:pPr>
+                      <a:r>
+                        <a:rPr lang="en-US" dirty="0" smtClean="0"/>
+                        <a:t>C</a:t>
+                      </a:r>
+                      <a:r>
+                        <a:rPr lang="en-US" baseline="0" dirty="0" smtClean="0"/>
+                        <a:t> = </a:t>
+                      </a:r>
+                      <a:r>
+                        <a:rPr lang="en-US" baseline="0" dirty="0" smtClean="0"/>
+                        <a:t>100, </a:t>
+                      </a:r>
+                      <a:r>
+                        <a:rPr lang="en-US" baseline="0" dirty="0" smtClean="0"/>
+                        <a:t>gamma = 0.01</a:t>
+                      </a:r>
+                      <a:endParaRPr lang="en-US" dirty="0" smtClean="0"/>
+                    </a:p>
+                  </a:txBody>
+                  <a:tcPr/>
+                </a:tc>
+                <a:tc>
+                  <a:txBody>
+                    <a:bodyPr/>
+                    <a:lstStyle/>
+                    <a:p>
+                      <a:r>
+                        <a:rPr lang="en-US" dirty="0" smtClean="0"/>
+                        <a:t>57.0%</a:t>
+                      </a:r>
                       <a:endParaRPr lang="en-US" dirty="0"/>
                     </a:p>
                   </a:txBody>
@@ -5021,16 +10864,53 @@
           </a:graphicData>
         </a:graphic>
       </p:graphicFrame>
-      <p:sp>
-        <p:nvSpPr>
-          <p:cNvPr id="8" name="TextBox 7"/>
+    </p:spTree>
+    <p:extLst>
+      <p:ext uri="{BB962C8B-B14F-4D97-AF65-F5344CB8AC3E}">
+        <p14:creationId xmlns:p14="http://schemas.microsoft.com/office/powerpoint/2010/main" val="2282993880"/>
+      </p:ext>
+    </p:extLst>
+  </p:cSld>
+  <p:clrMapOvr>
+    <a:masterClrMapping/>
+  </p:clrMapOvr>
+  <p:timing>
+    <p:tnLst>
+      <p:par>
+        <p:cTn id="1" dur="indefinite" restart="never" nodeType="tmRoot"/>
+      </p:par>
+    </p:tnLst>
+  </p:timing>
+</p:sld>
+</file>
+
+<file path=ppt/slides/slide9.xml><?xml version="1.0" encoding="utf-8"?>
+<p:sld xmlns:a="http://schemas.openxmlformats.org/drawingml/2006/main" xmlns:r="http://schemas.openxmlformats.org/officeDocument/2006/relationships" xmlns:p="http://schemas.openxmlformats.org/presentationml/2006/main">
+  <p:cSld>
+    <p:spTree>
+      <p:nvGrpSpPr>
+        <p:cNvPr id="1" name=""/>
+        <p:cNvGrpSpPr/>
+        <p:nvPr/>
+      </p:nvGrpSpPr>
+      <p:grpSpPr>
+        <a:xfrm>
+          <a:off x="0" y="0"/>
+          <a:ext cx="0" cy="0"/>
+          <a:chOff x="0" y="0"/>
+          <a:chExt cx="0" cy="0"/>
+        </a:xfrm>
+      </p:grpSpPr>
+      <p:sp>
+        <p:nvSpPr>
+          <p:cNvPr id="6" name="TextBox 5"/>
           <p:cNvSpPr txBox="1"/>
           <p:nvPr/>
         </p:nvSpPr>
         <p:spPr>
           <a:xfrm>
-            <a:off x="1101436" y="5812157"/>
-            <a:ext cx="9809020" cy="646331"/>
+            <a:off x="1101435" y="685800"/>
+            <a:ext cx="4961614" cy="400110"/>
           </a:xfrm>
           <a:prstGeom prst="rect">
             <a:avLst/>
@@ -5044,14 +10924,433 @@
           <a:lstStyle/>
           <a:p>
             <a:r>
+              <a:rPr lang="en-US" sz="2000" b="1" dirty="0" smtClean="0"/>
+              <a:t>Li et al</a:t>
+            </a:r>
+            <a:r>
+              <a:rPr lang="en-US" sz="2000" b="1" dirty="0" smtClean="0"/>
+              <a:t>. + </a:t>
+            </a:r>
+            <a:r>
+              <a:rPr lang="en-US" sz="2000" b="1" dirty="0" err="1" smtClean="0"/>
+              <a:t>AutoEncoder</a:t>
+            </a:r>
+            <a:r>
+              <a:rPr lang="en-US" sz="2000" b="1" dirty="0" smtClean="0"/>
+              <a:t>-SVM Classification</a:t>
+            </a:r>
+            <a:endParaRPr lang="en-US" sz="2000" b="1" dirty="0"/>
+          </a:p>
+        </p:txBody>
+      </p:sp>
+      <p:sp>
+        <p:nvSpPr>
+          <p:cNvPr id="2" name="TextBox 1"/>
+          <p:cNvSpPr txBox="1"/>
+          <p:nvPr/>
+        </p:nvSpPr>
+        <p:spPr>
+          <a:xfrm>
+            <a:off x="1101434" y="1085910"/>
+            <a:ext cx="9270003" cy="3046988"/>
+          </a:xfrm>
+          <a:prstGeom prst="rect">
+            <a:avLst/>
+          </a:prstGeom>
+          <a:noFill/>
+        </p:spPr>
+        <p:txBody>
+          <a:bodyPr wrap="square" rtlCol="0">
+            <a:spAutoFit/>
+          </a:bodyPr>
+          <a:lstStyle/>
+          <a:p>
+            <a:pPr marL="285750" indent="-285750">
+              <a:buFontTx/>
+              <a:buChar char="-"/>
+            </a:pPr>
+            <a:r>
+              <a:rPr lang="en-US" sz="1600" dirty="0" smtClean="0"/>
+              <a:t>The obvious reason this appears to be working is that the repetition of </a:t>
+            </a:r>
+            <a:r>
+              <a:rPr lang="en-US" sz="1600" dirty="0" err="1" smtClean="0"/>
+              <a:t>Atchley</a:t>
+            </a:r>
+            <a:r>
+              <a:rPr lang="en-US" sz="1600" dirty="0" smtClean="0"/>
+              <a:t> vectors is very easy to learn and thus represent in some latent space as long as the latent space is larger than the size of the protein sequence primary structure. </a:t>
+            </a:r>
+          </a:p>
+          <a:p>
+            <a:pPr marL="285750" indent="-285750">
+              <a:buFontTx/>
+              <a:buChar char="-"/>
+            </a:pPr>
+            <a:r>
+              <a:rPr lang="en-US" sz="1600" dirty="0" smtClean="0"/>
+              <a:t>Decreasing the latent space to below the size of the sequence is when the </a:t>
+            </a:r>
+            <a:r>
+              <a:rPr lang="en-US" sz="1600" dirty="0" err="1" smtClean="0"/>
+              <a:t>AutoEncoder</a:t>
+            </a:r>
+            <a:r>
+              <a:rPr lang="en-US" sz="1600" dirty="0" smtClean="0"/>
+              <a:t> is not only compressing but also trying to </a:t>
+            </a:r>
+            <a:r>
+              <a:rPr lang="en-US" sz="1600" dirty="0" err="1" smtClean="0"/>
+              <a:t>denoise</a:t>
+            </a:r>
+            <a:r>
+              <a:rPr lang="en-US" sz="1600" dirty="0" smtClean="0"/>
+              <a:t>. </a:t>
+            </a:r>
+          </a:p>
+          <a:p>
+            <a:pPr marL="285750" indent="-285750">
+              <a:buFontTx/>
+              <a:buChar char="-"/>
+            </a:pPr>
+            <a:r>
+              <a:rPr lang="en-US" sz="1600" dirty="0" smtClean="0"/>
+              <a:t>After 2000 epochs, dropping the latent space size to 8 for sequences 14 AA long gets a loss of 0.198 and the outputs were looking pretty good. It was also still converging so could train longer. </a:t>
+            </a:r>
+          </a:p>
+          <a:p>
+            <a:pPr marL="285750" indent="-285750">
+              <a:buFontTx/>
+              <a:buChar char="-"/>
+            </a:pPr>
+            <a:r>
+              <a:rPr lang="en-US" sz="1600" dirty="0" smtClean="0"/>
+              <a:t>Need to get a </a:t>
+            </a:r>
+            <a:r>
+              <a:rPr lang="en-US" sz="1600" dirty="0" err="1" smtClean="0"/>
+              <a:t>Variational</a:t>
+            </a:r>
+            <a:r>
+              <a:rPr lang="en-US" sz="1600" dirty="0" smtClean="0"/>
+              <a:t> </a:t>
+            </a:r>
+            <a:r>
+              <a:rPr lang="en-US" sz="1600" dirty="0" err="1" smtClean="0"/>
+              <a:t>AutoEncoder</a:t>
+            </a:r>
+            <a:r>
+              <a:rPr lang="en-US" sz="1600" dirty="0" smtClean="0"/>
+              <a:t> working then using </a:t>
+            </a:r>
+            <a:r>
+              <a:rPr lang="en-US" sz="1600" dirty="0" err="1" smtClean="0"/>
+              <a:t>tSNE</a:t>
+            </a:r>
+            <a:r>
+              <a:rPr lang="en-US" sz="1600" dirty="0" smtClean="0"/>
+              <a:t> we can visualize the space in 2D</a:t>
+            </a:r>
+          </a:p>
+          <a:p>
+            <a:pPr marL="742950" lvl="1" indent="-285750">
+              <a:buFontTx/>
+              <a:buChar char="-"/>
+            </a:pPr>
+            <a:r>
+              <a:rPr lang="en-US" sz="1600" dirty="0" smtClean="0"/>
+              <a:t>This would give us more info about how it is separating</a:t>
+            </a:r>
+          </a:p>
+          <a:p>
+            <a:pPr marL="742950" lvl="1" indent="-285750">
+              <a:buFontTx/>
+              <a:buChar char="-"/>
+            </a:pPr>
+            <a:r>
+              <a:rPr lang="en-US" sz="1600" dirty="0" smtClean="0"/>
+              <a:t>I believe the </a:t>
+            </a:r>
+            <a:r>
+              <a:rPr lang="en-US" sz="1600" dirty="0" err="1" smtClean="0"/>
+              <a:t>Keras</a:t>
+            </a:r>
+            <a:r>
+              <a:rPr lang="en-US" sz="1600" dirty="0" smtClean="0"/>
+              <a:t> documentation has a method for this</a:t>
+            </a:r>
+          </a:p>
+          <a:p>
+            <a:pPr marL="285750" indent="-285750">
+              <a:buFontTx/>
+              <a:buChar char="-"/>
+            </a:pPr>
+            <a:r>
+              <a:rPr lang="en-US" sz="1600" dirty="0" smtClean="0"/>
+              <a:t>Actually shows an improvement from the original which suggests that the AE is de-noising to an extent</a:t>
+            </a:r>
+          </a:p>
+          <a:p>
+            <a:pPr marL="285750" indent="-285750">
+              <a:buFontTx/>
+              <a:buChar char="-"/>
+            </a:pPr>
+            <a:endParaRPr lang="en-US" sz="1600" dirty="0" smtClean="0"/>
+          </a:p>
+        </p:txBody>
+      </p:sp>
+      <p:graphicFrame>
+        <p:nvGraphicFramePr>
+          <p:cNvPr id="5" name="Table 4"/>
+          <p:cNvGraphicFramePr>
+            <a:graphicFrameLocks noGrp="1"/>
+          </p:cNvGraphicFramePr>
+          <p:nvPr>
+            <p:extLst>
+              <p:ext uri="{D42A27DB-BD31-4B8C-83A1-F6EECF244321}">
+                <p14:modId xmlns:p14="http://schemas.microsoft.com/office/powerpoint/2010/main" val="3509833782"/>
+              </p:ext>
+            </p:extLst>
+          </p:nvPr>
+        </p:nvGraphicFramePr>
+        <p:xfrm>
+          <a:off x="1101433" y="3983636"/>
+          <a:ext cx="9904687" cy="1098743"/>
+        </p:xfrm>
+        <a:graphic>
+          <a:graphicData uri="http://schemas.openxmlformats.org/drawingml/2006/table">
+            <a:tbl>
+              <a:tblPr firstRow="1" bandRow="1">
+                <a:tableStyleId>{073A0DAA-6AF3-43AB-8588-CEC1D06C72B9}</a:tableStyleId>
+              </a:tblPr>
+              <a:tblGrid>
+                <a:gridCol w="1496359"/>
+                <a:gridCol w="2146618"/>
+                <a:gridCol w="2345563"/>
+                <a:gridCol w="3916147"/>
+              </a:tblGrid>
+              <a:tr h="695687">
+                <a:tc>
+                  <a:txBody>
+                    <a:bodyPr/>
+                    <a:lstStyle/>
+                    <a:p>
+                      <a:r>
+                        <a:rPr lang="en-US" dirty="0" smtClean="0"/>
+                        <a:t>Seq. Length</a:t>
+                      </a:r>
+                      <a:endParaRPr lang="en-US" dirty="0"/>
+                    </a:p>
+                  </a:txBody>
+                  <a:tcPr/>
+                </a:tc>
+                <a:tc>
+                  <a:txBody>
+                    <a:bodyPr/>
+                    <a:lstStyle/>
+                    <a:p>
+                      <a:r>
+                        <a:rPr lang="en-US" dirty="0" smtClean="0"/>
+                        <a:t>Method/Kernel</a:t>
+                      </a:r>
+                      <a:endParaRPr lang="en-US" dirty="0"/>
+                    </a:p>
+                  </a:txBody>
+                  <a:tcPr/>
+                </a:tc>
+                <a:tc>
+                  <a:txBody>
+                    <a:bodyPr/>
+                    <a:lstStyle/>
+                    <a:p>
+                      <a:r>
+                        <a:rPr lang="en-US" dirty="0" smtClean="0"/>
+                        <a:t>Parameters</a:t>
+                      </a:r>
+                      <a:endParaRPr lang="en-US" dirty="0"/>
+                    </a:p>
+                  </a:txBody>
+                  <a:tcPr/>
+                </a:tc>
+                <a:tc>
+                  <a:txBody>
+                    <a:bodyPr/>
+                    <a:lstStyle/>
+                    <a:p>
+                      <a:r>
+                        <a:rPr lang="en-US" dirty="0" smtClean="0"/>
+                        <a:t>Test Accuracy</a:t>
+                      </a:r>
+                      <a:endParaRPr lang="en-US" dirty="0"/>
+                    </a:p>
+                  </a:txBody>
+                  <a:tcPr/>
+                </a:tc>
+              </a:tr>
+              <a:tr h="403056">
+                <a:tc>
+                  <a:txBody>
+                    <a:bodyPr/>
+                    <a:lstStyle/>
+                    <a:p>
+                      <a:r>
+                        <a:rPr lang="en-US" dirty="0" smtClean="0"/>
+                        <a:t>14</a:t>
+                      </a:r>
+                      <a:endParaRPr lang="en-US" dirty="0"/>
+                    </a:p>
+                  </a:txBody>
+                  <a:tcPr/>
+                </a:tc>
+                <a:tc>
+                  <a:txBody>
+                    <a:bodyPr/>
+                    <a:lstStyle/>
+                    <a:p>
+                      <a:r>
+                        <a:rPr lang="en-US" baseline="0" dirty="0" smtClean="0"/>
+                        <a:t>AE(small)-</a:t>
+                      </a:r>
+                      <a:r>
+                        <a:rPr lang="en-US" baseline="0" dirty="0" smtClean="0"/>
+                        <a:t>SVM (RBF)</a:t>
+                      </a:r>
+                      <a:endParaRPr lang="en-US" dirty="0"/>
+                    </a:p>
+                  </a:txBody>
+                  <a:tcPr/>
+                </a:tc>
+                <a:tc>
+                  <a:txBody>
+                    <a:bodyPr/>
+                    <a:lstStyle/>
+                    <a:p>
+                      <a:pPr marL="0" marR="0" lvl="0" indent="0" algn="l" defTabSz="914400" rtl="0" eaLnBrk="1" fontAlgn="auto" latinLnBrk="0" hangingPunct="1">
+                        <a:lnSpc>
+                          <a:spcPct val="100000"/>
+                        </a:lnSpc>
+                        <a:spcBef>
+                          <a:spcPts val="0"/>
+                        </a:spcBef>
+                        <a:spcAft>
+                          <a:spcPts val="0"/>
+                        </a:spcAft>
+                        <a:buClrTx/>
+                        <a:buSzTx/>
+                        <a:buFontTx/>
+                        <a:buNone/>
+                        <a:tabLst/>
+                        <a:defRPr/>
+                      </a:pPr>
+                      <a:r>
+                        <a:rPr lang="en-US" dirty="0" smtClean="0"/>
+                        <a:t>C</a:t>
+                      </a:r>
+                      <a:r>
+                        <a:rPr lang="en-US" baseline="0" dirty="0" smtClean="0"/>
+                        <a:t> = </a:t>
+                      </a:r>
+                      <a:r>
+                        <a:rPr lang="en-US" baseline="0" dirty="0" smtClean="0"/>
+                        <a:t>100, </a:t>
+                      </a:r>
+                      <a:r>
+                        <a:rPr lang="en-US" baseline="0" dirty="0" smtClean="0"/>
+                        <a:t>gamma = </a:t>
+                      </a:r>
+                      <a:r>
+                        <a:rPr lang="en-US" baseline="0" dirty="0" smtClean="0"/>
+                        <a:t>1.0</a:t>
+                      </a:r>
+                      <a:endParaRPr lang="en-US" dirty="0" smtClean="0"/>
+                    </a:p>
+                  </a:txBody>
+                  <a:tcPr/>
+                </a:tc>
+                <a:tc>
+                  <a:txBody>
+                    <a:bodyPr/>
+                    <a:lstStyle/>
+                    <a:p>
+                      <a:r>
+                        <a:rPr lang="en-US" dirty="0" smtClean="0"/>
+                        <a:t>60.1%</a:t>
+                      </a:r>
+                      <a:endParaRPr lang="en-US" dirty="0"/>
+                    </a:p>
+                  </a:txBody>
+                  <a:tcPr/>
+                </a:tc>
+              </a:tr>
+            </a:tbl>
+          </a:graphicData>
+        </a:graphic>
+      </p:graphicFrame>
+      <p:sp>
+        <p:nvSpPr>
+          <p:cNvPr id="3" name="Rectangle 2"/>
+          <p:cNvSpPr/>
+          <p:nvPr/>
+        </p:nvSpPr>
+        <p:spPr>
+          <a:xfrm>
+            <a:off x="1101433" y="5344465"/>
+            <a:ext cx="10700952" cy="923330"/>
+          </a:xfrm>
+          <a:prstGeom prst="rect">
+            <a:avLst/>
+          </a:prstGeom>
+        </p:spPr>
+        <p:txBody>
+          <a:bodyPr wrap="square">
+            <a:spAutoFit/>
+          </a:bodyPr>
+          <a:lstStyle/>
+          <a:p>
+            <a:r>
               <a:rPr lang="en-US" dirty="0" smtClean="0"/>
-              <a:t>Note: Test means after 5-fold Cross Validation when practical/needed</a:t>
-            </a:r>
+              <a:t>Example of Compression:</a:t>
+            </a:r>
+            <a:endParaRPr lang="en-US" dirty="0"/>
           </a:p>
           <a:p>
             <a:r>
               <a:rPr lang="en-US" dirty="0" smtClean="0"/>
-              <a:t>           Auto-encoder learnt a latent dimension of size 16 and had 6 layers total.</a:t>
+              <a:t>Input		= [-</a:t>
+            </a:r>
+            <a:r>
+              <a:rPr lang="en-US" dirty="0"/>
+              <a:t>1.343 0.465 -0.862 ..., 1.891 -0.397 0.412]</a:t>
+            </a:r>
+          </a:p>
+          <a:p>
+            <a:r>
+              <a:rPr lang="en-US" dirty="0" smtClean="0"/>
+              <a:t>Prediction 	= [-1.332 0.463 </a:t>
+            </a:r>
+            <a:r>
+              <a:rPr lang="en-US" dirty="0"/>
+              <a:t>-</a:t>
+            </a:r>
+            <a:r>
+              <a:rPr lang="en-US" dirty="0" smtClean="0"/>
+              <a:t>0.858 </a:t>
+            </a:r>
+            <a:r>
+              <a:rPr lang="en-US" dirty="0"/>
+              <a:t>..., </a:t>
+            </a:r>
+            <a:r>
+              <a:rPr lang="en-US" dirty="0" smtClean="0"/>
+              <a:t>1.684 </a:t>
+            </a:r>
+            <a:r>
+              <a:rPr lang="en-US" dirty="0"/>
+              <a:t>-</a:t>
+            </a:r>
+            <a:r>
+              <a:rPr lang="en-US" dirty="0" smtClean="0"/>
+              <a:t>0.645 0.312]</a:t>
             </a:r>
             <a:endParaRPr lang="en-US" dirty="0"/>
           </a:p>
@@ -5060,13 +11359,20 @@
     </p:spTree>
     <p:extLst>
       <p:ext uri="{BB962C8B-B14F-4D97-AF65-F5344CB8AC3E}">
-        <p14:creationId xmlns:p14="http://schemas.microsoft.com/office/powerpoint/2010/main" val="1569303229"/>
+        <p14:creationId xmlns:p14="http://schemas.microsoft.com/office/powerpoint/2010/main" val="549120564"/>
       </p:ext>
     </p:extLst>
   </p:cSld>
   <p:clrMapOvr>
     <a:masterClrMapping/>
   </p:clrMapOvr>
+  <p:timing>
+    <p:tnLst>
+      <p:par>
+        <p:cTn id="1" dur="indefinite" restart="never" nodeType="tmRoot"/>
+      </p:par>
+    </p:tnLst>
+  </p:timing>
 </p:sld>
 </file>
 
@@ -5329,4 +11635,265 @@
     </a:ext>
   </a:extLst>
 </a:theme>
+</file>
+
+<file path=ppt/theme/theme2.xml><?xml version="1.0" encoding="utf-8"?>
+<a:theme xmlns:a="http://schemas.openxmlformats.org/drawingml/2006/main" name="Office Theme">
+  <a:themeElements>
+    <a:clrScheme name="Office">
+      <a:dk1>
+        <a:sysClr val="windowText" lastClr="000000"/>
+      </a:dk1>
+      <a:lt1>
+        <a:sysClr val="window" lastClr="FFFFFF"/>
+      </a:lt1>
+      <a:dk2>
+        <a:srgbClr val="44546A"/>
+      </a:dk2>
+      <a:lt2>
+        <a:srgbClr val="E7E6E6"/>
+      </a:lt2>
+      <a:accent1>
+        <a:srgbClr val="5B9BD5"/>
+      </a:accent1>
+      <a:accent2>
+        <a:srgbClr val="ED7D31"/>
+      </a:accent2>
+      <a:accent3>
+        <a:srgbClr val="A5A5A5"/>
+      </a:accent3>
+      <a:accent4>
+        <a:srgbClr val="FFC000"/>
+      </a:accent4>
+      <a:accent5>
+        <a:srgbClr val="4472C4"/>
+      </a:accent5>
+      <a:accent6>
+        <a:srgbClr val="70AD47"/>
+      </a:accent6>
+      <a:hlink>
+        <a:srgbClr val="0563C1"/>
+      </a:hlink>
+      <a:folHlink>
+        <a:srgbClr val="954F72"/>
+      </a:folHlink>
+    </a:clrScheme>
+    <a:fontScheme name="Office">
+      <a:majorFont>
+        <a:latin typeface="Calibri Light" panose="020F0302020204030204"/>
+        <a:ea typeface=""/>
+        <a:cs typeface=""/>
+        <a:font script="Jpan" typeface="ＭＳ Ｐゴシック"/>
+        <a:font script="Hang" typeface="맑은 고딕"/>
+        <a:font script="Hans" typeface="宋体"/>
+        <a:font script="Hant" typeface="新細明體"/>
+        <a:font script="Arab" typeface="Times New Roman"/>
+        <a:font script="Hebr" typeface="Times New Roman"/>
+        <a:font script="Thai" typeface="Angsana New"/>
+        <a:font script="Ethi" typeface="Nyala"/>
+        <a:font script="Beng" typeface="Vrinda"/>
+        <a:font script="Gujr" typeface="Shruti"/>
+        <a:font script="Khmr" typeface="MoolBoran"/>
+        <a:font script="Knda" typeface="Tunga"/>
+        <a:font script="Guru" typeface="Raavi"/>
+        <a:font script="Cans" typeface="Euphemia"/>
+        <a:font script="Cher" typeface="Plantagenet Cherokee"/>
+        <a:font script="Yiii" typeface="Microsoft Yi Baiti"/>
+        <a:font script="Tibt" typeface="Microsoft Himalaya"/>
+        <a:font script="Thaa" typeface="MV Boli"/>
+        <a:font script="Deva" typeface="Mangal"/>
+        <a:font script="Telu" typeface="Gautami"/>
+        <a:font script="Taml" typeface="Latha"/>
+        <a:font script="Syrc" typeface="Estrangelo Edessa"/>
+        <a:font script="Orya" typeface="Kalinga"/>
+        <a:font script="Mlym" typeface="Kartika"/>
+        <a:font script="Laoo" typeface="DokChampa"/>
+        <a:font script="Sinh" typeface="Iskoola Pota"/>
+        <a:font script="Mong" typeface="Mongolian Baiti"/>
+        <a:font script="Viet" typeface="Times New Roman"/>
+        <a:font script="Uigh" typeface="Microsoft Uighur"/>
+        <a:font script="Geor" typeface="Sylfaen"/>
+      </a:majorFont>
+      <a:minorFont>
+        <a:latin typeface="Calibri" panose="020F0502020204030204"/>
+        <a:ea typeface=""/>
+        <a:cs typeface=""/>
+        <a:font script="Jpan" typeface="ＭＳ Ｐゴシック"/>
+        <a:font script="Hang" typeface="맑은 고딕"/>
+        <a:font script="Hans" typeface="宋体"/>
+        <a:font script="Hant" typeface="新細明體"/>
+        <a:font script="Arab" typeface="Arial"/>
+        <a:font script="Hebr" typeface="Arial"/>
+        <a:font script="Thai" typeface="Cordia New"/>
+        <a:font script="Ethi" typeface="Nyala"/>
+        <a:font script="Beng" typeface="Vrinda"/>
+        <a:font script="Gujr" typeface="Shruti"/>
+        <a:font script="Khmr" typeface="DaunPenh"/>
+        <a:font script="Knda" typeface="Tunga"/>
+        <a:font script="Guru" typeface="Raavi"/>
+        <a:font script="Cans" typeface="Euphemia"/>
+        <a:font script="Cher" typeface="Plantagenet Cherokee"/>
+        <a:font script="Yiii" typeface="Microsoft Yi Baiti"/>
+        <a:font script="Tibt" typeface="Microsoft Himalaya"/>
+        <a:font script="Thaa" typeface="MV Boli"/>
+        <a:font script="Deva" typeface="Mangal"/>
+        <a:font script="Telu" typeface="Gautami"/>
+        <a:font script="Taml" typeface="Latha"/>
+        <a:font script="Syrc" typeface="Estrangelo Edessa"/>
+        <a:font script="Orya" typeface="Kalinga"/>
+        <a:font script="Mlym" typeface="Kartika"/>
+        <a:font script="Laoo" typeface="DokChampa"/>
+        <a:font script="Sinh" typeface="Iskoola Pota"/>
+        <a:font script="Mong" typeface="Mongolian Baiti"/>
+        <a:font script="Viet" typeface="Arial"/>
+        <a:font script="Uigh" typeface="Microsoft Uighur"/>
+        <a:font script="Geor" typeface="Sylfaen"/>
+      </a:minorFont>
+    </a:fontScheme>
+    <a:fmtScheme name="Office">
+      <a:fillStyleLst>
+        <a:solidFill>
+          <a:schemeClr val="phClr"/>
+        </a:solidFill>
+        <a:gradFill rotWithShape="1">
+          <a:gsLst>
+            <a:gs pos="0">
+              <a:schemeClr val="phClr">
+                <a:lumMod val="110000"/>
+                <a:satMod val="105000"/>
+                <a:tint val="67000"/>
+              </a:schemeClr>
+            </a:gs>
+            <a:gs pos="50000">
+              <a:schemeClr val="phClr">
+                <a:lumMod val="105000"/>
+                <a:satMod val="103000"/>
+                <a:tint val="73000"/>
+              </a:schemeClr>
+            </a:gs>
+            <a:gs pos="100000">
+              <a:schemeClr val="phClr">
+                <a:lumMod val="105000"/>
+                <a:satMod val="109000"/>
+                <a:tint val="81000"/>
+              </a:schemeClr>
+            </a:gs>
+          </a:gsLst>
+          <a:lin ang="5400000" scaled="0"/>
+        </a:gradFill>
+        <a:gradFill rotWithShape="1">
+          <a:gsLst>
+            <a:gs pos="0">
+              <a:schemeClr val="phClr">
+                <a:satMod val="103000"/>
+                <a:lumMod val="102000"/>
+                <a:tint val="94000"/>
+              </a:schemeClr>
+            </a:gs>
+            <a:gs pos="50000">
+              <a:schemeClr val="phClr">
+                <a:satMod val="110000"/>
+                <a:lumMod val="100000"/>
+                <a:shade val="100000"/>
+              </a:schemeClr>
+            </a:gs>
+            <a:gs pos="100000">
+              <a:schemeClr val="phClr">
+                <a:lumMod val="99000"/>
+                <a:satMod val="120000"/>
+                <a:shade val="78000"/>
+              </a:schemeClr>
+            </a:gs>
+          </a:gsLst>
+          <a:lin ang="5400000" scaled="0"/>
+        </a:gradFill>
+      </a:fillStyleLst>
+      <a:lnStyleLst>
+        <a:ln w="6350" cap="flat" cmpd="sng" algn="ctr">
+          <a:solidFill>
+            <a:schemeClr val="phClr"/>
+          </a:solidFill>
+          <a:prstDash val="solid"/>
+          <a:miter lim="800000"/>
+        </a:ln>
+        <a:ln w="12700" cap="flat" cmpd="sng" algn="ctr">
+          <a:solidFill>
+            <a:schemeClr val="phClr"/>
+          </a:solidFill>
+          <a:prstDash val="solid"/>
+          <a:miter lim="800000"/>
+        </a:ln>
+        <a:ln w="19050" cap="flat" cmpd="sng" algn="ctr">
+          <a:solidFill>
+            <a:schemeClr val="phClr"/>
+          </a:solidFill>
+          <a:prstDash val="solid"/>
+          <a:miter lim="800000"/>
+        </a:ln>
+      </a:lnStyleLst>
+      <a:effectStyleLst>
+        <a:effectStyle>
+          <a:effectLst/>
+        </a:effectStyle>
+        <a:effectStyle>
+          <a:effectLst/>
+        </a:effectStyle>
+        <a:effectStyle>
+          <a:effectLst>
+            <a:outerShdw blurRad="57150" dist="19050" dir="5400000" algn="ctr" rotWithShape="0">
+              <a:srgbClr val="000000">
+                <a:alpha val="63000"/>
+              </a:srgbClr>
+            </a:outerShdw>
+          </a:effectLst>
+        </a:effectStyle>
+      </a:effectStyleLst>
+      <a:bgFillStyleLst>
+        <a:solidFill>
+          <a:schemeClr val="phClr"/>
+        </a:solidFill>
+        <a:solidFill>
+          <a:schemeClr val="phClr">
+            <a:tint val="95000"/>
+            <a:satMod val="170000"/>
+          </a:schemeClr>
+        </a:solidFill>
+        <a:gradFill rotWithShape="1">
+          <a:gsLst>
+            <a:gs pos="0">
+              <a:schemeClr val="phClr">
+                <a:tint val="93000"/>
+                <a:satMod val="150000"/>
+                <a:shade val="98000"/>
+                <a:lumMod val="102000"/>
+              </a:schemeClr>
+            </a:gs>
+            <a:gs pos="50000">
+              <a:schemeClr val="phClr">
+                <a:tint val="98000"/>
+                <a:satMod val="130000"/>
+                <a:shade val="90000"/>
+                <a:lumMod val="103000"/>
+              </a:schemeClr>
+            </a:gs>
+            <a:gs pos="100000">
+              <a:schemeClr val="phClr">
+                <a:shade val="63000"/>
+                <a:satMod val="120000"/>
+              </a:schemeClr>
+            </a:gs>
+          </a:gsLst>
+          <a:lin ang="5400000" scaled="0"/>
+        </a:gradFill>
+      </a:bgFillStyleLst>
+    </a:fmtScheme>
+  </a:themeElements>
+  <a:objectDefaults/>
+  <a:extraClrSchemeLst/>
+  <a:extLst>
+    <a:ext uri="{05A4C25C-085E-4340-85A3-A5531E510DB2}">
+      <thm15:themeFamily xmlns:thm15="http://schemas.microsoft.com/office/thememl/2012/main" name="Office Theme" id="{62F939B6-93AF-4DB8-9C6B-D6C7DFDC589F}" vid="{4A3C46E8-61CC-4603-A589-7422A47A8E4A}"/>
+    </a:ext>
+  </a:extLst>
+</a:theme>
 </file>
--- a/presentations/algorithm_overview.pptx
+++ b/presentations/algorithm_overview.pptx
@@ -5,7 +5,7 @@
     <p:sldMasterId id="2147483648" r:id="rId1"/>
   </p:sldMasterIdLst>
   <p:notesMasterIdLst>
-    <p:notesMasterId r:id="rId42"/>
+    <p:notesMasterId r:id="rId44"/>
   </p:notesMasterIdLst>
   <p:sldIdLst>
     <p:sldId id="261" r:id="rId2"/>
@@ -48,6 +48,8 @@
     <p:sldId id="276" r:id="rId39"/>
     <p:sldId id="279" r:id="rId40"/>
     <p:sldId id="300" r:id="rId41"/>
+    <p:sldId id="302" r:id="rId42"/>
+    <p:sldId id="303" r:id="rId43"/>
   </p:sldIdLst>
   <p:sldSz cx="12192000" cy="6858000"/>
   <p:notesSz cx="6858000" cy="9144000"/>
@@ -195,6 +197,8 @@
             <p14:sldId id="276"/>
             <p14:sldId id="279"/>
             <p14:sldId id="300"/>
+            <p14:sldId id="302"/>
+            <p14:sldId id="303"/>
           </p14:sldIdLst>
         </p14:section>
       </p14:sectionLst>
@@ -288,7 +292,7 @@
           <a:p>
             <a:fld id="{04BDABAD-20ED-488D-B4FF-EA3611E5B067}" type="datetimeFigureOut">
               <a:rPr lang="en-US" smtClean="0"/>
-              <a:t>6/24/2017</a:t>
+              <a:t>7/4/2017</a:t>
             </a:fld>
             <a:endParaRPr lang="en-US"/>
           </a:p>
@@ -768,6 +772,242 @@
 </p:notes>
 </file>
 
+<file path=ppt/notesSlides/notesSlide11.xml><?xml version="1.0" encoding="utf-8"?>
+<p:notes xmlns:a="http://schemas.openxmlformats.org/drawingml/2006/main" xmlns:r="http://schemas.openxmlformats.org/officeDocument/2006/relationships" xmlns:p="http://schemas.openxmlformats.org/presentationml/2006/main">
+  <p:cSld>
+    <p:spTree>
+      <p:nvGrpSpPr>
+        <p:cNvPr id="1" name=""/>
+        <p:cNvGrpSpPr/>
+        <p:nvPr/>
+      </p:nvGrpSpPr>
+      <p:grpSpPr>
+        <a:xfrm>
+          <a:off x="0" y="0"/>
+          <a:ext cx="0" cy="0"/>
+          <a:chOff x="0" y="0"/>
+          <a:chExt cx="0" cy="0"/>
+        </a:xfrm>
+      </p:grpSpPr>
+      <p:sp>
+        <p:nvSpPr>
+          <p:cNvPr id="2" name="Slide Image Placeholder 1"/>
+          <p:cNvSpPr>
+            <a:spLocks noGrp="1" noRot="1" noChangeAspect="1"/>
+          </p:cNvSpPr>
+          <p:nvPr>
+            <p:ph type="sldImg"/>
+          </p:nvPr>
+        </p:nvSpPr>
+        <p:spPr/>
+      </p:sp>
+      <p:sp>
+        <p:nvSpPr>
+          <p:cNvPr id="3" name="Notes Placeholder 2"/>
+          <p:cNvSpPr>
+            <a:spLocks noGrp="1"/>
+          </p:cNvSpPr>
+          <p:nvPr>
+            <p:ph type="body" idx="1"/>
+          </p:nvPr>
+        </p:nvSpPr>
+        <p:spPr/>
+        <p:txBody>
+          <a:bodyPr/>
+          <a:lstStyle/>
+          <a:p>
+            <a:r>
+              <a:rPr lang="en-US" dirty="0" smtClean="0"/>
+              <a:t>http://journals.plos.org/plosone/article/metrics?id=10.1371/journal.pone.0141287</a:t>
+            </a:r>
+          </a:p>
+          <a:p>
+            <a:r>
+              <a:rPr lang="en-US" dirty="0" smtClean="0"/>
+              <a:t>https://cs224d.stanford.edu/reports/LeeNguyen.pdf</a:t>
+            </a:r>
+          </a:p>
+          <a:p>
+            <a:r>
+              <a:rPr lang="en-US" dirty="0" smtClean="0"/>
+              <a:t>https://github.com/ehsanasgari/Deep-Proteomics</a:t>
+            </a:r>
+          </a:p>
+          <a:p>
+            <a:r>
+              <a:rPr lang="en-US" dirty="0" smtClean="0"/>
+              <a:t>https://arxiv.org/abs/1608.05949</a:t>
+            </a:r>
+          </a:p>
+          <a:p>
+            <a:r>
+              <a:rPr lang="en-US" dirty="0" smtClean="0"/>
+              <a:t>https://arxiv.org/abs/1604.07176</a:t>
+            </a:r>
+          </a:p>
+          <a:p>
+            <a:r>
+              <a:rPr lang="en-US" dirty="0" smtClean="0"/>
+              <a:t>https://nlp.stanford.edu/pubs/glove.pdf</a:t>
+            </a:r>
+            <a:endParaRPr lang="en-US" dirty="0"/>
+          </a:p>
+        </p:txBody>
+      </p:sp>
+      <p:sp>
+        <p:nvSpPr>
+          <p:cNvPr id="4" name="Slide Number Placeholder 3"/>
+          <p:cNvSpPr>
+            <a:spLocks noGrp="1"/>
+          </p:cNvSpPr>
+          <p:nvPr>
+            <p:ph type="sldNum" sz="quarter" idx="10"/>
+          </p:nvPr>
+        </p:nvSpPr>
+        <p:spPr/>
+        <p:txBody>
+          <a:bodyPr/>
+          <a:lstStyle/>
+          <a:p>
+            <a:fld id="{23B2E55D-B988-4C5F-9B64-BD54DAF69BB3}" type="slidenum">
+              <a:rPr lang="en-US" smtClean="0"/>
+              <a:t>41</a:t>
+            </a:fld>
+            <a:endParaRPr lang="en-US"/>
+          </a:p>
+        </p:txBody>
+      </p:sp>
+    </p:spTree>
+    <p:extLst>
+      <p:ext uri="{BB962C8B-B14F-4D97-AF65-F5344CB8AC3E}">
+        <p14:creationId xmlns:p14="http://schemas.microsoft.com/office/powerpoint/2010/main" val="3810276166"/>
+      </p:ext>
+    </p:extLst>
+  </p:cSld>
+  <p:clrMapOvr>
+    <a:masterClrMapping/>
+  </p:clrMapOvr>
+</p:notes>
+</file>
+
+<file path=ppt/notesSlides/notesSlide12.xml><?xml version="1.0" encoding="utf-8"?>
+<p:notes xmlns:a="http://schemas.openxmlformats.org/drawingml/2006/main" xmlns:r="http://schemas.openxmlformats.org/officeDocument/2006/relationships" xmlns:p="http://schemas.openxmlformats.org/presentationml/2006/main">
+  <p:cSld>
+    <p:spTree>
+      <p:nvGrpSpPr>
+        <p:cNvPr id="1" name=""/>
+        <p:cNvGrpSpPr/>
+        <p:nvPr/>
+      </p:nvGrpSpPr>
+      <p:grpSpPr>
+        <a:xfrm>
+          <a:off x="0" y="0"/>
+          <a:ext cx="0" cy="0"/>
+          <a:chOff x="0" y="0"/>
+          <a:chExt cx="0" cy="0"/>
+        </a:xfrm>
+      </p:grpSpPr>
+      <p:sp>
+        <p:nvSpPr>
+          <p:cNvPr id="2" name="Slide Image Placeholder 1"/>
+          <p:cNvSpPr>
+            <a:spLocks noGrp="1" noRot="1" noChangeAspect="1"/>
+          </p:cNvSpPr>
+          <p:nvPr>
+            <p:ph type="sldImg"/>
+          </p:nvPr>
+        </p:nvSpPr>
+        <p:spPr/>
+      </p:sp>
+      <p:sp>
+        <p:nvSpPr>
+          <p:cNvPr id="3" name="Notes Placeholder 2"/>
+          <p:cNvSpPr>
+            <a:spLocks noGrp="1"/>
+          </p:cNvSpPr>
+          <p:nvPr>
+            <p:ph type="body" idx="1"/>
+          </p:nvPr>
+        </p:nvSpPr>
+        <p:spPr/>
+        <p:txBody>
+          <a:bodyPr/>
+          <a:lstStyle/>
+          <a:p>
+            <a:r>
+              <a:rPr lang="en-US" dirty="0" smtClean="0"/>
+              <a:t>http://journals.plos.org/plosone/article/metrics?id=10.1371/journal.pone.0141287</a:t>
+            </a:r>
+          </a:p>
+          <a:p>
+            <a:r>
+              <a:rPr lang="en-US" dirty="0" smtClean="0"/>
+              <a:t>https://cs224d.stanford.edu/reports/LeeNguyen.pdf</a:t>
+            </a:r>
+          </a:p>
+          <a:p>
+            <a:r>
+              <a:rPr lang="en-US" dirty="0" smtClean="0"/>
+              <a:t>https://github.com/ehsanasgari/Deep-Proteomics</a:t>
+            </a:r>
+          </a:p>
+          <a:p>
+            <a:r>
+              <a:rPr lang="en-US" dirty="0" smtClean="0"/>
+              <a:t>https://arxiv.org/abs/1608.05949</a:t>
+            </a:r>
+          </a:p>
+          <a:p>
+            <a:r>
+              <a:rPr lang="en-US" dirty="0" smtClean="0"/>
+              <a:t>https://arxiv.org/abs/1604.07176</a:t>
+            </a:r>
+          </a:p>
+          <a:p>
+            <a:r>
+              <a:rPr lang="en-US" dirty="0" smtClean="0"/>
+              <a:t>https://nlp.stanford.edu/pubs/glove.pdf</a:t>
+            </a:r>
+            <a:endParaRPr lang="en-US" dirty="0"/>
+          </a:p>
+        </p:txBody>
+      </p:sp>
+      <p:sp>
+        <p:nvSpPr>
+          <p:cNvPr id="4" name="Slide Number Placeholder 3"/>
+          <p:cNvSpPr>
+            <a:spLocks noGrp="1"/>
+          </p:cNvSpPr>
+          <p:nvPr>
+            <p:ph type="sldNum" sz="quarter" idx="10"/>
+          </p:nvPr>
+        </p:nvSpPr>
+        <p:spPr/>
+        <p:txBody>
+          <a:bodyPr/>
+          <a:lstStyle/>
+          <a:p>
+            <a:fld id="{23B2E55D-B988-4C5F-9B64-BD54DAF69BB3}" type="slidenum">
+              <a:rPr lang="en-US" smtClean="0"/>
+              <a:t>42</a:t>
+            </a:fld>
+            <a:endParaRPr lang="en-US"/>
+          </a:p>
+        </p:txBody>
+      </p:sp>
+    </p:spTree>
+    <p:extLst>
+      <p:ext uri="{BB962C8B-B14F-4D97-AF65-F5344CB8AC3E}">
+        <p14:creationId xmlns:p14="http://schemas.microsoft.com/office/powerpoint/2010/main" val="3301411163"/>
+      </p:ext>
+    </p:extLst>
+  </p:cSld>
+  <p:clrMapOvr>
+    <a:masterClrMapping/>
+  </p:clrMapOvr>
+</p:notes>
+</file>
+
 <file path=ppt/notesSlides/notesSlide2.xml><?xml version="1.0" encoding="utf-8"?>
 <p:notes xmlns:a="http://schemas.openxmlformats.org/drawingml/2006/main" xmlns:r="http://schemas.openxmlformats.org/officeDocument/2006/relationships" xmlns:p="http://schemas.openxmlformats.org/presentationml/2006/main">
   <p:cSld>
@@ -1723,7 +1963,7 @@
           <a:p>
             <a:fld id="{C0A46B16-8F7A-4D6F-8C0F-6A16AA8AE1CA}" type="datetimeFigureOut">
               <a:rPr lang="en-US" smtClean="0"/>
-              <a:t>6/24/2017</a:t>
+              <a:t>7/4/2017</a:t>
             </a:fld>
             <a:endParaRPr lang="en-US"/>
           </a:p>
@@ -1893,7 +2133,7 @@
           <a:p>
             <a:fld id="{C0A46B16-8F7A-4D6F-8C0F-6A16AA8AE1CA}" type="datetimeFigureOut">
               <a:rPr lang="en-US" smtClean="0"/>
-              <a:t>6/24/2017</a:t>
+              <a:t>7/4/2017</a:t>
             </a:fld>
             <a:endParaRPr lang="en-US"/>
           </a:p>
@@ -2073,7 +2313,7 @@
           <a:p>
             <a:fld id="{C0A46B16-8F7A-4D6F-8C0F-6A16AA8AE1CA}" type="datetimeFigureOut">
               <a:rPr lang="en-US" smtClean="0"/>
-              <a:t>6/24/2017</a:t>
+              <a:t>7/4/2017</a:t>
             </a:fld>
             <a:endParaRPr lang="en-US"/>
           </a:p>
@@ -2243,7 +2483,7 @@
           <a:p>
             <a:fld id="{C0A46B16-8F7A-4D6F-8C0F-6A16AA8AE1CA}" type="datetimeFigureOut">
               <a:rPr lang="en-US" smtClean="0"/>
-              <a:t>6/24/2017</a:t>
+              <a:t>7/4/2017</a:t>
             </a:fld>
             <a:endParaRPr lang="en-US"/>
           </a:p>
@@ -2489,7 +2729,7 @@
           <a:p>
             <a:fld id="{C0A46B16-8F7A-4D6F-8C0F-6A16AA8AE1CA}" type="datetimeFigureOut">
               <a:rPr lang="en-US" smtClean="0"/>
-              <a:t>6/24/2017</a:t>
+              <a:t>7/4/2017</a:t>
             </a:fld>
             <a:endParaRPr lang="en-US"/>
           </a:p>
@@ -2721,7 +2961,7 @@
           <a:p>
             <a:fld id="{C0A46B16-8F7A-4D6F-8C0F-6A16AA8AE1CA}" type="datetimeFigureOut">
               <a:rPr lang="en-US" smtClean="0"/>
-              <a:t>6/24/2017</a:t>
+              <a:t>7/4/2017</a:t>
             </a:fld>
             <a:endParaRPr lang="en-US"/>
           </a:p>
@@ -3088,7 +3328,7 @@
           <a:p>
             <a:fld id="{C0A46B16-8F7A-4D6F-8C0F-6A16AA8AE1CA}" type="datetimeFigureOut">
               <a:rPr lang="en-US" smtClean="0"/>
-              <a:t>6/24/2017</a:t>
+              <a:t>7/4/2017</a:t>
             </a:fld>
             <a:endParaRPr lang="en-US"/>
           </a:p>
@@ -3206,7 +3446,7 @@
           <a:p>
             <a:fld id="{C0A46B16-8F7A-4D6F-8C0F-6A16AA8AE1CA}" type="datetimeFigureOut">
               <a:rPr lang="en-US" smtClean="0"/>
-              <a:t>6/24/2017</a:t>
+              <a:t>7/4/2017</a:t>
             </a:fld>
             <a:endParaRPr lang="en-US"/>
           </a:p>
@@ -3301,7 +3541,7 @@
           <a:p>
             <a:fld id="{C0A46B16-8F7A-4D6F-8C0F-6A16AA8AE1CA}" type="datetimeFigureOut">
               <a:rPr lang="en-US" smtClean="0"/>
-              <a:t>6/24/2017</a:t>
+              <a:t>7/4/2017</a:t>
             </a:fld>
             <a:endParaRPr lang="en-US"/>
           </a:p>
@@ -3578,7 +3818,7 @@
           <a:p>
             <a:fld id="{C0A46B16-8F7A-4D6F-8C0F-6A16AA8AE1CA}" type="datetimeFigureOut">
               <a:rPr lang="en-US" smtClean="0"/>
-              <a:t>6/24/2017</a:t>
+              <a:t>7/4/2017</a:t>
             </a:fld>
             <a:endParaRPr lang="en-US"/>
           </a:p>
@@ -3831,7 +4071,7 @@
           <a:p>
             <a:fld id="{C0A46B16-8F7A-4D6F-8C0F-6A16AA8AE1CA}" type="datetimeFigureOut">
               <a:rPr lang="en-US" smtClean="0"/>
-              <a:t>6/24/2017</a:t>
+              <a:t>7/4/2017</a:t>
             </a:fld>
             <a:endParaRPr lang="en-US"/>
           </a:p>
@@ -4044,7 +4284,7 @@
           <a:p>
             <a:fld id="{C0A46B16-8F7A-4D6F-8C0F-6A16AA8AE1CA}" type="datetimeFigureOut">
               <a:rPr lang="en-US" smtClean="0"/>
-              <a:t>6/24/2017</a:t>
+              <a:t>7/4/2017</a:t>
             </a:fld>
             <a:endParaRPr lang="en-US"/>
           </a:p>
@@ -5847,11 +6087,7 @@
           <a:p>
             <a:r>
               <a:rPr lang="en-US" sz="2000" b="1" dirty="0" smtClean="0"/>
-              <a:t>Dataset Overview</a:t>
-            </a:r>
-            <a:r>
-              <a:rPr lang="en-US" sz="2000" b="1" dirty="0" smtClean="0"/>
-              <a:t>: Short Motifs</a:t>
+              <a:t>Dataset Overview: Short Motifs</a:t>
             </a:r>
             <a:endParaRPr lang="en-US" sz="2000" b="1" dirty="0"/>
           </a:p>
@@ -7036,11 +7272,7 @@
           <a:p>
             <a:r>
               <a:rPr lang="en-US" sz="2000" b="1" dirty="0" smtClean="0"/>
-              <a:t>Dataset Overview</a:t>
-            </a:r>
-            <a:r>
-              <a:rPr lang="en-US" sz="2000" b="1" dirty="0" smtClean="0"/>
-              <a:t>: Short Motifs</a:t>
+              <a:t>Dataset Overview: Short Motifs</a:t>
             </a:r>
             <a:endParaRPr lang="en-US" sz="2000" b="1" dirty="0"/>
           </a:p>
@@ -7103,11 +7335,7 @@
             </a:pPr>
             <a:r>
               <a:rPr lang="en-US" sz="1600" dirty="0" smtClean="0"/>
-              <a:t>The next question </a:t>
-            </a:r>
-            <a:r>
-              <a:rPr lang="en-US" sz="1600" dirty="0" smtClean="0"/>
-              <a:t>that arises is where do these motifs show up in a sequence</a:t>
+              <a:t>The next question that arises is where do these motifs show up in a sequence</a:t>
             </a:r>
           </a:p>
           <a:p>
@@ -7133,11 +7361,7 @@
             </a:r>
             <a:r>
               <a:rPr lang="en-US" sz="1600" dirty="0" smtClean="0"/>
-              <a:t>always shows up at the end of a sequence, </a:t>
-            </a:r>
-            <a:r>
-              <a:rPr lang="en-US" sz="1600" dirty="0" smtClean="0"/>
-              <a:t>regardless of length. “ASSL” often shows up in the second and third positions likely due to “CASSL” being reasonably common. These quasi-rules are consistent across both CD4 and CD8 populations.</a:t>
+              <a:t>always shows up at the end of a sequence, regardless of length. “ASSL” often shows up in the second and third positions likely due to “CASSL” being reasonably common. These quasi-rules are consistent across both CD4 and CD8 populations.</a:t>
             </a:r>
           </a:p>
           <a:p>
@@ -7187,11 +7411,7 @@
             </a:pPr>
             <a:r>
               <a:rPr lang="en-US" sz="1600" dirty="0" smtClean="0"/>
-              <a:t>This leads to a needing to do the character usage at different positions. We need to normalize the positions though as we’ve seen that the beginning and end </a:t>
-            </a:r>
-            <a:r>
-              <a:rPr lang="en-US" sz="1600" dirty="0" smtClean="0"/>
-              <a:t>regardless of length contain common features. </a:t>
+              <a:t>This leads to a needing to do the character usage at different positions. We need to normalize the positions though as we’ve seen that the beginning and end regardless of length contain common features. </a:t>
             </a:r>
             <a:endParaRPr lang="en-US" sz="1600" dirty="0"/>
           </a:p>
@@ -7265,11 +7485,7 @@
           <a:p>
             <a:r>
               <a:rPr lang="en-US" sz="2000" b="1" dirty="0" smtClean="0"/>
-              <a:t>Dataset Overview</a:t>
-            </a:r>
-            <a:r>
-              <a:rPr lang="en-US" sz="2000" b="1" dirty="0" smtClean="0"/>
-              <a:t>: Amino Acid Usage CD4</a:t>
+              <a:t>Dataset Overview: Amino Acid Usage CD4</a:t>
             </a:r>
             <a:endParaRPr lang="en-US" sz="2000" b="1" dirty="0"/>
           </a:p>
@@ -7876,11 +8092,7 @@
           <a:p>
             <a:r>
               <a:rPr lang="en-US" sz="2000" b="1" dirty="0" smtClean="0"/>
-              <a:t>Dataset Overview</a:t>
-            </a:r>
-            <a:r>
-              <a:rPr lang="en-US" sz="2000" b="1" dirty="0" smtClean="0"/>
-              <a:t>: Amino Acid Usage CD8</a:t>
+              <a:t>Dataset Overview: Amino Acid Usage CD8</a:t>
             </a:r>
             <a:endParaRPr lang="en-US" sz="2000" b="1" dirty="0"/>
           </a:p>
@@ -9145,11 +9357,7 @@
           <a:p>
             <a:r>
               <a:rPr lang="en-US" sz="2000" b="1" dirty="0" smtClean="0"/>
-              <a:t>Dataset Overview</a:t>
-            </a:r>
-            <a:r>
-              <a:rPr lang="en-US" sz="2000" b="1" dirty="0" smtClean="0"/>
-              <a:t>: Amino Acid Usage CD8 and CD4</a:t>
+              <a:t>Dataset Overview: Amino Acid Usage CD8 and CD4</a:t>
             </a:r>
             <a:endParaRPr lang="en-US" sz="2000" b="1" dirty="0"/>
           </a:p>
@@ -9503,11 +9711,7 @@
           <a:p>
             <a:r>
               <a:rPr lang="en-US" sz="2000" b="1" dirty="0" smtClean="0"/>
-              <a:t>Dataset Overview</a:t>
-            </a:r>
-            <a:r>
-              <a:rPr lang="en-US" sz="2000" b="1" dirty="0" smtClean="0"/>
-              <a:t>: Amino Acid Usage CD8 and CD4</a:t>
+              <a:t>Dataset Overview: Amino Acid Usage CD8 and CD4</a:t>
             </a:r>
             <a:endParaRPr lang="en-US" sz="2000" b="1" dirty="0"/>
           </a:p>
@@ -10579,7 +10783,6 @@
               <a:rPr lang="en-US" dirty="0" smtClean="0"/>
               <a:t>Prot2Vec</a:t>
             </a:r>
-            <a:endParaRPr lang="en-US" dirty="0" smtClean="0"/>
           </a:p>
         </p:txBody>
       </p:sp>
@@ -17741,19 +17944,7 @@
             </a:r>
             <a:r>
               <a:rPr lang="en-US" sz="2000" b="1" dirty="0" smtClean="0"/>
-              <a:t> plots </a:t>
-            </a:r>
-            <a:r>
-              <a:rPr lang="en-US" sz="2000" b="1" dirty="0" smtClean="0"/>
-              <a:t>150 </a:t>
-            </a:r>
-            <a:r>
-              <a:rPr lang="en-US" sz="2000" b="1" dirty="0" smtClean="0"/>
-              <a:t>dim </a:t>
-            </a:r>
-            <a:r>
-              <a:rPr lang="en-US" sz="2000" b="1" dirty="0" smtClean="0"/>
-              <a:t>training set 10,000 examples</a:t>
+              <a:t> plots 150 dim training set 10,000 examples</a:t>
             </a:r>
             <a:endParaRPr lang="en-US" sz="2000" b="1" dirty="0"/>
           </a:p>
@@ -18097,6 +18288,454 @@
     <p:extLst>
       <p:ext uri="{BB962C8B-B14F-4D97-AF65-F5344CB8AC3E}">
         <p14:creationId xmlns:p14="http://schemas.microsoft.com/office/powerpoint/2010/main" val="3552696922"/>
+      </p:ext>
+    </p:extLst>
+  </p:cSld>
+  <p:clrMapOvr>
+    <a:masterClrMapping/>
+  </p:clrMapOvr>
+  <p:timing>
+    <p:tnLst>
+      <p:par>
+        <p:cTn id="1" dur="indefinite" restart="never" nodeType="tmRoot"/>
+      </p:par>
+    </p:tnLst>
+  </p:timing>
+</p:sld>
+</file>
+
+<file path=ppt/slides/slide41.xml><?xml version="1.0" encoding="utf-8"?>
+<p:sld xmlns:a="http://schemas.openxmlformats.org/drawingml/2006/main" xmlns:r="http://schemas.openxmlformats.org/officeDocument/2006/relationships" xmlns:p="http://schemas.openxmlformats.org/presentationml/2006/main">
+  <p:cSld>
+    <p:spTree>
+      <p:nvGrpSpPr>
+        <p:cNvPr id="1" name=""/>
+        <p:cNvGrpSpPr/>
+        <p:nvPr/>
+      </p:nvGrpSpPr>
+      <p:grpSpPr>
+        <a:xfrm>
+          <a:off x="0" y="0"/>
+          <a:ext cx="0" cy="0"/>
+          <a:chOff x="0" y="0"/>
+          <a:chExt cx="0" cy="0"/>
+        </a:xfrm>
+      </p:grpSpPr>
+      <p:sp>
+        <p:nvSpPr>
+          <p:cNvPr id="6" name="TextBox 5"/>
+          <p:cNvSpPr txBox="1"/>
+          <p:nvPr/>
+        </p:nvSpPr>
+        <p:spPr>
+          <a:xfrm>
+            <a:off x="1101434" y="685800"/>
+            <a:ext cx="7998499" cy="400110"/>
+          </a:xfrm>
+          <a:prstGeom prst="rect">
+            <a:avLst/>
+          </a:prstGeom>
+          <a:noFill/>
+        </p:spPr>
+        <p:txBody>
+          <a:bodyPr wrap="square" rtlCol="0">
+            <a:spAutoFit/>
+          </a:bodyPr>
+          <a:lstStyle/>
+          <a:p>
+            <a:r>
+              <a:rPr lang="en-US" sz="2000" b="1" dirty="0" smtClean="0"/>
+              <a:t>Larger Dataset</a:t>
+            </a:r>
+            <a:endParaRPr lang="en-US" sz="2000" b="1" dirty="0"/>
+          </a:p>
+        </p:txBody>
+      </p:sp>
+      <p:sp>
+        <p:nvSpPr>
+          <p:cNvPr id="4" name="TextBox 3"/>
+          <p:cNvSpPr txBox="1"/>
+          <p:nvPr/>
+        </p:nvSpPr>
+        <p:spPr>
+          <a:xfrm>
+            <a:off x="1101435" y="1475280"/>
+            <a:ext cx="6511220" cy="5016758"/>
+          </a:xfrm>
+          <a:prstGeom prst="rect">
+            <a:avLst/>
+          </a:prstGeom>
+          <a:noFill/>
+        </p:spPr>
+        <p:txBody>
+          <a:bodyPr wrap="square" rtlCol="0">
+            <a:spAutoFit/>
+          </a:bodyPr>
+          <a:lstStyle/>
+          <a:p>
+            <a:pPr marL="285750" indent="-285750">
+              <a:buFontTx/>
+              <a:buChar char="-"/>
+            </a:pPr>
+            <a:r>
+              <a:rPr lang="en-US" sz="1600" dirty="0" smtClean="0"/>
+              <a:t>Chucking everything in </a:t>
+            </a:r>
+            <a:r>
+              <a:rPr lang="en-US" sz="1600" dirty="0" smtClean="0"/>
+              <a:t>didn’t work</a:t>
+            </a:r>
+          </a:p>
+          <a:p>
+            <a:pPr marL="285750" indent="-285750">
+              <a:buFontTx/>
+              <a:buChar char="-"/>
+            </a:pPr>
+            <a:r>
+              <a:rPr lang="en-US" sz="1600" dirty="0" smtClean="0"/>
+              <a:t>Only looked at beta initially</a:t>
+            </a:r>
+          </a:p>
+          <a:p>
+            <a:pPr marL="285750" indent="-285750">
+              <a:buFontTx/>
+              <a:buChar char="-"/>
+            </a:pPr>
+            <a:r>
+              <a:rPr lang="en-US" sz="1600" dirty="0" smtClean="0"/>
+              <a:t>Next used only the beta naïve cells about 10 off random</a:t>
+            </a:r>
+          </a:p>
+          <a:p>
+            <a:pPr marL="285750" indent="-285750">
+              <a:buFontTx/>
+              <a:buChar char="-"/>
+            </a:pPr>
+            <a:r>
+              <a:rPr lang="en-US" sz="1600" dirty="0" smtClean="0"/>
+              <a:t>The same relative results for models trained on individual patients </a:t>
+            </a:r>
+          </a:p>
+          <a:p>
+            <a:pPr marL="742950" lvl="1" indent="-285750">
+              <a:buFontTx/>
+              <a:buChar char="-"/>
+            </a:pPr>
+            <a:r>
+              <a:rPr lang="en-US" sz="1600" dirty="0" smtClean="0"/>
+              <a:t>Right now we have three, EG10, SK11, KS07</a:t>
+            </a:r>
+          </a:p>
+          <a:p>
+            <a:pPr marL="285750" indent="-285750">
+              <a:buFontTx/>
+              <a:buChar char="-"/>
+            </a:pPr>
+            <a:r>
+              <a:rPr lang="en-US" sz="1600" dirty="0" smtClean="0"/>
+              <a:t>Trained an individual model for each patient and </a:t>
+            </a:r>
+            <a:r>
+              <a:rPr lang="en-US" sz="1600" dirty="0" smtClean="0"/>
+              <a:t>when combining them by multiplying the log likelihoods it didn’t go very well and actually decreased things. This makes it look like the only way is to include the prior of the V and go from there</a:t>
+            </a:r>
+          </a:p>
+          <a:p>
+            <a:pPr marL="285750" indent="-285750">
+              <a:buFontTx/>
+              <a:buChar char="-"/>
+            </a:pPr>
+            <a:r>
+              <a:rPr lang="en-US" sz="1600" dirty="0" smtClean="0"/>
+              <a:t>The predication probability differences are really low which suggests the V prior will have a big effect. </a:t>
+            </a:r>
+          </a:p>
+          <a:p>
+            <a:pPr marL="285750" indent="-285750">
+              <a:buFontTx/>
+              <a:buChar char="-"/>
+            </a:pPr>
+            <a:r>
+              <a:rPr lang="en-US" sz="1600" dirty="0" smtClean="0"/>
+              <a:t>Another thing is to include the v and j regions as features </a:t>
+            </a:r>
+          </a:p>
+          <a:p>
+            <a:pPr marL="285750" indent="-285750">
+              <a:buFontTx/>
+              <a:buChar char="-"/>
+            </a:pPr>
+            <a:r>
+              <a:rPr lang="en-US" sz="1600" dirty="0" smtClean="0"/>
+              <a:t>Also need to run the one hot version </a:t>
+            </a:r>
+          </a:p>
+          <a:p>
+            <a:pPr marL="285750" indent="-285750">
+              <a:buFontTx/>
+              <a:buChar char="-"/>
+            </a:pPr>
+            <a:r>
+              <a:rPr lang="en-US" sz="1600" dirty="0" smtClean="0"/>
+              <a:t>Also need to run the one hot version with v</a:t>
+            </a:r>
+          </a:p>
+          <a:p>
+            <a:pPr marL="285750" indent="-285750">
+              <a:buFontTx/>
+              <a:buChar char="-"/>
+            </a:pPr>
+            <a:r>
+              <a:rPr lang="en-US" sz="1600" dirty="0" smtClean="0"/>
+              <a:t>Also need to classify only the CDR1 and CDR2 separately</a:t>
+            </a:r>
+          </a:p>
+          <a:p>
+            <a:pPr marL="285750" indent="-285750">
+              <a:buFontTx/>
+              <a:buChar char="-"/>
+            </a:pPr>
+            <a:r>
+              <a:rPr lang="en-US" sz="1600" dirty="0" smtClean="0"/>
+              <a:t>Just on V and J got EG10 61% (55/45) using </a:t>
+            </a:r>
+            <a:r>
+              <a:rPr lang="en-US" sz="1600" dirty="0" err="1" smtClean="0"/>
+              <a:t>Adaboost</a:t>
+            </a:r>
+            <a:endParaRPr lang="en-US" sz="1600" dirty="0" smtClean="0"/>
+          </a:p>
+          <a:p>
+            <a:pPr marL="742950" lvl="1" indent="-285750">
+              <a:buFontTx/>
+              <a:buChar char="-"/>
+            </a:pPr>
+            <a:r>
+              <a:rPr lang="en-US" sz="1600" dirty="0" smtClean="0"/>
+              <a:t>This suggest knowing the v and j is valuable; the deletions are not </a:t>
+            </a:r>
+          </a:p>
+          <a:p>
+            <a:pPr marL="742950" lvl="1" indent="-285750">
+              <a:buFontTx/>
+              <a:buChar char="-"/>
+            </a:pPr>
+            <a:r>
+              <a:rPr lang="en-US" sz="1600" dirty="0" smtClean="0"/>
+              <a:t>This is entirely derived from the v region: v region is used preferably by cd4/8</a:t>
+            </a:r>
+            <a:endParaRPr lang="en-US" sz="1600" dirty="0" smtClean="0"/>
+          </a:p>
+          <a:p>
+            <a:pPr marL="285750" indent="-285750">
+              <a:buFontTx/>
+              <a:buChar char="-"/>
+            </a:pPr>
+            <a:endParaRPr lang="en-US" sz="1600" dirty="0"/>
+          </a:p>
+        </p:txBody>
+      </p:sp>
+    </p:spTree>
+    <p:extLst>
+      <p:ext uri="{BB962C8B-B14F-4D97-AF65-F5344CB8AC3E}">
+        <p14:creationId xmlns:p14="http://schemas.microsoft.com/office/powerpoint/2010/main" val="1859794662"/>
+      </p:ext>
+    </p:extLst>
+  </p:cSld>
+  <p:clrMapOvr>
+    <a:masterClrMapping/>
+  </p:clrMapOvr>
+  <p:timing>
+    <p:tnLst>
+      <p:par>
+        <p:cTn id="1" dur="indefinite" restart="never" nodeType="tmRoot"/>
+      </p:par>
+    </p:tnLst>
+  </p:timing>
+</p:sld>
+</file>
+
+<file path=ppt/slides/slide42.xml><?xml version="1.0" encoding="utf-8"?>
+<p:sld xmlns:a="http://schemas.openxmlformats.org/drawingml/2006/main" xmlns:r="http://schemas.openxmlformats.org/officeDocument/2006/relationships" xmlns:p="http://schemas.openxmlformats.org/presentationml/2006/main">
+  <p:cSld>
+    <p:spTree>
+      <p:nvGrpSpPr>
+        <p:cNvPr id="1" name=""/>
+        <p:cNvGrpSpPr/>
+        <p:nvPr/>
+      </p:nvGrpSpPr>
+      <p:grpSpPr>
+        <a:xfrm>
+          <a:off x="0" y="0"/>
+          <a:ext cx="0" cy="0"/>
+          <a:chOff x="0" y="0"/>
+          <a:chExt cx="0" cy="0"/>
+        </a:xfrm>
+      </p:grpSpPr>
+      <p:sp>
+        <p:nvSpPr>
+          <p:cNvPr id="6" name="TextBox 5"/>
+          <p:cNvSpPr txBox="1"/>
+          <p:nvPr/>
+        </p:nvSpPr>
+        <p:spPr>
+          <a:xfrm>
+            <a:off x="1101434" y="685800"/>
+            <a:ext cx="7998499" cy="400110"/>
+          </a:xfrm>
+          <a:prstGeom prst="rect">
+            <a:avLst/>
+          </a:prstGeom>
+          <a:noFill/>
+        </p:spPr>
+        <p:txBody>
+          <a:bodyPr wrap="square" rtlCol="0">
+            <a:spAutoFit/>
+          </a:bodyPr>
+          <a:lstStyle/>
+          <a:p>
+            <a:r>
+              <a:rPr lang="en-US" sz="2000" b="1" dirty="0" smtClean="0"/>
+              <a:t>Larger Dataset</a:t>
+            </a:r>
+            <a:endParaRPr lang="en-US" sz="2000" b="1" dirty="0"/>
+          </a:p>
+        </p:txBody>
+      </p:sp>
+      <p:sp>
+        <p:nvSpPr>
+          <p:cNvPr id="4" name="TextBox 3"/>
+          <p:cNvSpPr txBox="1"/>
+          <p:nvPr/>
+        </p:nvSpPr>
+        <p:spPr>
+          <a:xfrm>
+            <a:off x="1101434" y="1475280"/>
+            <a:ext cx="9717129" cy="2062103"/>
+          </a:xfrm>
+          <a:prstGeom prst="rect">
+            <a:avLst/>
+          </a:prstGeom>
+          <a:noFill/>
+        </p:spPr>
+        <p:txBody>
+          <a:bodyPr wrap="square" rtlCol="0">
+            <a:spAutoFit/>
+          </a:bodyPr>
+          <a:lstStyle/>
+          <a:p>
+            <a:pPr marL="285750" indent="-285750">
+              <a:buFontTx/>
+              <a:buChar char="-"/>
+            </a:pPr>
+            <a:r>
+              <a:rPr lang="en-US" sz="1600" dirty="0" smtClean="0"/>
+              <a:t>Including V region with Li et al. method leads to 5% bump to around 66% using </a:t>
+            </a:r>
+            <a:r>
+              <a:rPr lang="en-US" sz="1600" dirty="0" err="1" smtClean="0"/>
+              <a:t>adaboost</a:t>
+            </a:r>
+            <a:endParaRPr lang="en-US" sz="1600" dirty="0"/>
+          </a:p>
+          <a:p>
+            <a:pPr marL="285750" indent="-285750">
+              <a:buFontTx/>
+              <a:buChar char="-"/>
+            </a:pPr>
+            <a:r>
+              <a:rPr lang="en-US" sz="1600" dirty="0" smtClean="0"/>
+              <a:t>Multiplying the V region probability after the fact bumps it by only 1 to 2%</a:t>
+            </a:r>
+            <a:r>
+              <a:rPr lang="en-US" sz="1600" dirty="0" smtClean="0"/>
+              <a:t> </a:t>
+            </a:r>
+          </a:p>
+          <a:p>
+            <a:pPr marL="285750" indent="-285750">
+              <a:buFontTx/>
+              <a:buChar char="-"/>
+            </a:pPr>
+            <a:r>
+              <a:rPr lang="en-US" sz="1600" dirty="0" smtClean="0"/>
+              <a:t>Almost all CDR1s are 5 long; can classify them at get a 5% gain on random at 60%</a:t>
+            </a:r>
+          </a:p>
+          <a:p>
+            <a:pPr marL="285750" indent="-285750">
+              <a:buFontTx/>
+              <a:buChar char="-"/>
+            </a:pPr>
+            <a:r>
+              <a:rPr lang="en-US" sz="1600" dirty="0" smtClean="0"/>
+              <a:t>Appears the same with CDR2s but they’re 6 long; 61%</a:t>
+            </a:r>
+          </a:p>
+          <a:p>
+            <a:pPr marL="285750" indent="-285750">
+              <a:buFontTx/>
+              <a:buChar char="-"/>
+            </a:pPr>
+            <a:r>
+              <a:rPr lang="en-US" sz="1600" dirty="0" smtClean="0"/>
+              <a:t>Concatenating them makes 61%</a:t>
+            </a:r>
+          </a:p>
+          <a:p>
+            <a:pPr marL="285750" indent="-285750">
+              <a:buFontTx/>
+              <a:buChar char="-"/>
+            </a:pPr>
+            <a:r>
+              <a:rPr lang="en-US" sz="1600" dirty="0" smtClean="0"/>
+              <a:t>Classifier on each then </a:t>
+            </a:r>
+            <a:r>
+              <a:rPr lang="en-US" sz="1600" dirty="0" err="1" smtClean="0"/>
+              <a:t>concat</a:t>
+            </a:r>
+            <a:r>
+              <a:rPr lang="en-US" sz="1600" dirty="0" smtClean="0"/>
+              <a:t> the log </a:t>
+            </a:r>
+            <a:r>
+              <a:rPr lang="en-US" sz="1600" dirty="0" err="1" smtClean="0"/>
+              <a:t>probs</a:t>
+            </a:r>
+            <a:r>
+              <a:rPr lang="en-US" sz="1600" dirty="0" smtClean="0"/>
+              <a:t> then ensemble on the data with an </a:t>
+            </a:r>
+            <a:r>
+              <a:rPr lang="en-US" sz="1600" dirty="0" err="1" smtClean="0"/>
+              <a:t>svm</a:t>
+            </a:r>
+            <a:r>
+              <a:rPr lang="en-US" sz="1600" dirty="0" smtClean="0"/>
+              <a:t> gets </a:t>
+            </a:r>
+          </a:p>
+          <a:p>
+            <a:pPr marL="285750" indent="-285750">
+              <a:buFontTx/>
+              <a:buChar char="-"/>
+            </a:pPr>
+            <a:endParaRPr lang="en-US" sz="1600" dirty="0" smtClean="0"/>
+          </a:p>
+          <a:p>
+            <a:pPr marL="285750" indent="-285750">
+              <a:buFontTx/>
+              <a:buChar char="-"/>
+            </a:pPr>
+            <a:endParaRPr lang="en-US" sz="1600" dirty="0"/>
+          </a:p>
+        </p:txBody>
+      </p:sp>
+    </p:spTree>
+    <p:extLst>
+      <p:ext uri="{BB962C8B-B14F-4D97-AF65-F5344CB8AC3E}">
+        <p14:creationId xmlns:p14="http://schemas.microsoft.com/office/powerpoint/2010/main" val="3184842271"/>
       </p:ext>
     </p:extLst>
   </p:cSld>

--- a/presentations/algorithm_overview.pptx
+++ b/presentations/algorithm_overview.pptx
@@ -316,7 +316,7 @@
           <a:p>
             <a:fld id="{04BDABAD-20ED-488D-B4FF-EA3611E5B067}" type="datetimeFigureOut">
               <a:rPr lang="en-US" smtClean="0"/>
-              <a:t>8/3/2017</a:t>
+              <a:t>8/9/2017</a:t>
             </a:fld>
             <a:endParaRPr lang="en-US"/>
           </a:p>
@@ -2577,7 +2577,7 @@
           <a:p>
             <a:fld id="{C0A46B16-8F7A-4D6F-8C0F-6A16AA8AE1CA}" type="datetimeFigureOut">
               <a:rPr lang="en-US" smtClean="0"/>
-              <a:t>8/3/2017</a:t>
+              <a:t>8/9/2017</a:t>
             </a:fld>
             <a:endParaRPr lang="en-US"/>
           </a:p>
@@ -2747,7 +2747,7 @@
           <a:p>
             <a:fld id="{C0A46B16-8F7A-4D6F-8C0F-6A16AA8AE1CA}" type="datetimeFigureOut">
               <a:rPr lang="en-US" smtClean="0"/>
-              <a:t>8/3/2017</a:t>
+              <a:t>8/9/2017</a:t>
             </a:fld>
             <a:endParaRPr lang="en-US"/>
           </a:p>
@@ -2927,7 +2927,7 @@
           <a:p>
             <a:fld id="{C0A46B16-8F7A-4D6F-8C0F-6A16AA8AE1CA}" type="datetimeFigureOut">
               <a:rPr lang="en-US" smtClean="0"/>
-              <a:t>8/3/2017</a:t>
+              <a:t>8/9/2017</a:t>
             </a:fld>
             <a:endParaRPr lang="en-US"/>
           </a:p>
@@ -3097,7 +3097,7 @@
           <a:p>
             <a:fld id="{C0A46B16-8F7A-4D6F-8C0F-6A16AA8AE1CA}" type="datetimeFigureOut">
               <a:rPr lang="en-US" smtClean="0"/>
-              <a:t>8/3/2017</a:t>
+              <a:t>8/9/2017</a:t>
             </a:fld>
             <a:endParaRPr lang="en-US"/>
           </a:p>
@@ -3343,7 +3343,7 @@
           <a:p>
             <a:fld id="{C0A46B16-8F7A-4D6F-8C0F-6A16AA8AE1CA}" type="datetimeFigureOut">
               <a:rPr lang="en-US" smtClean="0"/>
-              <a:t>8/3/2017</a:t>
+              <a:t>8/9/2017</a:t>
             </a:fld>
             <a:endParaRPr lang="en-US"/>
           </a:p>
@@ -3575,7 +3575,7 @@
           <a:p>
             <a:fld id="{C0A46B16-8F7A-4D6F-8C0F-6A16AA8AE1CA}" type="datetimeFigureOut">
               <a:rPr lang="en-US" smtClean="0"/>
-              <a:t>8/3/2017</a:t>
+              <a:t>8/9/2017</a:t>
             </a:fld>
             <a:endParaRPr lang="en-US"/>
           </a:p>
@@ -3942,7 +3942,7 @@
           <a:p>
             <a:fld id="{C0A46B16-8F7A-4D6F-8C0F-6A16AA8AE1CA}" type="datetimeFigureOut">
               <a:rPr lang="en-US" smtClean="0"/>
-              <a:t>8/3/2017</a:t>
+              <a:t>8/9/2017</a:t>
             </a:fld>
             <a:endParaRPr lang="en-US"/>
           </a:p>
@@ -4060,7 +4060,7 @@
           <a:p>
             <a:fld id="{C0A46B16-8F7A-4D6F-8C0F-6A16AA8AE1CA}" type="datetimeFigureOut">
               <a:rPr lang="en-US" smtClean="0"/>
-              <a:t>8/3/2017</a:t>
+              <a:t>8/9/2017</a:t>
             </a:fld>
             <a:endParaRPr lang="en-US"/>
           </a:p>
@@ -4155,7 +4155,7 @@
           <a:p>
             <a:fld id="{C0A46B16-8F7A-4D6F-8C0F-6A16AA8AE1CA}" type="datetimeFigureOut">
               <a:rPr lang="en-US" smtClean="0"/>
-              <a:t>8/3/2017</a:t>
+              <a:t>8/9/2017</a:t>
             </a:fld>
             <a:endParaRPr lang="en-US"/>
           </a:p>
@@ -4432,7 +4432,7 @@
           <a:p>
             <a:fld id="{C0A46B16-8F7A-4D6F-8C0F-6A16AA8AE1CA}" type="datetimeFigureOut">
               <a:rPr lang="en-US" smtClean="0"/>
-              <a:t>8/3/2017</a:t>
+              <a:t>8/9/2017</a:t>
             </a:fld>
             <a:endParaRPr lang="en-US"/>
           </a:p>
@@ -4685,7 +4685,7 @@
           <a:p>
             <a:fld id="{C0A46B16-8F7A-4D6F-8C0F-6A16AA8AE1CA}" type="datetimeFigureOut">
               <a:rPr lang="en-US" smtClean="0"/>
-              <a:t>8/3/2017</a:t>
+              <a:t>8/9/2017</a:t>
             </a:fld>
             <a:endParaRPr lang="en-US"/>
           </a:p>
@@ -4898,7 +4898,7 @@
           <a:p>
             <a:fld id="{C0A46B16-8F7A-4D6F-8C0F-6A16AA8AE1CA}" type="datetimeFigureOut">
               <a:rPr lang="en-US" smtClean="0"/>
-              <a:t>8/3/2017</a:t>
+              <a:t>8/9/2017</a:t>
             </a:fld>
             <a:endParaRPr lang="en-US"/>
           </a:p>
@@ -24065,6 +24065,58 @@
           </a:prstGeom>
         </p:spPr>
       </p:pic>
+      <p:sp>
+        <p:nvSpPr>
+          <p:cNvPr id="4" name="TextBox 3"/>
+          <p:cNvSpPr txBox="1"/>
+          <p:nvPr/>
+        </p:nvSpPr>
+        <p:spPr>
+          <a:xfrm>
+            <a:off x="5282442" y="1486020"/>
+            <a:ext cx="1203666" cy="646331"/>
+          </a:xfrm>
+          <a:prstGeom prst="rect">
+            <a:avLst/>
+          </a:prstGeom>
+          <a:noFill/>
+        </p:spPr>
+        <p:txBody>
+          <a:bodyPr wrap="square" rtlCol="0">
+            <a:spAutoFit/>
+          </a:bodyPr>
+          <a:lstStyle/>
+          <a:p>
+            <a:r>
+              <a:rPr lang="en-US" dirty="0" smtClean="0">
+                <a:solidFill>
+                  <a:srgbClr val="0070C0"/>
+                </a:solidFill>
+              </a:rPr>
+              <a:t>Blue</a:t>
+            </a:r>
+            <a:r>
+              <a:rPr lang="en-US" dirty="0" smtClean="0"/>
+              <a:t> = CD4</a:t>
+            </a:r>
+          </a:p>
+          <a:p>
+            <a:r>
+              <a:rPr lang="en-US" dirty="0" smtClean="0">
+                <a:solidFill>
+                  <a:srgbClr val="FF0000"/>
+                </a:solidFill>
+              </a:rPr>
+              <a:t>Red</a:t>
+            </a:r>
+            <a:r>
+              <a:rPr lang="en-US" dirty="0" smtClean="0"/>
+              <a:t>  = CD8</a:t>
+            </a:r>
+            <a:endParaRPr lang="en-US" dirty="0"/>
+          </a:p>
+        </p:txBody>
+      </p:sp>
     </p:spTree>
     <p:extLst>
       <p:ext uri="{BB962C8B-B14F-4D97-AF65-F5344CB8AC3E}">

--- a/presentations/algorithm_overview.pptx
+++ b/presentations/algorithm_overview.pptx
@@ -316,7 +316,7 @@
           <a:p>
             <a:fld id="{04BDABAD-20ED-488D-B4FF-EA3611E5B067}" type="datetimeFigureOut">
               <a:rPr lang="en-US" smtClean="0"/>
-              <a:t>8/9/2017</a:t>
+              <a:t>8/22/2017</a:t>
             </a:fld>
             <a:endParaRPr lang="en-US"/>
           </a:p>
@@ -2577,7 +2577,7 @@
           <a:p>
             <a:fld id="{C0A46B16-8F7A-4D6F-8C0F-6A16AA8AE1CA}" type="datetimeFigureOut">
               <a:rPr lang="en-US" smtClean="0"/>
-              <a:t>8/9/2017</a:t>
+              <a:t>8/22/2017</a:t>
             </a:fld>
             <a:endParaRPr lang="en-US"/>
           </a:p>
@@ -2747,7 +2747,7 @@
           <a:p>
             <a:fld id="{C0A46B16-8F7A-4D6F-8C0F-6A16AA8AE1CA}" type="datetimeFigureOut">
               <a:rPr lang="en-US" smtClean="0"/>
-              <a:t>8/9/2017</a:t>
+              <a:t>8/22/2017</a:t>
             </a:fld>
             <a:endParaRPr lang="en-US"/>
           </a:p>
@@ -2927,7 +2927,7 @@
           <a:p>
             <a:fld id="{C0A46B16-8F7A-4D6F-8C0F-6A16AA8AE1CA}" type="datetimeFigureOut">
               <a:rPr lang="en-US" smtClean="0"/>
-              <a:t>8/9/2017</a:t>
+              <a:t>8/22/2017</a:t>
             </a:fld>
             <a:endParaRPr lang="en-US"/>
           </a:p>
@@ -3097,7 +3097,7 @@
           <a:p>
             <a:fld id="{C0A46B16-8F7A-4D6F-8C0F-6A16AA8AE1CA}" type="datetimeFigureOut">
               <a:rPr lang="en-US" smtClean="0"/>
-              <a:t>8/9/2017</a:t>
+              <a:t>8/22/2017</a:t>
             </a:fld>
             <a:endParaRPr lang="en-US"/>
           </a:p>
@@ -3343,7 +3343,7 @@
           <a:p>
             <a:fld id="{C0A46B16-8F7A-4D6F-8C0F-6A16AA8AE1CA}" type="datetimeFigureOut">
               <a:rPr lang="en-US" smtClean="0"/>
-              <a:t>8/9/2017</a:t>
+              <a:t>8/22/2017</a:t>
             </a:fld>
             <a:endParaRPr lang="en-US"/>
           </a:p>
@@ -3575,7 +3575,7 @@
           <a:p>
             <a:fld id="{C0A46B16-8F7A-4D6F-8C0F-6A16AA8AE1CA}" type="datetimeFigureOut">
               <a:rPr lang="en-US" smtClean="0"/>
-              <a:t>8/9/2017</a:t>
+              <a:t>8/22/2017</a:t>
             </a:fld>
             <a:endParaRPr lang="en-US"/>
           </a:p>
@@ -3942,7 +3942,7 @@
           <a:p>
             <a:fld id="{C0A46B16-8F7A-4D6F-8C0F-6A16AA8AE1CA}" type="datetimeFigureOut">
               <a:rPr lang="en-US" smtClean="0"/>
-              <a:t>8/9/2017</a:t>
+              <a:t>8/22/2017</a:t>
             </a:fld>
             <a:endParaRPr lang="en-US"/>
           </a:p>
@@ -4060,7 +4060,7 @@
           <a:p>
             <a:fld id="{C0A46B16-8F7A-4D6F-8C0F-6A16AA8AE1CA}" type="datetimeFigureOut">
               <a:rPr lang="en-US" smtClean="0"/>
-              <a:t>8/9/2017</a:t>
+              <a:t>8/22/2017</a:t>
             </a:fld>
             <a:endParaRPr lang="en-US"/>
           </a:p>
@@ -4155,7 +4155,7 @@
           <a:p>
             <a:fld id="{C0A46B16-8F7A-4D6F-8C0F-6A16AA8AE1CA}" type="datetimeFigureOut">
               <a:rPr lang="en-US" smtClean="0"/>
-              <a:t>8/9/2017</a:t>
+              <a:t>8/22/2017</a:t>
             </a:fld>
             <a:endParaRPr lang="en-US"/>
           </a:p>
@@ -4432,7 +4432,7 @@
           <a:p>
             <a:fld id="{C0A46B16-8F7A-4D6F-8C0F-6A16AA8AE1CA}" type="datetimeFigureOut">
               <a:rPr lang="en-US" smtClean="0"/>
-              <a:t>8/9/2017</a:t>
+              <a:t>8/22/2017</a:t>
             </a:fld>
             <a:endParaRPr lang="en-US"/>
           </a:p>
@@ -4685,7 +4685,7 @@
           <a:p>
             <a:fld id="{C0A46B16-8F7A-4D6F-8C0F-6A16AA8AE1CA}" type="datetimeFigureOut">
               <a:rPr lang="en-US" smtClean="0"/>
-              <a:t>8/9/2017</a:t>
+              <a:t>8/22/2017</a:t>
             </a:fld>
             <a:endParaRPr lang="en-US"/>
           </a:p>
@@ -4898,7 +4898,7 @@
           <a:p>
             <a:fld id="{C0A46B16-8F7A-4D6F-8C0F-6A16AA8AE1CA}" type="datetimeFigureOut">
               <a:rPr lang="en-US" smtClean="0"/>
-              <a:t>8/9/2017</a:t>
+              <a:t>8/22/2017</a:t>
             </a:fld>
             <a:endParaRPr lang="en-US"/>
           </a:p>
@@ -22786,15 +22786,14 @@
         <p:nvCxnSpPr>
           <p:cNvPr id="9" name="Straight Arrow Connector 8"/>
           <p:cNvCxnSpPr>
-            <a:stCxn id="4" idx="3"/>
             <a:endCxn id="7" idx="1"/>
           </p:cNvCxnSpPr>
           <p:nvPr/>
         </p:nvCxnSpPr>
         <p:spPr>
-          <a:xfrm flipV="1">
-            <a:off x="2797734" y="2838127"/>
-            <a:ext cx="704002" cy="1"/>
+          <a:xfrm>
+            <a:off x="3142796" y="2838126"/>
+            <a:ext cx="358940" cy="1"/>
           </a:xfrm>
           <a:prstGeom prst="straightConnector1">
             <a:avLst/>
@@ -23362,6 +23361,132 @@
               <a:solidFill>
                 <a:schemeClr val="bg1">
                   <a:lumMod val="50000"/>
+                </a:schemeClr>
+              </a:solidFill>
+            </a:endParaRPr>
+          </a:p>
+        </p:txBody>
+      </p:sp>
+      <p:sp>
+        <p:nvSpPr>
+          <p:cNvPr id="3" name="TextBox 2"/>
+          <p:cNvSpPr txBox="1"/>
+          <p:nvPr/>
+        </p:nvSpPr>
+        <p:spPr>
+          <a:xfrm>
+            <a:off x="2564262" y="2367550"/>
+            <a:ext cx="704002" cy="369332"/>
+          </a:xfrm>
+          <a:prstGeom prst="rect">
+            <a:avLst/>
+          </a:prstGeom>
+          <a:noFill/>
+        </p:spPr>
+        <p:txBody>
+          <a:bodyPr wrap="square" rtlCol="0">
+            <a:spAutoFit/>
+          </a:bodyPr>
+          <a:lstStyle/>
+          <a:p>
+            <a:r>
+              <a:rPr lang="en-US" dirty="0" smtClean="0">
+                <a:solidFill>
+                  <a:schemeClr val="accent1">
+                    <a:lumMod val="75000"/>
+                  </a:schemeClr>
+                </a:solidFill>
+              </a:rPr>
+              <a:t>CDR3</a:t>
+            </a:r>
+            <a:endParaRPr lang="en-US" dirty="0">
+              <a:solidFill>
+                <a:schemeClr val="accent1">
+                  <a:lumMod val="75000"/>
+                </a:schemeClr>
+              </a:solidFill>
+            </a:endParaRPr>
+          </a:p>
+        </p:txBody>
+      </p:sp>
+      <p:sp>
+        <p:nvSpPr>
+          <p:cNvPr id="20" name="TextBox 19"/>
+          <p:cNvSpPr txBox="1"/>
+          <p:nvPr/>
+        </p:nvSpPr>
+        <p:spPr>
+          <a:xfrm>
+            <a:off x="2330790" y="2642678"/>
+            <a:ext cx="704002" cy="369332"/>
+          </a:xfrm>
+          <a:prstGeom prst="rect">
+            <a:avLst/>
+          </a:prstGeom>
+          <a:noFill/>
+        </p:spPr>
+        <p:txBody>
+          <a:bodyPr wrap="square" rtlCol="0">
+            <a:spAutoFit/>
+          </a:bodyPr>
+          <a:lstStyle/>
+          <a:p>
+            <a:r>
+              <a:rPr lang="en-US" dirty="0" smtClean="0">
+                <a:solidFill>
+                  <a:schemeClr val="accent1">
+                    <a:lumMod val="75000"/>
+                  </a:schemeClr>
+                </a:solidFill>
+              </a:rPr>
+              <a:t>CDR2</a:t>
+            </a:r>
+            <a:endParaRPr lang="en-US" dirty="0">
+              <a:solidFill>
+                <a:schemeClr val="accent1">
+                  <a:lumMod val="75000"/>
+                </a:schemeClr>
+              </a:solidFill>
+            </a:endParaRPr>
+          </a:p>
+        </p:txBody>
+      </p:sp>
+      <p:sp>
+        <p:nvSpPr>
+          <p:cNvPr id="21" name="TextBox 20"/>
+          <p:cNvSpPr txBox="1"/>
+          <p:nvPr/>
+        </p:nvSpPr>
+        <p:spPr>
+          <a:xfrm>
+            <a:off x="2330790" y="2917806"/>
+            <a:ext cx="704002" cy="369332"/>
+          </a:xfrm>
+          <a:prstGeom prst="rect">
+            <a:avLst/>
+          </a:prstGeom>
+          <a:noFill/>
+        </p:spPr>
+        <p:txBody>
+          <a:bodyPr wrap="square" rtlCol="0">
+            <a:spAutoFit/>
+          </a:bodyPr>
+          <a:lstStyle/>
+          <a:p>
+            <a:r>
+              <a:rPr lang="en-US" dirty="0" smtClean="0">
+                <a:solidFill>
+                  <a:schemeClr val="accent1">
+                    <a:lumMod val="75000"/>
+                  </a:schemeClr>
+                </a:solidFill>
+              </a:rPr>
+              <a:t>CDR1</a:t>
+            </a:r>
+            <a:endParaRPr lang="en-US" dirty="0">
+              <a:solidFill>
+                <a:schemeClr val="accent1">
+                  <a:lumMod val="75000"/>
                 </a:schemeClr>
               </a:solidFill>
             </a:endParaRPr>
